--- a/JHP_Design.pptx
+++ b/JHP_Design.pptx
@@ -259,7 +259,7 @@
           <a:p>
             <a:fld id="{65F3756F-6BA0-BE41-9226-AD7D2B2262FF}" type="datetimeFigureOut">
               <a:rPr lang="en-US" smtClean="0"/>
-              <a:t>7/13/20</a:t>
+              <a:t>7/18/20</a:t>
             </a:fld>
             <a:endParaRPr lang="en-US"/>
           </a:p>
@@ -457,7 +457,7 @@
           <a:p>
             <a:fld id="{65F3756F-6BA0-BE41-9226-AD7D2B2262FF}" type="datetimeFigureOut">
               <a:rPr lang="en-US" smtClean="0"/>
-              <a:t>7/13/20</a:t>
+              <a:t>7/18/20</a:t>
             </a:fld>
             <a:endParaRPr lang="en-US"/>
           </a:p>
@@ -665,7 +665,7 @@
           <a:p>
             <a:fld id="{65F3756F-6BA0-BE41-9226-AD7D2B2262FF}" type="datetimeFigureOut">
               <a:rPr lang="en-US" smtClean="0"/>
-              <a:t>7/13/20</a:t>
+              <a:t>7/18/20</a:t>
             </a:fld>
             <a:endParaRPr lang="en-US"/>
           </a:p>
@@ -863,7 +863,7 @@
           <a:p>
             <a:fld id="{65F3756F-6BA0-BE41-9226-AD7D2B2262FF}" type="datetimeFigureOut">
               <a:rPr lang="en-US" smtClean="0"/>
-              <a:t>7/13/20</a:t>
+              <a:t>7/18/20</a:t>
             </a:fld>
             <a:endParaRPr lang="en-US"/>
           </a:p>
@@ -1138,7 +1138,7 @@
           <a:p>
             <a:fld id="{65F3756F-6BA0-BE41-9226-AD7D2B2262FF}" type="datetimeFigureOut">
               <a:rPr lang="en-US" smtClean="0"/>
-              <a:t>7/13/20</a:t>
+              <a:t>7/18/20</a:t>
             </a:fld>
             <a:endParaRPr lang="en-US"/>
           </a:p>
@@ -1403,7 +1403,7 @@
           <a:p>
             <a:fld id="{65F3756F-6BA0-BE41-9226-AD7D2B2262FF}" type="datetimeFigureOut">
               <a:rPr lang="en-US" smtClean="0"/>
-              <a:t>7/13/20</a:t>
+              <a:t>7/18/20</a:t>
             </a:fld>
             <a:endParaRPr lang="en-US"/>
           </a:p>
@@ -1815,7 +1815,7 @@
           <a:p>
             <a:fld id="{65F3756F-6BA0-BE41-9226-AD7D2B2262FF}" type="datetimeFigureOut">
               <a:rPr lang="en-US" smtClean="0"/>
-              <a:t>7/13/20</a:t>
+              <a:t>7/18/20</a:t>
             </a:fld>
             <a:endParaRPr lang="en-US"/>
           </a:p>
@@ -1956,7 +1956,7 @@
           <a:p>
             <a:fld id="{65F3756F-6BA0-BE41-9226-AD7D2B2262FF}" type="datetimeFigureOut">
               <a:rPr lang="en-US" smtClean="0"/>
-              <a:t>7/13/20</a:t>
+              <a:t>7/18/20</a:t>
             </a:fld>
             <a:endParaRPr lang="en-US"/>
           </a:p>
@@ -2069,7 +2069,7 @@
           <a:p>
             <a:fld id="{65F3756F-6BA0-BE41-9226-AD7D2B2262FF}" type="datetimeFigureOut">
               <a:rPr lang="en-US" smtClean="0"/>
-              <a:t>7/13/20</a:t>
+              <a:t>7/18/20</a:t>
             </a:fld>
             <a:endParaRPr lang="en-US"/>
           </a:p>
@@ -2380,7 +2380,7 @@
           <a:p>
             <a:fld id="{65F3756F-6BA0-BE41-9226-AD7D2B2262FF}" type="datetimeFigureOut">
               <a:rPr lang="en-US" smtClean="0"/>
-              <a:t>7/13/20</a:t>
+              <a:t>7/18/20</a:t>
             </a:fld>
             <a:endParaRPr lang="en-US"/>
           </a:p>
@@ -2668,7 +2668,7 @@
           <a:p>
             <a:fld id="{65F3756F-6BA0-BE41-9226-AD7D2B2262FF}" type="datetimeFigureOut">
               <a:rPr lang="en-US" smtClean="0"/>
-              <a:t>7/13/20</a:t>
+              <a:t>7/18/20</a:t>
             </a:fld>
             <a:endParaRPr lang="en-US"/>
           </a:p>
@@ -2909,7 +2909,7 @@
           <a:p>
             <a:fld id="{65F3756F-6BA0-BE41-9226-AD7D2B2262FF}" type="datetimeFigureOut">
               <a:rPr lang="en-US" smtClean="0"/>
-              <a:t>7/13/20</a:t>
+              <a:t>7/18/20</a:t>
             </a:fld>
             <a:endParaRPr lang="en-US"/>
           </a:p>
@@ -3326,6 +3326,231 @@
           <a:chExt cx="0" cy="0"/>
         </a:xfrm>
       </p:grpSpPr>
+      <p:sp>
+        <p:nvSpPr>
+          <p:cNvPr id="82" name="Oval 81">
+            <a:extLst>
+              <a:ext uri="{FF2B5EF4-FFF2-40B4-BE49-F238E27FC236}">
+                <a16:creationId xmlns:a16="http://schemas.microsoft.com/office/drawing/2014/main" id="{559677F5-E2CA-2741-B80D-BCC657ADBC31}"/>
+              </a:ext>
+            </a:extLst>
+          </p:cNvPr>
+          <p:cNvSpPr/>
+          <p:nvPr/>
+        </p:nvSpPr>
+        <p:spPr>
+          <a:xfrm>
+            <a:off x="1968353" y="-58941"/>
+            <a:ext cx="4785873" cy="1079687"/>
+          </a:xfrm>
+          <a:prstGeom prst="ellipse">
+            <a:avLst/>
+          </a:prstGeom>
+          <a:solidFill>
+            <a:schemeClr val="bg1">
+              <a:lumMod val="85000"/>
+            </a:schemeClr>
+          </a:solidFill>
+        </p:spPr>
+        <p:style>
+          <a:lnRef idx="2">
+            <a:schemeClr val="accent1">
+              <a:shade val="50000"/>
+            </a:schemeClr>
+          </a:lnRef>
+          <a:fillRef idx="1">
+            <a:schemeClr val="accent1"/>
+          </a:fillRef>
+          <a:effectRef idx="0">
+            <a:schemeClr val="accent1"/>
+          </a:effectRef>
+          <a:fontRef idx="minor">
+            <a:schemeClr val="lt1"/>
+          </a:fontRef>
+        </p:style>
+        <p:txBody>
+          <a:bodyPr rtlCol="0" anchor="ctr"/>
+          <a:lstStyle/>
+          <a:p>
+            <a:pPr algn="ctr"/>
+            <a:endParaRPr lang="en-US" dirty="0"/>
+          </a:p>
+        </p:txBody>
+      </p:sp>
+      <p:sp>
+        <p:nvSpPr>
+          <p:cNvPr id="83" name="TextBox 82">
+            <a:extLst>
+              <a:ext uri="{FF2B5EF4-FFF2-40B4-BE49-F238E27FC236}">
+                <a16:creationId xmlns:a16="http://schemas.microsoft.com/office/drawing/2014/main" id="{B84AA3E1-9C69-0745-BFB2-4C232B2E2713}"/>
+              </a:ext>
+            </a:extLst>
+          </p:cNvPr>
+          <p:cNvSpPr txBox="1"/>
+          <p:nvPr/>
+        </p:nvSpPr>
+        <p:spPr>
+          <a:xfrm>
+            <a:off x="3844330" y="-85506"/>
+            <a:ext cx="1351924" cy="246221"/>
+          </a:xfrm>
+          <a:prstGeom prst="rect">
+            <a:avLst/>
+          </a:prstGeom>
+          <a:noFill/>
+        </p:spPr>
+        <p:txBody>
+          <a:bodyPr wrap="square" rtlCol="0">
+            <a:spAutoFit/>
+          </a:bodyPr>
+          <a:lstStyle/>
+          <a:p>
+            <a:r>
+              <a:rPr lang="en-US" sz="1000" dirty="0" err="1"/>
+              <a:t>Admin.html</a:t>
+            </a:r>
+            <a:endParaRPr lang="en-US" sz="1000" dirty="0"/>
+          </a:p>
+        </p:txBody>
+      </p:sp>
+      <p:sp>
+        <p:nvSpPr>
+          <p:cNvPr id="78" name="Oval 77">
+            <a:extLst>
+              <a:ext uri="{FF2B5EF4-FFF2-40B4-BE49-F238E27FC236}">
+                <a16:creationId xmlns:a16="http://schemas.microsoft.com/office/drawing/2014/main" id="{D0FCAD9C-4A09-0347-B146-6B5F58C105ED}"/>
+              </a:ext>
+            </a:extLst>
+          </p:cNvPr>
+          <p:cNvSpPr/>
+          <p:nvPr/>
+        </p:nvSpPr>
+        <p:spPr>
+          <a:xfrm>
+            <a:off x="909984" y="1619821"/>
+            <a:ext cx="2516650" cy="2093204"/>
+          </a:xfrm>
+          <a:prstGeom prst="ellipse">
+            <a:avLst/>
+          </a:prstGeom>
+          <a:solidFill>
+            <a:schemeClr val="bg1">
+              <a:lumMod val="85000"/>
+            </a:schemeClr>
+          </a:solidFill>
+        </p:spPr>
+        <p:style>
+          <a:lnRef idx="2">
+            <a:schemeClr val="accent1">
+              <a:shade val="50000"/>
+            </a:schemeClr>
+          </a:lnRef>
+          <a:fillRef idx="1">
+            <a:schemeClr val="accent1"/>
+          </a:fillRef>
+          <a:effectRef idx="0">
+            <a:schemeClr val="accent1"/>
+          </a:effectRef>
+          <a:fontRef idx="minor">
+            <a:schemeClr val="lt1"/>
+          </a:fontRef>
+        </p:style>
+        <p:txBody>
+          <a:bodyPr rtlCol="0" anchor="ctr"/>
+          <a:lstStyle/>
+          <a:p>
+            <a:pPr algn="ctr"/>
+            <a:endParaRPr lang="en-US" dirty="0"/>
+          </a:p>
+        </p:txBody>
+      </p:sp>
+      <p:sp>
+        <p:nvSpPr>
+          <p:cNvPr id="79" name="TextBox 78">
+            <a:extLst>
+              <a:ext uri="{FF2B5EF4-FFF2-40B4-BE49-F238E27FC236}">
+                <a16:creationId xmlns:a16="http://schemas.microsoft.com/office/drawing/2014/main" id="{437A9EDE-F974-6B48-98A8-D723F6274817}"/>
+              </a:ext>
+            </a:extLst>
+          </p:cNvPr>
+          <p:cNvSpPr txBox="1"/>
+          <p:nvPr/>
+        </p:nvSpPr>
+        <p:spPr>
+          <a:xfrm>
+            <a:off x="1590125" y="1742972"/>
+            <a:ext cx="1396536" cy="246221"/>
+          </a:xfrm>
+          <a:prstGeom prst="rect">
+            <a:avLst/>
+          </a:prstGeom>
+          <a:noFill/>
+        </p:spPr>
+        <p:txBody>
+          <a:bodyPr wrap="none" rtlCol="0">
+            <a:spAutoFit/>
+          </a:bodyPr>
+          <a:lstStyle/>
+          <a:p>
+            <a:r>
+              <a:rPr lang="en-US" sz="1000" dirty="0" err="1"/>
+              <a:t>PoolTeamRegistry.html</a:t>
+            </a:r>
+            <a:endParaRPr lang="en-US" sz="1000" dirty="0"/>
+          </a:p>
+        </p:txBody>
+      </p:sp>
+      <p:sp>
+        <p:nvSpPr>
+          <p:cNvPr id="26" name="Oval 25">
+            <a:extLst>
+              <a:ext uri="{FF2B5EF4-FFF2-40B4-BE49-F238E27FC236}">
+                <a16:creationId xmlns:a16="http://schemas.microsoft.com/office/drawing/2014/main" id="{5E38BE2B-8ACA-9B4C-B8CB-F86438AE840D}"/>
+              </a:ext>
+            </a:extLst>
+          </p:cNvPr>
+          <p:cNvSpPr/>
+          <p:nvPr/>
+        </p:nvSpPr>
+        <p:spPr>
+          <a:xfrm>
+            <a:off x="7944873" y="62418"/>
+            <a:ext cx="2516650" cy="2093204"/>
+          </a:xfrm>
+          <a:prstGeom prst="ellipse">
+            <a:avLst/>
+          </a:prstGeom>
+          <a:solidFill>
+            <a:schemeClr val="bg1">
+              <a:lumMod val="85000"/>
+            </a:schemeClr>
+          </a:solidFill>
+        </p:spPr>
+        <p:style>
+          <a:lnRef idx="2">
+            <a:schemeClr val="accent1">
+              <a:shade val="50000"/>
+            </a:schemeClr>
+          </a:lnRef>
+          <a:fillRef idx="1">
+            <a:schemeClr val="accent1"/>
+          </a:fillRef>
+          <a:effectRef idx="0">
+            <a:schemeClr val="accent1"/>
+          </a:effectRef>
+          <a:fontRef idx="minor">
+            <a:schemeClr val="lt1"/>
+          </a:fontRef>
+        </p:style>
+        <p:txBody>
+          <a:bodyPr rtlCol="0" anchor="ctr"/>
+          <a:lstStyle/>
+          <a:p>
+            <a:pPr algn="ctr"/>
+            <a:endParaRPr lang="en-US" dirty="0"/>
+          </a:p>
+        </p:txBody>
+      </p:sp>
       <p:grpSp>
         <p:nvGrpSpPr>
           <p:cNvPr id="7" name="Group 6">
@@ -3523,76 +3748,6 @@
       </p:grpSp>
       <p:sp>
         <p:nvSpPr>
-          <p:cNvPr id="8" name="Oval 7">
-            <a:extLst>
-              <a:ext uri="{FF2B5EF4-FFF2-40B4-BE49-F238E27FC236}">
-                <a16:creationId xmlns:a16="http://schemas.microsoft.com/office/drawing/2014/main" id="{0CF7FAF7-E620-BE47-B41E-1182D2321F4A}"/>
-              </a:ext>
-            </a:extLst>
-          </p:cNvPr>
-          <p:cNvSpPr/>
-          <p:nvPr/>
-        </p:nvSpPr>
-        <p:spPr>
-          <a:xfrm>
-            <a:off x="8126300" y="999521"/>
-            <a:ext cx="2074537" cy="432881"/>
-          </a:xfrm>
-          <a:prstGeom prst="ellipse">
-            <a:avLst/>
-          </a:prstGeom>
-          <a:solidFill>
-            <a:schemeClr val="accent4">
-              <a:lumMod val="75000"/>
-            </a:schemeClr>
-          </a:solidFill>
-          <a:ln>
-            <a:solidFill>
-              <a:schemeClr val="accent4">
-                <a:lumMod val="50000"/>
-              </a:schemeClr>
-            </a:solidFill>
-          </a:ln>
-        </p:spPr>
-        <p:style>
-          <a:lnRef idx="2">
-            <a:schemeClr val="accent1">
-              <a:shade val="50000"/>
-            </a:schemeClr>
-          </a:lnRef>
-          <a:fillRef idx="1">
-            <a:schemeClr val="accent1"/>
-          </a:fillRef>
-          <a:effectRef idx="0">
-            <a:schemeClr val="accent1"/>
-          </a:effectRef>
-          <a:fontRef idx="minor">
-            <a:schemeClr val="lt1"/>
-          </a:fontRef>
-        </p:style>
-        <p:txBody>
-          <a:bodyPr rtlCol="0" anchor="ctr"/>
-          <a:lstStyle/>
-          <a:p>
-            <a:pPr algn="ctr"/>
-            <a:endParaRPr lang="en-US" sz="1200" dirty="0"/>
-          </a:p>
-          <a:p>
-            <a:pPr algn="ctr"/>
-            <a:r>
-              <a:rPr lang="en-US" sz="1400" dirty="0" err="1"/>
-              <a:t>PlayersUpdate.py</a:t>
-            </a:r>
-            <a:endParaRPr lang="en-US" sz="1400" dirty="0"/>
-          </a:p>
-          <a:p>
-            <a:pPr algn="ctr"/>
-            <a:endParaRPr lang="en-US" dirty="0"/>
-          </a:p>
-        </p:txBody>
-      </p:sp>
-      <p:sp>
-        <p:nvSpPr>
           <p:cNvPr id="9" name="Cloud 8">
             <a:extLst>
               <a:ext uri="{FF2B5EF4-FFF2-40B4-BE49-F238E27FC236}">
@@ -3669,10 +3824,9 @@
           <a:lstStyle/>
           <a:p>
             <a:r>
-              <a:rPr lang="en-US" dirty="0" err="1"/>
+              <a:rPr lang="en-US" dirty="0"/>
               <a:t>playersDB</a:t>
             </a:r>
-            <a:endParaRPr lang="en-US" dirty="0"/>
           </a:p>
         </p:txBody>
       </p:sp>
@@ -3690,7 +3844,7 @@
         </p:nvSpPr>
         <p:spPr>
           <a:xfrm>
-            <a:off x="9834665" y="1257302"/>
+            <a:off x="9599900" y="1365077"/>
             <a:ext cx="1235410" cy="1534538"/>
           </a:xfrm>
           <a:prstGeom prst="arc">
@@ -3741,11 +3895,14 @@
         </p:nvSpPr>
         <p:spPr>
           <a:xfrm rot="17102652">
-            <a:off x="7501745" y="1360189"/>
-            <a:ext cx="924128" cy="846467"/>
+            <a:off x="7391877" y="1525446"/>
+            <a:ext cx="1471207" cy="778035"/>
           </a:xfrm>
           <a:prstGeom prst="arc">
-            <a:avLst/>
+            <a:avLst>
+              <a:gd name="adj1" fmla="val 16200000"/>
+              <a:gd name="adj2" fmla="val 20021132"/>
+            </a:avLst>
           </a:prstGeom>
           <a:ln w="12700">
             <a:headEnd type="triangle" w="med" len="med"/>
@@ -3999,10 +4156,9 @@
           <a:lstStyle/>
           <a:p>
             <a:r>
-              <a:rPr lang="en-US" dirty="0" err="1"/>
+              <a:rPr lang="en-US" dirty="0"/>
               <a:t>poolDB</a:t>
             </a:r>
-            <a:endParaRPr lang="en-US" dirty="0"/>
           </a:p>
         </p:txBody>
       </p:sp>
@@ -4065,10 +4221,15 @@
           <a:p>
             <a:pPr algn="ctr"/>
             <a:r>
-              <a:rPr lang="en-US" sz="1400" dirty="0" err="1"/>
+              <a:rPr lang="en-US" sz="1400" dirty="0">
+                <a:solidFill>
+                  <a:schemeClr val="accent6">
+                    <a:lumMod val="50000"/>
+                  </a:schemeClr>
+                </a:solidFill>
+              </a:rPr>
               <a:t>PoolUpdate.py</a:t>
             </a:r>
-            <a:endParaRPr lang="en-US" sz="1400" dirty="0"/>
           </a:p>
           <a:p>
             <a:pPr algn="ctr"/>
@@ -4234,10 +4395,9 @@
           <a:p>
             <a:pPr algn="ctr"/>
             <a:r>
-              <a:rPr lang="en-US" sz="1400" dirty="0" err="1"/>
+              <a:rPr lang="en-US" sz="1400" dirty="0"/>
               <a:t>RenderPool.py</a:t>
             </a:r>
-            <a:endParaRPr lang="en-US" sz="1400" dirty="0"/>
           </a:p>
           <a:p>
             <a:pPr algn="ctr"/>
@@ -4245,84 +4405,6 @@
           </a:p>
         </p:txBody>
       </p:sp>
-      <p:pic>
-        <p:nvPicPr>
-          <p:cNvPr id="23" name="Picture 22" descr="A picture containing lamp, light&#10;&#10;Description automatically generated">
-            <a:extLst>
-              <a:ext uri="{FF2B5EF4-FFF2-40B4-BE49-F238E27FC236}">
-                <a16:creationId xmlns:a16="http://schemas.microsoft.com/office/drawing/2014/main" id="{4AB7E156-3A91-8F46-8D07-31F2D514AF46}"/>
-              </a:ext>
-            </a:extLst>
-          </p:cNvPr>
-          <p:cNvPicPr>
-            <a:picLocks noChangeAspect="1"/>
-          </p:cNvPicPr>
-          <p:nvPr/>
-        </p:nvPicPr>
-        <p:blipFill>
-          <a:blip r:embed="rId2">
-            <a:extLst>
-              <a:ext uri="{28A0092B-C50C-407E-A947-70E740481C1C}">
-                <a14:useLocalDpi xmlns:a14="http://schemas.microsoft.com/office/drawing/2010/main" val="0"/>
-              </a:ext>
-            </a:extLst>
-          </a:blip>
-          <a:stretch>
-            <a:fillRect/>
-          </a:stretch>
-        </p:blipFill>
-        <p:spPr>
-          <a:xfrm>
-            <a:off x="-131681" y="3662029"/>
-            <a:ext cx="1205504" cy="1205504"/>
-          </a:xfrm>
-          <a:prstGeom prst="rect">
-            <a:avLst/>
-          </a:prstGeom>
-        </p:spPr>
-      </p:pic>
-      <p:cxnSp>
-        <p:nvCxnSpPr>
-          <p:cNvPr id="25" name="Straight Arrow Connector 24">
-            <a:extLst>
-              <a:ext uri="{FF2B5EF4-FFF2-40B4-BE49-F238E27FC236}">
-                <a16:creationId xmlns:a16="http://schemas.microsoft.com/office/drawing/2014/main" id="{B07B6C11-97BB-E842-A051-51DEF433F097}"/>
-              </a:ext>
-            </a:extLst>
-          </p:cNvPr>
-          <p:cNvCxnSpPr>
-            <a:cxnSpLocks/>
-          </p:cNvCxnSpPr>
-          <p:nvPr/>
-        </p:nvCxnSpPr>
-        <p:spPr>
-          <a:xfrm>
-            <a:off x="856034" y="980064"/>
-            <a:ext cx="364244" cy="128891"/>
-          </a:xfrm>
-          <a:prstGeom prst="straightConnector1">
-            <a:avLst/>
-          </a:prstGeom>
-          <a:ln w="12700">
-            <a:headEnd type="triangle"/>
-            <a:tailEnd type="triangle"/>
-          </a:ln>
-        </p:spPr>
-        <p:style>
-          <a:lnRef idx="1">
-            <a:schemeClr val="accent1"/>
-          </a:lnRef>
-          <a:fillRef idx="0">
-            <a:schemeClr val="accent1"/>
-          </a:fillRef>
-          <a:effectRef idx="0">
-            <a:schemeClr val="accent1"/>
-          </a:effectRef>
-          <a:fontRef idx="minor">
-            <a:schemeClr val="tx1"/>
-          </a:fontRef>
-        </p:style>
-      </p:cxnSp>
       <p:sp>
         <p:nvSpPr>
           <p:cNvPr id="27" name="Arc 26">
@@ -4374,62 +4456,38 @@
           </a:p>
         </p:txBody>
       </p:sp>
-      <p:cxnSp>
-        <p:nvCxnSpPr>
-          <p:cNvPr id="29" name="Straight Connector 28">
-            <a:extLst>
-              <a:ext uri="{FF2B5EF4-FFF2-40B4-BE49-F238E27FC236}">
-                <a16:creationId xmlns:a16="http://schemas.microsoft.com/office/drawing/2014/main" id="{AF967EF9-D09A-2649-A4F9-A6BCE99F7DE4}"/>
-              </a:ext>
-            </a:extLst>
-          </p:cNvPr>
-          <p:cNvCxnSpPr/>
+      <p:sp>
+        <p:nvSpPr>
+          <p:cNvPr id="57" name="Oval 56">
+            <a:extLst>
+              <a:ext uri="{FF2B5EF4-FFF2-40B4-BE49-F238E27FC236}">
+                <a16:creationId xmlns:a16="http://schemas.microsoft.com/office/drawing/2014/main" id="{601AE9CA-21EF-A149-8798-F16BBFDC9B61}"/>
+              </a:ext>
+            </a:extLst>
+          </p:cNvPr>
+          <p:cNvSpPr/>
           <p:nvPr/>
-        </p:nvCxnSpPr>
+        </p:nvSpPr>
         <p:spPr>
           <a:xfrm>
-            <a:off x="194555" y="3832695"/>
-            <a:ext cx="11741285" cy="0"/>
+            <a:off x="1104634" y="2852065"/>
+            <a:ext cx="2188571" cy="432881"/>
           </a:xfrm>
-          <a:prstGeom prst="line">
+          <a:prstGeom prst="ellipse">
             <a:avLst/>
           </a:prstGeom>
-        </p:spPr>
-        <p:style>
-          <a:lnRef idx="1">
-            <a:schemeClr val="accent1"/>
-          </a:lnRef>
-          <a:fillRef idx="0">
-            <a:schemeClr val="accent1"/>
-          </a:fillRef>
-          <a:effectRef idx="0">
-            <a:schemeClr val="accent1"/>
-          </a:effectRef>
-          <a:fontRef idx="minor">
-            <a:schemeClr val="tx1"/>
-          </a:fontRef>
-        </p:style>
-      </p:cxnSp>
-      <p:sp>
-        <p:nvSpPr>
-          <p:cNvPr id="37" name="Cloud 36">
-            <a:extLst>
-              <a:ext uri="{FF2B5EF4-FFF2-40B4-BE49-F238E27FC236}">
-                <a16:creationId xmlns:a16="http://schemas.microsoft.com/office/drawing/2014/main" id="{01B4A190-9287-5E4E-A00E-AC8393DEF9D6}"/>
-              </a:ext>
-            </a:extLst>
-          </p:cNvPr>
-          <p:cNvSpPr/>
-          <p:nvPr/>
-        </p:nvSpPr>
-        <p:spPr>
-          <a:xfrm>
-            <a:off x="6434143" y="5257793"/>
-            <a:ext cx="2159538" cy="1298643"/>
-          </a:xfrm>
-          <a:prstGeom prst="cloud">
-            <a:avLst/>
-          </a:prstGeom>
+          <a:solidFill>
+            <a:schemeClr val="accent4">
+              <a:lumMod val="75000"/>
+            </a:schemeClr>
+          </a:solidFill>
+          <a:ln>
+            <a:solidFill>
+              <a:schemeClr val="accent4">
+                <a:lumMod val="50000"/>
+              </a:schemeClr>
+            </a:solidFill>
+          </a:ln>
         </p:spPr>
         <p:style>
           <a:lnRef idx="2">
@@ -4452,19 +4510,189 @@
           <a:lstStyle/>
           <a:p>
             <a:pPr algn="ctr"/>
-            <a:r>
-              <a:rPr lang="en-US" dirty="0"/>
-              <a:t>NHL API</a:t>
-            </a:r>
-          </a:p>
-        </p:txBody>
-      </p:sp>
-      <p:sp>
-        <p:nvSpPr>
-          <p:cNvPr id="39" name="Arc 38">
-            <a:extLst>
-              <a:ext uri="{FF2B5EF4-FFF2-40B4-BE49-F238E27FC236}">
-                <a16:creationId xmlns:a16="http://schemas.microsoft.com/office/drawing/2014/main" id="{B9DD443F-29D1-EB4A-86C4-7C5CC353AA37}"/>
+            <a:endParaRPr lang="en-US" sz="1200" dirty="0"/>
+          </a:p>
+          <a:p>
+            <a:pPr algn="ctr"/>
+            <a:r>
+              <a:rPr lang="en-US" sz="1400" dirty="0">
+                <a:solidFill>
+                  <a:schemeClr val="bg1"/>
+                </a:solidFill>
+              </a:rPr>
+              <a:t>PlayerSelection.py</a:t>
+            </a:r>
+          </a:p>
+          <a:p>
+            <a:pPr algn="ctr"/>
+            <a:endParaRPr lang="en-US" dirty="0"/>
+          </a:p>
+        </p:txBody>
+      </p:sp>
+      <p:sp>
+        <p:nvSpPr>
+          <p:cNvPr id="60" name="TextBox 59">
+            <a:extLst>
+              <a:ext uri="{FF2B5EF4-FFF2-40B4-BE49-F238E27FC236}">
+                <a16:creationId xmlns:a16="http://schemas.microsoft.com/office/drawing/2014/main" id="{6E2E68D4-6739-E445-A5A7-9C77EB14D0C1}"/>
+              </a:ext>
+            </a:extLst>
+          </p:cNvPr>
+          <p:cNvSpPr txBox="1"/>
+          <p:nvPr/>
+        </p:nvSpPr>
+        <p:spPr>
+          <a:xfrm>
+            <a:off x="7021369" y="3580826"/>
+            <a:ext cx="5213436" cy="2708434"/>
+          </a:xfrm>
+          <a:prstGeom prst="rect">
+            <a:avLst/>
+          </a:prstGeom>
+          <a:noFill/>
+        </p:spPr>
+        <p:txBody>
+          <a:bodyPr wrap="square" rtlCol="0">
+            <a:spAutoFit/>
+          </a:bodyPr>
+          <a:lstStyle/>
+          <a:p>
+            <a:r>
+              <a:rPr lang="en-US" sz="1600" i="1" dirty="0">
+                <a:solidFill>
+                  <a:schemeClr val="accent6">
+                    <a:lumMod val="50000"/>
+                  </a:schemeClr>
+                </a:solidFill>
+              </a:rPr>
+              <a:t>PoolTeams</a:t>
+            </a:r>
+            <a:r>
+              <a:rPr lang="en-US" sz="1600" dirty="0">
+                <a:solidFill>
+                  <a:schemeClr val="accent6">
+                    <a:lumMod val="50000"/>
+                  </a:schemeClr>
+                </a:solidFill>
+              </a:rPr>
+              <a:t>:</a:t>
+            </a:r>
+          </a:p>
+          <a:p>
+            <a:r>
+              <a:rPr lang="en-US" sz="1400" dirty="0">
+                <a:solidFill>
+                  <a:srgbClr val="FF0000"/>
+                </a:solidFill>
+              </a:rPr>
+              <a:t>PoolTeamName: [QuadSquad]</a:t>
+            </a:r>
+          </a:p>
+          <a:p>
+            <a:r>
+              <a:rPr lang="en-US" sz="1400" dirty="0">
+                <a:solidFill>
+                  <a:srgbClr val="FF0000"/>
+                </a:solidFill>
+              </a:rPr>
+              <a:t>GM: [GM Name]</a:t>
+            </a:r>
+          </a:p>
+          <a:p>
+            <a:r>
+              <a:rPr lang="en-US" sz="1400" dirty="0">
+                <a:solidFill>
+                  <a:srgbClr val="FF0000"/>
+                </a:solidFill>
+              </a:rPr>
+              <a:t>Email:</a:t>
+            </a:r>
+          </a:p>
+          <a:p>
+            <a:r>
+              <a:rPr lang="en-US" sz="1400" dirty="0">
+                <a:solidFill>
+                  <a:srgbClr val="FF0000"/>
+                </a:solidFill>
+              </a:rPr>
+              <a:t>Hometown:</a:t>
+            </a:r>
+          </a:p>
+          <a:p>
+            <a:r>
+              <a:rPr lang="en-US" sz="1400" dirty="0">
+                <a:solidFill>
+                  <a:srgbClr val="FF0000"/>
+                </a:solidFill>
+              </a:rPr>
+              <a:t>Country:</a:t>
+            </a:r>
+          </a:p>
+          <a:p>
+            <a:r>
+              <a:rPr lang="en-US" sz="1400" dirty="0">
+                <a:solidFill>
+                  <a:srgbClr val="FF0000"/>
+                </a:solidFill>
+              </a:rPr>
+              <a:t>Pay Status: [NotPaid, PayPal, Cheque, Cash, Coupon]</a:t>
+            </a:r>
+          </a:p>
+          <a:p>
+            <a:r>
+              <a:rPr lang="en-US" sz="1400" dirty="0">
+                <a:solidFill>
+                  <a:srgbClr val="FF0000"/>
+                </a:solidFill>
+              </a:rPr>
+              <a:t>Pay Amount: </a:t>
+            </a:r>
+          </a:p>
+          <a:p>
+            <a:r>
+              <a:rPr lang="en-US" sz="1400" dirty="0">
+                <a:solidFill>
+                  <a:srgbClr val="FF0000"/>
+                </a:solidFill>
+              </a:rPr>
+              <a:t>Status:  [Incomplete, complete]  </a:t>
+            </a:r>
+          </a:p>
+          <a:p>
+            <a:endParaRPr lang="en-US" sz="1400" dirty="0">
+              <a:solidFill>
+                <a:srgbClr val="FF0000"/>
+              </a:solidFill>
+            </a:endParaRPr>
+          </a:p>
+          <a:p>
+            <a:r>
+              <a:rPr lang="en-US" sz="1400" dirty="0">
+                <a:solidFill>
+                  <a:srgbClr val="FF0000"/>
+                </a:solidFill>
+              </a:rPr>
+              <a:t>25* </a:t>
+            </a:r>
+          </a:p>
+          <a:p>
+            <a:r>
+              <a:rPr lang="en-US" sz="1400" dirty="0">
+                <a:solidFill>
+                  <a:srgbClr val="FF0000"/>
+                </a:solidFill>
+              </a:rPr>
+              <a:t>ID, Name, Team, G, A, W, SO, Pts, State</a:t>
+            </a:r>
+          </a:p>
+        </p:txBody>
+      </p:sp>
+      <p:sp>
+        <p:nvSpPr>
+          <p:cNvPr id="49" name="Oval 48">
+            <a:extLst>
+              <a:ext uri="{FF2B5EF4-FFF2-40B4-BE49-F238E27FC236}">
+                <a16:creationId xmlns:a16="http://schemas.microsoft.com/office/drawing/2014/main" id="{03A8D5E4-FFA6-4248-8C29-32D7B872CB27}"/>
               </a:ext>
             </a:extLst>
           </p:cNvPr>
@@ -4473,18 +4701,92 @@
         </p:nvSpPr>
         <p:spPr>
           <a:xfrm>
-            <a:off x="6278502" y="4440672"/>
-            <a:ext cx="1235410" cy="1534538"/>
+            <a:off x="4138550" y="174280"/>
+            <a:ext cx="2313566" cy="432881"/>
+          </a:xfrm>
+          <a:prstGeom prst="ellipse">
+            <a:avLst/>
+          </a:prstGeom>
+          <a:solidFill>
+            <a:schemeClr val="accent2">
+              <a:lumMod val="60000"/>
+              <a:lumOff val="40000"/>
+            </a:schemeClr>
+          </a:solidFill>
+          <a:ln>
+            <a:solidFill>
+              <a:schemeClr val="accent4">
+                <a:lumMod val="50000"/>
+              </a:schemeClr>
+            </a:solidFill>
+          </a:ln>
+        </p:spPr>
+        <p:style>
+          <a:lnRef idx="2">
+            <a:schemeClr val="accent1">
+              <a:shade val="50000"/>
+            </a:schemeClr>
+          </a:lnRef>
+          <a:fillRef idx="1">
+            <a:schemeClr val="accent1"/>
+          </a:fillRef>
+          <a:effectRef idx="0">
+            <a:schemeClr val="accent1"/>
+          </a:effectRef>
+          <a:fontRef idx="minor">
+            <a:schemeClr val="lt1"/>
+          </a:fontRef>
+        </p:style>
+        <p:txBody>
+          <a:bodyPr rtlCol="0" anchor="ctr"/>
+          <a:lstStyle/>
+          <a:p>
+            <a:pPr algn="ctr"/>
+            <a:endParaRPr lang="en-US" sz="1200" dirty="0"/>
+          </a:p>
+          <a:p>
+            <a:pPr algn="ctr"/>
+            <a:r>
+              <a:rPr lang="en-US" sz="1100" dirty="0">
+                <a:solidFill>
+                  <a:schemeClr val="bg1"/>
+                </a:solidFill>
+              </a:rPr>
+              <a:t>UpdateGoalieAssist.py</a:t>
+            </a:r>
+          </a:p>
+          <a:p>
+            <a:pPr algn="ctr"/>
+            <a:endParaRPr lang="en-US" dirty="0"/>
+          </a:p>
+        </p:txBody>
+      </p:sp>
+      <p:sp>
+        <p:nvSpPr>
+          <p:cNvPr id="62" name="Arc 61">
+            <a:extLst>
+              <a:ext uri="{FF2B5EF4-FFF2-40B4-BE49-F238E27FC236}">
+                <a16:creationId xmlns:a16="http://schemas.microsoft.com/office/drawing/2014/main" id="{D036EA86-FD2A-8D4C-B708-25AEF451A03F}"/>
+              </a:ext>
+            </a:extLst>
+          </p:cNvPr>
+          <p:cNvSpPr/>
+          <p:nvPr/>
+        </p:nvSpPr>
+        <p:spPr>
+          <a:xfrm>
+            <a:off x="5093204" y="464076"/>
+            <a:ext cx="2454646" cy="2494433"/>
           </a:xfrm>
           <a:prstGeom prst="arc">
             <a:avLst>
-              <a:gd name="adj1" fmla="val 16011110"/>
-              <a:gd name="adj2" fmla="val 0"/>
+              <a:gd name="adj1" fmla="val 16476661"/>
+              <a:gd name="adj2" fmla="val 21383399"/>
             </a:avLst>
           </a:prstGeom>
           <a:ln w="19050">
-            <a:headEnd type="triangle" w="med" len="med"/>
-            <a:tailEnd type="none" w="med" len="med"/>
+            <a:headEnd type="none" w="med" len="med"/>
+            <a:tailEnd type="triangle" w="med" len="med"/>
           </a:ln>
         </p:spPr>
         <p:style>
@@ -4510,12 +4812,181 @@
           </a:p>
         </p:txBody>
       </p:sp>
+      <p:sp>
+        <p:nvSpPr>
+          <p:cNvPr id="63" name="Oval 62">
+            <a:extLst>
+              <a:ext uri="{FF2B5EF4-FFF2-40B4-BE49-F238E27FC236}">
+                <a16:creationId xmlns:a16="http://schemas.microsoft.com/office/drawing/2014/main" id="{F84548AE-C567-2E46-AFB2-552FEF3EDB1B}"/>
+              </a:ext>
+            </a:extLst>
+          </p:cNvPr>
+          <p:cNvSpPr/>
+          <p:nvPr/>
+        </p:nvSpPr>
+        <p:spPr>
+          <a:xfrm>
+            <a:off x="1090226" y="2247923"/>
+            <a:ext cx="2163967" cy="432881"/>
+          </a:xfrm>
+          <a:prstGeom prst="ellipse">
+            <a:avLst/>
+          </a:prstGeom>
+          <a:solidFill>
+            <a:schemeClr val="accent4">
+              <a:lumMod val="75000"/>
+            </a:schemeClr>
+          </a:solidFill>
+          <a:ln>
+            <a:solidFill>
+              <a:schemeClr val="accent4">
+                <a:lumMod val="50000"/>
+              </a:schemeClr>
+            </a:solidFill>
+          </a:ln>
+        </p:spPr>
+        <p:style>
+          <a:lnRef idx="2">
+            <a:schemeClr val="accent1">
+              <a:shade val="50000"/>
+            </a:schemeClr>
+          </a:lnRef>
+          <a:fillRef idx="1">
+            <a:schemeClr val="accent1"/>
+          </a:fillRef>
+          <a:effectRef idx="0">
+            <a:schemeClr val="accent1"/>
+          </a:effectRef>
+          <a:fontRef idx="minor">
+            <a:schemeClr val="lt1"/>
+          </a:fontRef>
+        </p:style>
+        <p:txBody>
+          <a:bodyPr rtlCol="0" anchor="ctr"/>
+          <a:lstStyle/>
+          <a:p>
+            <a:pPr algn="ctr"/>
+            <a:endParaRPr lang="en-US" sz="1200" dirty="0"/>
+          </a:p>
+          <a:p>
+            <a:pPr algn="ctr"/>
+            <a:r>
+              <a:rPr lang="en-US" sz="1400" dirty="0">
+                <a:solidFill>
+                  <a:schemeClr val="bg1"/>
+                </a:solidFill>
+              </a:rPr>
+              <a:t>EntryRegister.py</a:t>
+            </a:r>
+          </a:p>
+          <a:p>
+            <a:pPr algn="ctr"/>
+            <a:endParaRPr lang="en-US" dirty="0"/>
+          </a:p>
+        </p:txBody>
+      </p:sp>
+      <p:sp>
+        <p:nvSpPr>
+          <p:cNvPr id="64" name="Arc 63">
+            <a:extLst>
+              <a:ext uri="{FF2B5EF4-FFF2-40B4-BE49-F238E27FC236}">
+                <a16:creationId xmlns:a16="http://schemas.microsoft.com/office/drawing/2014/main" id="{54190D2D-6718-F74D-A430-A0F54FD9BD7C}"/>
+              </a:ext>
+            </a:extLst>
+          </p:cNvPr>
+          <p:cNvSpPr/>
+          <p:nvPr/>
+        </p:nvSpPr>
+        <p:spPr>
+          <a:xfrm rot="17275121">
+            <a:off x="3016029" y="2684731"/>
+            <a:ext cx="568728" cy="560131"/>
+          </a:xfrm>
+          <a:prstGeom prst="arc">
+            <a:avLst/>
+          </a:prstGeom>
+          <a:ln w="12700">
+            <a:headEnd type="none" w="med" len="med"/>
+            <a:tailEnd type="triangle" w="med" len="med"/>
+          </a:ln>
+        </p:spPr>
+        <p:style>
+          <a:lnRef idx="1">
+            <a:schemeClr val="accent1"/>
+          </a:lnRef>
+          <a:fillRef idx="0">
+            <a:schemeClr val="accent1"/>
+          </a:fillRef>
+          <a:effectRef idx="0">
+            <a:schemeClr val="accent1"/>
+          </a:effectRef>
+          <a:fontRef idx="minor">
+            <a:schemeClr val="tx1"/>
+          </a:fontRef>
+        </p:style>
+        <p:txBody>
+          <a:bodyPr rtlCol="0" anchor="ctr"/>
+          <a:lstStyle/>
+          <a:p>
+            <a:pPr algn="ctr"/>
+            <a:endParaRPr lang="en-US"/>
+          </a:p>
+        </p:txBody>
+      </p:sp>
+      <p:sp>
+        <p:nvSpPr>
+          <p:cNvPr id="65" name="Arc 64">
+            <a:extLst>
+              <a:ext uri="{FF2B5EF4-FFF2-40B4-BE49-F238E27FC236}">
+                <a16:creationId xmlns:a16="http://schemas.microsoft.com/office/drawing/2014/main" id="{29F67BF9-AE72-794E-AB66-32AE161AFFC2}"/>
+              </a:ext>
+            </a:extLst>
+          </p:cNvPr>
+          <p:cNvSpPr/>
+          <p:nvPr/>
+        </p:nvSpPr>
+        <p:spPr>
+          <a:xfrm rot="17275121">
+            <a:off x="3095897" y="2134169"/>
+            <a:ext cx="568728" cy="560131"/>
+          </a:xfrm>
+          <a:prstGeom prst="arc">
+            <a:avLst/>
+          </a:prstGeom>
+          <a:ln w="12700">
+            <a:headEnd type="none" w="med" len="med"/>
+            <a:tailEnd type="triangle" w="med" len="med"/>
+          </a:ln>
+        </p:spPr>
+        <p:style>
+          <a:lnRef idx="1">
+            <a:schemeClr val="accent1"/>
+          </a:lnRef>
+          <a:fillRef idx="0">
+            <a:schemeClr val="accent1"/>
+          </a:fillRef>
+          <a:effectRef idx="0">
+            <a:schemeClr val="accent1"/>
+          </a:effectRef>
+          <a:fontRef idx="minor">
+            <a:schemeClr val="tx1"/>
+          </a:fontRef>
+        </p:style>
+        <p:txBody>
+          <a:bodyPr rtlCol="0" anchor="ctr"/>
+          <a:lstStyle/>
+          <a:p>
+            <a:pPr algn="ctr"/>
+            <a:endParaRPr lang="en-US"/>
+          </a:p>
+        </p:txBody>
+      </p:sp>
       <p:grpSp>
         <p:nvGrpSpPr>
-          <p:cNvPr id="41" name="Group 40">
-            <a:extLst>
-              <a:ext uri="{FF2B5EF4-FFF2-40B4-BE49-F238E27FC236}">
-                <a16:creationId xmlns:a16="http://schemas.microsoft.com/office/drawing/2014/main" id="{6282DC92-538D-D04F-A772-8AAE3EBE8EC3}"/>
+          <p:cNvPr id="66" name="Group 65">
+            <a:extLst>
+              <a:ext uri="{FF2B5EF4-FFF2-40B4-BE49-F238E27FC236}">
+                <a16:creationId xmlns:a16="http://schemas.microsoft.com/office/drawing/2014/main" id="{A3B48FC0-1E29-4546-8E64-7990E7388A61}"/>
               </a:ext>
             </a:extLst>
           </p:cNvPr>
@@ -4524,7 +4995,7 @@
         </p:nvGrpSpPr>
         <p:grpSpPr>
           <a:xfrm>
-            <a:off x="3481789" y="5016243"/>
+            <a:off x="5051025" y="2315055"/>
             <a:ext cx="1108954" cy="1410510"/>
             <a:chOff x="7091463" y="3258766"/>
             <a:chExt cx="1108954" cy="1410510"/>
@@ -4532,10 +5003,10 @@
         </p:grpSpPr>
         <p:sp>
           <p:nvSpPr>
-            <p:cNvPr id="42" name="Oval 41">
+            <p:cNvPr id="67" name="Oval 66">
               <a:extLst>
                 <a:ext uri="{FF2B5EF4-FFF2-40B4-BE49-F238E27FC236}">
-                  <a16:creationId xmlns:a16="http://schemas.microsoft.com/office/drawing/2014/main" id="{4E0F7318-EED9-7F46-AD87-5A6B67541C81}"/>
+                  <a16:creationId xmlns:a16="http://schemas.microsoft.com/office/drawing/2014/main" id="{874C2BD9-6483-C746-B8EE-809D087F9701}"/>
                 </a:ext>
               </a:extLst>
             </p:cNvPr>
@@ -4551,7 +5022,7 @@
               <a:avLst/>
             </a:prstGeom>
             <a:solidFill>
-              <a:schemeClr val="accent1">
+              <a:schemeClr val="accent2">
                 <a:lumMod val="60000"/>
                 <a:lumOff val="40000"/>
               </a:schemeClr>
@@ -4584,15 +5055,15 @@
         </p:sp>
         <p:cxnSp>
           <p:nvCxnSpPr>
-            <p:cNvPr id="43" name="Straight Connector 42">
+            <p:cNvPr id="68" name="Straight Connector 67">
               <a:extLst>
                 <a:ext uri="{FF2B5EF4-FFF2-40B4-BE49-F238E27FC236}">
-                  <a16:creationId xmlns:a16="http://schemas.microsoft.com/office/drawing/2014/main" id="{E0EA3CC6-127D-CC42-A14C-14ABD5C0D6C3}"/>
+                  <a16:creationId xmlns:a16="http://schemas.microsoft.com/office/drawing/2014/main" id="{64659F4F-3497-9340-A703-C602150A7EDF}"/>
                 </a:ext>
               </a:extLst>
             </p:cNvPr>
             <p:cNvCxnSpPr>
-              <a:stCxn id="42" idx="2"/>
+              <a:stCxn id="67" idx="2"/>
             </p:cNvCxnSpPr>
             <p:nvPr/>
           </p:nvCxnSpPr>
@@ -4623,10 +5094,10 @@
         </p:cxnSp>
         <p:cxnSp>
           <p:nvCxnSpPr>
-            <p:cNvPr id="44" name="Straight Connector 43">
+            <p:cNvPr id="69" name="Straight Connector 68">
               <a:extLst>
                 <a:ext uri="{FF2B5EF4-FFF2-40B4-BE49-F238E27FC236}">
-                  <a16:creationId xmlns:a16="http://schemas.microsoft.com/office/drawing/2014/main" id="{1827E680-AB66-3349-9001-0229CCCBB98E}"/>
+                  <a16:creationId xmlns:a16="http://schemas.microsoft.com/office/drawing/2014/main" id="{193B502D-0B3C-374B-ABA7-60970D47675D}"/>
                 </a:ext>
               </a:extLst>
             </p:cNvPr>
@@ -4660,10 +5131,10 @@
         </p:cxnSp>
         <p:sp>
           <p:nvSpPr>
-            <p:cNvPr id="45" name="Oval 44">
+            <p:cNvPr id="70" name="Oval 69">
               <a:extLst>
                 <a:ext uri="{FF2B5EF4-FFF2-40B4-BE49-F238E27FC236}">
-                  <a16:creationId xmlns:a16="http://schemas.microsoft.com/office/drawing/2014/main" id="{61909512-0A7D-8140-8A2A-500EDD551905}"/>
+                  <a16:creationId xmlns:a16="http://schemas.microsoft.com/office/drawing/2014/main" id="{197095D4-FF58-EF4C-8490-74E6B3A943E3}"/>
                 </a:ext>
               </a:extLst>
             </p:cNvPr>
@@ -4678,6 +5149,11 @@
             <a:prstGeom prst="ellipse">
               <a:avLst/>
             </a:prstGeom>
+            <a:solidFill>
+              <a:schemeClr val="accent2">
+                <a:lumMod val="75000"/>
+              </a:schemeClr>
+            </a:solidFill>
           </p:spPr>
           <p:style>
             <a:lnRef idx="2">
@@ -4707,10 +5183,10 @@
       </p:grpSp>
       <p:sp>
         <p:nvSpPr>
-          <p:cNvPr id="46" name="TextBox 45">
-            <a:extLst>
-              <a:ext uri="{FF2B5EF4-FFF2-40B4-BE49-F238E27FC236}">
-                <a16:creationId xmlns:a16="http://schemas.microsoft.com/office/drawing/2014/main" id="{8CBA6C56-0894-604A-9220-4635A4D2BEFC}"/>
+          <p:cNvPr id="71" name="TextBox 70">
+            <a:extLst>
+              <a:ext uri="{FF2B5EF4-FFF2-40B4-BE49-F238E27FC236}">
+                <a16:creationId xmlns:a16="http://schemas.microsoft.com/office/drawing/2014/main" id="{7AF79CA5-380B-954E-97B0-B7EBCFE6868A}"/>
               </a:ext>
             </a:extLst>
           </p:cNvPr>
@@ -4719,8 +5195,8 @@
         </p:nvSpPr>
         <p:spPr>
           <a:xfrm>
-            <a:off x="3564847" y="5468901"/>
-            <a:ext cx="870751" cy="369332"/>
+            <a:off x="5043839" y="2755391"/>
+            <a:ext cx="1026948" cy="369332"/>
           </a:xfrm>
           <a:prstGeom prst="rect">
             <a:avLst/>
@@ -4734,19 +5210,281 @@
           <a:lstStyle/>
           <a:p>
             <a:r>
-              <a:rPr lang="en-US" dirty="0" err="1"/>
-              <a:t>poolDB</a:t>
-            </a:r>
-            <a:endParaRPr lang="en-US" dirty="0"/>
-          </a:p>
-        </p:txBody>
-      </p:sp>
-      <p:sp>
-        <p:nvSpPr>
-          <p:cNvPr id="47" name="Oval 46">
-            <a:extLst>
-              <a:ext uri="{FF2B5EF4-FFF2-40B4-BE49-F238E27FC236}">
-                <a16:creationId xmlns:a16="http://schemas.microsoft.com/office/drawing/2014/main" id="{402AF684-D769-424F-8D39-D9925185A784}"/>
+              <a:rPr lang="en-US" dirty="0"/>
+              <a:t>teamsDB</a:t>
+            </a:r>
+          </a:p>
+        </p:txBody>
+      </p:sp>
+      <p:sp>
+        <p:nvSpPr>
+          <p:cNvPr id="72" name="TextBox 71">
+            <a:extLst>
+              <a:ext uri="{FF2B5EF4-FFF2-40B4-BE49-F238E27FC236}">
+                <a16:creationId xmlns:a16="http://schemas.microsoft.com/office/drawing/2014/main" id="{B7362B68-67EA-5947-985C-666955371042}"/>
+              </a:ext>
+            </a:extLst>
+          </p:cNvPr>
+          <p:cNvSpPr txBox="1"/>
+          <p:nvPr/>
+        </p:nvSpPr>
+        <p:spPr>
+          <a:xfrm>
+            <a:off x="1776343" y="3745762"/>
+            <a:ext cx="3663028" cy="2062103"/>
+          </a:xfrm>
+          <a:prstGeom prst="rect">
+            <a:avLst/>
+          </a:prstGeom>
+          <a:noFill/>
+        </p:spPr>
+        <p:txBody>
+          <a:bodyPr wrap="square" rtlCol="0">
+            <a:spAutoFit/>
+          </a:bodyPr>
+          <a:lstStyle/>
+          <a:p>
+            <a:r>
+              <a:rPr lang="en-US" sz="1600" i="1" dirty="0">
+                <a:solidFill>
+                  <a:schemeClr val="accent6">
+                    <a:lumMod val="50000"/>
+                  </a:schemeClr>
+                </a:solidFill>
+              </a:rPr>
+              <a:t>teamsDB</a:t>
+            </a:r>
+            <a:r>
+              <a:rPr lang="en-US" sz="1600" dirty="0">
+                <a:solidFill>
+                  <a:schemeClr val="accent6">
+                    <a:lumMod val="50000"/>
+                  </a:schemeClr>
+                </a:solidFill>
+              </a:rPr>
+              <a:t>:</a:t>
+            </a:r>
+          </a:p>
+          <a:p>
+            <a:r>
+              <a:rPr lang="en-US" sz="1400" dirty="0">
+                <a:solidFill>
+                  <a:srgbClr val="FF0000"/>
+                </a:solidFill>
+              </a:rPr>
+              <a:t>team_id: [taken from NHL </a:t>
+            </a:r>
+            <a:r>
+              <a:rPr lang="en-US" sz="1400" dirty="0" err="1">
+                <a:solidFill>
+                  <a:srgbClr val="FF0000"/>
+                </a:solidFill>
+              </a:rPr>
+              <a:t>api</a:t>
+            </a:r>
+            <a:r>
+              <a:rPr lang="en-US" sz="1400" dirty="0">
+                <a:solidFill>
+                  <a:srgbClr val="FF0000"/>
+                </a:solidFill>
+              </a:rPr>
+              <a:t>]</a:t>
+            </a:r>
+          </a:p>
+          <a:p>
+            <a:r>
+              <a:rPr lang="en-US" sz="1400" dirty="0">
+                <a:solidFill>
+                  <a:srgbClr val="FF0000"/>
+                </a:solidFill>
+              </a:rPr>
+              <a:t>team_name: [NHL team name]</a:t>
+            </a:r>
+          </a:p>
+          <a:p>
+            <a:r>
+              <a:rPr lang="en-US" sz="1400" dirty="0">
+                <a:solidFill>
+                  <a:srgbClr val="FF0000"/>
+                </a:solidFill>
+              </a:rPr>
+              <a:t>status_id:  [0 = not qualified; </a:t>
+            </a:r>
+          </a:p>
+          <a:p>
+            <a:r>
+              <a:rPr lang="en-US" sz="1400" dirty="0">
+                <a:solidFill>
+                  <a:srgbClr val="FF0000"/>
+                </a:solidFill>
+              </a:rPr>
+              <a:t>	   1 = eliminated – 1</a:t>
+            </a:r>
+            <a:r>
+              <a:rPr lang="en-US" sz="1400" baseline="30000" dirty="0">
+                <a:solidFill>
+                  <a:srgbClr val="FF0000"/>
+                </a:solidFill>
+              </a:rPr>
+              <a:t>st</a:t>
+            </a:r>
+            <a:r>
+              <a:rPr lang="en-US" sz="1400" dirty="0">
+                <a:solidFill>
+                  <a:srgbClr val="FF0000"/>
+                </a:solidFill>
+              </a:rPr>
+              <a:t> </a:t>
+            </a:r>
+            <a:r>
+              <a:rPr lang="en-US" sz="1400" dirty="0" err="1">
+                <a:solidFill>
+                  <a:srgbClr val="FF0000"/>
+                </a:solidFill>
+              </a:rPr>
+              <a:t>rd</a:t>
+            </a:r>
+            <a:endParaRPr lang="en-US" sz="1400" dirty="0">
+              <a:solidFill>
+                <a:srgbClr val="FF0000"/>
+              </a:solidFill>
+            </a:endParaRPr>
+          </a:p>
+          <a:p>
+            <a:r>
+              <a:rPr lang="en-US" sz="1400" dirty="0">
+                <a:solidFill>
+                  <a:srgbClr val="FF0000"/>
+                </a:solidFill>
+              </a:rPr>
+              <a:t>	   2 = eliminated – 2</a:t>
+            </a:r>
+            <a:r>
+              <a:rPr lang="en-US" sz="1400" baseline="30000" dirty="0">
+                <a:solidFill>
+                  <a:srgbClr val="FF0000"/>
+                </a:solidFill>
+              </a:rPr>
+              <a:t>nd</a:t>
+            </a:r>
+            <a:r>
+              <a:rPr lang="en-US" sz="1400" dirty="0">
+                <a:solidFill>
+                  <a:srgbClr val="FF0000"/>
+                </a:solidFill>
+              </a:rPr>
+              <a:t> </a:t>
+            </a:r>
+            <a:r>
+              <a:rPr lang="en-US" sz="1400" dirty="0" err="1">
+                <a:solidFill>
+                  <a:srgbClr val="FF0000"/>
+                </a:solidFill>
+              </a:rPr>
+              <a:t>rd</a:t>
+            </a:r>
+            <a:endParaRPr lang="en-US" sz="1400" dirty="0">
+              <a:solidFill>
+                <a:srgbClr val="FF0000"/>
+              </a:solidFill>
+            </a:endParaRPr>
+          </a:p>
+          <a:p>
+            <a:r>
+              <a:rPr lang="en-US" sz="1400" dirty="0">
+                <a:solidFill>
+                  <a:srgbClr val="FF0000"/>
+                </a:solidFill>
+              </a:rPr>
+              <a:t>	   3 = eliminated – 3</a:t>
+            </a:r>
+            <a:r>
+              <a:rPr lang="en-US" sz="1400" baseline="30000" dirty="0">
+                <a:solidFill>
+                  <a:srgbClr val="FF0000"/>
+                </a:solidFill>
+              </a:rPr>
+              <a:t>rd</a:t>
+            </a:r>
+            <a:r>
+              <a:rPr lang="en-US" sz="1400" dirty="0">
+                <a:solidFill>
+                  <a:srgbClr val="FF0000"/>
+                </a:solidFill>
+              </a:rPr>
+              <a:t> </a:t>
+            </a:r>
+            <a:r>
+              <a:rPr lang="en-US" sz="1400" dirty="0" err="1">
+                <a:solidFill>
+                  <a:srgbClr val="FF0000"/>
+                </a:solidFill>
+              </a:rPr>
+              <a:t>rd</a:t>
+            </a:r>
+            <a:endParaRPr lang="en-US" sz="1400" dirty="0">
+              <a:solidFill>
+                <a:srgbClr val="FF0000"/>
+              </a:solidFill>
+            </a:endParaRPr>
+          </a:p>
+          <a:p>
+            <a:r>
+              <a:rPr lang="en-US" sz="1400" dirty="0">
+                <a:solidFill>
+                  <a:srgbClr val="FF0000"/>
+                </a:solidFill>
+              </a:rPr>
+              <a:t>	   4 = eliminated – 4</a:t>
+            </a:r>
+            <a:r>
+              <a:rPr lang="en-US" sz="1400" baseline="30000" dirty="0">
+                <a:solidFill>
+                  <a:srgbClr val="FF0000"/>
+                </a:solidFill>
+              </a:rPr>
+              <a:t>th</a:t>
+            </a:r>
+            <a:r>
+              <a:rPr lang="en-US" sz="1400" dirty="0">
+                <a:solidFill>
+                  <a:srgbClr val="FF0000"/>
+                </a:solidFill>
+              </a:rPr>
+              <a:t> </a:t>
+            </a:r>
+            <a:r>
+              <a:rPr lang="en-US" sz="1400" dirty="0" err="1">
+                <a:solidFill>
+                  <a:srgbClr val="FF0000"/>
+                </a:solidFill>
+              </a:rPr>
+              <a:t>rd</a:t>
+            </a:r>
+            <a:endParaRPr lang="en-US" sz="1400" dirty="0">
+              <a:solidFill>
+                <a:srgbClr val="FF0000"/>
+              </a:solidFill>
+            </a:endParaRPr>
+          </a:p>
+          <a:p>
+            <a:r>
+              <a:rPr lang="en-US" sz="1400" dirty="0">
+                <a:solidFill>
+                  <a:srgbClr val="FF0000"/>
+                </a:solidFill>
+              </a:rPr>
+              <a:t>	   5 = active]</a:t>
+            </a:r>
+          </a:p>
+        </p:txBody>
+      </p:sp>
+      <p:sp>
+        <p:nvSpPr>
+          <p:cNvPr id="3" name="Rectangle 2">
+            <a:extLst>
+              <a:ext uri="{FF2B5EF4-FFF2-40B4-BE49-F238E27FC236}">
+                <a16:creationId xmlns:a16="http://schemas.microsoft.com/office/drawing/2014/main" id="{DF026A85-7C08-B14F-AA1C-33DA507D996B}"/>
               </a:ext>
             </a:extLst>
           </p:cNvPr>
@@ -4755,7 +5493,431 @@
         </p:nvSpPr>
         <p:spPr>
           <a:xfrm>
-            <a:off x="4605118" y="4264781"/>
+            <a:off x="6853859" y="3605673"/>
+            <a:ext cx="4837472" cy="2665404"/>
+          </a:xfrm>
+          <a:prstGeom prst="rect">
+            <a:avLst/>
+          </a:prstGeom>
+          <a:noFill/>
+          <a:ln>
+            <a:solidFill>
+              <a:srgbClr val="C00000"/>
+            </a:solidFill>
+          </a:ln>
+        </p:spPr>
+        <p:style>
+          <a:lnRef idx="2">
+            <a:schemeClr val="accent1">
+              <a:shade val="50000"/>
+            </a:schemeClr>
+          </a:lnRef>
+          <a:fillRef idx="1">
+            <a:schemeClr val="accent1"/>
+          </a:fillRef>
+          <a:effectRef idx="0">
+            <a:schemeClr val="accent1"/>
+          </a:effectRef>
+          <a:fontRef idx="minor">
+            <a:schemeClr val="lt1"/>
+          </a:fontRef>
+        </p:style>
+        <p:txBody>
+          <a:bodyPr rtlCol="0" anchor="ctr"/>
+          <a:lstStyle/>
+          <a:p>
+            <a:pPr algn="ctr"/>
+            <a:endParaRPr lang="en-US"/>
+          </a:p>
+        </p:txBody>
+      </p:sp>
+      <p:sp>
+        <p:nvSpPr>
+          <p:cNvPr id="73" name="Rectangle 72">
+            <a:extLst>
+              <a:ext uri="{FF2B5EF4-FFF2-40B4-BE49-F238E27FC236}">
+                <a16:creationId xmlns:a16="http://schemas.microsoft.com/office/drawing/2014/main" id="{060F79C7-89B4-B34D-8E11-F0AD4B078599}"/>
+              </a:ext>
+            </a:extLst>
+          </p:cNvPr>
+          <p:cNvSpPr/>
+          <p:nvPr/>
+        </p:nvSpPr>
+        <p:spPr>
+          <a:xfrm>
+            <a:off x="1594238" y="3763075"/>
+            <a:ext cx="3449601" cy="2077527"/>
+          </a:xfrm>
+          <a:prstGeom prst="rect">
+            <a:avLst/>
+          </a:prstGeom>
+          <a:noFill/>
+          <a:ln>
+            <a:solidFill>
+              <a:srgbClr val="C00000"/>
+            </a:solidFill>
+          </a:ln>
+        </p:spPr>
+        <p:style>
+          <a:lnRef idx="2">
+            <a:schemeClr val="accent1">
+              <a:shade val="50000"/>
+            </a:schemeClr>
+          </a:lnRef>
+          <a:fillRef idx="1">
+            <a:schemeClr val="accent1"/>
+          </a:fillRef>
+          <a:effectRef idx="0">
+            <a:schemeClr val="accent1"/>
+          </a:effectRef>
+          <a:fontRef idx="minor">
+            <a:schemeClr val="lt1"/>
+          </a:fontRef>
+        </p:style>
+        <p:txBody>
+          <a:bodyPr rtlCol="0" anchor="ctr"/>
+          <a:lstStyle/>
+          <a:p>
+            <a:pPr algn="ctr"/>
+            <a:endParaRPr lang="en-US"/>
+          </a:p>
+        </p:txBody>
+      </p:sp>
+      <p:sp>
+        <p:nvSpPr>
+          <p:cNvPr id="75" name="Oval 74">
+            <a:extLst>
+              <a:ext uri="{FF2B5EF4-FFF2-40B4-BE49-F238E27FC236}">
+                <a16:creationId xmlns:a16="http://schemas.microsoft.com/office/drawing/2014/main" id="{50019371-EF4C-B343-8408-B7CFBE4C05AA}"/>
+              </a:ext>
+            </a:extLst>
+          </p:cNvPr>
+          <p:cNvSpPr/>
+          <p:nvPr/>
+        </p:nvSpPr>
+        <p:spPr>
+          <a:xfrm>
+            <a:off x="1994762" y="191593"/>
+            <a:ext cx="2163967" cy="432881"/>
+          </a:xfrm>
+          <a:prstGeom prst="ellipse">
+            <a:avLst/>
+          </a:prstGeom>
+          <a:solidFill>
+            <a:schemeClr val="accent2">
+              <a:lumMod val="60000"/>
+              <a:lumOff val="40000"/>
+            </a:schemeClr>
+          </a:solidFill>
+          <a:ln>
+            <a:solidFill>
+              <a:schemeClr val="accent4">
+                <a:lumMod val="50000"/>
+              </a:schemeClr>
+            </a:solidFill>
+          </a:ln>
+        </p:spPr>
+        <p:style>
+          <a:lnRef idx="2">
+            <a:schemeClr val="accent1">
+              <a:shade val="50000"/>
+            </a:schemeClr>
+          </a:lnRef>
+          <a:fillRef idx="1">
+            <a:schemeClr val="accent1"/>
+          </a:fillRef>
+          <a:effectRef idx="0">
+            <a:schemeClr val="accent1"/>
+          </a:effectRef>
+          <a:fontRef idx="minor">
+            <a:schemeClr val="lt1"/>
+          </a:fontRef>
+        </p:style>
+        <p:txBody>
+          <a:bodyPr rtlCol="0" anchor="ctr"/>
+          <a:lstStyle/>
+          <a:p>
+            <a:pPr algn="ctr"/>
+            <a:endParaRPr lang="en-US" sz="1200" dirty="0"/>
+          </a:p>
+          <a:p>
+            <a:pPr algn="ctr"/>
+            <a:r>
+              <a:rPr lang="en-US" sz="1100" dirty="0">
+                <a:solidFill>
+                  <a:schemeClr val="bg1"/>
+                </a:solidFill>
+              </a:rPr>
+              <a:t>UpdatePayment</a:t>
+            </a:r>
+          </a:p>
+          <a:p>
+            <a:pPr algn="ctr"/>
+            <a:endParaRPr lang="en-US" dirty="0"/>
+          </a:p>
+        </p:txBody>
+      </p:sp>
+      <p:sp>
+        <p:nvSpPr>
+          <p:cNvPr id="76" name="Oval 75">
+            <a:extLst>
+              <a:ext uri="{FF2B5EF4-FFF2-40B4-BE49-F238E27FC236}">
+                <a16:creationId xmlns:a16="http://schemas.microsoft.com/office/drawing/2014/main" id="{A4E1C507-C436-0B47-BF69-408879A76AFE}"/>
+              </a:ext>
+            </a:extLst>
+          </p:cNvPr>
+          <p:cNvSpPr/>
+          <p:nvPr/>
+        </p:nvSpPr>
+        <p:spPr>
+          <a:xfrm>
+            <a:off x="2838036" y="444295"/>
+            <a:ext cx="2278883" cy="432881"/>
+          </a:xfrm>
+          <a:prstGeom prst="ellipse">
+            <a:avLst/>
+          </a:prstGeom>
+          <a:solidFill>
+            <a:schemeClr val="accent2">
+              <a:lumMod val="60000"/>
+              <a:lumOff val="40000"/>
+            </a:schemeClr>
+          </a:solidFill>
+          <a:ln>
+            <a:solidFill>
+              <a:schemeClr val="accent4">
+                <a:lumMod val="50000"/>
+              </a:schemeClr>
+            </a:solidFill>
+          </a:ln>
+        </p:spPr>
+        <p:style>
+          <a:lnRef idx="2">
+            <a:schemeClr val="accent1">
+              <a:shade val="50000"/>
+            </a:schemeClr>
+          </a:lnRef>
+          <a:fillRef idx="1">
+            <a:schemeClr val="accent1"/>
+          </a:fillRef>
+          <a:effectRef idx="0">
+            <a:schemeClr val="accent1"/>
+          </a:effectRef>
+          <a:fontRef idx="minor">
+            <a:schemeClr val="lt1"/>
+          </a:fontRef>
+        </p:style>
+        <p:txBody>
+          <a:bodyPr rtlCol="0" anchor="ctr"/>
+          <a:lstStyle/>
+          <a:p>
+            <a:pPr algn="ctr"/>
+            <a:endParaRPr lang="en-US" sz="1200" dirty="0"/>
+          </a:p>
+          <a:p>
+            <a:pPr algn="ctr"/>
+            <a:r>
+              <a:rPr lang="en-US" sz="1100" dirty="0">
+                <a:solidFill>
+                  <a:schemeClr val="bg1"/>
+                </a:solidFill>
+              </a:rPr>
+              <a:t>TeamsUpdate.py</a:t>
+            </a:r>
+          </a:p>
+          <a:p>
+            <a:pPr algn="ctr"/>
+            <a:endParaRPr lang="en-US" dirty="0"/>
+          </a:p>
+        </p:txBody>
+      </p:sp>
+      <p:sp>
+        <p:nvSpPr>
+          <p:cNvPr id="77" name="Oval 76">
+            <a:extLst>
+              <a:ext uri="{FF2B5EF4-FFF2-40B4-BE49-F238E27FC236}">
+                <a16:creationId xmlns:a16="http://schemas.microsoft.com/office/drawing/2014/main" id="{38631806-EB7A-ED46-92F2-562EA7E3B36D}"/>
+              </a:ext>
+            </a:extLst>
+          </p:cNvPr>
+          <p:cNvSpPr/>
+          <p:nvPr/>
+        </p:nvSpPr>
+        <p:spPr>
+          <a:xfrm>
+            <a:off x="8135159" y="557618"/>
+            <a:ext cx="2163967" cy="432881"/>
+          </a:xfrm>
+          <a:prstGeom prst="ellipse">
+            <a:avLst/>
+          </a:prstGeom>
+          <a:solidFill>
+            <a:schemeClr val="accent4">
+              <a:lumMod val="75000"/>
+            </a:schemeClr>
+          </a:solidFill>
+          <a:ln>
+            <a:solidFill>
+              <a:schemeClr val="accent4">
+                <a:lumMod val="50000"/>
+              </a:schemeClr>
+            </a:solidFill>
+          </a:ln>
+        </p:spPr>
+        <p:style>
+          <a:lnRef idx="2">
+            <a:schemeClr val="accent1">
+              <a:shade val="50000"/>
+            </a:schemeClr>
+          </a:lnRef>
+          <a:fillRef idx="1">
+            <a:schemeClr val="accent1"/>
+          </a:fillRef>
+          <a:effectRef idx="0">
+            <a:schemeClr val="accent1"/>
+          </a:effectRef>
+          <a:fontRef idx="minor">
+            <a:schemeClr val="lt1"/>
+          </a:fontRef>
+        </p:style>
+        <p:txBody>
+          <a:bodyPr rtlCol="0" anchor="ctr"/>
+          <a:lstStyle/>
+          <a:p>
+            <a:pPr algn="ctr"/>
+            <a:endParaRPr lang="en-US" sz="1200" dirty="0"/>
+          </a:p>
+          <a:p>
+            <a:pPr algn="ctr"/>
+            <a:r>
+              <a:rPr lang="en-US" sz="1050" dirty="0">
+                <a:solidFill>
+                  <a:schemeClr val="bg1"/>
+                </a:solidFill>
+              </a:rPr>
+              <a:t>UpdatePlayerStatus.py</a:t>
+            </a:r>
+          </a:p>
+          <a:p>
+            <a:pPr algn="ctr"/>
+            <a:endParaRPr lang="en-US" dirty="0"/>
+          </a:p>
+        </p:txBody>
+      </p:sp>
+      <p:sp>
+        <p:nvSpPr>
+          <p:cNvPr id="24" name="Freeform 23">
+            <a:extLst>
+              <a:ext uri="{FF2B5EF4-FFF2-40B4-BE49-F238E27FC236}">
+                <a16:creationId xmlns:a16="http://schemas.microsoft.com/office/drawing/2014/main" id="{53DE8149-F815-AD45-9C20-3F38E0D2B1C8}"/>
+              </a:ext>
+            </a:extLst>
+          </p:cNvPr>
+          <p:cNvSpPr/>
+          <p:nvPr/>
+        </p:nvSpPr>
+        <p:spPr>
+          <a:xfrm>
+            <a:off x="5979333" y="1030977"/>
+            <a:ext cx="3154816" cy="2438864"/>
+          </a:xfrm>
+          <a:custGeom>
+            <a:avLst/>
+            <a:gdLst>
+              <a:gd name="connsiteX0" fmla="*/ 3203996 w 3203996"/>
+              <a:gd name="connsiteY0" fmla="*/ 0 h 1316576"/>
+              <a:gd name="connsiteX1" fmla="*/ 1896306 w 3203996"/>
+              <a:gd name="connsiteY1" fmla="*/ 1160206 h 1316576"/>
+              <a:gd name="connsiteX2" fmla="*/ 38009 w 3203996"/>
+              <a:gd name="connsiteY2" fmla="*/ 1238864 h 1316576"/>
+              <a:gd name="connsiteX3" fmla="*/ 824590 w 3203996"/>
+              <a:gd name="connsiteY3" fmla="*/ 540774 h 1316576"/>
+            </a:gdLst>
+            <a:ahLst/>
+            <a:cxnLst>
+              <a:cxn ang="0">
+                <a:pos x="connsiteX0" y="connsiteY0"/>
+              </a:cxn>
+              <a:cxn ang="0">
+                <a:pos x="connsiteX1" y="connsiteY1"/>
+              </a:cxn>
+              <a:cxn ang="0">
+                <a:pos x="connsiteX2" y="connsiteY2"/>
+              </a:cxn>
+              <a:cxn ang="0">
+                <a:pos x="connsiteX3" y="connsiteY3"/>
+              </a:cxn>
+            </a:cxnLst>
+            <a:rect l="l" t="t" r="r" b="b"/>
+            <a:pathLst>
+              <a:path w="3203996" h="1316576">
+                <a:moveTo>
+                  <a:pt x="3203996" y="0"/>
+                </a:moveTo>
+                <a:cubicBezTo>
+                  <a:pt x="2813983" y="476864"/>
+                  <a:pt x="2423970" y="953729"/>
+                  <a:pt x="1896306" y="1160206"/>
+                </a:cubicBezTo>
+                <a:cubicBezTo>
+                  <a:pt x="1368642" y="1366683"/>
+                  <a:pt x="216628" y="1342103"/>
+                  <a:pt x="38009" y="1238864"/>
+                </a:cubicBezTo>
+                <a:cubicBezTo>
+                  <a:pt x="-140610" y="1135625"/>
+                  <a:pt x="341990" y="838199"/>
+                  <a:pt x="824590" y="540774"/>
+                </a:cubicBezTo>
+              </a:path>
+            </a:pathLst>
+          </a:custGeom>
+          <a:noFill/>
+          <a:ln>
+            <a:headEnd type="none" w="med" len="med"/>
+            <a:tailEnd type="triangle" w="med" len="med"/>
+          </a:ln>
+        </p:spPr>
+        <p:style>
+          <a:lnRef idx="2">
+            <a:schemeClr val="accent1">
+              <a:shade val="50000"/>
+            </a:schemeClr>
+          </a:lnRef>
+          <a:fillRef idx="1">
+            <a:schemeClr val="accent1"/>
+          </a:fillRef>
+          <a:effectRef idx="0">
+            <a:schemeClr val="accent1"/>
+          </a:effectRef>
+          <a:fontRef idx="minor">
+            <a:schemeClr val="lt1"/>
+          </a:fontRef>
+        </p:style>
+        <p:txBody>
+          <a:bodyPr rtlCol="0" anchor="ctr"/>
+          <a:lstStyle/>
+          <a:p>
+            <a:pPr algn="ctr"/>
+            <a:endParaRPr lang="en-US"/>
+          </a:p>
+        </p:txBody>
+      </p:sp>
+      <p:sp>
+        <p:nvSpPr>
+          <p:cNvPr id="8" name="Oval 7">
+            <a:extLst>
+              <a:ext uri="{FF2B5EF4-FFF2-40B4-BE49-F238E27FC236}">
+                <a16:creationId xmlns:a16="http://schemas.microsoft.com/office/drawing/2014/main" id="{0CF7FAF7-E620-BE47-B41E-1182D2321F4A}"/>
+              </a:ext>
+            </a:extLst>
+          </p:cNvPr>
+          <p:cNvSpPr/>
+          <p:nvPr/>
+        </p:nvSpPr>
+        <p:spPr>
+          <a:xfrm>
+            <a:off x="8146060" y="1108354"/>
             <a:ext cx="2074537" cy="432881"/>
           </a:xfrm>
           <a:prstGeom prst="ellipse">
@@ -4800,10 +5962,15 @@
           <a:p>
             <a:pPr algn="ctr"/>
             <a:r>
-              <a:rPr lang="en-US" sz="1400" dirty="0" err="1"/>
-              <a:t>PoolUpdate.py</a:t>
-            </a:r>
-            <a:endParaRPr lang="en-US" sz="1400" dirty="0"/>
+              <a:rPr lang="en-US" sz="1400" dirty="0">
+                <a:solidFill>
+                  <a:schemeClr val="accent6">
+                    <a:lumMod val="50000"/>
+                  </a:schemeClr>
+                </a:solidFill>
+              </a:rPr>
+              <a:t>PlayersUpdate.py</a:t>
+            </a:r>
           </a:p>
           <a:p>
             <a:pPr algn="ctr"/>
@@ -4813,10 +5980,45 @@
       </p:sp>
       <p:sp>
         <p:nvSpPr>
-          <p:cNvPr id="48" name="Arc 47">
-            <a:extLst>
-              <a:ext uri="{FF2B5EF4-FFF2-40B4-BE49-F238E27FC236}">
-                <a16:creationId xmlns:a16="http://schemas.microsoft.com/office/drawing/2014/main" id="{649504E2-E7A3-CB45-9818-9A98FDB673C0}"/>
+          <p:cNvPr id="28" name="TextBox 27">
+            <a:extLst>
+              <a:ext uri="{FF2B5EF4-FFF2-40B4-BE49-F238E27FC236}">
+                <a16:creationId xmlns:a16="http://schemas.microsoft.com/office/drawing/2014/main" id="{415673DB-B932-0B40-BD99-026601981078}"/>
+              </a:ext>
+            </a:extLst>
+          </p:cNvPr>
+          <p:cNvSpPr txBox="1"/>
+          <p:nvPr/>
+        </p:nvSpPr>
+        <p:spPr>
+          <a:xfrm>
+            <a:off x="8625322" y="254768"/>
+            <a:ext cx="1116011" cy="246221"/>
+          </a:xfrm>
+          <a:prstGeom prst="rect">
+            <a:avLst/>
+          </a:prstGeom>
+          <a:noFill/>
+        </p:spPr>
+        <p:txBody>
+          <a:bodyPr wrap="none" rtlCol="0">
+            <a:spAutoFit/>
+          </a:bodyPr>
+          <a:lstStyle/>
+          <a:p>
+            <a:r>
+              <a:rPr lang="en-US" sz="1000" dirty="0"/>
+              <a:t>maintainPlayerDB</a:t>
+            </a:r>
+          </a:p>
+        </p:txBody>
+      </p:sp>
+      <p:sp>
+        <p:nvSpPr>
+          <p:cNvPr id="30" name="Left Brace 29">
+            <a:extLst>
+              <a:ext uri="{FF2B5EF4-FFF2-40B4-BE49-F238E27FC236}">
+                <a16:creationId xmlns:a16="http://schemas.microsoft.com/office/drawing/2014/main" id="{0EF15CB1-AB21-4C4E-B2FE-635329A4F3C6}"/>
               </a:ext>
             </a:extLst>
           </p:cNvPr>
@@ -4824,17 +6026,14 @@
           <p:nvPr/>
         </p:nvSpPr>
         <p:spPr>
-          <a:xfrm rot="16506388">
-            <a:off x="4024371" y="4555888"/>
-            <a:ext cx="924128" cy="846467"/>
+          <a:xfrm>
+            <a:off x="6755250" y="4050890"/>
+            <a:ext cx="304311" cy="844155"/>
           </a:xfrm>
-          <a:prstGeom prst="arc">
+          <a:prstGeom prst="leftBrace">
             <a:avLst/>
           </a:prstGeom>
-          <a:ln w="12700">
-            <a:headEnd type="triangle" w="med" len="med"/>
-            <a:tailEnd type="none" w="med" len="med"/>
-          </a:ln>
+          <a:ln w="28575"/>
         </p:spPr>
         <p:style>
           <a:lnRef idx="1">
@@ -4861,10 +6060,45 @@
       </p:sp>
       <p:sp>
         <p:nvSpPr>
-          <p:cNvPr id="50" name="Oval 49">
-            <a:extLst>
-              <a:ext uri="{FF2B5EF4-FFF2-40B4-BE49-F238E27FC236}">
-                <a16:creationId xmlns:a16="http://schemas.microsoft.com/office/drawing/2014/main" id="{E1C3C860-92F8-B34C-ADB2-CCAA485C5D01}"/>
+          <p:cNvPr id="31" name="TextBox 30">
+            <a:extLst>
+              <a:ext uri="{FF2B5EF4-FFF2-40B4-BE49-F238E27FC236}">
+                <a16:creationId xmlns:a16="http://schemas.microsoft.com/office/drawing/2014/main" id="{02E31234-BFB0-B144-A5BE-33DE8D19A758}"/>
+              </a:ext>
+            </a:extLst>
+          </p:cNvPr>
+          <p:cNvSpPr txBox="1"/>
+          <p:nvPr/>
+        </p:nvSpPr>
+        <p:spPr>
+          <a:xfrm>
+            <a:off x="5725065" y="4369106"/>
+            <a:ext cx="1079489" cy="230832"/>
+          </a:xfrm>
+          <a:prstGeom prst="rect">
+            <a:avLst/>
+          </a:prstGeom>
+          <a:noFill/>
+        </p:spPr>
+        <p:txBody>
+          <a:bodyPr wrap="square" rtlCol="0">
+            <a:spAutoFit/>
+          </a:bodyPr>
+          <a:lstStyle/>
+          <a:p>
+            <a:r>
+              <a:rPr lang="en-US" sz="900" dirty="0"/>
+              <a:t>PoolTeamRegistry</a:t>
+            </a:r>
+          </a:p>
+        </p:txBody>
+      </p:sp>
+      <p:sp>
+        <p:nvSpPr>
+          <p:cNvPr id="80" name="Left Brace 79">
+            <a:extLst>
+              <a:ext uri="{FF2B5EF4-FFF2-40B4-BE49-F238E27FC236}">
+                <a16:creationId xmlns:a16="http://schemas.microsoft.com/office/drawing/2014/main" id="{F75D39F8-E96C-6842-B0E6-2EBD440FBB42}"/>
               </a:ext>
             </a:extLst>
           </p:cNvPr>
@@ -4873,88 +6107,13 @@
         </p:nvSpPr>
         <p:spPr>
           <a:xfrm>
-            <a:off x="1255945" y="4315694"/>
-            <a:ext cx="2074537" cy="432881"/>
+            <a:off x="6769919" y="5755730"/>
+            <a:ext cx="304311" cy="552094"/>
           </a:xfrm>
-          <a:prstGeom prst="ellipse">
+          <a:prstGeom prst="leftBrace">
             <a:avLst/>
           </a:prstGeom>
-          <a:solidFill>
-            <a:schemeClr val="accent4">
-              <a:lumMod val="75000"/>
-            </a:schemeClr>
-          </a:solidFill>
-          <a:ln>
-            <a:solidFill>
-              <a:schemeClr val="accent4">
-                <a:lumMod val="50000"/>
-              </a:schemeClr>
-            </a:solidFill>
-          </a:ln>
-        </p:spPr>
-        <p:style>
-          <a:lnRef idx="2">
-            <a:schemeClr val="accent1">
-              <a:shade val="50000"/>
-            </a:schemeClr>
-          </a:lnRef>
-          <a:fillRef idx="1">
-            <a:schemeClr val="accent1"/>
-          </a:fillRef>
-          <a:effectRef idx="0">
-            <a:schemeClr val="accent1"/>
-          </a:effectRef>
-          <a:fontRef idx="minor">
-            <a:schemeClr val="lt1"/>
-          </a:fontRef>
-        </p:style>
-        <p:txBody>
-          <a:bodyPr rtlCol="0" anchor="ctr"/>
-          <a:lstStyle/>
-          <a:p>
-            <a:pPr algn="ctr"/>
-            <a:endParaRPr lang="en-US" sz="1200" dirty="0"/>
-          </a:p>
-          <a:p>
-            <a:pPr algn="ctr"/>
-            <a:r>
-              <a:rPr lang="en-US" sz="1400" dirty="0" err="1"/>
-              <a:t>RenderPool.py</a:t>
-            </a:r>
-            <a:endParaRPr lang="en-US" sz="1400" dirty="0"/>
-          </a:p>
-          <a:p>
-            <a:pPr algn="ctr"/>
-            <a:endParaRPr lang="en-US" dirty="0"/>
-          </a:p>
-        </p:txBody>
-      </p:sp>
-      <p:cxnSp>
-        <p:nvCxnSpPr>
-          <p:cNvPr id="51" name="Straight Arrow Connector 50">
-            <a:extLst>
-              <a:ext uri="{FF2B5EF4-FFF2-40B4-BE49-F238E27FC236}">
-                <a16:creationId xmlns:a16="http://schemas.microsoft.com/office/drawing/2014/main" id="{1826B866-6FF1-D941-BEE7-6EE9B76AF29C}"/>
-              </a:ext>
-            </a:extLst>
-          </p:cNvPr>
-          <p:cNvCxnSpPr>
-            <a:cxnSpLocks/>
-          </p:cNvCxnSpPr>
-          <p:nvPr/>
-        </p:nvCxnSpPr>
-        <p:spPr>
-          <a:xfrm>
-            <a:off x="891701" y="4264781"/>
-            <a:ext cx="364244" cy="128891"/>
-          </a:xfrm>
-          <a:prstGeom prst="straightConnector1">
-            <a:avLst/>
-          </a:prstGeom>
-          <a:ln w="12700">
-            <a:headEnd type="triangle"/>
-            <a:tailEnd type="triangle"/>
-          </a:ln>
+          <a:ln w="28575"/>
         </p:spPr>
         <p:style>
           <a:lnRef idx="1">
@@ -4970,110 +6129,31 @@
             <a:schemeClr val="tx1"/>
           </a:fontRef>
         </p:style>
-      </p:cxnSp>
-      <p:sp>
-        <p:nvSpPr>
-          <p:cNvPr id="52" name="Arc 51">
-            <a:extLst>
-              <a:ext uri="{FF2B5EF4-FFF2-40B4-BE49-F238E27FC236}">
-                <a16:creationId xmlns:a16="http://schemas.microsoft.com/office/drawing/2014/main" id="{33DFE93A-BDEF-D940-B1C1-C7E3B4A27EED}"/>
-              </a:ext>
-            </a:extLst>
-          </p:cNvPr>
-          <p:cNvSpPr/>
+        <p:txBody>
+          <a:bodyPr rtlCol="0" anchor="ctr"/>
+          <a:lstStyle/>
+          <a:p>
+            <a:pPr algn="ctr"/>
+            <a:endParaRPr lang="en-US"/>
+          </a:p>
+        </p:txBody>
+      </p:sp>
+      <p:sp>
+        <p:nvSpPr>
+          <p:cNvPr id="81" name="TextBox 80">
+            <a:extLst>
+              <a:ext uri="{FF2B5EF4-FFF2-40B4-BE49-F238E27FC236}">
+                <a16:creationId xmlns:a16="http://schemas.microsoft.com/office/drawing/2014/main" id="{E2FC7433-E22B-AE43-9EA4-F260EDAD1F45}"/>
+              </a:ext>
+            </a:extLst>
+          </p:cNvPr>
+          <p:cNvSpPr txBox="1"/>
           <p:nvPr/>
         </p:nvSpPr>
         <p:spPr>
           <a:xfrm>
-            <a:off x="2805272" y="4542019"/>
-            <a:ext cx="1116139" cy="805122"/>
-          </a:xfrm>
-          <a:prstGeom prst="arc">
-            <a:avLst>
-              <a:gd name="adj1" fmla="val 16011110"/>
-              <a:gd name="adj2" fmla="val 0"/>
-            </a:avLst>
-          </a:prstGeom>
-          <a:ln w="19050">
-            <a:headEnd type="triangle" w="med" len="med"/>
-            <a:tailEnd type="none" w="med" len="med"/>
-          </a:ln>
-        </p:spPr>
-        <p:style>
-          <a:lnRef idx="1">
-            <a:schemeClr val="accent1"/>
-          </a:lnRef>
-          <a:fillRef idx="0">
-            <a:schemeClr val="accent1"/>
-          </a:fillRef>
-          <a:effectRef idx="0">
-            <a:schemeClr val="accent1"/>
-          </a:effectRef>
-          <a:fontRef idx="minor">
-            <a:schemeClr val="tx1"/>
-          </a:fontRef>
-        </p:style>
-        <p:txBody>
-          <a:bodyPr rtlCol="0" anchor="ctr"/>
-          <a:lstStyle/>
-          <a:p>
-            <a:pPr algn="ctr"/>
-            <a:endParaRPr lang="en-US"/>
-          </a:p>
-        </p:txBody>
-      </p:sp>
-      <p:pic>
-        <p:nvPicPr>
-          <p:cNvPr id="53" name="Picture 52" descr="A picture containing lamp, light&#10;&#10;Description automatically generated">
-            <a:extLst>
-              <a:ext uri="{FF2B5EF4-FFF2-40B4-BE49-F238E27FC236}">
-                <a16:creationId xmlns:a16="http://schemas.microsoft.com/office/drawing/2014/main" id="{970CE395-0A67-1F46-9275-85F1604CA04B}"/>
-              </a:ext>
-            </a:extLst>
-          </p:cNvPr>
-          <p:cNvPicPr>
-            <a:picLocks noChangeAspect="1"/>
-          </p:cNvPicPr>
-          <p:nvPr/>
-        </p:nvPicPr>
-        <p:blipFill>
-          <a:blip r:embed="rId2">
-            <a:extLst>
-              <a:ext uri="{28A0092B-C50C-407E-A947-70E740481C1C}">
-                <a14:useLocalDpi xmlns:a14="http://schemas.microsoft.com/office/drawing/2010/main" val="0"/>
-              </a:ext>
-            </a:extLst>
-          </a:blip>
-          <a:stretch>
-            <a:fillRect/>
-          </a:stretch>
-        </p:blipFill>
-        <p:spPr>
-          <a:xfrm>
-            <a:off x="-146050" y="258354"/>
-            <a:ext cx="1205504" cy="1205504"/>
-          </a:xfrm>
-          <a:prstGeom prst="rect">
-            <a:avLst/>
-          </a:prstGeom>
-        </p:spPr>
-      </p:pic>
-      <p:sp>
-        <p:nvSpPr>
-          <p:cNvPr id="54" name="TextBox 53">
-            <a:extLst>
-              <a:ext uri="{FF2B5EF4-FFF2-40B4-BE49-F238E27FC236}">
-                <a16:creationId xmlns:a16="http://schemas.microsoft.com/office/drawing/2014/main" id="{2513FBFE-FCDE-C445-9117-C689CB0B3FB5}"/>
-              </a:ext>
-            </a:extLst>
-          </p:cNvPr>
-          <p:cNvSpPr txBox="1"/>
-          <p:nvPr/>
-        </p:nvSpPr>
-        <p:spPr>
-          <a:xfrm>
-            <a:off x="349620" y="3181946"/>
-            <a:ext cx="1448405" cy="461665"/>
+            <a:off x="5849446" y="5916361"/>
+            <a:ext cx="978358" cy="230832"/>
           </a:xfrm>
           <a:prstGeom prst="rect">
             <a:avLst/>
@@ -5087,453 +6167,8 @@
           <a:lstStyle/>
           <a:p>
             <a:r>
-              <a:rPr lang="en-US" sz="2400" dirty="0"/>
-              <a:t>Option 1</a:t>
-            </a:r>
-          </a:p>
-        </p:txBody>
-      </p:sp>
-      <p:sp>
-        <p:nvSpPr>
-          <p:cNvPr id="55" name="Oval 54">
-            <a:extLst>
-              <a:ext uri="{FF2B5EF4-FFF2-40B4-BE49-F238E27FC236}">
-                <a16:creationId xmlns:a16="http://schemas.microsoft.com/office/drawing/2014/main" id="{183F7428-C8C5-6E44-B265-5D61B06D274D}"/>
-              </a:ext>
-            </a:extLst>
-          </p:cNvPr>
-          <p:cNvSpPr/>
-          <p:nvPr/>
-        </p:nvSpPr>
-        <p:spPr>
-          <a:xfrm>
-            <a:off x="1206815" y="5293559"/>
-            <a:ext cx="2074537" cy="432881"/>
-          </a:xfrm>
-          <a:prstGeom prst="ellipse">
-            <a:avLst/>
-          </a:prstGeom>
-          <a:solidFill>
-            <a:schemeClr val="accent4">
-              <a:lumMod val="75000"/>
-            </a:schemeClr>
-          </a:solidFill>
-          <a:ln>
-            <a:solidFill>
-              <a:schemeClr val="accent4">
-                <a:lumMod val="50000"/>
-              </a:schemeClr>
-            </a:solidFill>
-          </a:ln>
-        </p:spPr>
-        <p:style>
-          <a:lnRef idx="2">
-            <a:schemeClr val="accent1">
-              <a:shade val="50000"/>
-            </a:schemeClr>
-          </a:lnRef>
-          <a:fillRef idx="1">
-            <a:schemeClr val="accent1"/>
-          </a:fillRef>
-          <a:effectRef idx="0">
-            <a:schemeClr val="accent1"/>
-          </a:effectRef>
-          <a:fontRef idx="minor">
-            <a:schemeClr val="lt1"/>
-          </a:fontRef>
-        </p:style>
-        <p:txBody>
-          <a:bodyPr rtlCol="0" anchor="ctr"/>
-          <a:lstStyle/>
-          <a:p>
-            <a:pPr algn="ctr"/>
-            <a:endParaRPr lang="en-US" sz="1200" dirty="0"/>
-          </a:p>
-          <a:p>
-            <a:pPr algn="ctr"/>
-            <a:r>
-              <a:rPr lang="en-US" sz="1400" dirty="0" err="1"/>
-              <a:t>PoolEntry.py</a:t>
-            </a:r>
-            <a:endParaRPr lang="en-US" sz="1400" dirty="0"/>
-          </a:p>
-          <a:p>
-            <a:pPr algn="ctr"/>
-            <a:endParaRPr lang="en-US" dirty="0"/>
-          </a:p>
-        </p:txBody>
-      </p:sp>
-      <p:sp>
-        <p:nvSpPr>
-          <p:cNvPr id="56" name="Arc 55">
-            <a:extLst>
-              <a:ext uri="{FF2B5EF4-FFF2-40B4-BE49-F238E27FC236}">
-                <a16:creationId xmlns:a16="http://schemas.microsoft.com/office/drawing/2014/main" id="{2DD921C6-1BE0-434F-A53B-E0B9368FF196}"/>
-              </a:ext>
-            </a:extLst>
-          </p:cNvPr>
-          <p:cNvSpPr/>
-          <p:nvPr/>
-        </p:nvSpPr>
-        <p:spPr>
-          <a:xfrm rot="17275121">
-            <a:off x="2976527" y="5067510"/>
-            <a:ext cx="568728" cy="560131"/>
-          </a:xfrm>
-          <a:prstGeom prst="arc">
-            <a:avLst/>
-          </a:prstGeom>
-          <a:ln w="12700">
-            <a:headEnd type="none" w="med" len="med"/>
-            <a:tailEnd type="triangle" w="med" len="med"/>
-          </a:ln>
-        </p:spPr>
-        <p:style>
-          <a:lnRef idx="1">
-            <a:schemeClr val="accent1"/>
-          </a:lnRef>
-          <a:fillRef idx="0">
-            <a:schemeClr val="accent1"/>
-          </a:fillRef>
-          <a:effectRef idx="0">
-            <a:schemeClr val="accent1"/>
-          </a:effectRef>
-          <a:fontRef idx="minor">
-            <a:schemeClr val="tx1"/>
-          </a:fontRef>
-        </p:style>
-        <p:txBody>
-          <a:bodyPr rtlCol="0" anchor="ctr"/>
-          <a:lstStyle/>
-          <a:p>
-            <a:pPr algn="ctr"/>
-            <a:endParaRPr lang="en-US"/>
-          </a:p>
-        </p:txBody>
-      </p:sp>
-      <p:sp>
-        <p:nvSpPr>
-          <p:cNvPr id="57" name="Oval 56">
-            <a:extLst>
-              <a:ext uri="{FF2B5EF4-FFF2-40B4-BE49-F238E27FC236}">
-                <a16:creationId xmlns:a16="http://schemas.microsoft.com/office/drawing/2014/main" id="{601AE9CA-21EF-A149-8798-F16BBFDC9B61}"/>
-              </a:ext>
-            </a:extLst>
-          </p:cNvPr>
-          <p:cNvSpPr/>
-          <p:nvPr/>
-        </p:nvSpPr>
-        <p:spPr>
-          <a:xfrm>
-            <a:off x="1242453" y="2020872"/>
-            <a:ext cx="2074537" cy="432881"/>
-          </a:xfrm>
-          <a:prstGeom prst="ellipse">
-            <a:avLst/>
-          </a:prstGeom>
-          <a:solidFill>
-            <a:schemeClr val="accent4">
-              <a:lumMod val="75000"/>
-            </a:schemeClr>
-          </a:solidFill>
-          <a:ln>
-            <a:solidFill>
-              <a:schemeClr val="accent4">
-                <a:lumMod val="50000"/>
-              </a:schemeClr>
-            </a:solidFill>
-          </a:ln>
-        </p:spPr>
-        <p:style>
-          <a:lnRef idx="2">
-            <a:schemeClr val="accent1">
-              <a:shade val="50000"/>
-            </a:schemeClr>
-          </a:lnRef>
-          <a:fillRef idx="1">
-            <a:schemeClr val="accent1"/>
-          </a:fillRef>
-          <a:effectRef idx="0">
-            <a:schemeClr val="accent1"/>
-          </a:effectRef>
-          <a:fontRef idx="minor">
-            <a:schemeClr val="lt1"/>
-          </a:fontRef>
-        </p:style>
-        <p:txBody>
-          <a:bodyPr rtlCol="0" anchor="ctr"/>
-          <a:lstStyle/>
-          <a:p>
-            <a:pPr algn="ctr"/>
-            <a:endParaRPr lang="en-US" sz="1200" dirty="0"/>
-          </a:p>
-          <a:p>
-            <a:pPr algn="ctr"/>
-            <a:r>
-              <a:rPr lang="en-US" sz="1400" dirty="0" err="1"/>
-              <a:t>PoolEntry.py</a:t>
-            </a:r>
-            <a:endParaRPr lang="en-US" sz="1400" dirty="0"/>
-          </a:p>
-          <a:p>
-            <a:pPr algn="ctr"/>
-            <a:endParaRPr lang="en-US" dirty="0"/>
-          </a:p>
-        </p:txBody>
-      </p:sp>
-      <p:sp>
-        <p:nvSpPr>
-          <p:cNvPr id="58" name="Arc 57">
-            <a:extLst>
-              <a:ext uri="{FF2B5EF4-FFF2-40B4-BE49-F238E27FC236}">
-                <a16:creationId xmlns:a16="http://schemas.microsoft.com/office/drawing/2014/main" id="{A41F773A-BEC8-DA44-8439-0617EC8465A3}"/>
-              </a:ext>
-            </a:extLst>
-          </p:cNvPr>
-          <p:cNvSpPr/>
-          <p:nvPr/>
-        </p:nvSpPr>
-        <p:spPr>
-          <a:xfrm rot="17275121">
-            <a:off x="3012165" y="1794823"/>
-            <a:ext cx="568728" cy="560131"/>
-          </a:xfrm>
-          <a:prstGeom prst="arc">
-            <a:avLst/>
-          </a:prstGeom>
-          <a:ln w="12700">
-            <a:headEnd type="none" w="med" len="med"/>
-            <a:tailEnd type="triangle" w="med" len="med"/>
-          </a:ln>
-        </p:spPr>
-        <p:style>
-          <a:lnRef idx="1">
-            <a:schemeClr val="accent1"/>
-          </a:lnRef>
-          <a:fillRef idx="0">
-            <a:schemeClr val="accent1"/>
-          </a:fillRef>
-          <a:effectRef idx="0">
-            <a:schemeClr val="accent1"/>
-          </a:effectRef>
-          <a:fontRef idx="minor">
-            <a:schemeClr val="tx1"/>
-          </a:fontRef>
-        </p:style>
-        <p:txBody>
-          <a:bodyPr rtlCol="0" anchor="ctr"/>
-          <a:lstStyle/>
-          <a:p>
-            <a:pPr algn="ctr"/>
-            <a:endParaRPr lang="en-US"/>
-          </a:p>
-        </p:txBody>
-      </p:sp>
-      <p:sp>
-        <p:nvSpPr>
-          <p:cNvPr id="60" name="TextBox 59">
-            <a:extLst>
-              <a:ext uri="{FF2B5EF4-FFF2-40B4-BE49-F238E27FC236}">
-                <a16:creationId xmlns:a16="http://schemas.microsoft.com/office/drawing/2014/main" id="{6E2E68D4-6739-E445-A5A7-9C77EB14D0C1}"/>
-              </a:ext>
-            </a:extLst>
-          </p:cNvPr>
-          <p:cNvSpPr txBox="1"/>
-          <p:nvPr/>
-        </p:nvSpPr>
-        <p:spPr>
-          <a:xfrm>
-            <a:off x="8225094" y="3767595"/>
-            <a:ext cx="4036982" cy="3139321"/>
-          </a:xfrm>
-          <a:prstGeom prst="rect">
-            <a:avLst/>
-          </a:prstGeom>
-          <a:noFill/>
-        </p:spPr>
-        <p:txBody>
-          <a:bodyPr wrap="square" rtlCol="0">
-            <a:spAutoFit/>
-          </a:bodyPr>
-          <a:lstStyle/>
-          <a:p>
-            <a:r>
-              <a:rPr lang="en-US" i="1" dirty="0" err="1">
-                <a:solidFill>
-                  <a:srgbClr val="FF0000"/>
-                </a:solidFill>
-              </a:rPr>
-              <a:t>PoolTeams</a:t>
-            </a:r>
-            <a:r>
-              <a:rPr lang="en-US" dirty="0">
-                <a:solidFill>
-                  <a:srgbClr val="FF0000"/>
-                </a:solidFill>
-              </a:rPr>
-              <a:t>:</a:t>
-            </a:r>
-          </a:p>
-          <a:p>
-            <a:r>
-              <a:rPr lang="en-US" dirty="0" err="1">
-                <a:solidFill>
-                  <a:srgbClr val="FF0000"/>
-                </a:solidFill>
-              </a:rPr>
-              <a:t>PoolTeamName</a:t>
-            </a:r>
-            <a:r>
-              <a:rPr lang="en-US" dirty="0">
-                <a:solidFill>
-                  <a:srgbClr val="FF0000"/>
-                </a:solidFill>
-              </a:rPr>
-              <a:t>: [</a:t>
-            </a:r>
-            <a:r>
-              <a:rPr lang="en-US" dirty="0" err="1">
-                <a:solidFill>
-                  <a:srgbClr val="FF0000"/>
-                </a:solidFill>
-              </a:rPr>
-              <a:t>QuadSquad</a:t>
-            </a:r>
-            <a:r>
-              <a:rPr lang="en-US" dirty="0">
-                <a:solidFill>
-                  <a:srgbClr val="FF0000"/>
-                </a:solidFill>
-              </a:rPr>
-              <a:t>]</a:t>
-            </a:r>
-          </a:p>
-          <a:p>
-            <a:r>
-              <a:rPr lang="en-US" dirty="0">
-                <a:solidFill>
-                  <a:srgbClr val="FF0000"/>
-                </a:solidFill>
-              </a:rPr>
-              <a:t>GM: [GM Name]</a:t>
-            </a:r>
-          </a:p>
-          <a:p>
-            <a:r>
-              <a:rPr lang="en-US" dirty="0">
-                <a:solidFill>
-                  <a:srgbClr val="FF0000"/>
-                </a:solidFill>
-              </a:rPr>
-              <a:t>Email:</a:t>
-            </a:r>
-          </a:p>
-          <a:p>
-            <a:r>
-              <a:rPr lang="en-US" dirty="0">
-                <a:solidFill>
-                  <a:srgbClr val="FF0000"/>
-                </a:solidFill>
-              </a:rPr>
-              <a:t>Pay Status: [</a:t>
-            </a:r>
-            <a:r>
-              <a:rPr lang="en-US" dirty="0" err="1">
-                <a:solidFill>
-                  <a:srgbClr val="FF0000"/>
-                </a:solidFill>
-              </a:rPr>
-              <a:t>NotPaid</a:t>
-            </a:r>
-            <a:r>
-              <a:rPr lang="en-US" dirty="0">
-                <a:solidFill>
-                  <a:srgbClr val="FF0000"/>
-                </a:solidFill>
-              </a:rPr>
-              <a:t>, PayPal, Cheque, Cash, Coupon]</a:t>
-            </a:r>
-          </a:p>
-          <a:p>
-            <a:r>
-              <a:rPr lang="en-US" dirty="0">
-                <a:solidFill>
-                  <a:srgbClr val="FF0000"/>
-                </a:solidFill>
-              </a:rPr>
-              <a:t>Pay Amount: </a:t>
-            </a:r>
-          </a:p>
-          <a:p>
-            <a:r>
-              <a:rPr lang="en-US" dirty="0">
-                <a:solidFill>
-                  <a:srgbClr val="FF0000"/>
-                </a:solidFill>
-              </a:rPr>
-              <a:t>Status:  [Incomplete, complete]  </a:t>
-            </a:r>
-          </a:p>
-          <a:p>
-            <a:endParaRPr lang="en-US" dirty="0">
-              <a:solidFill>
-                <a:srgbClr val="FF0000"/>
-              </a:solidFill>
-            </a:endParaRPr>
-          </a:p>
-          <a:p>
-            <a:r>
-              <a:rPr lang="en-US" dirty="0">
-                <a:solidFill>
-                  <a:srgbClr val="FF0000"/>
-                </a:solidFill>
-              </a:rPr>
-              <a:t>25* </a:t>
-            </a:r>
-          </a:p>
-          <a:p>
-            <a:r>
-              <a:rPr lang="en-US" dirty="0">
-                <a:solidFill>
-                  <a:srgbClr val="FF0000"/>
-                </a:solidFill>
-              </a:rPr>
-              <a:t>ID, Name, Team, G, A, W, SO, Pts, State</a:t>
-            </a:r>
-          </a:p>
-        </p:txBody>
-      </p:sp>
-      <p:sp>
-        <p:nvSpPr>
-          <p:cNvPr id="61" name="TextBox 60">
-            <a:extLst>
-              <a:ext uri="{FF2B5EF4-FFF2-40B4-BE49-F238E27FC236}">
-                <a16:creationId xmlns:a16="http://schemas.microsoft.com/office/drawing/2014/main" id="{6269E819-363C-0F47-9F95-53DF3E3E3E09}"/>
-              </a:ext>
-            </a:extLst>
-          </p:cNvPr>
-          <p:cNvSpPr txBox="1"/>
-          <p:nvPr/>
-        </p:nvSpPr>
-        <p:spPr>
-          <a:xfrm>
-            <a:off x="456702" y="6252446"/>
-            <a:ext cx="1448405" cy="461665"/>
-          </a:xfrm>
-          <a:prstGeom prst="rect">
-            <a:avLst/>
-          </a:prstGeom>
-          <a:noFill/>
-        </p:spPr>
-        <p:txBody>
-          <a:bodyPr wrap="square" rtlCol="0">
-            <a:spAutoFit/>
-          </a:bodyPr>
-          <a:lstStyle/>
-          <a:p>
-            <a:r>
-              <a:rPr lang="en-US" sz="2400" dirty="0"/>
-              <a:t>Option 2</a:t>
+              <a:rPr lang="en-US" sz="900" dirty="0"/>
+              <a:t>PlayerSelection</a:t>
             </a:r>
           </a:p>
         </p:txBody>

--- a/JHP_Design.pptx
+++ b/JHP_Design.pptx
@@ -6,6 +6,8 @@
   </p:sldMasterIdLst>
   <p:sldIdLst>
     <p:sldId id="257" r:id="rId2"/>
+    <p:sldId id="258" r:id="rId3"/>
+    <p:sldId id="259" r:id="rId4"/>
   </p:sldIdLst>
   <p:sldSz cx="12192000" cy="6858000"/>
   <p:notesSz cx="6858000" cy="9144000"/>
@@ -259,7 +261,7 @@
           <a:p>
             <a:fld id="{65F3756F-6BA0-BE41-9226-AD7D2B2262FF}" type="datetimeFigureOut">
               <a:rPr lang="en-US" smtClean="0"/>
-              <a:t>7/18/20</a:t>
+              <a:t>7/22/20</a:t>
             </a:fld>
             <a:endParaRPr lang="en-US"/>
           </a:p>
@@ -457,7 +459,7 @@
           <a:p>
             <a:fld id="{65F3756F-6BA0-BE41-9226-AD7D2B2262FF}" type="datetimeFigureOut">
               <a:rPr lang="en-US" smtClean="0"/>
-              <a:t>7/18/20</a:t>
+              <a:t>7/22/20</a:t>
             </a:fld>
             <a:endParaRPr lang="en-US"/>
           </a:p>
@@ -665,7 +667,7 @@
           <a:p>
             <a:fld id="{65F3756F-6BA0-BE41-9226-AD7D2B2262FF}" type="datetimeFigureOut">
               <a:rPr lang="en-US" smtClean="0"/>
-              <a:t>7/18/20</a:t>
+              <a:t>7/22/20</a:t>
             </a:fld>
             <a:endParaRPr lang="en-US"/>
           </a:p>
@@ -863,7 +865,7 @@
           <a:p>
             <a:fld id="{65F3756F-6BA0-BE41-9226-AD7D2B2262FF}" type="datetimeFigureOut">
               <a:rPr lang="en-US" smtClean="0"/>
-              <a:t>7/18/20</a:t>
+              <a:t>7/22/20</a:t>
             </a:fld>
             <a:endParaRPr lang="en-US"/>
           </a:p>
@@ -1138,7 +1140,7 @@
           <a:p>
             <a:fld id="{65F3756F-6BA0-BE41-9226-AD7D2B2262FF}" type="datetimeFigureOut">
               <a:rPr lang="en-US" smtClean="0"/>
-              <a:t>7/18/20</a:t>
+              <a:t>7/22/20</a:t>
             </a:fld>
             <a:endParaRPr lang="en-US"/>
           </a:p>
@@ -1403,7 +1405,7 @@
           <a:p>
             <a:fld id="{65F3756F-6BA0-BE41-9226-AD7D2B2262FF}" type="datetimeFigureOut">
               <a:rPr lang="en-US" smtClean="0"/>
-              <a:t>7/18/20</a:t>
+              <a:t>7/22/20</a:t>
             </a:fld>
             <a:endParaRPr lang="en-US"/>
           </a:p>
@@ -1815,7 +1817,7 @@
           <a:p>
             <a:fld id="{65F3756F-6BA0-BE41-9226-AD7D2B2262FF}" type="datetimeFigureOut">
               <a:rPr lang="en-US" smtClean="0"/>
-              <a:t>7/18/20</a:t>
+              <a:t>7/22/20</a:t>
             </a:fld>
             <a:endParaRPr lang="en-US"/>
           </a:p>
@@ -1956,7 +1958,7 @@
           <a:p>
             <a:fld id="{65F3756F-6BA0-BE41-9226-AD7D2B2262FF}" type="datetimeFigureOut">
               <a:rPr lang="en-US" smtClean="0"/>
-              <a:t>7/18/20</a:t>
+              <a:t>7/22/20</a:t>
             </a:fld>
             <a:endParaRPr lang="en-US"/>
           </a:p>
@@ -2069,7 +2071,7 @@
           <a:p>
             <a:fld id="{65F3756F-6BA0-BE41-9226-AD7D2B2262FF}" type="datetimeFigureOut">
               <a:rPr lang="en-US" smtClean="0"/>
-              <a:t>7/18/20</a:t>
+              <a:t>7/22/20</a:t>
             </a:fld>
             <a:endParaRPr lang="en-US"/>
           </a:p>
@@ -2380,7 +2382,7 @@
           <a:p>
             <a:fld id="{65F3756F-6BA0-BE41-9226-AD7D2B2262FF}" type="datetimeFigureOut">
               <a:rPr lang="en-US" smtClean="0"/>
-              <a:t>7/18/20</a:t>
+              <a:t>7/22/20</a:t>
             </a:fld>
             <a:endParaRPr lang="en-US"/>
           </a:p>
@@ -2668,7 +2670,7 @@
           <a:p>
             <a:fld id="{65F3756F-6BA0-BE41-9226-AD7D2B2262FF}" type="datetimeFigureOut">
               <a:rPr lang="en-US" smtClean="0"/>
-              <a:t>7/18/20</a:t>
+              <a:t>7/22/20</a:t>
             </a:fld>
             <a:endParaRPr lang="en-US"/>
           </a:p>
@@ -2909,7 +2911,7 @@
           <a:p>
             <a:fld id="{65F3756F-6BA0-BE41-9226-AD7D2B2262FF}" type="datetimeFigureOut">
               <a:rPr lang="en-US" smtClean="0"/>
-              <a:t>7/18/20</a:t>
+              <a:t>7/22/20</a:t>
             </a:fld>
             <a:endParaRPr lang="en-US"/>
           </a:p>
@@ -4177,7 +4179,7 @@
         <p:spPr>
           <a:xfrm>
             <a:off x="4569451" y="980064"/>
-            <a:ext cx="2074537" cy="432881"/>
+            <a:ext cx="2313559" cy="541959"/>
           </a:xfrm>
           <a:prstGeom prst="ellipse">
             <a:avLst/>
@@ -4221,7 +4223,7 @@
           <a:p>
             <a:pPr algn="ctr"/>
             <a:r>
-              <a:rPr lang="en-US" sz="1400" dirty="0">
+              <a:rPr lang="en-US" sz="1000" dirty="0">
                 <a:solidFill>
                   <a:schemeClr val="accent6">
                     <a:lumMod val="50000"/>
@@ -4229,6 +4231,38 @@
                 </a:solidFill>
               </a:rPr>
               <a:t>PoolUpdate.py</a:t>
+            </a:r>
+          </a:p>
+          <a:p>
+            <a:pPr marL="171450" indent="-171450" algn="ctr">
+              <a:buFontTx/>
+              <a:buChar char="-"/>
+            </a:pPr>
+            <a:r>
+              <a:rPr lang="en-US" sz="1000" dirty="0">
+                <a:solidFill>
+                  <a:schemeClr val="accent6">
+                    <a:lumMod val="50000"/>
+                  </a:schemeClr>
+                </a:solidFill>
+              </a:rPr>
+              <a:t>Update 200 entry tables</a:t>
+            </a:r>
+          </a:p>
+          <a:p>
+            <a:pPr marL="171450" indent="-171450" algn="ctr">
+              <a:buFontTx/>
+              <a:buChar char="-"/>
+            </a:pPr>
+            <a:r>
+              <a:rPr lang="en-US" sz="1000" dirty="0">
+                <a:solidFill>
+                  <a:schemeClr val="accent6">
+                    <a:lumMod val="50000"/>
+                  </a:schemeClr>
+                </a:solidFill>
+              </a:rPr>
+              <a:t>Update pool table</a:t>
             </a:r>
           </a:p>
           <a:p>
@@ -4544,7 +4578,7 @@
         <p:spPr>
           <a:xfrm>
             <a:off x="7021369" y="3580826"/>
-            <a:ext cx="5213436" cy="2708434"/>
+            <a:ext cx="5213436" cy="2923877"/>
           </a:xfrm>
           <a:prstGeom prst="rect">
             <a:avLst/>
@@ -4558,25 +4592,32 @@
           <a:lstStyle/>
           <a:p>
             <a:r>
-              <a:rPr lang="en-US" sz="1600" i="1" dirty="0">
+              <a:rPr lang="en-US" sz="1600" i="1" dirty="0" err="1">
                 <a:solidFill>
                   <a:schemeClr val="accent6">
                     <a:lumMod val="50000"/>
                   </a:schemeClr>
                 </a:solidFill>
               </a:rPr>
-              <a:t>PoolTeams</a:t>
-            </a:r>
-            <a:r>
-              <a:rPr lang="en-US" sz="1600" dirty="0">
+              <a:t>pool_entry</a:t>
+            </a:r>
+            <a:r>
+              <a:rPr lang="en-US" sz="1600" i="1" dirty="0">
                 <a:solidFill>
                   <a:schemeClr val="accent6">
                     <a:lumMod val="50000"/>
                   </a:schemeClr>
                 </a:solidFill>
               </a:rPr>
-              <a:t>:</a:t>
-            </a:r>
+              <a:t> table;</a:t>
+            </a:r>
+            <a:endParaRPr lang="en-US" sz="1600" dirty="0">
+              <a:solidFill>
+                <a:schemeClr val="accent6">
+                  <a:lumMod val="50000"/>
+                </a:schemeClr>
+              </a:solidFill>
+            </a:endParaRPr>
           </a:p>
           <a:p>
             <a:r>
@@ -4655,7 +4696,17 @@
                   <a:srgbClr val="FF0000"/>
                 </a:solidFill>
               </a:rPr>
-              <a:t>Status:  [Incomplete, complete]  </a:t>
+              <a:t>Status:  [Incomplete, complete]</a:t>
+            </a:r>
+          </a:p>
+          <a:p>
+            <a:r>
+              <a:rPr lang="en-US" sz="1400" dirty="0">
+                <a:solidFill>
+                  <a:srgbClr val="FF0000"/>
+                </a:solidFill>
+              </a:rPr>
+              <a:t>…  </a:t>
             </a:r>
           </a:p>
           <a:p>
@@ -6028,7 +6079,7 @@
         <p:spPr>
           <a:xfrm>
             <a:off x="6755250" y="4050890"/>
-            <a:ext cx="304311" cy="844155"/>
+            <a:ext cx="304311" cy="1559692"/>
           </a:xfrm>
           <a:prstGeom prst="leftBrace">
             <a:avLst/>
@@ -6072,8 +6123,8 @@
         </p:nvSpPr>
         <p:spPr>
           <a:xfrm>
-            <a:off x="5725065" y="4369106"/>
-            <a:ext cx="1079489" cy="230832"/>
+            <a:off x="5988849" y="4731990"/>
+            <a:ext cx="831089" cy="230832"/>
           </a:xfrm>
           <a:prstGeom prst="rect">
             <a:avLst/>
@@ -6087,9 +6138,10 @@
           <a:lstStyle/>
           <a:p>
             <a:r>
-              <a:rPr lang="en-US" sz="900" dirty="0"/>
-              <a:t>PoolTeamRegistry</a:t>
-            </a:r>
+              <a:rPr lang="en-US" sz="900" dirty="0" err="1"/>
+              <a:t>pool_entry</a:t>
+            </a:r>
+            <a:endParaRPr lang="en-US" sz="900" dirty="0"/>
           </a:p>
         </p:txBody>
       </p:sp>
@@ -6152,8 +6204,8 @@
         </p:nvSpPr>
         <p:spPr>
           <a:xfrm>
-            <a:off x="5849446" y="5916361"/>
-            <a:ext cx="978358" cy="230832"/>
+            <a:off x="6091031" y="5916361"/>
+            <a:ext cx="728907" cy="230832"/>
           </a:xfrm>
           <a:prstGeom prst="rect">
             <a:avLst/>
@@ -6167,9 +6219,10 @@
           <a:lstStyle/>
           <a:p>
             <a:r>
-              <a:rPr lang="en-US" sz="900" dirty="0"/>
-              <a:t>PlayerSelection</a:t>
-            </a:r>
+              <a:rPr lang="en-US" sz="900" dirty="0" err="1"/>
+              <a:t>pool_team</a:t>
+            </a:r>
+            <a:endParaRPr lang="en-US" sz="900" dirty="0"/>
           </a:p>
         </p:txBody>
       </p:sp>
@@ -6177,6 +6230,897 @@
     <p:extLst>
       <p:ext uri="{BB962C8B-B14F-4D97-AF65-F5344CB8AC3E}">
         <p14:creationId xmlns:p14="http://schemas.microsoft.com/office/powerpoint/2010/main" val="3948816824"/>
+      </p:ext>
+    </p:extLst>
+  </p:cSld>
+  <p:clrMapOvr>
+    <a:masterClrMapping/>
+  </p:clrMapOvr>
+</p:sld>
+</file>
+
+<file path=ppt/slides/slide2.xml><?xml version="1.0" encoding="utf-8"?>
+<p:sld xmlns:a="http://schemas.openxmlformats.org/drawingml/2006/main" xmlns:r="http://schemas.openxmlformats.org/officeDocument/2006/relationships" xmlns:p="http://schemas.openxmlformats.org/presentationml/2006/main">
+  <p:cSld>
+    <p:spTree>
+      <p:nvGrpSpPr>
+        <p:cNvPr id="1" name=""/>
+        <p:cNvGrpSpPr/>
+        <p:nvPr/>
+      </p:nvGrpSpPr>
+      <p:grpSpPr>
+        <a:xfrm>
+          <a:off x="0" y="0"/>
+          <a:ext cx="0" cy="0"/>
+          <a:chOff x="0" y="0"/>
+          <a:chExt cx="0" cy="0"/>
+        </a:xfrm>
+      </p:grpSpPr>
+      <p:sp>
+        <p:nvSpPr>
+          <p:cNvPr id="2" name="TextBox 1">
+            <a:extLst>
+              <a:ext uri="{FF2B5EF4-FFF2-40B4-BE49-F238E27FC236}">
+                <a16:creationId xmlns:a16="http://schemas.microsoft.com/office/drawing/2014/main" id="{766198B4-E8EC-4B4E-AB00-FCB1580E4824}"/>
+              </a:ext>
+            </a:extLst>
+          </p:cNvPr>
+          <p:cNvSpPr txBox="1"/>
+          <p:nvPr/>
+        </p:nvSpPr>
+        <p:spPr>
+          <a:xfrm>
+            <a:off x="1071716" y="983226"/>
+            <a:ext cx="10815484" cy="4247317"/>
+          </a:xfrm>
+          <a:prstGeom prst="rect">
+            <a:avLst/>
+          </a:prstGeom>
+          <a:noFill/>
+        </p:spPr>
+        <p:txBody>
+          <a:bodyPr wrap="square" rtlCol="0">
+            <a:spAutoFit/>
+          </a:bodyPr>
+          <a:lstStyle/>
+          <a:p>
+            <a:r>
+              <a:rPr lang="en-US" dirty="0" err="1"/>
+              <a:t>JHP_Design.pptx</a:t>
+            </a:r>
+            <a:r>
+              <a:rPr lang="en-US" dirty="0"/>
+              <a:t> -   Design doc</a:t>
+            </a:r>
+          </a:p>
+          <a:p>
+            <a:r>
+              <a:rPr lang="en-US" dirty="0" err="1"/>
+              <a:t>jhp.py</a:t>
+            </a:r>
+            <a:r>
+              <a:rPr lang="en-US" dirty="0"/>
+              <a:t> – Database modification functions</a:t>
+            </a:r>
+          </a:p>
+          <a:p>
+            <a:r>
+              <a:rPr lang="en-US" dirty="0"/>
+              <a:t>players-</a:t>
+            </a:r>
+            <a:r>
+              <a:rPr lang="en-US" dirty="0" err="1"/>
+              <a:t>update.py</a:t>
+            </a:r>
+            <a:r>
+              <a:rPr lang="en-US" dirty="0"/>
+              <a:t> -  modifies playersDB (two tables: </a:t>
+            </a:r>
+            <a:r>
+              <a:rPr lang="en-US" dirty="0" err="1"/>
+              <a:t>active_players</a:t>
+            </a:r>
+            <a:r>
+              <a:rPr lang="en-US" dirty="0"/>
+              <a:t>, </a:t>
+            </a:r>
+            <a:r>
+              <a:rPr lang="en-US" dirty="0" err="1"/>
+              <a:t>all_players</a:t>
+            </a:r>
+            <a:r>
+              <a:rPr lang="en-US" dirty="0"/>
+              <a:t>     - also gets data from teamsDB</a:t>
+            </a:r>
+          </a:p>
+          <a:p>
+            <a:r>
+              <a:rPr lang="en-US" dirty="0"/>
+              <a:t>pool-</a:t>
+            </a:r>
+            <a:r>
+              <a:rPr lang="en-US" dirty="0" err="1"/>
+              <a:t>entry.py</a:t>
+            </a:r>
+            <a:r>
+              <a:rPr lang="en-US" dirty="0"/>
+              <a:t> – routines for Pool table registration and player selection</a:t>
+            </a:r>
+          </a:p>
+          <a:p>
+            <a:r>
+              <a:rPr lang="en-US" dirty="0"/>
+              <a:t>teams-</a:t>
+            </a:r>
+            <a:r>
+              <a:rPr lang="en-US" dirty="0" err="1"/>
+              <a:t>update.py</a:t>
+            </a:r>
+            <a:r>
+              <a:rPr lang="en-US" dirty="0"/>
+              <a:t> -  initiates teamsDB and teams table.   Records which team is active, etc.</a:t>
+            </a:r>
+          </a:p>
+          <a:p>
+            <a:endParaRPr lang="en-US" dirty="0"/>
+          </a:p>
+          <a:p>
+            <a:endParaRPr lang="en-US" dirty="0"/>
+          </a:p>
+          <a:p>
+            <a:endParaRPr lang="en-US" dirty="0"/>
+          </a:p>
+          <a:p>
+            <a:endParaRPr lang="en-US" dirty="0"/>
+          </a:p>
+          <a:p>
+            <a:r>
+              <a:rPr lang="en-US" dirty="0"/>
+              <a:t>PoolDB</a:t>
+            </a:r>
+          </a:p>
+          <a:p>
+            <a:endParaRPr lang="en-US" dirty="0"/>
+          </a:p>
+          <a:p>
+            <a:r>
+              <a:rPr lang="en-US" dirty="0"/>
+              <a:t>Pool has table</a:t>
+            </a:r>
+          </a:p>
+          <a:p>
+            <a:r>
+              <a:rPr lang="en-US" dirty="0"/>
+              <a:t>Each </a:t>
+            </a:r>
+            <a:r>
+              <a:rPr lang="en-US" dirty="0" err="1"/>
+              <a:t>poolEntry</a:t>
+            </a:r>
+            <a:r>
+              <a:rPr lang="en-US" dirty="0"/>
+              <a:t> has a table.</a:t>
+            </a:r>
+          </a:p>
+          <a:p>
+            <a:endParaRPr lang="en-US" dirty="0"/>
+          </a:p>
+          <a:p>
+            <a:endParaRPr lang="en-US" dirty="0"/>
+          </a:p>
+        </p:txBody>
+      </p:sp>
+    </p:spTree>
+    <p:extLst>
+      <p:ext uri="{BB962C8B-B14F-4D97-AF65-F5344CB8AC3E}">
+        <p14:creationId xmlns:p14="http://schemas.microsoft.com/office/powerpoint/2010/main" val="4016732218"/>
+      </p:ext>
+    </p:extLst>
+  </p:cSld>
+  <p:clrMapOvr>
+    <a:masterClrMapping/>
+  </p:clrMapOvr>
+</p:sld>
+</file>
+
+<file path=ppt/slides/slide3.xml><?xml version="1.0" encoding="utf-8"?>
+<p:sld xmlns:a="http://schemas.openxmlformats.org/drawingml/2006/main" xmlns:r="http://schemas.openxmlformats.org/officeDocument/2006/relationships" xmlns:p="http://schemas.openxmlformats.org/presentationml/2006/main">
+  <p:cSld>
+    <p:spTree>
+      <p:nvGrpSpPr>
+        <p:cNvPr id="1" name=""/>
+        <p:cNvGrpSpPr/>
+        <p:nvPr/>
+      </p:nvGrpSpPr>
+      <p:grpSpPr>
+        <a:xfrm>
+          <a:off x="0" y="0"/>
+          <a:ext cx="0" cy="0"/>
+          <a:chOff x="0" y="0"/>
+          <a:chExt cx="0" cy="0"/>
+        </a:xfrm>
+      </p:grpSpPr>
+      <p:sp>
+        <p:nvSpPr>
+          <p:cNvPr id="2" name="TextBox 1">
+            <a:extLst>
+              <a:ext uri="{FF2B5EF4-FFF2-40B4-BE49-F238E27FC236}">
+                <a16:creationId xmlns:a16="http://schemas.microsoft.com/office/drawing/2014/main" id="{2589C3A5-A5ED-C346-97D9-9ED1C7A54DC8}"/>
+              </a:ext>
+            </a:extLst>
+          </p:cNvPr>
+          <p:cNvSpPr txBox="1"/>
+          <p:nvPr/>
+        </p:nvSpPr>
+        <p:spPr>
+          <a:xfrm>
+            <a:off x="1465375" y="506602"/>
+            <a:ext cx="4239088" cy="4401205"/>
+          </a:xfrm>
+          <a:prstGeom prst="rect">
+            <a:avLst/>
+          </a:prstGeom>
+          <a:noFill/>
+        </p:spPr>
+        <p:txBody>
+          <a:bodyPr wrap="square" rtlCol="0">
+            <a:spAutoFit/>
+          </a:bodyPr>
+          <a:lstStyle/>
+          <a:p>
+            <a:r>
+              <a:rPr lang="en-US" sz="1000" i="1" dirty="0" err="1">
+                <a:solidFill>
+                  <a:srgbClr val="00B050"/>
+                </a:solidFill>
+              </a:rPr>
+              <a:t>pool_entry</a:t>
+            </a:r>
+            <a:r>
+              <a:rPr lang="en-US" sz="1000" i="1" dirty="0">
+                <a:solidFill>
+                  <a:srgbClr val="00B050"/>
+                </a:solidFill>
+              </a:rPr>
+              <a:t> table;</a:t>
+            </a:r>
+            <a:endParaRPr lang="en-US" sz="1000" dirty="0">
+              <a:solidFill>
+                <a:srgbClr val="00B050"/>
+              </a:solidFill>
+            </a:endParaRPr>
+          </a:p>
+          <a:p>
+            <a:r>
+              <a:rPr lang="en-US" sz="1000" dirty="0">
+                <a:solidFill>
+                  <a:srgbClr val="FF0000"/>
+                </a:solidFill>
+              </a:rPr>
+              <a:t>PoolTeamName: [QuadSquad]</a:t>
+            </a:r>
+          </a:p>
+          <a:p>
+            <a:r>
+              <a:rPr lang="en-US" sz="1000" dirty="0">
+                <a:solidFill>
+                  <a:srgbClr val="FF0000"/>
+                </a:solidFill>
+              </a:rPr>
+              <a:t>GM: [GM Name]</a:t>
+            </a:r>
+          </a:p>
+          <a:p>
+            <a:r>
+              <a:rPr lang="en-US" sz="1000" dirty="0">
+                <a:solidFill>
+                  <a:srgbClr val="FF0000"/>
+                </a:solidFill>
+              </a:rPr>
+              <a:t>Email:</a:t>
+            </a:r>
+          </a:p>
+          <a:p>
+            <a:r>
+              <a:rPr lang="en-US" sz="1000" dirty="0">
+                <a:solidFill>
+                  <a:srgbClr val="FF0000"/>
+                </a:solidFill>
+              </a:rPr>
+              <a:t>Hometown:</a:t>
+            </a:r>
+          </a:p>
+          <a:p>
+            <a:r>
+              <a:rPr lang="en-US" sz="1000" dirty="0">
+                <a:solidFill>
+                  <a:srgbClr val="FF0000"/>
+                </a:solidFill>
+              </a:rPr>
+              <a:t>Country:</a:t>
+            </a:r>
+          </a:p>
+          <a:p>
+            <a:r>
+              <a:rPr lang="en-US" sz="1000" dirty="0">
+                <a:solidFill>
+                  <a:srgbClr val="FF0000"/>
+                </a:solidFill>
+              </a:rPr>
+              <a:t>Pay Status: [NotPaid, PayPal, Cheque, Cash, Coupon]</a:t>
+            </a:r>
+          </a:p>
+          <a:p>
+            <a:r>
+              <a:rPr lang="en-US" sz="1000" dirty="0">
+                <a:solidFill>
+                  <a:srgbClr val="FF0000"/>
+                </a:solidFill>
+              </a:rPr>
+              <a:t>Pay Amount: </a:t>
+            </a:r>
+          </a:p>
+          <a:p>
+            <a:r>
+              <a:rPr lang="en-US" sz="1000" dirty="0">
+                <a:solidFill>
+                  <a:srgbClr val="FF0000"/>
+                </a:solidFill>
+              </a:rPr>
+              <a:t>Status:  [Incomplete, complete]</a:t>
+            </a:r>
+          </a:p>
+          <a:p>
+            <a:endParaRPr lang="en-US" sz="1000" dirty="0">
+              <a:solidFill>
+                <a:srgbClr val="FF0000"/>
+              </a:solidFill>
+            </a:endParaRPr>
+          </a:p>
+          <a:p>
+            <a:r>
+              <a:rPr lang="en-US" sz="1000" dirty="0" err="1">
+                <a:solidFill>
+                  <a:srgbClr val="00B050"/>
+                </a:solidFill>
+              </a:rPr>
+              <a:t>entry_stats</a:t>
+            </a:r>
+            <a:r>
+              <a:rPr lang="en-US" sz="1000" dirty="0">
+                <a:solidFill>
+                  <a:srgbClr val="00B050"/>
+                </a:solidFill>
+              </a:rPr>
+              <a:t> table;</a:t>
+            </a:r>
+          </a:p>
+          <a:p>
+            <a:r>
+              <a:rPr lang="en-US" sz="1000" dirty="0" err="1">
+                <a:solidFill>
+                  <a:srgbClr val="FF0000"/>
+                </a:solidFill>
+              </a:rPr>
+              <a:t>currentPoints</a:t>
+            </a:r>
+            <a:endParaRPr lang="en-US" sz="1000" dirty="0">
+              <a:solidFill>
+                <a:srgbClr val="FF0000"/>
+              </a:solidFill>
+            </a:endParaRPr>
+          </a:p>
+          <a:p>
+            <a:r>
+              <a:rPr lang="en-US" sz="1000" dirty="0" err="1">
+                <a:solidFill>
+                  <a:srgbClr val="FF0000"/>
+                </a:solidFill>
+              </a:rPr>
+              <a:t>currentRank</a:t>
+            </a:r>
+            <a:endParaRPr lang="en-US" sz="1000" dirty="0">
+              <a:solidFill>
+                <a:srgbClr val="FF0000"/>
+              </a:solidFill>
+            </a:endParaRPr>
+          </a:p>
+          <a:p>
+            <a:r>
+              <a:rPr lang="en-US" sz="1000" dirty="0" err="1">
+                <a:solidFill>
+                  <a:srgbClr val="FF0000"/>
+                </a:solidFill>
+              </a:rPr>
+              <a:t>morningRank</a:t>
+            </a:r>
+            <a:endParaRPr lang="en-US" sz="1000" dirty="0">
+              <a:solidFill>
+                <a:srgbClr val="FF0000"/>
+              </a:solidFill>
+            </a:endParaRPr>
+          </a:p>
+          <a:p>
+            <a:r>
+              <a:rPr lang="en-US" sz="1000" dirty="0" err="1">
+                <a:solidFill>
+                  <a:srgbClr val="FF0000"/>
+                </a:solidFill>
+              </a:rPr>
+              <a:t>morningPoints</a:t>
+            </a:r>
+            <a:endParaRPr lang="en-US" sz="1000" dirty="0">
+              <a:solidFill>
+                <a:srgbClr val="FF0000"/>
+              </a:solidFill>
+            </a:endParaRPr>
+          </a:p>
+          <a:p>
+            <a:r>
+              <a:rPr lang="en-US" sz="1000" dirty="0">
+                <a:solidFill>
+                  <a:srgbClr val="FF0000"/>
+                </a:solidFill>
+              </a:rPr>
+              <a:t>active</a:t>
+            </a:r>
+          </a:p>
+          <a:p>
+            <a:r>
+              <a:rPr lang="en-US" sz="1000" dirty="0">
+                <a:solidFill>
+                  <a:srgbClr val="FF0000"/>
+                </a:solidFill>
+              </a:rPr>
+              <a:t>duds</a:t>
+            </a:r>
+          </a:p>
+          <a:p>
+            <a:r>
+              <a:rPr lang="en-US" sz="1000" dirty="0">
+                <a:solidFill>
+                  <a:srgbClr val="FF0000"/>
+                </a:solidFill>
+              </a:rPr>
+              <a:t>rookie</a:t>
+            </a:r>
+          </a:p>
+          <a:p>
+            <a:r>
+              <a:rPr lang="en-US" sz="1000" dirty="0">
+                <a:solidFill>
+                  <a:srgbClr val="FF0000"/>
+                </a:solidFill>
+              </a:rPr>
+              <a:t>prize </a:t>
+            </a:r>
+          </a:p>
+          <a:p>
+            <a:endParaRPr lang="en-US" sz="1000" dirty="0">
+              <a:solidFill>
+                <a:srgbClr val="FF0000"/>
+              </a:solidFill>
+            </a:endParaRPr>
+          </a:p>
+          <a:p>
+            <a:r>
+              <a:rPr lang="en-US" sz="1000" dirty="0" err="1">
+                <a:solidFill>
+                  <a:srgbClr val="00B050"/>
+                </a:solidFill>
+              </a:rPr>
+              <a:t>entry_players</a:t>
+            </a:r>
+            <a:r>
+              <a:rPr lang="en-US" sz="1000" dirty="0">
+                <a:solidFill>
+                  <a:srgbClr val="00B050"/>
+                </a:solidFill>
+              </a:rPr>
+              <a:t> table;</a:t>
+            </a:r>
+          </a:p>
+          <a:p>
+            <a:r>
+              <a:rPr lang="en-US" sz="1000" dirty="0">
+                <a:solidFill>
+                  <a:srgbClr val="FF0000"/>
+                </a:solidFill>
+              </a:rPr>
+              <a:t>25* </a:t>
+            </a:r>
+            <a:r>
+              <a:rPr lang="en-US" sz="1000" dirty="0" err="1">
+                <a:solidFill>
+                  <a:srgbClr val="FF0000"/>
+                </a:solidFill>
+              </a:rPr>
+              <a:t>playerID</a:t>
+            </a:r>
+            <a:r>
+              <a:rPr lang="en-US" sz="1000" dirty="0">
+                <a:solidFill>
+                  <a:srgbClr val="FF0000"/>
+                </a:solidFill>
+              </a:rPr>
+              <a:t>.</a:t>
+            </a:r>
+          </a:p>
+          <a:p>
+            <a:endParaRPr lang="en-US" sz="1000" dirty="0">
+              <a:solidFill>
+                <a:srgbClr val="FF0000"/>
+              </a:solidFill>
+            </a:endParaRPr>
+          </a:p>
+          <a:p>
+            <a:endParaRPr lang="en-US" sz="1000" dirty="0">
+              <a:solidFill>
+                <a:srgbClr val="FF0000"/>
+              </a:solidFill>
+            </a:endParaRPr>
+          </a:p>
+          <a:p>
+            <a:r>
+              <a:rPr lang="en-US" sz="1000" dirty="0" err="1">
+                <a:solidFill>
+                  <a:srgbClr val="00B050"/>
+                </a:solidFill>
+              </a:rPr>
+              <a:t>activePlayers</a:t>
+            </a:r>
+            <a:r>
+              <a:rPr lang="en-US" sz="1000" dirty="0">
+                <a:solidFill>
+                  <a:srgbClr val="00B050"/>
+                </a:solidFill>
+              </a:rPr>
+              <a:t> table;</a:t>
+            </a:r>
+          </a:p>
+          <a:p>
+            <a:r>
+              <a:rPr lang="en-US" sz="1000" dirty="0" err="1">
+                <a:solidFill>
+                  <a:srgbClr val="FF0000"/>
+                </a:solidFill>
+              </a:rPr>
+              <a:t>Player_id</a:t>
+            </a:r>
+            <a:r>
+              <a:rPr lang="en-US" sz="1000" dirty="0">
+                <a:solidFill>
+                  <a:srgbClr val="FF0000"/>
+                </a:solidFill>
+              </a:rPr>
+              <a:t>, </a:t>
+            </a:r>
+            <a:r>
+              <a:rPr lang="en-US" sz="1000" dirty="0" err="1">
+                <a:solidFill>
+                  <a:srgbClr val="FF0000"/>
+                </a:solidFill>
+              </a:rPr>
+              <a:t>player_name</a:t>
+            </a:r>
+            <a:r>
+              <a:rPr lang="en-US" sz="1000" dirty="0">
+                <a:solidFill>
+                  <a:srgbClr val="FF0000"/>
+                </a:solidFill>
+              </a:rPr>
+              <a:t>, team_id, team_name, </a:t>
+            </a:r>
+            <a:r>
+              <a:rPr lang="en-US" sz="1000" dirty="0" err="1">
+                <a:solidFill>
+                  <a:srgbClr val="FF0000"/>
+                </a:solidFill>
+              </a:rPr>
+              <a:t>player_type</a:t>
+            </a:r>
+            <a:r>
+              <a:rPr lang="en-US" sz="1000" dirty="0">
+                <a:solidFill>
+                  <a:srgbClr val="FF0000"/>
+                </a:solidFill>
+              </a:rPr>
+              <a:t>, goals, assists, wins, shutouts, </a:t>
+            </a:r>
+            <a:r>
+              <a:rPr lang="en-US" sz="1000" dirty="0" err="1">
+                <a:solidFill>
+                  <a:srgbClr val="FF0000"/>
+                </a:solidFill>
+              </a:rPr>
+              <a:t>c_points</a:t>
+            </a:r>
+            <a:r>
+              <a:rPr lang="en-US" sz="1000" dirty="0">
+                <a:solidFill>
+                  <a:srgbClr val="FF0000"/>
+                </a:solidFill>
+              </a:rPr>
+              <a:t>, </a:t>
+            </a:r>
+            <a:r>
+              <a:rPr lang="en-US" sz="1000" dirty="0" err="1">
+                <a:solidFill>
+                  <a:srgbClr val="FF0000"/>
+                </a:solidFill>
+              </a:rPr>
+              <a:t>p_points</a:t>
+            </a:r>
+            <a:r>
+              <a:rPr lang="en-US" sz="1000" dirty="0">
+                <a:solidFill>
+                  <a:srgbClr val="FF0000"/>
+                </a:solidFill>
+              </a:rPr>
+              <a:t> (previous), status_id (0-5), selected,</a:t>
+            </a:r>
+          </a:p>
+          <a:p>
+            <a:endParaRPr lang="en-US" sz="1000" dirty="0">
+              <a:solidFill>
+                <a:srgbClr val="FF0000"/>
+              </a:solidFill>
+            </a:endParaRPr>
+          </a:p>
+        </p:txBody>
+      </p:sp>
+      <p:sp>
+        <p:nvSpPr>
+          <p:cNvPr id="3" name="Left Brace 2">
+            <a:extLst>
+              <a:ext uri="{FF2B5EF4-FFF2-40B4-BE49-F238E27FC236}">
+                <a16:creationId xmlns:a16="http://schemas.microsoft.com/office/drawing/2014/main" id="{D6692E7C-7ACB-C949-B6A3-5EA295ACD06D}"/>
+              </a:ext>
+            </a:extLst>
+          </p:cNvPr>
+          <p:cNvSpPr/>
+          <p:nvPr/>
+        </p:nvSpPr>
+        <p:spPr>
+          <a:xfrm>
+            <a:off x="1355719" y="721310"/>
+            <a:ext cx="102094" cy="1216240"/>
+          </a:xfrm>
+          <a:prstGeom prst="leftBrace">
+            <a:avLst/>
+          </a:prstGeom>
+        </p:spPr>
+        <p:style>
+          <a:lnRef idx="1">
+            <a:schemeClr val="accent1"/>
+          </a:lnRef>
+          <a:fillRef idx="0">
+            <a:schemeClr val="accent1"/>
+          </a:fillRef>
+          <a:effectRef idx="0">
+            <a:schemeClr val="accent1"/>
+          </a:effectRef>
+          <a:fontRef idx="minor">
+            <a:schemeClr val="tx1"/>
+          </a:fontRef>
+        </p:style>
+        <p:txBody>
+          <a:bodyPr rtlCol="0" anchor="ctr"/>
+          <a:lstStyle/>
+          <a:p>
+            <a:pPr algn="ctr"/>
+            <a:endParaRPr lang="en-US"/>
+          </a:p>
+        </p:txBody>
+      </p:sp>
+      <p:sp>
+        <p:nvSpPr>
+          <p:cNvPr id="4" name="Left Brace 3">
+            <a:extLst>
+              <a:ext uri="{FF2B5EF4-FFF2-40B4-BE49-F238E27FC236}">
+                <a16:creationId xmlns:a16="http://schemas.microsoft.com/office/drawing/2014/main" id="{80F950EA-92E3-8244-B65B-C7B8AC7E7D2A}"/>
+              </a:ext>
+            </a:extLst>
+          </p:cNvPr>
+          <p:cNvSpPr/>
+          <p:nvPr/>
+        </p:nvSpPr>
+        <p:spPr>
+          <a:xfrm>
+            <a:off x="1363280" y="2060661"/>
+            <a:ext cx="146105" cy="1216240"/>
+          </a:xfrm>
+          <a:prstGeom prst="leftBrace">
+            <a:avLst/>
+          </a:prstGeom>
+        </p:spPr>
+        <p:style>
+          <a:lnRef idx="1">
+            <a:schemeClr val="accent1"/>
+          </a:lnRef>
+          <a:fillRef idx="0">
+            <a:schemeClr val="accent1"/>
+          </a:fillRef>
+          <a:effectRef idx="0">
+            <a:schemeClr val="accent1"/>
+          </a:effectRef>
+          <a:fontRef idx="minor">
+            <a:schemeClr val="tx1"/>
+          </a:fontRef>
+        </p:style>
+        <p:txBody>
+          <a:bodyPr rtlCol="0" anchor="ctr"/>
+          <a:lstStyle/>
+          <a:p>
+            <a:pPr algn="ctr"/>
+            <a:endParaRPr lang="en-US"/>
+          </a:p>
+        </p:txBody>
+      </p:sp>
+      <p:sp>
+        <p:nvSpPr>
+          <p:cNvPr id="5" name="TextBox 4">
+            <a:extLst>
+              <a:ext uri="{FF2B5EF4-FFF2-40B4-BE49-F238E27FC236}">
+                <a16:creationId xmlns:a16="http://schemas.microsoft.com/office/drawing/2014/main" id="{F21926C9-7BE1-4E42-BD9E-6808FBDFE44E}"/>
+              </a:ext>
+            </a:extLst>
+          </p:cNvPr>
+          <p:cNvSpPr txBox="1"/>
+          <p:nvPr/>
+        </p:nvSpPr>
+        <p:spPr>
+          <a:xfrm>
+            <a:off x="413098" y="1206319"/>
+            <a:ext cx="942622" cy="246221"/>
+          </a:xfrm>
+          <a:prstGeom prst="rect">
+            <a:avLst/>
+          </a:prstGeom>
+          <a:noFill/>
+        </p:spPr>
+        <p:txBody>
+          <a:bodyPr wrap="square" rtlCol="0">
+            <a:spAutoFit/>
+          </a:bodyPr>
+          <a:lstStyle/>
+          <a:p>
+            <a:r>
+              <a:rPr lang="en-US" sz="1000" dirty="0"/>
+              <a:t>registration()</a:t>
+            </a:r>
+          </a:p>
+        </p:txBody>
+      </p:sp>
+      <p:sp>
+        <p:nvSpPr>
+          <p:cNvPr id="6" name="TextBox 5">
+            <a:extLst>
+              <a:ext uri="{FF2B5EF4-FFF2-40B4-BE49-F238E27FC236}">
+                <a16:creationId xmlns:a16="http://schemas.microsoft.com/office/drawing/2014/main" id="{1E9FFABC-5C42-2C4C-BCC1-7F4E13F168F3}"/>
+              </a:ext>
+            </a:extLst>
+          </p:cNvPr>
+          <p:cNvSpPr txBox="1"/>
+          <p:nvPr/>
+        </p:nvSpPr>
+        <p:spPr>
+          <a:xfrm>
+            <a:off x="519830" y="2453194"/>
+            <a:ext cx="1033555" cy="246221"/>
+          </a:xfrm>
+          <a:prstGeom prst="rect">
+            <a:avLst/>
+          </a:prstGeom>
+          <a:noFill/>
+        </p:spPr>
+        <p:txBody>
+          <a:bodyPr wrap="square" rtlCol="0">
+            <a:spAutoFit/>
+          </a:bodyPr>
+          <a:lstStyle/>
+          <a:p>
+            <a:r>
+              <a:rPr lang="en-US" sz="1000" dirty="0" err="1"/>
+              <a:t>poolUpdate</a:t>
+            </a:r>
+            <a:r>
+              <a:rPr lang="en-US" sz="1000" dirty="0"/>
+              <a:t>()</a:t>
+            </a:r>
+          </a:p>
+        </p:txBody>
+      </p:sp>
+      <p:sp>
+        <p:nvSpPr>
+          <p:cNvPr id="7" name="Left Brace 6">
+            <a:extLst>
+              <a:ext uri="{FF2B5EF4-FFF2-40B4-BE49-F238E27FC236}">
+                <a16:creationId xmlns:a16="http://schemas.microsoft.com/office/drawing/2014/main" id="{D221C478-887E-7D4A-97C3-68F7D04194EF}"/>
+              </a:ext>
+            </a:extLst>
+          </p:cNvPr>
+          <p:cNvSpPr/>
+          <p:nvPr/>
+        </p:nvSpPr>
+        <p:spPr>
+          <a:xfrm>
+            <a:off x="1355719" y="3641738"/>
+            <a:ext cx="197665" cy="246221"/>
+          </a:xfrm>
+          <a:prstGeom prst="leftBrace">
+            <a:avLst>
+              <a:gd name="adj1" fmla="val 8333"/>
+              <a:gd name="adj2" fmla="val 47457"/>
+            </a:avLst>
+          </a:prstGeom>
+        </p:spPr>
+        <p:style>
+          <a:lnRef idx="1">
+            <a:schemeClr val="accent1"/>
+          </a:lnRef>
+          <a:fillRef idx="0">
+            <a:schemeClr val="accent1"/>
+          </a:fillRef>
+          <a:effectRef idx="0">
+            <a:schemeClr val="accent1"/>
+          </a:effectRef>
+          <a:fontRef idx="minor">
+            <a:schemeClr val="tx1"/>
+          </a:fontRef>
+        </p:style>
+        <p:txBody>
+          <a:bodyPr rtlCol="0" anchor="ctr"/>
+          <a:lstStyle/>
+          <a:p>
+            <a:pPr algn="ctr"/>
+            <a:endParaRPr lang="en-US"/>
+          </a:p>
+        </p:txBody>
+      </p:sp>
+      <p:sp>
+        <p:nvSpPr>
+          <p:cNvPr id="8" name="TextBox 7">
+            <a:extLst>
+              <a:ext uri="{FF2B5EF4-FFF2-40B4-BE49-F238E27FC236}">
+                <a16:creationId xmlns:a16="http://schemas.microsoft.com/office/drawing/2014/main" id="{08ED3E21-8C22-FC4B-9FC4-ECC5B1CEF74D}"/>
+              </a:ext>
+            </a:extLst>
+          </p:cNvPr>
+          <p:cNvSpPr txBox="1"/>
+          <p:nvPr/>
+        </p:nvSpPr>
+        <p:spPr>
+          <a:xfrm>
+            <a:off x="345840" y="3629882"/>
+            <a:ext cx="1108711" cy="246221"/>
+          </a:xfrm>
+          <a:prstGeom prst="rect">
+            <a:avLst/>
+          </a:prstGeom>
+          <a:noFill/>
+        </p:spPr>
+        <p:txBody>
+          <a:bodyPr wrap="square" rtlCol="0">
+            <a:spAutoFit/>
+          </a:bodyPr>
+          <a:lstStyle/>
+          <a:p>
+            <a:r>
+              <a:rPr lang="en-US" sz="1000" dirty="0" err="1"/>
+              <a:t>playerSelection</a:t>
+            </a:r>
+            <a:r>
+              <a:rPr lang="en-US" sz="1000" dirty="0"/>
+              <a:t>()</a:t>
+            </a:r>
+          </a:p>
+        </p:txBody>
+      </p:sp>
+    </p:spTree>
+    <p:extLst>
+      <p:ext uri="{BB962C8B-B14F-4D97-AF65-F5344CB8AC3E}">
+        <p14:creationId xmlns:p14="http://schemas.microsoft.com/office/powerpoint/2010/main" val="515734174"/>
       </p:ext>
     </p:extLst>
   </p:cSld>

--- a/JHP_Design.pptx
+++ b/JHP_Design.pptx
@@ -6,8 +6,8 @@
   </p:sldMasterIdLst>
   <p:sldIdLst>
     <p:sldId id="257" r:id="rId2"/>
-    <p:sldId id="258" r:id="rId3"/>
-    <p:sldId id="259" r:id="rId4"/>
+    <p:sldId id="259" r:id="rId3"/>
+    <p:sldId id="258" r:id="rId4"/>
   </p:sldIdLst>
   <p:sldSz cx="12192000" cy="6858000"/>
   <p:notesSz cx="6858000" cy="9144000"/>
@@ -261,7 +261,7 @@
           <a:p>
             <a:fld id="{65F3756F-6BA0-BE41-9226-AD7D2B2262FF}" type="datetimeFigureOut">
               <a:rPr lang="en-US" smtClean="0"/>
-              <a:t>7/22/20</a:t>
+              <a:t>7/23/20</a:t>
             </a:fld>
             <a:endParaRPr lang="en-US"/>
           </a:p>
@@ -459,7 +459,7 @@
           <a:p>
             <a:fld id="{65F3756F-6BA0-BE41-9226-AD7D2B2262FF}" type="datetimeFigureOut">
               <a:rPr lang="en-US" smtClean="0"/>
-              <a:t>7/22/20</a:t>
+              <a:t>7/23/20</a:t>
             </a:fld>
             <a:endParaRPr lang="en-US"/>
           </a:p>
@@ -667,7 +667,7 @@
           <a:p>
             <a:fld id="{65F3756F-6BA0-BE41-9226-AD7D2B2262FF}" type="datetimeFigureOut">
               <a:rPr lang="en-US" smtClean="0"/>
-              <a:t>7/22/20</a:t>
+              <a:t>7/23/20</a:t>
             </a:fld>
             <a:endParaRPr lang="en-US"/>
           </a:p>
@@ -865,7 +865,7 @@
           <a:p>
             <a:fld id="{65F3756F-6BA0-BE41-9226-AD7D2B2262FF}" type="datetimeFigureOut">
               <a:rPr lang="en-US" smtClean="0"/>
-              <a:t>7/22/20</a:t>
+              <a:t>7/23/20</a:t>
             </a:fld>
             <a:endParaRPr lang="en-US"/>
           </a:p>
@@ -1140,7 +1140,7 @@
           <a:p>
             <a:fld id="{65F3756F-6BA0-BE41-9226-AD7D2B2262FF}" type="datetimeFigureOut">
               <a:rPr lang="en-US" smtClean="0"/>
-              <a:t>7/22/20</a:t>
+              <a:t>7/23/20</a:t>
             </a:fld>
             <a:endParaRPr lang="en-US"/>
           </a:p>
@@ -1405,7 +1405,7 @@
           <a:p>
             <a:fld id="{65F3756F-6BA0-BE41-9226-AD7D2B2262FF}" type="datetimeFigureOut">
               <a:rPr lang="en-US" smtClean="0"/>
-              <a:t>7/22/20</a:t>
+              <a:t>7/23/20</a:t>
             </a:fld>
             <a:endParaRPr lang="en-US"/>
           </a:p>
@@ -1817,7 +1817,7 @@
           <a:p>
             <a:fld id="{65F3756F-6BA0-BE41-9226-AD7D2B2262FF}" type="datetimeFigureOut">
               <a:rPr lang="en-US" smtClean="0"/>
-              <a:t>7/22/20</a:t>
+              <a:t>7/23/20</a:t>
             </a:fld>
             <a:endParaRPr lang="en-US"/>
           </a:p>
@@ -1958,7 +1958,7 @@
           <a:p>
             <a:fld id="{65F3756F-6BA0-BE41-9226-AD7D2B2262FF}" type="datetimeFigureOut">
               <a:rPr lang="en-US" smtClean="0"/>
-              <a:t>7/22/20</a:t>
+              <a:t>7/23/20</a:t>
             </a:fld>
             <a:endParaRPr lang="en-US"/>
           </a:p>
@@ -2071,7 +2071,7 @@
           <a:p>
             <a:fld id="{65F3756F-6BA0-BE41-9226-AD7D2B2262FF}" type="datetimeFigureOut">
               <a:rPr lang="en-US" smtClean="0"/>
-              <a:t>7/22/20</a:t>
+              <a:t>7/23/20</a:t>
             </a:fld>
             <a:endParaRPr lang="en-US"/>
           </a:p>
@@ -2382,7 +2382,7 @@
           <a:p>
             <a:fld id="{65F3756F-6BA0-BE41-9226-AD7D2B2262FF}" type="datetimeFigureOut">
               <a:rPr lang="en-US" smtClean="0"/>
-              <a:t>7/22/20</a:t>
+              <a:t>7/23/20</a:t>
             </a:fld>
             <a:endParaRPr lang="en-US"/>
           </a:p>
@@ -2670,7 +2670,7 @@
           <a:p>
             <a:fld id="{65F3756F-6BA0-BE41-9226-AD7D2B2262FF}" type="datetimeFigureOut">
               <a:rPr lang="en-US" smtClean="0"/>
-              <a:t>7/22/20</a:t>
+              <a:t>7/23/20</a:t>
             </a:fld>
             <a:endParaRPr lang="en-US"/>
           </a:p>
@@ -2911,7 +2911,7 @@
           <a:p>
             <a:fld id="{65F3756F-6BA0-BE41-9226-AD7D2B2262FF}" type="datetimeFigureOut">
               <a:rPr lang="en-US" smtClean="0"/>
-              <a:t>7/22/20</a:t>
+              <a:t>7/23/20</a:t>
             </a:fld>
             <a:endParaRPr lang="en-US"/>
           </a:p>
@@ -3429,7 +3429,7 @@
         </p:nvSpPr>
         <p:spPr>
           <a:xfrm>
-            <a:off x="909984" y="1619821"/>
+            <a:off x="102264" y="1619821"/>
             <a:ext cx="2516650" cy="2093204"/>
           </a:xfrm>
           <a:prstGeom prst="ellipse">
@@ -3480,7 +3480,7 @@
         </p:nvSpPr>
         <p:spPr>
           <a:xfrm>
-            <a:off x="1590125" y="1742972"/>
+            <a:off x="782405" y="1742972"/>
             <a:ext cx="1396536" cy="246221"/>
           </a:xfrm>
           <a:prstGeom prst="rect">
@@ -3812,7 +3812,7 @@
         <p:spPr>
           <a:xfrm>
             <a:off x="6636802" y="2171862"/>
-            <a:ext cx="1116139" cy="369332"/>
+            <a:ext cx="1073499" cy="461665"/>
           </a:xfrm>
           <a:prstGeom prst="rect">
             <a:avLst/>
@@ -3825,9 +3825,17 @@
           </a:bodyPr>
           <a:lstStyle/>
           <a:p>
-            <a:r>
-              <a:rPr lang="en-US" dirty="0"/>
-              <a:t>playersDB</a:t>
+            <a:pPr algn="ctr"/>
+            <a:r>
+              <a:rPr lang="en-US" sz="1200" dirty="0"/>
+              <a:t>active_players</a:t>
+            </a:r>
+          </a:p>
+          <a:p>
+            <a:pPr algn="ctr"/>
+            <a:r>
+              <a:rPr lang="en-US" sz="1200" dirty="0"/>
+              <a:t>table</a:t>
             </a:r>
           </a:p>
         </p:txBody>
@@ -4143,8 +4151,8 @@
         </p:nvSpPr>
         <p:spPr>
           <a:xfrm>
-            <a:off x="3529180" y="2184184"/>
-            <a:ext cx="870751" cy="369332"/>
+            <a:off x="3535316" y="2251983"/>
+            <a:ext cx="884345" cy="461665"/>
           </a:xfrm>
           <a:prstGeom prst="rect">
             <a:avLst/>
@@ -4157,9 +4165,17 @@
           </a:bodyPr>
           <a:lstStyle/>
           <a:p>
-            <a:r>
-              <a:rPr lang="en-US" dirty="0"/>
-              <a:t>poolDB</a:t>
+            <a:pPr algn="ctr"/>
+            <a:r>
+              <a:rPr lang="en-US" sz="1200" dirty="0"/>
+              <a:t>entry_stats</a:t>
+            </a:r>
+          </a:p>
+          <a:p>
+            <a:pPr algn="ctr"/>
+            <a:r>
+              <a:rPr lang="en-US" sz="1200" dirty="0"/>
+              <a:t>table</a:t>
             </a:r>
           </a:p>
         </p:txBody>
@@ -4178,8 +4194,8 @@
         </p:nvSpPr>
         <p:spPr>
           <a:xfrm>
-            <a:off x="4569451" y="980064"/>
-            <a:ext cx="2313559" cy="541959"/>
+            <a:off x="7801685" y="1575927"/>
+            <a:ext cx="2408715" cy="541959"/>
           </a:xfrm>
           <a:prstGeom prst="ellipse">
             <a:avLst/>
@@ -4225,9 +4241,7 @@
             <a:r>
               <a:rPr lang="en-US" sz="1000" dirty="0">
                 <a:solidFill>
-                  <a:schemeClr val="accent6">
-                    <a:lumMod val="50000"/>
-                  </a:schemeClr>
+                  <a:schemeClr val="bg1"/>
                 </a:solidFill>
               </a:rPr>
               <a:t>PoolUpdate.py</a:t>
@@ -4246,7 +4260,27 @@
                   </a:schemeClr>
                 </a:solidFill>
               </a:rPr>
-              <a:t>Update 200 entry tables</a:t>
+              <a:t>Update </a:t>
+            </a:r>
+            <a:r>
+              <a:rPr lang="en-US" sz="1000" dirty="0" err="1">
+                <a:solidFill>
+                  <a:schemeClr val="accent6">
+                    <a:lumMod val="50000"/>
+                  </a:schemeClr>
+                </a:solidFill>
+              </a:rPr>
+              <a:t>entry_stats</a:t>
+            </a:r>
+            <a:r>
+              <a:rPr lang="en-US" sz="1000" dirty="0">
+                <a:solidFill>
+                  <a:schemeClr val="accent6">
+                    <a:lumMod val="50000"/>
+                  </a:schemeClr>
+                </a:solidFill>
+              </a:rPr>
+              <a:t>_ table</a:t>
             </a:r>
           </a:p>
           <a:p>
@@ -4504,7 +4538,7 @@
         </p:nvSpPr>
         <p:spPr>
           <a:xfrm>
-            <a:off x="1104634" y="2852065"/>
+            <a:off x="296914" y="2852065"/>
             <a:ext cx="2188571" cy="432881"/>
           </a:xfrm>
           <a:prstGeom prst="ellipse">
@@ -4877,7 +4911,7 @@
         </p:nvSpPr>
         <p:spPr>
           <a:xfrm>
-            <a:off x="1090226" y="2247923"/>
+            <a:off x="282506" y="2247923"/>
             <a:ext cx="2163967" cy="432881"/>
           </a:xfrm>
           <a:prstGeom prst="ellipse">
@@ -4922,113 +4956,22 @@
           <a:p>
             <a:pPr algn="ctr"/>
             <a:r>
-              <a:rPr lang="en-US" sz="1400" dirty="0">
+              <a:rPr lang="en-US" sz="1400" dirty="0" err="1">
                 <a:solidFill>
                   <a:schemeClr val="bg1"/>
                 </a:solidFill>
               </a:rPr>
-              <a:t>EntryRegister.py</a:t>
-            </a:r>
+              <a:t>entryRegister.py</a:t>
+            </a:r>
+            <a:endParaRPr lang="en-US" sz="1400" dirty="0">
+              <a:solidFill>
+                <a:schemeClr val="bg1"/>
+              </a:solidFill>
+            </a:endParaRPr>
           </a:p>
           <a:p>
             <a:pPr algn="ctr"/>
             <a:endParaRPr lang="en-US" dirty="0"/>
-          </a:p>
-        </p:txBody>
-      </p:sp>
-      <p:sp>
-        <p:nvSpPr>
-          <p:cNvPr id="64" name="Arc 63">
-            <a:extLst>
-              <a:ext uri="{FF2B5EF4-FFF2-40B4-BE49-F238E27FC236}">
-                <a16:creationId xmlns:a16="http://schemas.microsoft.com/office/drawing/2014/main" id="{54190D2D-6718-F74D-A430-A0F54FD9BD7C}"/>
-              </a:ext>
-            </a:extLst>
-          </p:cNvPr>
-          <p:cNvSpPr/>
-          <p:nvPr/>
-        </p:nvSpPr>
-        <p:spPr>
-          <a:xfrm rot="17275121">
-            <a:off x="3016029" y="2684731"/>
-            <a:ext cx="568728" cy="560131"/>
-          </a:xfrm>
-          <a:prstGeom prst="arc">
-            <a:avLst/>
-          </a:prstGeom>
-          <a:ln w="12700">
-            <a:headEnd type="none" w="med" len="med"/>
-            <a:tailEnd type="triangle" w="med" len="med"/>
-          </a:ln>
-        </p:spPr>
-        <p:style>
-          <a:lnRef idx="1">
-            <a:schemeClr val="accent1"/>
-          </a:lnRef>
-          <a:fillRef idx="0">
-            <a:schemeClr val="accent1"/>
-          </a:fillRef>
-          <a:effectRef idx="0">
-            <a:schemeClr val="accent1"/>
-          </a:effectRef>
-          <a:fontRef idx="minor">
-            <a:schemeClr val="tx1"/>
-          </a:fontRef>
-        </p:style>
-        <p:txBody>
-          <a:bodyPr rtlCol="0" anchor="ctr"/>
-          <a:lstStyle/>
-          <a:p>
-            <a:pPr algn="ctr"/>
-            <a:endParaRPr lang="en-US"/>
-          </a:p>
-        </p:txBody>
-      </p:sp>
-      <p:sp>
-        <p:nvSpPr>
-          <p:cNvPr id="65" name="Arc 64">
-            <a:extLst>
-              <a:ext uri="{FF2B5EF4-FFF2-40B4-BE49-F238E27FC236}">
-                <a16:creationId xmlns:a16="http://schemas.microsoft.com/office/drawing/2014/main" id="{29F67BF9-AE72-794E-AB66-32AE161AFFC2}"/>
-              </a:ext>
-            </a:extLst>
-          </p:cNvPr>
-          <p:cNvSpPr/>
-          <p:nvPr/>
-        </p:nvSpPr>
-        <p:spPr>
-          <a:xfrm rot="17275121">
-            <a:off x="3095897" y="2134169"/>
-            <a:ext cx="568728" cy="560131"/>
-          </a:xfrm>
-          <a:prstGeom prst="arc">
-            <a:avLst/>
-          </a:prstGeom>
-          <a:ln w="12700">
-            <a:headEnd type="none" w="med" len="med"/>
-            <a:tailEnd type="triangle" w="med" len="med"/>
-          </a:ln>
-        </p:spPr>
-        <p:style>
-          <a:lnRef idx="1">
-            <a:schemeClr val="accent1"/>
-          </a:lnRef>
-          <a:fillRef idx="0">
-            <a:schemeClr val="accent1"/>
-          </a:fillRef>
-          <a:effectRef idx="0">
-            <a:schemeClr val="accent1"/>
-          </a:effectRef>
-          <a:fontRef idx="minor">
-            <a:schemeClr val="tx1"/>
-          </a:fontRef>
-        </p:style>
-        <p:txBody>
-          <a:bodyPr rtlCol="0" anchor="ctr"/>
-          <a:lstStyle/>
-          <a:p>
-            <a:pPr algn="ctr"/>
-            <a:endParaRPr lang="en-US"/>
           </a:p>
         </p:txBody>
       </p:sp>
@@ -6226,6 +6169,865 @@
           </a:p>
         </p:txBody>
       </p:sp>
+      <p:sp>
+        <p:nvSpPr>
+          <p:cNvPr id="23" name="Snip and Round Single Corner Rectangle 22">
+            <a:extLst>
+              <a:ext uri="{FF2B5EF4-FFF2-40B4-BE49-F238E27FC236}">
+                <a16:creationId xmlns:a16="http://schemas.microsoft.com/office/drawing/2014/main" id="{AFFC5995-CA2F-7549-B1C7-191C994CC3E7}"/>
+              </a:ext>
+            </a:extLst>
+          </p:cNvPr>
+          <p:cNvSpPr/>
+          <p:nvPr/>
+        </p:nvSpPr>
+        <p:spPr>
+          <a:xfrm>
+            <a:off x="2712719" y="2247923"/>
+            <a:ext cx="606709" cy="531755"/>
+          </a:xfrm>
+          <a:prstGeom prst="snipRoundRect">
+            <a:avLst/>
+          </a:prstGeom>
+        </p:spPr>
+        <p:style>
+          <a:lnRef idx="2">
+            <a:schemeClr val="accent1">
+              <a:shade val="50000"/>
+            </a:schemeClr>
+          </a:lnRef>
+          <a:fillRef idx="1">
+            <a:schemeClr val="accent1"/>
+          </a:fillRef>
+          <a:effectRef idx="0">
+            <a:schemeClr val="accent1"/>
+          </a:effectRef>
+          <a:fontRef idx="minor">
+            <a:schemeClr val="lt1"/>
+          </a:fontRef>
+        </p:style>
+        <p:txBody>
+          <a:bodyPr rtlCol="0" anchor="ctr"/>
+          <a:lstStyle/>
+          <a:p>
+            <a:pPr algn="ctr"/>
+            <a:r>
+              <a:rPr lang="en-US" sz="800" dirty="0"/>
+              <a:t>Pool_</a:t>
+            </a:r>
+          </a:p>
+          <a:p>
+            <a:pPr algn="ctr"/>
+            <a:r>
+              <a:rPr lang="en-US" sz="800" dirty="0"/>
+              <a:t>entry</a:t>
+            </a:r>
+          </a:p>
+        </p:txBody>
+      </p:sp>
+      <p:sp>
+        <p:nvSpPr>
+          <p:cNvPr id="55" name="Snip and Round Single Corner Rectangle 54">
+            <a:extLst>
+              <a:ext uri="{FF2B5EF4-FFF2-40B4-BE49-F238E27FC236}">
+                <a16:creationId xmlns:a16="http://schemas.microsoft.com/office/drawing/2014/main" id="{4F78ECCA-9F78-5443-B9B8-7E83853A61F4}"/>
+              </a:ext>
+            </a:extLst>
+          </p:cNvPr>
+          <p:cNvSpPr/>
+          <p:nvPr/>
+        </p:nvSpPr>
+        <p:spPr>
+          <a:xfrm>
+            <a:off x="2711359" y="2894477"/>
+            <a:ext cx="583451" cy="531755"/>
+          </a:xfrm>
+          <a:prstGeom prst="snipRoundRect">
+            <a:avLst/>
+          </a:prstGeom>
+        </p:spPr>
+        <p:style>
+          <a:lnRef idx="2">
+            <a:schemeClr val="accent1">
+              <a:shade val="50000"/>
+            </a:schemeClr>
+          </a:lnRef>
+          <a:fillRef idx="1">
+            <a:schemeClr val="accent1"/>
+          </a:fillRef>
+          <a:effectRef idx="0">
+            <a:schemeClr val="accent1"/>
+          </a:effectRef>
+          <a:fontRef idx="minor">
+            <a:schemeClr val="lt1"/>
+          </a:fontRef>
+        </p:style>
+        <p:txBody>
+          <a:bodyPr rtlCol="0" anchor="ctr"/>
+          <a:lstStyle/>
+          <a:p>
+            <a:pPr algn="ctr"/>
+            <a:r>
+              <a:rPr lang="en-US" sz="800" dirty="0"/>
+              <a:t>entry_</a:t>
+            </a:r>
+          </a:p>
+          <a:p>
+            <a:pPr algn="ctr"/>
+            <a:r>
+              <a:rPr lang="en-US" sz="800" dirty="0"/>
+              <a:t>players</a:t>
+            </a:r>
+          </a:p>
+        </p:txBody>
+      </p:sp>
+      <p:cxnSp>
+        <p:nvCxnSpPr>
+          <p:cNvPr id="29" name="Straight Arrow Connector 28">
+            <a:extLst>
+              <a:ext uri="{FF2B5EF4-FFF2-40B4-BE49-F238E27FC236}">
+                <a16:creationId xmlns:a16="http://schemas.microsoft.com/office/drawing/2014/main" id="{E5B9E9D2-47FC-DE45-8542-11AACD72336B}"/>
+              </a:ext>
+            </a:extLst>
+          </p:cNvPr>
+          <p:cNvCxnSpPr>
+            <a:stCxn id="63" idx="6"/>
+            <a:endCxn id="23" idx="2"/>
+          </p:cNvCxnSpPr>
+          <p:nvPr/>
+        </p:nvCxnSpPr>
+        <p:spPr>
+          <a:xfrm>
+            <a:off x="2446473" y="2464364"/>
+            <a:ext cx="266246" cy="49437"/>
+          </a:xfrm>
+          <a:prstGeom prst="straightConnector1">
+            <a:avLst/>
+          </a:prstGeom>
+          <a:ln>
+            <a:tailEnd type="triangle"/>
+          </a:ln>
+        </p:spPr>
+        <p:style>
+          <a:lnRef idx="1">
+            <a:schemeClr val="accent1"/>
+          </a:lnRef>
+          <a:fillRef idx="0">
+            <a:schemeClr val="accent1"/>
+          </a:fillRef>
+          <a:effectRef idx="0">
+            <a:schemeClr val="accent1"/>
+          </a:effectRef>
+          <a:fontRef idx="minor">
+            <a:schemeClr val="tx1"/>
+          </a:fontRef>
+        </p:style>
+      </p:cxnSp>
+      <p:cxnSp>
+        <p:nvCxnSpPr>
+          <p:cNvPr id="58" name="Straight Arrow Connector 57">
+            <a:extLst>
+              <a:ext uri="{FF2B5EF4-FFF2-40B4-BE49-F238E27FC236}">
+                <a16:creationId xmlns:a16="http://schemas.microsoft.com/office/drawing/2014/main" id="{B4EE315F-FF7D-1D4D-8472-CDF085706015}"/>
+              </a:ext>
+            </a:extLst>
+          </p:cNvPr>
+          <p:cNvCxnSpPr/>
+          <p:nvPr/>
+        </p:nvCxnSpPr>
+        <p:spPr>
+          <a:xfrm>
+            <a:off x="2461549" y="3117317"/>
+            <a:ext cx="266246" cy="49437"/>
+          </a:xfrm>
+          <a:prstGeom prst="straightConnector1">
+            <a:avLst/>
+          </a:prstGeom>
+          <a:ln>
+            <a:tailEnd type="triangle"/>
+          </a:ln>
+        </p:spPr>
+        <p:style>
+          <a:lnRef idx="1">
+            <a:schemeClr val="accent1"/>
+          </a:lnRef>
+          <a:fillRef idx="0">
+            <a:schemeClr val="accent1"/>
+          </a:fillRef>
+          <a:effectRef idx="0">
+            <a:schemeClr val="accent1"/>
+          </a:effectRef>
+          <a:fontRef idx="minor">
+            <a:schemeClr val="tx1"/>
+          </a:fontRef>
+        </p:style>
+      </p:cxnSp>
+      <p:sp>
+        <p:nvSpPr>
+          <p:cNvPr id="32" name="TextBox 31">
+            <a:extLst>
+              <a:ext uri="{FF2B5EF4-FFF2-40B4-BE49-F238E27FC236}">
+                <a16:creationId xmlns:a16="http://schemas.microsoft.com/office/drawing/2014/main" id="{D6E2B5DF-6B41-0140-936E-838350CF863F}"/>
+              </a:ext>
+            </a:extLst>
+          </p:cNvPr>
+          <p:cNvSpPr txBox="1"/>
+          <p:nvPr/>
+        </p:nvSpPr>
+        <p:spPr>
+          <a:xfrm>
+            <a:off x="3465996" y="2040314"/>
+            <a:ext cx="1249680" cy="276999"/>
+          </a:xfrm>
+          <a:prstGeom prst="rect">
+            <a:avLst/>
+          </a:prstGeom>
+          <a:noFill/>
+        </p:spPr>
+        <p:txBody>
+          <a:bodyPr wrap="square" rtlCol="0">
+            <a:spAutoFit/>
+          </a:bodyPr>
+          <a:lstStyle/>
+          <a:p>
+            <a:r>
+              <a:rPr lang="en-US" sz="1200" dirty="0">
+                <a:solidFill>
+                  <a:schemeClr val="accent1"/>
+                </a:solidFill>
+              </a:rPr>
+              <a:t>active, updating</a:t>
+            </a:r>
+          </a:p>
+        </p:txBody>
+      </p:sp>
+      <p:sp>
+        <p:nvSpPr>
+          <p:cNvPr id="33" name="Freeform 32">
+            <a:extLst>
+              <a:ext uri="{FF2B5EF4-FFF2-40B4-BE49-F238E27FC236}">
+                <a16:creationId xmlns:a16="http://schemas.microsoft.com/office/drawing/2014/main" id="{FF541FEE-4F11-5A4A-9B01-D0A0BE662AEB}"/>
+              </a:ext>
+            </a:extLst>
+          </p:cNvPr>
+          <p:cNvSpPr/>
+          <p:nvPr/>
+        </p:nvSpPr>
+        <p:spPr>
+          <a:xfrm>
+            <a:off x="4274820" y="1414807"/>
+            <a:ext cx="3832860" cy="1419833"/>
+          </a:xfrm>
+          <a:custGeom>
+            <a:avLst/>
+            <a:gdLst>
+              <a:gd name="connsiteX0" fmla="*/ 3832860 w 3832860"/>
+              <a:gd name="connsiteY0" fmla="*/ 581633 h 1419833"/>
+              <a:gd name="connsiteX1" fmla="*/ 3695700 w 3832860"/>
+              <a:gd name="connsiteY1" fmla="*/ 513053 h 1419833"/>
+              <a:gd name="connsiteX2" fmla="*/ 3649980 w 3832860"/>
+              <a:gd name="connsiteY2" fmla="*/ 497813 h 1419833"/>
+              <a:gd name="connsiteX3" fmla="*/ 3589020 w 3832860"/>
+              <a:gd name="connsiteY3" fmla="*/ 467333 h 1419833"/>
+              <a:gd name="connsiteX4" fmla="*/ 3093720 w 3832860"/>
+              <a:gd name="connsiteY4" fmla="*/ 307313 h 1419833"/>
+              <a:gd name="connsiteX5" fmla="*/ 2895600 w 3832860"/>
+              <a:gd name="connsiteY5" fmla="*/ 238733 h 1419833"/>
+              <a:gd name="connsiteX6" fmla="*/ 2674620 w 3832860"/>
+              <a:gd name="connsiteY6" fmla="*/ 154913 h 1419833"/>
+              <a:gd name="connsiteX7" fmla="*/ 2613660 w 3832860"/>
+              <a:gd name="connsiteY7" fmla="*/ 132053 h 1419833"/>
+              <a:gd name="connsiteX8" fmla="*/ 2476500 w 3832860"/>
+              <a:gd name="connsiteY8" fmla="*/ 78713 h 1419833"/>
+              <a:gd name="connsiteX9" fmla="*/ 2385060 w 3832860"/>
+              <a:gd name="connsiteY9" fmla="*/ 55853 h 1419833"/>
+              <a:gd name="connsiteX10" fmla="*/ 2240280 w 3832860"/>
+              <a:gd name="connsiteY10" fmla="*/ 25373 h 1419833"/>
+              <a:gd name="connsiteX11" fmla="*/ 1973580 w 3832860"/>
+              <a:gd name="connsiteY11" fmla="*/ 10133 h 1419833"/>
+              <a:gd name="connsiteX12" fmla="*/ 1722120 w 3832860"/>
+              <a:gd name="connsiteY12" fmla="*/ 25373 h 1419833"/>
+              <a:gd name="connsiteX13" fmla="*/ 1699260 w 3832860"/>
+              <a:gd name="connsiteY13" fmla="*/ 40613 h 1419833"/>
+              <a:gd name="connsiteX14" fmla="*/ 1630680 w 3832860"/>
+              <a:gd name="connsiteY14" fmla="*/ 71093 h 1419833"/>
+              <a:gd name="connsiteX15" fmla="*/ 1539240 w 3832860"/>
+              <a:gd name="connsiteY15" fmla="*/ 124433 h 1419833"/>
+              <a:gd name="connsiteX16" fmla="*/ 1516380 w 3832860"/>
+              <a:gd name="connsiteY16" fmla="*/ 132053 h 1419833"/>
+              <a:gd name="connsiteX17" fmla="*/ 1455420 w 3832860"/>
+              <a:gd name="connsiteY17" fmla="*/ 162533 h 1419833"/>
+              <a:gd name="connsiteX18" fmla="*/ 1409700 w 3832860"/>
+              <a:gd name="connsiteY18" fmla="*/ 177773 h 1419833"/>
+              <a:gd name="connsiteX19" fmla="*/ 1363980 w 3832860"/>
+              <a:gd name="connsiteY19" fmla="*/ 208253 h 1419833"/>
+              <a:gd name="connsiteX20" fmla="*/ 1303020 w 3832860"/>
+              <a:gd name="connsiteY20" fmla="*/ 253973 h 1419833"/>
+              <a:gd name="connsiteX21" fmla="*/ 1249680 w 3832860"/>
+              <a:gd name="connsiteY21" fmla="*/ 299693 h 1419833"/>
+              <a:gd name="connsiteX22" fmla="*/ 1226820 w 3832860"/>
+              <a:gd name="connsiteY22" fmla="*/ 322553 h 1419833"/>
+              <a:gd name="connsiteX23" fmla="*/ 1120140 w 3832860"/>
+              <a:gd name="connsiteY23" fmla="*/ 391133 h 1419833"/>
+              <a:gd name="connsiteX24" fmla="*/ 1074420 w 3832860"/>
+              <a:gd name="connsiteY24" fmla="*/ 429233 h 1419833"/>
+              <a:gd name="connsiteX25" fmla="*/ 1051560 w 3832860"/>
+              <a:gd name="connsiteY25" fmla="*/ 452093 h 1419833"/>
+              <a:gd name="connsiteX26" fmla="*/ 990600 w 3832860"/>
+              <a:gd name="connsiteY26" fmla="*/ 505433 h 1419833"/>
+              <a:gd name="connsiteX27" fmla="*/ 960120 w 3832860"/>
+              <a:gd name="connsiteY27" fmla="*/ 551153 h 1419833"/>
+              <a:gd name="connsiteX28" fmla="*/ 944880 w 3832860"/>
+              <a:gd name="connsiteY28" fmla="*/ 574013 h 1419833"/>
+              <a:gd name="connsiteX29" fmla="*/ 929640 w 3832860"/>
+              <a:gd name="connsiteY29" fmla="*/ 596873 h 1419833"/>
+              <a:gd name="connsiteX30" fmla="*/ 914400 w 3832860"/>
+              <a:gd name="connsiteY30" fmla="*/ 619733 h 1419833"/>
+              <a:gd name="connsiteX31" fmla="*/ 868680 w 3832860"/>
+              <a:gd name="connsiteY31" fmla="*/ 680693 h 1419833"/>
+              <a:gd name="connsiteX32" fmla="*/ 845820 w 3832860"/>
+              <a:gd name="connsiteY32" fmla="*/ 703553 h 1419833"/>
+              <a:gd name="connsiteX33" fmla="*/ 815340 w 3832860"/>
+              <a:gd name="connsiteY33" fmla="*/ 749273 h 1419833"/>
+              <a:gd name="connsiteX34" fmla="*/ 784860 w 3832860"/>
+              <a:gd name="connsiteY34" fmla="*/ 794993 h 1419833"/>
+              <a:gd name="connsiteX35" fmla="*/ 739140 w 3832860"/>
+              <a:gd name="connsiteY35" fmla="*/ 840713 h 1419833"/>
+              <a:gd name="connsiteX36" fmla="*/ 723900 w 3832860"/>
+              <a:gd name="connsiteY36" fmla="*/ 863573 h 1419833"/>
+              <a:gd name="connsiteX37" fmla="*/ 655320 w 3832860"/>
+              <a:gd name="connsiteY37" fmla="*/ 909293 h 1419833"/>
+              <a:gd name="connsiteX38" fmla="*/ 579120 w 3832860"/>
+              <a:gd name="connsiteY38" fmla="*/ 962633 h 1419833"/>
+              <a:gd name="connsiteX39" fmla="*/ 556260 w 3832860"/>
+              <a:gd name="connsiteY39" fmla="*/ 970253 h 1419833"/>
+              <a:gd name="connsiteX40" fmla="*/ 533400 w 3832860"/>
+              <a:gd name="connsiteY40" fmla="*/ 955013 h 1419833"/>
+              <a:gd name="connsiteX41" fmla="*/ 381000 w 3832860"/>
+              <a:gd name="connsiteY41" fmla="*/ 955013 h 1419833"/>
+              <a:gd name="connsiteX42" fmla="*/ 365760 w 3832860"/>
+              <a:gd name="connsiteY42" fmla="*/ 977873 h 1419833"/>
+              <a:gd name="connsiteX43" fmla="*/ 342900 w 3832860"/>
+              <a:gd name="connsiteY43" fmla="*/ 993113 h 1419833"/>
+              <a:gd name="connsiteX44" fmla="*/ 327660 w 3832860"/>
+              <a:gd name="connsiteY44" fmla="*/ 1031213 h 1419833"/>
+              <a:gd name="connsiteX45" fmla="*/ 304800 w 3832860"/>
+              <a:gd name="connsiteY45" fmla="*/ 1069313 h 1419833"/>
+              <a:gd name="connsiteX46" fmla="*/ 274320 w 3832860"/>
+              <a:gd name="connsiteY46" fmla="*/ 1099793 h 1419833"/>
+              <a:gd name="connsiteX47" fmla="*/ 243840 w 3832860"/>
+              <a:gd name="connsiteY47" fmla="*/ 1145513 h 1419833"/>
+              <a:gd name="connsiteX48" fmla="*/ 182880 w 3832860"/>
+              <a:gd name="connsiteY48" fmla="*/ 1221713 h 1419833"/>
+              <a:gd name="connsiteX49" fmla="*/ 152400 w 3832860"/>
+              <a:gd name="connsiteY49" fmla="*/ 1252193 h 1419833"/>
+              <a:gd name="connsiteX50" fmla="*/ 129540 w 3832860"/>
+              <a:gd name="connsiteY50" fmla="*/ 1282673 h 1419833"/>
+              <a:gd name="connsiteX51" fmla="*/ 106680 w 3832860"/>
+              <a:gd name="connsiteY51" fmla="*/ 1305533 h 1419833"/>
+              <a:gd name="connsiteX52" fmla="*/ 83820 w 3832860"/>
+              <a:gd name="connsiteY52" fmla="*/ 1336013 h 1419833"/>
+              <a:gd name="connsiteX53" fmla="*/ 68580 w 3832860"/>
+              <a:gd name="connsiteY53" fmla="*/ 1358873 h 1419833"/>
+              <a:gd name="connsiteX54" fmla="*/ 0 w 3832860"/>
+              <a:gd name="connsiteY54" fmla="*/ 1419833 h 1419833"/>
+              <a:gd name="connsiteX55" fmla="*/ 7620 w 3832860"/>
+              <a:gd name="connsiteY55" fmla="*/ 1374113 h 1419833"/>
+              <a:gd name="connsiteX56" fmla="*/ 15240 w 3832860"/>
+              <a:gd name="connsiteY56" fmla="*/ 1351253 h 1419833"/>
+              <a:gd name="connsiteX57" fmla="*/ 7620 w 3832860"/>
+              <a:gd name="connsiteY57" fmla="*/ 1320773 h 1419833"/>
+            </a:gdLst>
+            <a:ahLst/>
+            <a:cxnLst>
+              <a:cxn ang="0">
+                <a:pos x="connsiteX0" y="connsiteY0"/>
+              </a:cxn>
+              <a:cxn ang="0">
+                <a:pos x="connsiteX1" y="connsiteY1"/>
+              </a:cxn>
+              <a:cxn ang="0">
+                <a:pos x="connsiteX2" y="connsiteY2"/>
+              </a:cxn>
+              <a:cxn ang="0">
+                <a:pos x="connsiteX3" y="connsiteY3"/>
+              </a:cxn>
+              <a:cxn ang="0">
+                <a:pos x="connsiteX4" y="connsiteY4"/>
+              </a:cxn>
+              <a:cxn ang="0">
+                <a:pos x="connsiteX5" y="connsiteY5"/>
+              </a:cxn>
+              <a:cxn ang="0">
+                <a:pos x="connsiteX6" y="connsiteY6"/>
+              </a:cxn>
+              <a:cxn ang="0">
+                <a:pos x="connsiteX7" y="connsiteY7"/>
+              </a:cxn>
+              <a:cxn ang="0">
+                <a:pos x="connsiteX8" y="connsiteY8"/>
+              </a:cxn>
+              <a:cxn ang="0">
+                <a:pos x="connsiteX9" y="connsiteY9"/>
+              </a:cxn>
+              <a:cxn ang="0">
+                <a:pos x="connsiteX10" y="connsiteY10"/>
+              </a:cxn>
+              <a:cxn ang="0">
+                <a:pos x="connsiteX11" y="connsiteY11"/>
+              </a:cxn>
+              <a:cxn ang="0">
+                <a:pos x="connsiteX12" y="connsiteY12"/>
+              </a:cxn>
+              <a:cxn ang="0">
+                <a:pos x="connsiteX13" y="connsiteY13"/>
+              </a:cxn>
+              <a:cxn ang="0">
+                <a:pos x="connsiteX14" y="connsiteY14"/>
+              </a:cxn>
+              <a:cxn ang="0">
+                <a:pos x="connsiteX15" y="connsiteY15"/>
+              </a:cxn>
+              <a:cxn ang="0">
+                <a:pos x="connsiteX16" y="connsiteY16"/>
+              </a:cxn>
+              <a:cxn ang="0">
+                <a:pos x="connsiteX17" y="connsiteY17"/>
+              </a:cxn>
+              <a:cxn ang="0">
+                <a:pos x="connsiteX18" y="connsiteY18"/>
+              </a:cxn>
+              <a:cxn ang="0">
+                <a:pos x="connsiteX19" y="connsiteY19"/>
+              </a:cxn>
+              <a:cxn ang="0">
+                <a:pos x="connsiteX20" y="connsiteY20"/>
+              </a:cxn>
+              <a:cxn ang="0">
+                <a:pos x="connsiteX21" y="connsiteY21"/>
+              </a:cxn>
+              <a:cxn ang="0">
+                <a:pos x="connsiteX22" y="connsiteY22"/>
+              </a:cxn>
+              <a:cxn ang="0">
+                <a:pos x="connsiteX23" y="connsiteY23"/>
+              </a:cxn>
+              <a:cxn ang="0">
+                <a:pos x="connsiteX24" y="connsiteY24"/>
+              </a:cxn>
+              <a:cxn ang="0">
+                <a:pos x="connsiteX25" y="connsiteY25"/>
+              </a:cxn>
+              <a:cxn ang="0">
+                <a:pos x="connsiteX26" y="connsiteY26"/>
+              </a:cxn>
+              <a:cxn ang="0">
+                <a:pos x="connsiteX27" y="connsiteY27"/>
+              </a:cxn>
+              <a:cxn ang="0">
+                <a:pos x="connsiteX28" y="connsiteY28"/>
+              </a:cxn>
+              <a:cxn ang="0">
+                <a:pos x="connsiteX29" y="connsiteY29"/>
+              </a:cxn>
+              <a:cxn ang="0">
+                <a:pos x="connsiteX30" y="connsiteY30"/>
+              </a:cxn>
+              <a:cxn ang="0">
+                <a:pos x="connsiteX31" y="connsiteY31"/>
+              </a:cxn>
+              <a:cxn ang="0">
+                <a:pos x="connsiteX32" y="connsiteY32"/>
+              </a:cxn>
+              <a:cxn ang="0">
+                <a:pos x="connsiteX33" y="connsiteY33"/>
+              </a:cxn>
+              <a:cxn ang="0">
+                <a:pos x="connsiteX34" y="connsiteY34"/>
+              </a:cxn>
+              <a:cxn ang="0">
+                <a:pos x="connsiteX35" y="connsiteY35"/>
+              </a:cxn>
+              <a:cxn ang="0">
+                <a:pos x="connsiteX36" y="connsiteY36"/>
+              </a:cxn>
+              <a:cxn ang="0">
+                <a:pos x="connsiteX37" y="connsiteY37"/>
+              </a:cxn>
+              <a:cxn ang="0">
+                <a:pos x="connsiteX38" y="connsiteY38"/>
+              </a:cxn>
+              <a:cxn ang="0">
+                <a:pos x="connsiteX39" y="connsiteY39"/>
+              </a:cxn>
+              <a:cxn ang="0">
+                <a:pos x="connsiteX40" y="connsiteY40"/>
+              </a:cxn>
+              <a:cxn ang="0">
+                <a:pos x="connsiteX41" y="connsiteY41"/>
+              </a:cxn>
+              <a:cxn ang="0">
+                <a:pos x="connsiteX42" y="connsiteY42"/>
+              </a:cxn>
+              <a:cxn ang="0">
+                <a:pos x="connsiteX43" y="connsiteY43"/>
+              </a:cxn>
+              <a:cxn ang="0">
+                <a:pos x="connsiteX44" y="connsiteY44"/>
+              </a:cxn>
+              <a:cxn ang="0">
+                <a:pos x="connsiteX45" y="connsiteY45"/>
+              </a:cxn>
+              <a:cxn ang="0">
+                <a:pos x="connsiteX46" y="connsiteY46"/>
+              </a:cxn>
+              <a:cxn ang="0">
+                <a:pos x="connsiteX47" y="connsiteY47"/>
+              </a:cxn>
+              <a:cxn ang="0">
+                <a:pos x="connsiteX48" y="connsiteY48"/>
+              </a:cxn>
+              <a:cxn ang="0">
+                <a:pos x="connsiteX49" y="connsiteY49"/>
+              </a:cxn>
+              <a:cxn ang="0">
+                <a:pos x="connsiteX50" y="connsiteY50"/>
+              </a:cxn>
+              <a:cxn ang="0">
+                <a:pos x="connsiteX51" y="connsiteY51"/>
+              </a:cxn>
+              <a:cxn ang="0">
+                <a:pos x="connsiteX52" y="connsiteY52"/>
+              </a:cxn>
+              <a:cxn ang="0">
+                <a:pos x="connsiteX53" y="connsiteY53"/>
+              </a:cxn>
+              <a:cxn ang="0">
+                <a:pos x="connsiteX54" y="connsiteY54"/>
+              </a:cxn>
+              <a:cxn ang="0">
+                <a:pos x="connsiteX55" y="connsiteY55"/>
+              </a:cxn>
+              <a:cxn ang="0">
+                <a:pos x="connsiteX56" y="connsiteY56"/>
+              </a:cxn>
+              <a:cxn ang="0">
+                <a:pos x="connsiteX57" y="connsiteY57"/>
+              </a:cxn>
+            </a:cxnLst>
+            <a:rect l="l" t="t" r="r" b="b"/>
+            <a:pathLst>
+              <a:path w="3832860" h="1419833">
+                <a:moveTo>
+                  <a:pt x="3832860" y="581633"/>
+                </a:moveTo>
+                <a:cubicBezTo>
+                  <a:pt x="3614312" y="494214"/>
+                  <a:pt x="3885056" y="607731"/>
+                  <a:pt x="3695700" y="513053"/>
+                </a:cubicBezTo>
+                <a:cubicBezTo>
+                  <a:pt x="3681332" y="505869"/>
+                  <a:pt x="3664745" y="504141"/>
+                  <a:pt x="3649980" y="497813"/>
+                </a:cubicBezTo>
+                <a:cubicBezTo>
+                  <a:pt x="3629098" y="488864"/>
+                  <a:pt x="3610513" y="474694"/>
+                  <a:pt x="3589020" y="467333"/>
+                </a:cubicBezTo>
+                <a:cubicBezTo>
+                  <a:pt x="3424876" y="411119"/>
+                  <a:pt x="3254813" y="371750"/>
+                  <a:pt x="3093720" y="307313"/>
+                </a:cubicBezTo>
+                <a:cubicBezTo>
+                  <a:pt x="2885849" y="224164"/>
+                  <a:pt x="3187037" y="342355"/>
+                  <a:pt x="2895600" y="238733"/>
+                </a:cubicBezTo>
+                <a:cubicBezTo>
+                  <a:pt x="2821371" y="212341"/>
+                  <a:pt x="2748303" y="182793"/>
+                  <a:pt x="2674620" y="154913"/>
+                </a:cubicBezTo>
+                <a:cubicBezTo>
+                  <a:pt x="2654323" y="147233"/>
+                  <a:pt x="2634248" y="138916"/>
+                  <a:pt x="2613660" y="132053"/>
+                </a:cubicBezTo>
+                <a:cubicBezTo>
+                  <a:pt x="2510764" y="97754"/>
+                  <a:pt x="2635903" y="140703"/>
+                  <a:pt x="2476500" y="78713"/>
+                </a:cubicBezTo>
+                <a:cubicBezTo>
+                  <a:pt x="2422584" y="57746"/>
+                  <a:pt x="2440411" y="66923"/>
+                  <a:pt x="2385060" y="55853"/>
+                </a:cubicBezTo>
+                <a:cubicBezTo>
+                  <a:pt x="2336700" y="46181"/>
+                  <a:pt x="2289296" y="30819"/>
+                  <a:pt x="2240280" y="25373"/>
+                </a:cubicBezTo>
+                <a:cubicBezTo>
+                  <a:pt x="2151780" y="15540"/>
+                  <a:pt x="1973580" y="10133"/>
+                  <a:pt x="1973580" y="10133"/>
+                </a:cubicBezTo>
+                <a:cubicBezTo>
+                  <a:pt x="1864984" y="-5381"/>
+                  <a:pt x="1899017" y="-5126"/>
+                  <a:pt x="1722120" y="25373"/>
+                </a:cubicBezTo>
+                <a:cubicBezTo>
+                  <a:pt x="1713095" y="26929"/>
+                  <a:pt x="1707451" y="36517"/>
+                  <a:pt x="1699260" y="40613"/>
+                </a:cubicBezTo>
+                <a:cubicBezTo>
+                  <a:pt x="1676885" y="51801"/>
+                  <a:pt x="1652840" y="59485"/>
+                  <a:pt x="1630680" y="71093"/>
+                </a:cubicBezTo>
+                <a:cubicBezTo>
+                  <a:pt x="1599422" y="87466"/>
+                  <a:pt x="1572716" y="113274"/>
+                  <a:pt x="1539240" y="124433"/>
+                </a:cubicBezTo>
+                <a:cubicBezTo>
+                  <a:pt x="1531620" y="126973"/>
+                  <a:pt x="1523692" y="128729"/>
+                  <a:pt x="1516380" y="132053"/>
+                </a:cubicBezTo>
+                <a:cubicBezTo>
+                  <a:pt x="1495698" y="141454"/>
+                  <a:pt x="1476302" y="153584"/>
+                  <a:pt x="1455420" y="162533"/>
+                </a:cubicBezTo>
+                <a:cubicBezTo>
+                  <a:pt x="1440655" y="168861"/>
+                  <a:pt x="1409700" y="177773"/>
+                  <a:pt x="1409700" y="177773"/>
+                </a:cubicBezTo>
+                <a:cubicBezTo>
+                  <a:pt x="1344172" y="243301"/>
+                  <a:pt x="1424633" y="169656"/>
+                  <a:pt x="1363980" y="208253"/>
+                </a:cubicBezTo>
+                <a:cubicBezTo>
+                  <a:pt x="1342551" y="221890"/>
+                  <a:pt x="1322854" y="238106"/>
+                  <a:pt x="1303020" y="253973"/>
+                </a:cubicBezTo>
+                <a:cubicBezTo>
+                  <a:pt x="1284734" y="268602"/>
+                  <a:pt x="1267086" y="284027"/>
+                  <a:pt x="1249680" y="299693"/>
+                </a:cubicBezTo>
+                <a:cubicBezTo>
+                  <a:pt x="1241670" y="306902"/>
+                  <a:pt x="1235624" y="316338"/>
+                  <a:pt x="1226820" y="322553"/>
+                </a:cubicBezTo>
+                <a:cubicBezTo>
+                  <a:pt x="1192283" y="346932"/>
+                  <a:pt x="1150032" y="361241"/>
+                  <a:pt x="1120140" y="391133"/>
+                </a:cubicBezTo>
+                <a:cubicBezTo>
+                  <a:pt x="1053354" y="457919"/>
+                  <a:pt x="1138073" y="376189"/>
+                  <a:pt x="1074420" y="429233"/>
+                </a:cubicBezTo>
+                <a:cubicBezTo>
+                  <a:pt x="1066141" y="436132"/>
+                  <a:pt x="1059534" y="444844"/>
+                  <a:pt x="1051560" y="452093"/>
+                </a:cubicBezTo>
+                <a:cubicBezTo>
+                  <a:pt x="1031581" y="470256"/>
+                  <a:pt x="1008914" y="485593"/>
+                  <a:pt x="990600" y="505433"/>
+                </a:cubicBezTo>
+                <a:cubicBezTo>
+                  <a:pt x="978176" y="518892"/>
+                  <a:pt x="970280" y="535913"/>
+                  <a:pt x="960120" y="551153"/>
+                </a:cubicBezTo>
+                <a:lnTo>
+                  <a:pt x="944880" y="574013"/>
+                </a:lnTo>
+                <a:lnTo>
+                  <a:pt x="929640" y="596873"/>
+                </a:lnTo>
+                <a:cubicBezTo>
+                  <a:pt x="924560" y="604493"/>
+                  <a:pt x="919895" y="612407"/>
+                  <a:pt x="914400" y="619733"/>
+                </a:cubicBezTo>
+                <a:cubicBezTo>
+                  <a:pt x="899160" y="640053"/>
+                  <a:pt x="886641" y="662732"/>
+                  <a:pt x="868680" y="680693"/>
+                </a:cubicBezTo>
+                <a:lnTo>
+                  <a:pt x="845820" y="703553"/>
+                </a:lnTo>
+                <a:cubicBezTo>
+                  <a:pt x="831247" y="747272"/>
+                  <a:pt x="848636" y="706464"/>
+                  <a:pt x="815340" y="749273"/>
+                </a:cubicBezTo>
+                <a:cubicBezTo>
+                  <a:pt x="804095" y="763731"/>
+                  <a:pt x="797812" y="782041"/>
+                  <a:pt x="784860" y="794993"/>
+                </a:cubicBezTo>
+                <a:cubicBezTo>
+                  <a:pt x="769620" y="810233"/>
+                  <a:pt x="751095" y="822780"/>
+                  <a:pt x="739140" y="840713"/>
+                </a:cubicBezTo>
+                <a:cubicBezTo>
+                  <a:pt x="734060" y="848333"/>
+                  <a:pt x="730792" y="857542"/>
+                  <a:pt x="723900" y="863573"/>
+                </a:cubicBezTo>
+                <a:cubicBezTo>
+                  <a:pt x="708660" y="876908"/>
+                  <a:pt x="674370" y="895006"/>
+                  <a:pt x="655320" y="909293"/>
+                </a:cubicBezTo>
+                <a:cubicBezTo>
+                  <a:pt x="641409" y="919726"/>
+                  <a:pt x="590377" y="958881"/>
+                  <a:pt x="579120" y="962633"/>
+                </a:cubicBezTo>
+                <a:lnTo>
+                  <a:pt x="556260" y="970253"/>
+                </a:lnTo>
+                <a:cubicBezTo>
+                  <a:pt x="548640" y="965173"/>
+                  <a:pt x="542172" y="957645"/>
+                  <a:pt x="533400" y="955013"/>
+                </a:cubicBezTo>
+                <a:cubicBezTo>
+                  <a:pt x="483182" y="939947"/>
+                  <a:pt x="431760" y="951108"/>
+                  <a:pt x="381000" y="955013"/>
+                </a:cubicBezTo>
+                <a:cubicBezTo>
+                  <a:pt x="375920" y="962633"/>
+                  <a:pt x="372236" y="971397"/>
+                  <a:pt x="365760" y="977873"/>
+                </a:cubicBezTo>
+                <a:cubicBezTo>
+                  <a:pt x="359284" y="984349"/>
+                  <a:pt x="348223" y="985661"/>
+                  <a:pt x="342900" y="993113"/>
+                </a:cubicBezTo>
+                <a:cubicBezTo>
+                  <a:pt x="334950" y="1004244"/>
+                  <a:pt x="333777" y="1018979"/>
+                  <a:pt x="327660" y="1031213"/>
+                </a:cubicBezTo>
+                <a:cubicBezTo>
+                  <a:pt x="321036" y="1044460"/>
+                  <a:pt x="313893" y="1057622"/>
+                  <a:pt x="304800" y="1069313"/>
+                </a:cubicBezTo>
+                <a:cubicBezTo>
+                  <a:pt x="295979" y="1080655"/>
+                  <a:pt x="283296" y="1088573"/>
+                  <a:pt x="274320" y="1099793"/>
+                </a:cubicBezTo>
+                <a:cubicBezTo>
+                  <a:pt x="262878" y="1114096"/>
+                  <a:pt x="255282" y="1131210"/>
+                  <a:pt x="243840" y="1145513"/>
+                </a:cubicBezTo>
+                <a:cubicBezTo>
+                  <a:pt x="223520" y="1170913"/>
+                  <a:pt x="205881" y="1198712"/>
+                  <a:pt x="182880" y="1221713"/>
+                </a:cubicBezTo>
+                <a:cubicBezTo>
+                  <a:pt x="172720" y="1231873"/>
+                  <a:pt x="161862" y="1241380"/>
+                  <a:pt x="152400" y="1252193"/>
+                </a:cubicBezTo>
+                <a:cubicBezTo>
+                  <a:pt x="144037" y="1261751"/>
+                  <a:pt x="137805" y="1273030"/>
+                  <a:pt x="129540" y="1282673"/>
+                </a:cubicBezTo>
+                <a:cubicBezTo>
+                  <a:pt x="122527" y="1290855"/>
+                  <a:pt x="113693" y="1297351"/>
+                  <a:pt x="106680" y="1305533"/>
+                </a:cubicBezTo>
+                <a:cubicBezTo>
+                  <a:pt x="98415" y="1315176"/>
+                  <a:pt x="91202" y="1325679"/>
+                  <a:pt x="83820" y="1336013"/>
+                </a:cubicBezTo>
+                <a:cubicBezTo>
+                  <a:pt x="78497" y="1343465"/>
+                  <a:pt x="74664" y="1352028"/>
+                  <a:pt x="68580" y="1358873"/>
+                </a:cubicBezTo>
+                <a:cubicBezTo>
+                  <a:pt x="30619" y="1401579"/>
+                  <a:pt x="34744" y="1396670"/>
+                  <a:pt x="0" y="1419833"/>
+                </a:cubicBezTo>
+                <a:cubicBezTo>
+                  <a:pt x="2540" y="1404593"/>
+                  <a:pt x="4268" y="1389195"/>
+                  <a:pt x="7620" y="1374113"/>
+                </a:cubicBezTo>
+                <a:cubicBezTo>
+                  <a:pt x="9362" y="1366272"/>
+                  <a:pt x="15240" y="1359285"/>
+                  <a:pt x="15240" y="1351253"/>
+                </a:cubicBezTo>
+                <a:cubicBezTo>
+                  <a:pt x="15240" y="1340780"/>
+                  <a:pt x="7620" y="1320773"/>
+                  <a:pt x="7620" y="1320773"/>
+                </a:cubicBezTo>
+              </a:path>
+            </a:pathLst>
+          </a:custGeom>
+          <a:noFill/>
+        </p:spPr>
+        <p:style>
+          <a:lnRef idx="2">
+            <a:schemeClr val="accent1">
+              <a:shade val="50000"/>
+            </a:schemeClr>
+          </a:lnRef>
+          <a:fillRef idx="1">
+            <a:schemeClr val="accent1"/>
+          </a:fillRef>
+          <a:effectRef idx="0">
+            <a:schemeClr val="accent1"/>
+          </a:effectRef>
+          <a:fontRef idx="minor">
+            <a:schemeClr val="lt1"/>
+          </a:fontRef>
+        </p:style>
+        <p:txBody>
+          <a:bodyPr rtlCol="0" anchor="ctr"/>
+          <a:lstStyle/>
+          <a:p>
+            <a:pPr algn="ctr"/>
+            <a:endParaRPr lang="en-US"/>
+          </a:p>
+        </p:txBody>
+      </p:sp>
     </p:spTree>
     <p:extLst>
       <p:ext uri="{BB962C8B-B14F-4D97-AF65-F5344CB8AC3E}">
@@ -6261,7 +7063,7 @@
           <p:cNvPr id="2" name="TextBox 1">
             <a:extLst>
               <a:ext uri="{FF2B5EF4-FFF2-40B4-BE49-F238E27FC236}">
-                <a16:creationId xmlns:a16="http://schemas.microsoft.com/office/drawing/2014/main" id="{766198B4-E8EC-4B4E-AB00-FCB1580E4824}"/>
+                <a16:creationId xmlns:a16="http://schemas.microsoft.com/office/drawing/2014/main" id="{2589C3A5-A5ED-C346-97D9-9ED1C7A54DC8}"/>
               </a:ext>
             </a:extLst>
           </p:cNvPr>
@@ -6270,8 +7072,8 @@
         </p:nvSpPr>
         <p:spPr>
           <a:xfrm>
-            <a:off x="1071716" y="983226"/>
-            <a:ext cx="10815484" cy="4247317"/>
+            <a:off x="1465375" y="506602"/>
+            <a:ext cx="4239088" cy="4862870"/>
           </a:xfrm>
           <a:prstGeom prst="rect">
             <a:avLst/>
@@ -6285,135 +7087,901 @@
           <a:lstStyle/>
           <a:p>
             <a:r>
-              <a:rPr lang="en-US" dirty="0" err="1"/>
-              <a:t>JHP_Design.pptx</a:t>
-            </a:r>
-            <a:r>
-              <a:rPr lang="en-US" dirty="0"/>
-              <a:t> -   Design doc</a:t>
-            </a:r>
-          </a:p>
-          <a:p>
-            <a:r>
-              <a:rPr lang="en-US" dirty="0" err="1"/>
-              <a:t>jhp.py</a:t>
-            </a:r>
-            <a:r>
-              <a:rPr lang="en-US" dirty="0"/>
-              <a:t> – Database modification functions</a:t>
-            </a:r>
-          </a:p>
-          <a:p>
-            <a:r>
-              <a:rPr lang="en-US" dirty="0"/>
-              <a:t>players-</a:t>
-            </a:r>
-            <a:r>
-              <a:rPr lang="en-US" dirty="0" err="1"/>
-              <a:t>update.py</a:t>
-            </a:r>
-            <a:r>
-              <a:rPr lang="en-US" dirty="0"/>
-              <a:t> -  modifies playersDB (two tables: </a:t>
-            </a:r>
-            <a:r>
-              <a:rPr lang="en-US" dirty="0" err="1"/>
-              <a:t>active_players</a:t>
-            </a:r>
-            <a:r>
-              <a:rPr lang="en-US" dirty="0"/>
+              <a:rPr lang="en-US" sz="1000" i="1" dirty="0" err="1">
+                <a:solidFill>
+                  <a:srgbClr val="00B050"/>
+                </a:solidFill>
+              </a:rPr>
+              <a:t>pool_entry</a:t>
+            </a:r>
+            <a:r>
+              <a:rPr lang="en-US" sz="1000" i="1" dirty="0">
+                <a:solidFill>
+                  <a:srgbClr val="00B050"/>
+                </a:solidFill>
+              </a:rPr>
+              <a:t> table;</a:t>
+            </a:r>
+            <a:endParaRPr lang="en-US" sz="1000" dirty="0">
+              <a:solidFill>
+                <a:srgbClr val="00B050"/>
+              </a:solidFill>
+            </a:endParaRPr>
+          </a:p>
+          <a:p>
+            <a:r>
+              <a:rPr lang="en-US" sz="1000" dirty="0" err="1">
+                <a:solidFill>
+                  <a:srgbClr val="FF0000"/>
+                </a:solidFill>
+              </a:rPr>
+              <a:t>poolTeamName</a:t>
+            </a:r>
+            <a:r>
+              <a:rPr lang="en-US" sz="1000" dirty="0">
+                <a:solidFill>
+                  <a:srgbClr val="FF0000"/>
+                </a:solidFill>
+              </a:rPr>
+              <a:t>: [QuadSquad]</a:t>
+            </a:r>
+          </a:p>
+          <a:p>
+            <a:r>
+              <a:rPr lang="en-US" sz="1000" dirty="0" err="1">
+                <a:solidFill>
+                  <a:srgbClr val="FF0000"/>
+                </a:solidFill>
+              </a:rPr>
+              <a:t>poolTeamID</a:t>
+            </a:r>
+            <a:r>
+              <a:rPr lang="en-US" sz="1000" dirty="0">
+                <a:solidFill>
+                  <a:srgbClr val="FF0000"/>
+                </a:solidFill>
+              </a:rPr>
+              <a:t>:</a:t>
+            </a:r>
+          </a:p>
+          <a:p>
+            <a:r>
+              <a:rPr lang="en-US" sz="1000" dirty="0">
+                <a:solidFill>
+                  <a:srgbClr val="FF0000"/>
+                </a:solidFill>
+              </a:rPr>
+              <a:t>GM: [GM Name]</a:t>
+            </a:r>
+          </a:p>
+          <a:p>
+            <a:r>
+              <a:rPr lang="en-US" sz="1000" dirty="0">
+                <a:solidFill>
+                  <a:srgbClr val="FF0000"/>
+                </a:solidFill>
+              </a:rPr>
+              <a:t>email:</a:t>
+            </a:r>
+          </a:p>
+          <a:p>
+            <a:r>
+              <a:rPr lang="en-US" sz="1000" dirty="0">
+                <a:solidFill>
+                  <a:srgbClr val="FF0000"/>
+                </a:solidFill>
+              </a:rPr>
+              <a:t>hometown:</a:t>
+            </a:r>
+          </a:p>
+          <a:p>
+            <a:r>
+              <a:rPr lang="en-US" sz="1000" dirty="0">
+                <a:solidFill>
+                  <a:srgbClr val="FF0000"/>
+                </a:solidFill>
+              </a:rPr>
+              <a:t>country:</a:t>
+            </a:r>
+          </a:p>
+          <a:p>
+            <a:r>
+              <a:rPr lang="en-US" sz="1000" dirty="0">
+                <a:solidFill>
+                  <a:srgbClr val="FF0000"/>
+                </a:solidFill>
+              </a:rPr>
+              <a:t>pay Status: [NotPaid, PayPal, Cheque, Cash, Coupon]</a:t>
+            </a:r>
+          </a:p>
+          <a:p>
+            <a:r>
+              <a:rPr lang="en-US" sz="1000" dirty="0">
+                <a:solidFill>
+                  <a:srgbClr val="FF0000"/>
+                </a:solidFill>
+              </a:rPr>
+              <a:t>pay Amount: </a:t>
+            </a:r>
+          </a:p>
+          <a:p>
+            <a:r>
+              <a:rPr lang="en-US" sz="1000" dirty="0">
+                <a:solidFill>
+                  <a:srgbClr val="FF0000"/>
+                </a:solidFill>
+              </a:rPr>
+              <a:t>status:  [Incomplete, complete]</a:t>
+            </a:r>
+          </a:p>
+          <a:p>
+            <a:endParaRPr lang="en-US" sz="1000" dirty="0">
+              <a:solidFill>
+                <a:srgbClr val="FF0000"/>
+              </a:solidFill>
+            </a:endParaRPr>
+          </a:p>
+          <a:p>
+            <a:r>
+              <a:rPr lang="en-US" sz="1000" dirty="0" err="1">
+                <a:solidFill>
+                  <a:srgbClr val="00B050"/>
+                </a:solidFill>
+              </a:rPr>
+              <a:t>entry_stats_blue</a:t>
+            </a:r>
+            <a:r>
+              <a:rPr lang="en-US" sz="1000" dirty="0">
+                <a:solidFill>
+                  <a:srgbClr val="00B050"/>
+                </a:solidFill>
+              </a:rPr>
+              <a:t> table;   </a:t>
+            </a:r>
+            <a:r>
+              <a:rPr lang="en-US" sz="1000" dirty="0" err="1">
+                <a:solidFill>
+                  <a:srgbClr val="00B050"/>
+                </a:solidFill>
+              </a:rPr>
+              <a:t>entry_stats_green</a:t>
+            </a:r>
+            <a:r>
+              <a:rPr lang="en-US" sz="1000" dirty="0">
+                <a:solidFill>
+                  <a:srgbClr val="00B050"/>
+                </a:solidFill>
+              </a:rPr>
+              <a:t> table</a:t>
+            </a:r>
+          </a:p>
+          <a:p>
+            <a:r>
+              <a:rPr lang="en-US" sz="1000" dirty="0" err="1">
+                <a:solidFill>
+                  <a:srgbClr val="FF0000"/>
+                </a:solidFill>
+              </a:rPr>
+              <a:t>poolTeamID</a:t>
+            </a:r>
+            <a:endParaRPr lang="en-US" sz="1000" dirty="0">
+              <a:solidFill>
+                <a:srgbClr val="FF0000"/>
+              </a:solidFill>
+            </a:endParaRPr>
+          </a:p>
+          <a:p>
+            <a:r>
+              <a:rPr lang="en-US" sz="1000" dirty="0" err="1">
+                <a:solidFill>
+                  <a:srgbClr val="FF0000"/>
+                </a:solidFill>
+              </a:rPr>
+              <a:t>poolTeamName</a:t>
+            </a:r>
+            <a:endParaRPr lang="en-US" sz="1000" dirty="0">
+              <a:solidFill>
+                <a:srgbClr val="FF0000"/>
+              </a:solidFill>
+            </a:endParaRPr>
+          </a:p>
+          <a:p>
+            <a:r>
+              <a:rPr lang="en-US" sz="1000" dirty="0" err="1">
+                <a:solidFill>
+                  <a:srgbClr val="FF0000"/>
+                </a:solidFill>
+              </a:rPr>
+              <a:t>currentPoints</a:t>
+            </a:r>
+            <a:endParaRPr lang="en-US" sz="1000" dirty="0">
+              <a:solidFill>
+                <a:srgbClr val="FF0000"/>
+              </a:solidFill>
+            </a:endParaRPr>
+          </a:p>
+          <a:p>
+            <a:r>
+              <a:rPr lang="en-US" sz="1000" dirty="0" err="1">
+                <a:solidFill>
+                  <a:srgbClr val="FF0000"/>
+                </a:solidFill>
+              </a:rPr>
+              <a:t>currentRank</a:t>
+            </a:r>
+            <a:endParaRPr lang="en-US" sz="1000" dirty="0">
+              <a:solidFill>
+                <a:srgbClr val="FF0000"/>
+              </a:solidFill>
+            </a:endParaRPr>
+          </a:p>
+          <a:p>
+            <a:r>
+              <a:rPr lang="en-US" sz="1000" dirty="0" err="1">
+                <a:solidFill>
+                  <a:srgbClr val="FF0000"/>
+                </a:solidFill>
+              </a:rPr>
+              <a:t>morningRank</a:t>
+            </a:r>
+            <a:endParaRPr lang="en-US" sz="1000" dirty="0">
+              <a:solidFill>
+                <a:srgbClr val="FF0000"/>
+              </a:solidFill>
+            </a:endParaRPr>
+          </a:p>
+          <a:p>
+            <a:r>
+              <a:rPr lang="en-US" sz="1000" dirty="0" err="1">
+                <a:solidFill>
+                  <a:srgbClr val="FF0000"/>
+                </a:solidFill>
+              </a:rPr>
+              <a:t>morningPoints</a:t>
+            </a:r>
+            <a:endParaRPr lang="en-US" sz="1000" dirty="0">
+              <a:solidFill>
+                <a:srgbClr val="FF0000"/>
+              </a:solidFill>
+            </a:endParaRPr>
+          </a:p>
+          <a:p>
+            <a:r>
+              <a:rPr lang="en-US" sz="1000" dirty="0">
+                <a:solidFill>
+                  <a:srgbClr val="FF0000"/>
+                </a:solidFill>
+              </a:rPr>
+              <a:t>active</a:t>
+            </a:r>
+          </a:p>
+          <a:p>
+            <a:r>
+              <a:rPr lang="en-US" sz="1000" dirty="0">
+                <a:solidFill>
+                  <a:srgbClr val="FF0000"/>
+                </a:solidFill>
+              </a:rPr>
+              <a:t>duds</a:t>
+            </a:r>
+          </a:p>
+          <a:p>
+            <a:r>
+              <a:rPr lang="en-US" sz="1000" dirty="0">
+                <a:solidFill>
+                  <a:srgbClr val="FF0000"/>
+                </a:solidFill>
+              </a:rPr>
+              <a:t>rookie</a:t>
+            </a:r>
+          </a:p>
+          <a:p>
+            <a:r>
+              <a:rPr lang="en-US" sz="1000" dirty="0">
+                <a:solidFill>
+                  <a:srgbClr val="FF0000"/>
+                </a:solidFill>
+              </a:rPr>
+              <a:t>prize </a:t>
+            </a:r>
+          </a:p>
+          <a:p>
+            <a:endParaRPr lang="en-US" sz="1000" dirty="0">
+              <a:solidFill>
+                <a:srgbClr val="FF0000"/>
+              </a:solidFill>
+            </a:endParaRPr>
+          </a:p>
+          <a:p>
+            <a:r>
+              <a:rPr lang="en-US" sz="1000" dirty="0" err="1">
+                <a:solidFill>
+                  <a:srgbClr val="00B050"/>
+                </a:solidFill>
+              </a:rPr>
+              <a:t>entry_players</a:t>
+            </a:r>
+            <a:r>
+              <a:rPr lang="en-US" sz="1000" dirty="0">
+                <a:solidFill>
+                  <a:srgbClr val="00B050"/>
+                </a:solidFill>
+              </a:rPr>
+              <a:t> table;</a:t>
+            </a:r>
+          </a:p>
+          <a:p>
+            <a:r>
+              <a:rPr lang="en-US" sz="1000" dirty="0">
+                <a:solidFill>
+                  <a:srgbClr val="FF0000"/>
+                </a:solidFill>
+              </a:rPr>
+              <a:t>25* </a:t>
+            </a:r>
+            <a:r>
+              <a:rPr lang="en-US" sz="1000" dirty="0" err="1">
+                <a:solidFill>
+                  <a:srgbClr val="FF0000"/>
+                </a:solidFill>
+              </a:rPr>
+              <a:t>playerID</a:t>
+            </a:r>
+            <a:r>
+              <a:rPr lang="en-US" sz="1000" dirty="0">
+                <a:solidFill>
+                  <a:srgbClr val="FF0000"/>
+                </a:solidFill>
+              </a:rPr>
+              <a:t>.</a:t>
+            </a:r>
+          </a:p>
+          <a:p>
+            <a:r>
+              <a:rPr lang="en-US" sz="1000" dirty="0">
+                <a:solidFill>
+                  <a:srgbClr val="FF0000"/>
+                </a:solidFill>
+              </a:rPr>
+              <a:t>25* </a:t>
+            </a:r>
+            <a:r>
+              <a:rPr lang="en-US" sz="1000" dirty="0" err="1">
+                <a:solidFill>
+                  <a:srgbClr val="FF0000"/>
+                </a:solidFill>
+              </a:rPr>
+              <a:t>playerName</a:t>
+            </a:r>
+            <a:endParaRPr lang="en-US" sz="1000" dirty="0">
+              <a:solidFill>
+                <a:srgbClr val="FF0000"/>
+              </a:solidFill>
+            </a:endParaRPr>
+          </a:p>
+          <a:p>
+            <a:endParaRPr lang="en-US" sz="1000" dirty="0">
+              <a:solidFill>
+                <a:srgbClr val="FF0000"/>
+              </a:solidFill>
+            </a:endParaRPr>
+          </a:p>
+          <a:p>
+            <a:r>
+              <a:rPr lang="en-US" sz="1000" dirty="0" err="1">
+                <a:solidFill>
+                  <a:srgbClr val="00B050"/>
+                </a:solidFill>
+              </a:rPr>
+              <a:t>activePlayers</a:t>
+            </a:r>
+            <a:r>
+              <a:rPr lang="en-US" sz="1000" dirty="0">
+                <a:solidFill>
+                  <a:srgbClr val="00B050"/>
+                </a:solidFill>
+              </a:rPr>
+              <a:t> table;</a:t>
+            </a:r>
+          </a:p>
+          <a:p>
+            <a:r>
+              <a:rPr lang="en-US" sz="1000" dirty="0" err="1">
+                <a:solidFill>
+                  <a:srgbClr val="FF0000"/>
+                </a:solidFill>
+              </a:rPr>
+              <a:t>Player_id</a:t>
+            </a:r>
+            <a:r>
+              <a:rPr lang="en-US" sz="1000" dirty="0">
+                <a:solidFill>
+                  <a:srgbClr val="FF0000"/>
+                </a:solidFill>
+              </a:rPr>
               <a:t>, </a:t>
             </a:r>
             <a:r>
-              <a:rPr lang="en-US" dirty="0" err="1"/>
-              <a:t>all_players</a:t>
-            </a:r>
-            <a:r>
-              <a:rPr lang="en-US" dirty="0"/>
-              <a:t>     - also gets data from teamsDB</a:t>
-            </a:r>
-          </a:p>
-          <a:p>
-            <a:r>
-              <a:rPr lang="en-US" dirty="0"/>
-              <a:t>pool-</a:t>
-            </a:r>
-            <a:r>
-              <a:rPr lang="en-US" dirty="0" err="1"/>
-              <a:t>entry.py</a:t>
-            </a:r>
-            <a:r>
-              <a:rPr lang="en-US" dirty="0"/>
-              <a:t> – routines for Pool table registration and player selection</a:t>
-            </a:r>
-          </a:p>
-          <a:p>
-            <a:r>
-              <a:rPr lang="en-US" dirty="0"/>
-              <a:t>teams-</a:t>
-            </a:r>
-            <a:r>
-              <a:rPr lang="en-US" dirty="0" err="1"/>
-              <a:t>update.py</a:t>
-            </a:r>
-            <a:r>
-              <a:rPr lang="en-US" dirty="0"/>
-              <a:t> -  initiates teamsDB and teams table.   Records which team is active, etc.</a:t>
-            </a:r>
-          </a:p>
-          <a:p>
-            <a:endParaRPr lang="en-US" dirty="0"/>
-          </a:p>
-          <a:p>
-            <a:endParaRPr lang="en-US" dirty="0"/>
-          </a:p>
-          <a:p>
-            <a:endParaRPr lang="en-US" dirty="0"/>
-          </a:p>
-          <a:p>
-            <a:endParaRPr lang="en-US" dirty="0"/>
-          </a:p>
-          <a:p>
-            <a:r>
-              <a:rPr lang="en-US" dirty="0"/>
-              <a:t>PoolDB</a:t>
-            </a:r>
-          </a:p>
-          <a:p>
-            <a:endParaRPr lang="en-US" dirty="0"/>
-          </a:p>
-          <a:p>
-            <a:r>
-              <a:rPr lang="en-US" dirty="0"/>
-              <a:t>Pool has table</a:t>
-            </a:r>
-          </a:p>
-          <a:p>
-            <a:r>
-              <a:rPr lang="en-US" dirty="0"/>
-              <a:t>Each </a:t>
-            </a:r>
-            <a:r>
-              <a:rPr lang="en-US" dirty="0" err="1"/>
-              <a:t>poolEntry</a:t>
-            </a:r>
-            <a:r>
-              <a:rPr lang="en-US" dirty="0"/>
-              <a:t> has a table.</a:t>
-            </a:r>
-          </a:p>
-          <a:p>
-            <a:endParaRPr lang="en-US" dirty="0"/>
-          </a:p>
-          <a:p>
-            <a:endParaRPr lang="en-US" dirty="0"/>
+              <a:rPr lang="en-US" sz="1000" dirty="0" err="1">
+                <a:solidFill>
+                  <a:srgbClr val="FF0000"/>
+                </a:solidFill>
+              </a:rPr>
+              <a:t>player_name</a:t>
+            </a:r>
+            <a:r>
+              <a:rPr lang="en-US" sz="1000" dirty="0">
+                <a:solidFill>
+                  <a:srgbClr val="FF0000"/>
+                </a:solidFill>
+              </a:rPr>
+              <a:t>, team_id, team_name, </a:t>
+            </a:r>
+            <a:r>
+              <a:rPr lang="en-US" sz="1000" dirty="0" err="1">
+                <a:solidFill>
+                  <a:srgbClr val="FF0000"/>
+                </a:solidFill>
+              </a:rPr>
+              <a:t>player_type</a:t>
+            </a:r>
+            <a:r>
+              <a:rPr lang="en-US" sz="1000" dirty="0">
+                <a:solidFill>
+                  <a:srgbClr val="FF0000"/>
+                </a:solidFill>
+              </a:rPr>
+              <a:t>, goals, assists, wins, shutouts, </a:t>
+            </a:r>
+            <a:r>
+              <a:rPr lang="en-US" sz="1000" dirty="0" err="1">
+                <a:solidFill>
+                  <a:srgbClr val="FF0000"/>
+                </a:solidFill>
+              </a:rPr>
+              <a:t>c_points</a:t>
+            </a:r>
+            <a:r>
+              <a:rPr lang="en-US" sz="1000" dirty="0">
+                <a:solidFill>
+                  <a:srgbClr val="FF0000"/>
+                </a:solidFill>
+              </a:rPr>
+              <a:t>, </a:t>
+            </a:r>
+            <a:r>
+              <a:rPr lang="en-US" sz="1000" dirty="0" err="1">
+                <a:solidFill>
+                  <a:srgbClr val="FF0000"/>
+                </a:solidFill>
+              </a:rPr>
+              <a:t>p_points</a:t>
+            </a:r>
+            <a:r>
+              <a:rPr lang="en-US" sz="1000" dirty="0">
+                <a:solidFill>
+                  <a:srgbClr val="FF0000"/>
+                </a:solidFill>
+              </a:rPr>
+              <a:t> (previous), status_id (0-5), selected,</a:t>
+            </a:r>
+          </a:p>
+          <a:p>
+            <a:endParaRPr lang="en-US" sz="1000" dirty="0">
+              <a:solidFill>
+                <a:srgbClr val="FF0000"/>
+              </a:solidFill>
+            </a:endParaRPr>
+          </a:p>
+        </p:txBody>
+      </p:sp>
+      <p:sp>
+        <p:nvSpPr>
+          <p:cNvPr id="3" name="Left Brace 2">
+            <a:extLst>
+              <a:ext uri="{FF2B5EF4-FFF2-40B4-BE49-F238E27FC236}">
+                <a16:creationId xmlns:a16="http://schemas.microsoft.com/office/drawing/2014/main" id="{D6692E7C-7ACB-C949-B6A3-5EA295ACD06D}"/>
+              </a:ext>
+            </a:extLst>
+          </p:cNvPr>
+          <p:cNvSpPr/>
+          <p:nvPr/>
+        </p:nvSpPr>
+        <p:spPr>
+          <a:xfrm>
+            <a:off x="1366543" y="721309"/>
+            <a:ext cx="91269" cy="1399285"/>
+          </a:xfrm>
+          <a:prstGeom prst="leftBrace">
+            <a:avLst/>
+          </a:prstGeom>
+        </p:spPr>
+        <p:style>
+          <a:lnRef idx="1">
+            <a:schemeClr val="accent1"/>
+          </a:lnRef>
+          <a:fillRef idx="0">
+            <a:schemeClr val="accent1"/>
+          </a:fillRef>
+          <a:effectRef idx="0">
+            <a:schemeClr val="accent1"/>
+          </a:effectRef>
+          <a:fontRef idx="minor">
+            <a:schemeClr val="tx1"/>
+          </a:fontRef>
+        </p:style>
+        <p:txBody>
+          <a:bodyPr rtlCol="0" anchor="ctr"/>
+          <a:lstStyle/>
+          <a:p>
+            <a:pPr algn="ctr"/>
+            <a:endParaRPr lang="en-US"/>
+          </a:p>
+        </p:txBody>
+      </p:sp>
+      <p:sp>
+        <p:nvSpPr>
+          <p:cNvPr id="4" name="Left Brace 3">
+            <a:extLst>
+              <a:ext uri="{FF2B5EF4-FFF2-40B4-BE49-F238E27FC236}">
+                <a16:creationId xmlns:a16="http://schemas.microsoft.com/office/drawing/2014/main" id="{80F950EA-92E3-8244-B65B-C7B8AC7E7D2A}"/>
+              </a:ext>
+            </a:extLst>
+          </p:cNvPr>
+          <p:cNvSpPr/>
+          <p:nvPr/>
+        </p:nvSpPr>
+        <p:spPr>
+          <a:xfrm>
+            <a:off x="1366542" y="2218740"/>
+            <a:ext cx="160725" cy="1690320"/>
+          </a:xfrm>
+          <a:prstGeom prst="leftBrace">
+            <a:avLst/>
+          </a:prstGeom>
+        </p:spPr>
+        <p:style>
+          <a:lnRef idx="1">
+            <a:schemeClr val="accent1"/>
+          </a:lnRef>
+          <a:fillRef idx="0">
+            <a:schemeClr val="accent1"/>
+          </a:fillRef>
+          <a:effectRef idx="0">
+            <a:schemeClr val="accent1"/>
+          </a:effectRef>
+          <a:fontRef idx="minor">
+            <a:schemeClr val="tx1"/>
+          </a:fontRef>
+        </p:style>
+        <p:txBody>
+          <a:bodyPr rtlCol="0" anchor="ctr"/>
+          <a:lstStyle/>
+          <a:p>
+            <a:pPr algn="ctr"/>
+            <a:endParaRPr lang="en-US"/>
+          </a:p>
+        </p:txBody>
+      </p:sp>
+      <p:sp>
+        <p:nvSpPr>
+          <p:cNvPr id="5" name="TextBox 4">
+            <a:extLst>
+              <a:ext uri="{FF2B5EF4-FFF2-40B4-BE49-F238E27FC236}">
+                <a16:creationId xmlns:a16="http://schemas.microsoft.com/office/drawing/2014/main" id="{F21926C9-7BE1-4E42-BD9E-6808FBDFE44E}"/>
+              </a:ext>
+            </a:extLst>
+          </p:cNvPr>
+          <p:cNvSpPr txBox="1"/>
+          <p:nvPr/>
+        </p:nvSpPr>
+        <p:spPr>
+          <a:xfrm>
+            <a:off x="431820" y="1297840"/>
+            <a:ext cx="976586" cy="246221"/>
+          </a:xfrm>
+          <a:prstGeom prst="rect">
+            <a:avLst/>
+          </a:prstGeom>
+          <a:noFill/>
+        </p:spPr>
+        <p:txBody>
+          <a:bodyPr wrap="square" rtlCol="0">
+            <a:spAutoFit/>
+          </a:bodyPr>
+          <a:lstStyle/>
+          <a:p>
+            <a:r>
+              <a:rPr lang="en-US" sz="1000" dirty="0" err="1"/>
+              <a:t>entryRegister</a:t>
+            </a:r>
+            <a:r>
+              <a:rPr lang="en-US" sz="1000" dirty="0"/>
+              <a:t>()</a:t>
+            </a:r>
+          </a:p>
+        </p:txBody>
+      </p:sp>
+      <p:sp>
+        <p:nvSpPr>
+          <p:cNvPr id="6" name="TextBox 5">
+            <a:extLst>
+              <a:ext uri="{FF2B5EF4-FFF2-40B4-BE49-F238E27FC236}">
+                <a16:creationId xmlns:a16="http://schemas.microsoft.com/office/drawing/2014/main" id="{1E9FFABC-5C42-2C4C-BCC1-7F4E13F168F3}"/>
+              </a:ext>
+            </a:extLst>
+          </p:cNvPr>
+          <p:cNvSpPr txBox="1"/>
+          <p:nvPr/>
+        </p:nvSpPr>
+        <p:spPr>
+          <a:xfrm>
+            <a:off x="431820" y="2918457"/>
+            <a:ext cx="1033555" cy="246221"/>
+          </a:xfrm>
+          <a:prstGeom prst="rect">
+            <a:avLst/>
+          </a:prstGeom>
+          <a:noFill/>
+        </p:spPr>
+        <p:txBody>
+          <a:bodyPr wrap="square" rtlCol="0">
+            <a:spAutoFit/>
+          </a:bodyPr>
+          <a:lstStyle/>
+          <a:p>
+            <a:r>
+              <a:rPr lang="en-US" sz="1000" dirty="0" err="1"/>
+              <a:t>poolUpdate</a:t>
+            </a:r>
+            <a:r>
+              <a:rPr lang="en-US" sz="1000" dirty="0"/>
+              <a:t>()</a:t>
+            </a:r>
+          </a:p>
+        </p:txBody>
+      </p:sp>
+      <p:sp>
+        <p:nvSpPr>
+          <p:cNvPr id="7" name="Left Brace 6">
+            <a:extLst>
+              <a:ext uri="{FF2B5EF4-FFF2-40B4-BE49-F238E27FC236}">
+                <a16:creationId xmlns:a16="http://schemas.microsoft.com/office/drawing/2014/main" id="{D221C478-887E-7D4A-97C3-68F7D04194EF}"/>
+              </a:ext>
+            </a:extLst>
+          </p:cNvPr>
+          <p:cNvSpPr/>
+          <p:nvPr/>
+        </p:nvSpPr>
+        <p:spPr>
+          <a:xfrm>
+            <a:off x="1347631" y="4122396"/>
+            <a:ext cx="197665" cy="375765"/>
+          </a:xfrm>
+          <a:prstGeom prst="leftBrace">
+            <a:avLst>
+              <a:gd name="adj1" fmla="val 8333"/>
+              <a:gd name="adj2" fmla="val 47457"/>
+            </a:avLst>
+          </a:prstGeom>
+        </p:spPr>
+        <p:style>
+          <a:lnRef idx="1">
+            <a:schemeClr val="accent1"/>
+          </a:lnRef>
+          <a:fillRef idx="0">
+            <a:schemeClr val="accent1"/>
+          </a:fillRef>
+          <a:effectRef idx="0">
+            <a:schemeClr val="accent1"/>
+          </a:effectRef>
+          <a:fontRef idx="minor">
+            <a:schemeClr val="tx1"/>
+          </a:fontRef>
+        </p:style>
+        <p:txBody>
+          <a:bodyPr rtlCol="0" anchor="ctr"/>
+          <a:lstStyle/>
+          <a:p>
+            <a:pPr algn="ctr"/>
+            <a:endParaRPr lang="en-US"/>
+          </a:p>
+        </p:txBody>
+      </p:sp>
+      <p:sp>
+        <p:nvSpPr>
+          <p:cNvPr id="8" name="TextBox 7">
+            <a:extLst>
+              <a:ext uri="{FF2B5EF4-FFF2-40B4-BE49-F238E27FC236}">
+                <a16:creationId xmlns:a16="http://schemas.microsoft.com/office/drawing/2014/main" id="{08ED3E21-8C22-FC4B-9FC4-ECC5B1CEF74D}"/>
+              </a:ext>
+            </a:extLst>
+          </p:cNvPr>
+          <p:cNvSpPr txBox="1"/>
+          <p:nvPr/>
+        </p:nvSpPr>
+        <p:spPr>
+          <a:xfrm>
+            <a:off x="330053" y="4112560"/>
+            <a:ext cx="1108711" cy="246221"/>
+          </a:xfrm>
+          <a:prstGeom prst="rect">
+            <a:avLst/>
+          </a:prstGeom>
+          <a:noFill/>
+        </p:spPr>
+        <p:txBody>
+          <a:bodyPr wrap="square" rtlCol="0">
+            <a:spAutoFit/>
+          </a:bodyPr>
+          <a:lstStyle/>
+          <a:p>
+            <a:r>
+              <a:rPr lang="en-US" sz="1000" dirty="0" err="1"/>
+              <a:t>playerSelection</a:t>
+            </a:r>
+            <a:r>
+              <a:rPr lang="en-US" sz="1000" dirty="0"/>
+              <a:t>()</a:t>
+            </a:r>
+          </a:p>
+        </p:txBody>
+      </p:sp>
+      <p:sp>
+        <p:nvSpPr>
+          <p:cNvPr id="9" name="Oval 8">
+            <a:extLst>
+              <a:ext uri="{FF2B5EF4-FFF2-40B4-BE49-F238E27FC236}">
+                <a16:creationId xmlns:a16="http://schemas.microsoft.com/office/drawing/2014/main" id="{26DD986B-9C1C-A345-AB35-C94D8A1A101C}"/>
+              </a:ext>
+            </a:extLst>
+          </p:cNvPr>
+          <p:cNvSpPr/>
+          <p:nvPr/>
+        </p:nvSpPr>
+        <p:spPr>
+          <a:xfrm>
+            <a:off x="6563360" y="1005840"/>
+            <a:ext cx="2692400" cy="1574800"/>
+          </a:xfrm>
+          <a:prstGeom prst="ellipse">
+            <a:avLst/>
+          </a:prstGeom>
+        </p:spPr>
+        <p:style>
+          <a:lnRef idx="2">
+            <a:schemeClr val="accent1">
+              <a:shade val="50000"/>
+            </a:schemeClr>
+          </a:lnRef>
+          <a:fillRef idx="1">
+            <a:schemeClr val="accent1"/>
+          </a:fillRef>
+          <a:effectRef idx="0">
+            <a:schemeClr val="accent1"/>
+          </a:effectRef>
+          <a:fontRef idx="minor">
+            <a:schemeClr val="lt1"/>
+          </a:fontRef>
+        </p:style>
+        <p:txBody>
+          <a:bodyPr rtlCol="0" anchor="ctr"/>
+          <a:lstStyle/>
+          <a:p>
+            <a:pPr algn="ctr"/>
+            <a:endParaRPr lang="en-US"/>
+          </a:p>
+        </p:txBody>
+      </p:sp>
+      <p:sp>
+        <p:nvSpPr>
+          <p:cNvPr id="11" name="TextBox 10">
+            <a:extLst>
+              <a:ext uri="{FF2B5EF4-FFF2-40B4-BE49-F238E27FC236}">
+                <a16:creationId xmlns:a16="http://schemas.microsoft.com/office/drawing/2014/main" id="{1CEE7FF1-B5B9-E442-AA02-41A53B56C5AB}"/>
+              </a:ext>
+            </a:extLst>
+          </p:cNvPr>
+          <p:cNvSpPr txBox="1"/>
+          <p:nvPr/>
+        </p:nvSpPr>
+        <p:spPr>
+          <a:xfrm>
+            <a:off x="2824500" y="1051619"/>
+            <a:ext cx="1033555" cy="246221"/>
+          </a:xfrm>
+          <a:prstGeom prst="rect">
+            <a:avLst/>
+          </a:prstGeom>
+          <a:noFill/>
+        </p:spPr>
+        <p:txBody>
+          <a:bodyPr wrap="square" rtlCol="0">
+            <a:spAutoFit/>
+          </a:bodyPr>
+          <a:lstStyle/>
+          <a:p>
+            <a:r>
+              <a:rPr lang="en-US" sz="1000" dirty="0"/>
+              <a:t>200*9</a:t>
+            </a:r>
+          </a:p>
+        </p:txBody>
+      </p:sp>
+      <p:sp>
+        <p:nvSpPr>
+          <p:cNvPr id="13" name="TextBox 12">
+            <a:extLst>
+              <a:ext uri="{FF2B5EF4-FFF2-40B4-BE49-F238E27FC236}">
+                <a16:creationId xmlns:a16="http://schemas.microsoft.com/office/drawing/2014/main" id="{4EC7E3E0-8E0B-F04D-AFFF-EC765549243D}"/>
+              </a:ext>
+            </a:extLst>
+          </p:cNvPr>
+          <p:cNvSpPr txBox="1"/>
+          <p:nvPr/>
+        </p:nvSpPr>
+        <p:spPr>
+          <a:xfrm>
+            <a:off x="2641620" y="4251940"/>
+            <a:ext cx="1099800" cy="246221"/>
+          </a:xfrm>
+          <a:prstGeom prst="rect">
+            <a:avLst/>
+          </a:prstGeom>
+          <a:noFill/>
+        </p:spPr>
+        <p:txBody>
+          <a:bodyPr wrap="square" rtlCol="0">
+            <a:spAutoFit/>
+          </a:bodyPr>
+          <a:lstStyle/>
+          <a:p>
+            <a:r>
+              <a:rPr lang="en-US" sz="1000" dirty="0"/>
+              <a:t>25 * 2 (columns)</a:t>
+            </a:r>
+          </a:p>
+        </p:txBody>
+      </p:sp>
+      <p:sp>
+        <p:nvSpPr>
+          <p:cNvPr id="14" name="TextBox 13">
+            <a:extLst>
+              <a:ext uri="{FF2B5EF4-FFF2-40B4-BE49-F238E27FC236}">
+                <a16:creationId xmlns:a16="http://schemas.microsoft.com/office/drawing/2014/main" id="{3DA993EC-E531-BF44-B8E3-82FCEE20306C}"/>
+              </a:ext>
+            </a:extLst>
+          </p:cNvPr>
+          <p:cNvSpPr txBox="1"/>
+          <p:nvPr/>
+        </p:nvSpPr>
+        <p:spPr>
+          <a:xfrm>
+            <a:off x="2923560" y="2947746"/>
+            <a:ext cx="1033555" cy="246221"/>
+          </a:xfrm>
+          <a:prstGeom prst="rect">
+            <a:avLst/>
+          </a:prstGeom>
+          <a:noFill/>
+        </p:spPr>
+        <p:txBody>
+          <a:bodyPr wrap="square" rtlCol="0">
+            <a:spAutoFit/>
+          </a:bodyPr>
+          <a:lstStyle/>
+          <a:p>
+            <a:r>
+              <a:rPr lang="en-US" sz="1000" dirty="0"/>
+              <a:t>200*10</a:t>
+            </a:r>
           </a:p>
         </p:txBody>
       </p:sp>
     </p:spTree>
     <p:extLst>
       <p:ext uri="{BB962C8B-B14F-4D97-AF65-F5344CB8AC3E}">
-        <p14:creationId xmlns:p14="http://schemas.microsoft.com/office/powerpoint/2010/main" val="4016732218"/>
+        <p14:creationId xmlns:p14="http://schemas.microsoft.com/office/powerpoint/2010/main" val="515734174"/>
       </p:ext>
     </p:extLst>
   </p:cSld>
@@ -6445,7 +8013,7 @@
           <p:cNvPr id="2" name="TextBox 1">
             <a:extLst>
               <a:ext uri="{FF2B5EF4-FFF2-40B4-BE49-F238E27FC236}">
-                <a16:creationId xmlns:a16="http://schemas.microsoft.com/office/drawing/2014/main" id="{2589C3A5-A5ED-C346-97D9-9ED1C7A54DC8}"/>
+                <a16:creationId xmlns:a16="http://schemas.microsoft.com/office/drawing/2014/main" id="{766198B4-E8EC-4B4E-AB00-FCB1580E4824}"/>
               </a:ext>
             </a:extLst>
           </p:cNvPr>
@@ -6454,8 +8022,8 @@
         </p:nvSpPr>
         <p:spPr>
           <a:xfrm>
-            <a:off x="1465375" y="506602"/>
-            <a:ext cx="4239088" cy="4401205"/>
+            <a:off x="1071716" y="983226"/>
+            <a:ext cx="10815484" cy="4247317"/>
           </a:xfrm>
           <a:prstGeom prst="rect">
             <a:avLst/>
@@ -6469,658 +8037,135 @@
           <a:lstStyle/>
           <a:p>
             <a:r>
-              <a:rPr lang="en-US" sz="1000" i="1" dirty="0" err="1">
-                <a:solidFill>
-                  <a:srgbClr val="00B050"/>
-                </a:solidFill>
-              </a:rPr>
-              <a:t>pool_entry</a:t>
-            </a:r>
-            <a:r>
-              <a:rPr lang="en-US" sz="1000" i="1" dirty="0">
-                <a:solidFill>
-                  <a:srgbClr val="00B050"/>
-                </a:solidFill>
-              </a:rPr>
-              <a:t> table;</a:t>
-            </a:r>
-            <a:endParaRPr lang="en-US" sz="1000" dirty="0">
-              <a:solidFill>
-                <a:srgbClr val="00B050"/>
-              </a:solidFill>
-            </a:endParaRPr>
-          </a:p>
-          <a:p>
-            <a:r>
-              <a:rPr lang="en-US" sz="1000" dirty="0">
-                <a:solidFill>
-                  <a:srgbClr val="FF0000"/>
-                </a:solidFill>
-              </a:rPr>
-              <a:t>PoolTeamName: [QuadSquad]</a:t>
-            </a:r>
-          </a:p>
-          <a:p>
-            <a:r>
-              <a:rPr lang="en-US" sz="1000" dirty="0">
-                <a:solidFill>
-                  <a:srgbClr val="FF0000"/>
-                </a:solidFill>
-              </a:rPr>
-              <a:t>GM: [GM Name]</a:t>
-            </a:r>
-          </a:p>
-          <a:p>
-            <a:r>
-              <a:rPr lang="en-US" sz="1000" dirty="0">
-                <a:solidFill>
-                  <a:srgbClr val="FF0000"/>
-                </a:solidFill>
-              </a:rPr>
-              <a:t>Email:</a:t>
-            </a:r>
-          </a:p>
-          <a:p>
-            <a:r>
-              <a:rPr lang="en-US" sz="1000" dirty="0">
-                <a:solidFill>
-                  <a:srgbClr val="FF0000"/>
-                </a:solidFill>
-              </a:rPr>
-              <a:t>Hometown:</a:t>
-            </a:r>
-          </a:p>
-          <a:p>
-            <a:r>
-              <a:rPr lang="en-US" sz="1000" dirty="0">
-                <a:solidFill>
-                  <a:srgbClr val="FF0000"/>
-                </a:solidFill>
-              </a:rPr>
-              <a:t>Country:</a:t>
-            </a:r>
-          </a:p>
-          <a:p>
-            <a:r>
-              <a:rPr lang="en-US" sz="1000" dirty="0">
-                <a:solidFill>
-                  <a:srgbClr val="FF0000"/>
-                </a:solidFill>
-              </a:rPr>
-              <a:t>Pay Status: [NotPaid, PayPal, Cheque, Cash, Coupon]</a:t>
-            </a:r>
-          </a:p>
-          <a:p>
-            <a:r>
-              <a:rPr lang="en-US" sz="1000" dirty="0">
-                <a:solidFill>
-                  <a:srgbClr val="FF0000"/>
-                </a:solidFill>
-              </a:rPr>
-              <a:t>Pay Amount: </a:t>
-            </a:r>
-          </a:p>
-          <a:p>
-            <a:r>
-              <a:rPr lang="en-US" sz="1000" dirty="0">
-                <a:solidFill>
-                  <a:srgbClr val="FF0000"/>
-                </a:solidFill>
-              </a:rPr>
-              <a:t>Status:  [Incomplete, complete]</a:t>
-            </a:r>
-          </a:p>
-          <a:p>
-            <a:endParaRPr lang="en-US" sz="1000" dirty="0">
-              <a:solidFill>
-                <a:srgbClr val="FF0000"/>
-              </a:solidFill>
-            </a:endParaRPr>
-          </a:p>
-          <a:p>
-            <a:r>
-              <a:rPr lang="en-US" sz="1000" dirty="0" err="1">
-                <a:solidFill>
-                  <a:srgbClr val="00B050"/>
-                </a:solidFill>
-              </a:rPr>
-              <a:t>entry_stats</a:t>
-            </a:r>
-            <a:r>
-              <a:rPr lang="en-US" sz="1000" dirty="0">
-                <a:solidFill>
-                  <a:srgbClr val="00B050"/>
-                </a:solidFill>
-              </a:rPr>
-              <a:t> table;</a:t>
-            </a:r>
-          </a:p>
-          <a:p>
-            <a:r>
-              <a:rPr lang="en-US" sz="1000" dirty="0" err="1">
-                <a:solidFill>
-                  <a:srgbClr val="FF0000"/>
-                </a:solidFill>
-              </a:rPr>
-              <a:t>currentPoints</a:t>
-            </a:r>
-            <a:endParaRPr lang="en-US" sz="1000" dirty="0">
-              <a:solidFill>
-                <a:srgbClr val="FF0000"/>
-              </a:solidFill>
-            </a:endParaRPr>
-          </a:p>
-          <a:p>
-            <a:r>
-              <a:rPr lang="en-US" sz="1000" dirty="0" err="1">
-                <a:solidFill>
-                  <a:srgbClr val="FF0000"/>
-                </a:solidFill>
-              </a:rPr>
-              <a:t>currentRank</a:t>
-            </a:r>
-            <a:endParaRPr lang="en-US" sz="1000" dirty="0">
-              <a:solidFill>
-                <a:srgbClr val="FF0000"/>
-              </a:solidFill>
-            </a:endParaRPr>
-          </a:p>
-          <a:p>
-            <a:r>
-              <a:rPr lang="en-US" sz="1000" dirty="0" err="1">
-                <a:solidFill>
-                  <a:srgbClr val="FF0000"/>
-                </a:solidFill>
-              </a:rPr>
-              <a:t>morningRank</a:t>
-            </a:r>
-            <a:endParaRPr lang="en-US" sz="1000" dirty="0">
-              <a:solidFill>
-                <a:srgbClr val="FF0000"/>
-              </a:solidFill>
-            </a:endParaRPr>
-          </a:p>
-          <a:p>
-            <a:r>
-              <a:rPr lang="en-US" sz="1000" dirty="0" err="1">
-                <a:solidFill>
-                  <a:srgbClr val="FF0000"/>
-                </a:solidFill>
-              </a:rPr>
-              <a:t>morningPoints</a:t>
-            </a:r>
-            <a:endParaRPr lang="en-US" sz="1000" dirty="0">
-              <a:solidFill>
-                <a:srgbClr val="FF0000"/>
-              </a:solidFill>
-            </a:endParaRPr>
-          </a:p>
-          <a:p>
-            <a:r>
-              <a:rPr lang="en-US" sz="1000" dirty="0">
-                <a:solidFill>
-                  <a:srgbClr val="FF0000"/>
-                </a:solidFill>
-              </a:rPr>
-              <a:t>active</a:t>
-            </a:r>
-          </a:p>
-          <a:p>
-            <a:r>
-              <a:rPr lang="en-US" sz="1000" dirty="0">
-                <a:solidFill>
-                  <a:srgbClr val="FF0000"/>
-                </a:solidFill>
-              </a:rPr>
-              <a:t>duds</a:t>
-            </a:r>
-          </a:p>
-          <a:p>
-            <a:r>
-              <a:rPr lang="en-US" sz="1000" dirty="0">
-                <a:solidFill>
-                  <a:srgbClr val="FF0000"/>
-                </a:solidFill>
-              </a:rPr>
-              <a:t>rookie</a:t>
-            </a:r>
-          </a:p>
-          <a:p>
-            <a:r>
-              <a:rPr lang="en-US" sz="1000" dirty="0">
-                <a:solidFill>
-                  <a:srgbClr val="FF0000"/>
-                </a:solidFill>
-              </a:rPr>
-              <a:t>prize </a:t>
-            </a:r>
-          </a:p>
-          <a:p>
-            <a:endParaRPr lang="en-US" sz="1000" dirty="0">
-              <a:solidFill>
-                <a:srgbClr val="FF0000"/>
-              </a:solidFill>
-            </a:endParaRPr>
-          </a:p>
-          <a:p>
-            <a:r>
-              <a:rPr lang="en-US" sz="1000" dirty="0" err="1">
-                <a:solidFill>
-                  <a:srgbClr val="00B050"/>
-                </a:solidFill>
-              </a:rPr>
-              <a:t>entry_players</a:t>
-            </a:r>
-            <a:r>
-              <a:rPr lang="en-US" sz="1000" dirty="0">
-                <a:solidFill>
-                  <a:srgbClr val="00B050"/>
-                </a:solidFill>
-              </a:rPr>
-              <a:t> table;</a:t>
-            </a:r>
-          </a:p>
-          <a:p>
-            <a:r>
-              <a:rPr lang="en-US" sz="1000" dirty="0">
-                <a:solidFill>
-                  <a:srgbClr val="FF0000"/>
-                </a:solidFill>
-              </a:rPr>
-              <a:t>25* </a:t>
-            </a:r>
-            <a:r>
-              <a:rPr lang="en-US" sz="1000" dirty="0" err="1">
-                <a:solidFill>
-                  <a:srgbClr val="FF0000"/>
-                </a:solidFill>
-              </a:rPr>
-              <a:t>playerID</a:t>
-            </a:r>
-            <a:r>
-              <a:rPr lang="en-US" sz="1000" dirty="0">
-                <a:solidFill>
-                  <a:srgbClr val="FF0000"/>
-                </a:solidFill>
-              </a:rPr>
-              <a:t>.</a:t>
-            </a:r>
-          </a:p>
-          <a:p>
-            <a:endParaRPr lang="en-US" sz="1000" dirty="0">
-              <a:solidFill>
-                <a:srgbClr val="FF0000"/>
-              </a:solidFill>
-            </a:endParaRPr>
-          </a:p>
-          <a:p>
-            <a:endParaRPr lang="en-US" sz="1000" dirty="0">
-              <a:solidFill>
-                <a:srgbClr val="FF0000"/>
-              </a:solidFill>
-            </a:endParaRPr>
-          </a:p>
-          <a:p>
-            <a:r>
-              <a:rPr lang="en-US" sz="1000" dirty="0" err="1">
-                <a:solidFill>
-                  <a:srgbClr val="00B050"/>
-                </a:solidFill>
-              </a:rPr>
-              <a:t>activePlayers</a:t>
-            </a:r>
-            <a:r>
-              <a:rPr lang="en-US" sz="1000" dirty="0">
-                <a:solidFill>
-                  <a:srgbClr val="00B050"/>
-                </a:solidFill>
-              </a:rPr>
-              <a:t> table;</a:t>
-            </a:r>
-          </a:p>
-          <a:p>
-            <a:r>
-              <a:rPr lang="en-US" sz="1000" dirty="0" err="1">
-                <a:solidFill>
-                  <a:srgbClr val="FF0000"/>
-                </a:solidFill>
-              </a:rPr>
-              <a:t>Player_id</a:t>
-            </a:r>
-            <a:r>
-              <a:rPr lang="en-US" sz="1000" dirty="0">
-                <a:solidFill>
-                  <a:srgbClr val="FF0000"/>
-                </a:solidFill>
-              </a:rPr>
+              <a:rPr lang="en-US" dirty="0" err="1"/>
+              <a:t>JHP_Design.pptx</a:t>
+            </a:r>
+            <a:r>
+              <a:rPr lang="en-US" dirty="0"/>
+              <a:t> -   Design doc</a:t>
+            </a:r>
+          </a:p>
+          <a:p>
+            <a:r>
+              <a:rPr lang="en-US" dirty="0" err="1"/>
+              <a:t>jhp.py</a:t>
+            </a:r>
+            <a:r>
+              <a:rPr lang="en-US" dirty="0"/>
+              <a:t> – Database modification functions</a:t>
+            </a:r>
+          </a:p>
+          <a:p>
+            <a:r>
+              <a:rPr lang="en-US" dirty="0"/>
+              <a:t>players-</a:t>
+            </a:r>
+            <a:r>
+              <a:rPr lang="en-US" dirty="0" err="1"/>
+              <a:t>update.py</a:t>
+            </a:r>
+            <a:r>
+              <a:rPr lang="en-US" dirty="0"/>
+              <a:t> -  modifies playersDB (two tables: </a:t>
+            </a:r>
+            <a:r>
+              <a:rPr lang="en-US" dirty="0" err="1"/>
+              <a:t>active_players</a:t>
+            </a:r>
+            <a:r>
+              <a:rPr lang="en-US" dirty="0"/>
               <a:t>, </a:t>
             </a:r>
             <a:r>
-              <a:rPr lang="en-US" sz="1000" dirty="0" err="1">
-                <a:solidFill>
-                  <a:srgbClr val="FF0000"/>
-                </a:solidFill>
-              </a:rPr>
-              <a:t>player_name</a:t>
-            </a:r>
-            <a:r>
-              <a:rPr lang="en-US" sz="1000" dirty="0">
-                <a:solidFill>
-                  <a:srgbClr val="FF0000"/>
-                </a:solidFill>
-              </a:rPr>
-              <a:t>, team_id, team_name, </a:t>
-            </a:r>
-            <a:r>
-              <a:rPr lang="en-US" sz="1000" dirty="0" err="1">
-                <a:solidFill>
-                  <a:srgbClr val="FF0000"/>
-                </a:solidFill>
-              </a:rPr>
-              <a:t>player_type</a:t>
-            </a:r>
-            <a:r>
-              <a:rPr lang="en-US" sz="1000" dirty="0">
-                <a:solidFill>
-                  <a:srgbClr val="FF0000"/>
-                </a:solidFill>
-              </a:rPr>
-              <a:t>, goals, assists, wins, shutouts, </a:t>
-            </a:r>
-            <a:r>
-              <a:rPr lang="en-US" sz="1000" dirty="0" err="1">
-                <a:solidFill>
-                  <a:srgbClr val="FF0000"/>
-                </a:solidFill>
-              </a:rPr>
-              <a:t>c_points</a:t>
-            </a:r>
-            <a:r>
-              <a:rPr lang="en-US" sz="1000" dirty="0">
-                <a:solidFill>
-                  <a:srgbClr val="FF0000"/>
-                </a:solidFill>
-              </a:rPr>
-              <a:t>, </a:t>
-            </a:r>
-            <a:r>
-              <a:rPr lang="en-US" sz="1000" dirty="0" err="1">
-                <a:solidFill>
-                  <a:srgbClr val="FF0000"/>
-                </a:solidFill>
-              </a:rPr>
-              <a:t>p_points</a:t>
-            </a:r>
-            <a:r>
-              <a:rPr lang="en-US" sz="1000" dirty="0">
-                <a:solidFill>
-                  <a:srgbClr val="FF0000"/>
-                </a:solidFill>
-              </a:rPr>
-              <a:t> (previous), status_id (0-5), selected,</a:t>
-            </a:r>
-          </a:p>
-          <a:p>
-            <a:endParaRPr lang="en-US" sz="1000" dirty="0">
-              <a:solidFill>
-                <a:srgbClr val="FF0000"/>
-              </a:solidFill>
-            </a:endParaRPr>
-          </a:p>
-        </p:txBody>
-      </p:sp>
-      <p:sp>
-        <p:nvSpPr>
-          <p:cNvPr id="3" name="Left Brace 2">
-            <a:extLst>
-              <a:ext uri="{FF2B5EF4-FFF2-40B4-BE49-F238E27FC236}">
-                <a16:creationId xmlns:a16="http://schemas.microsoft.com/office/drawing/2014/main" id="{D6692E7C-7ACB-C949-B6A3-5EA295ACD06D}"/>
-              </a:ext>
-            </a:extLst>
-          </p:cNvPr>
-          <p:cNvSpPr/>
-          <p:nvPr/>
-        </p:nvSpPr>
-        <p:spPr>
-          <a:xfrm>
-            <a:off x="1355719" y="721310"/>
-            <a:ext cx="102094" cy="1216240"/>
-          </a:xfrm>
-          <a:prstGeom prst="leftBrace">
-            <a:avLst/>
-          </a:prstGeom>
-        </p:spPr>
-        <p:style>
-          <a:lnRef idx="1">
-            <a:schemeClr val="accent1"/>
-          </a:lnRef>
-          <a:fillRef idx="0">
-            <a:schemeClr val="accent1"/>
-          </a:fillRef>
-          <a:effectRef idx="0">
-            <a:schemeClr val="accent1"/>
-          </a:effectRef>
-          <a:fontRef idx="minor">
-            <a:schemeClr val="tx1"/>
-          </a:fontRef>
-        </p:style>
-        <p:txBody>
-          <a:bodyPr rtlCol="0" anchor="ctr"/>
-          <a:lstStyle/>
-          <a:p>
-            <a:pPr algn="ctr"/>
-            <a:endParaRPr lang="en-US"/>
-          </a:p>
-        </p:txBody>
-      </p:sp>
-      <p:sp>
-        <p:nvSpPr>
-          <p:cNvPr id="4" name="Left Brace 3">
-            <a:extLst>
-              <a:ext uri="{FF2B5EF4-FFF2-40B4-BE49-F238E27FC236}">
-                <a16:creationId xmlns:a16="http://schemas.microsoft.com/office/drawing/2014/main" id="{80F950EA-92E3-8244-B65B-C7B8AC7E7D2A}"/>
-              </a:ext>
-            </a:extLst>
-          </p:cNvPr>
-          <p:cNvSpPr/>
-          <p:nvPr/>
-        </p:nvSpPr>
-        <p:spPr>
-          <a:xfrm>
-            <a:off x="1363280" y="2060661"/>
-            <a:ext cx="146105" cy="1216240"/>
-          </a:xfrm>
-          <a:prstGeom prst="leftBrace">
-            <a:avLst/>
-          </a:prstGeom>
-        </p:spPr>
-        <p:style>
-          <a:lnRef idx="1">
-            <a:schemeClr val="accent1"/>
-          </a:lnRef>
-          <a:fillRef idx="0">
-            <a:schemeClr val="accent1"/>
-          </a:fillRef>
-          <a:effectRef idx="0">
-            <a:schemeClr val="accent1"/>
-          </a:effectRef>
-          <a:fontRef idx="minor">
-            <a:schemeClr val="tx1"/>
-          </a:fontRef>
-        </p:style>
-        <p:txBody>
-          <a:bodyPr rtlCol="0" anchor="ctr"/>
-          <a:lstStyle/>
-          <a:p>
-            <a:pPr algn="ctr"/>
-            <a:endParaRPr lang="en-US"/>
-          </a:p>
-        </p:txBody>
-      </p:sp>
-      <p:sp>
-        <p:nvSpPr>
-          <p:cNvPr id="5" name="TextBox 4">
-            <a:extLst>
-              <a:ext uri="{FF2B5EF4-FFF2-40B4-BE49-F238E27FC236}">
-                <a16:creationId xmlns:a16="http://schemas.microsoft.com/office/drawing/2014/main" id="{F21926C9-7BE1-4E42-BD9E-6808FBDFE44E}"/>
-              </a:ext>
-            </a:extLst>
-          </p:cNvPr>
-          <p:cNvSpPr txBox="1"/>
-          <p:nvPr/>
-        </p:nvSpPr>
-        <p:spPr>
-          <a:xfrm>
-            <a:off x="413098" y="1206319"/>
-            <a:ext cx="942622" cy="246221"/>
-          </a:xfrm>
-          <a:prstGeom prst="rect">
-            <a:avLst/>
-          </a:prstGeom>
-          <a:noFill/>
-        </p:spPr>
-        <p:txBody>
-          <a:bodyPr wrap="square" rtlCol="0">
-            <a:spAutoFit/>
-          </a:bodyPr>
-          <a:lstStyle/>
-          <a:p>
-            <a:r>
-              <a:rPr lang="en-US" sz="1000" dirty="0"/>
-              <a:t>registration()</a:t>
-            </a:r>
-          </a:p>
-        </p:txBody>
-      </p:sp>
-      <p:sp>
-        <p:nvSpPr>
-          <p:cNvPr id="6" name="TextBox 5">
-            <a:extLst>
-              <a:ext uri="{FF2B5EF4-FFF2-40B4-BE49-F238E27FC236}">
-                <a16:creationId xmlns:a16="http://schemas.microsoft.com/office/drawing/2014/main" id="{1E9FFABC-5C42-2C4C-BCC1-7F4E13F168F3}"/>
-              </a:ext>
-            </a:extLst>
-          </p:cNvPr>
-          <p:cNvSpPr txBox="1"/>
-          <p:nvPr/>
-        </p:nvSpPr>
-        <p:spPr>
-          <a:xfrm>
-            <a:off x="519830" y="2453194"/>
-            <a:ext cx="1033555" cy="246221"/>
-          </a:xfrm>
-          <a:prstGeom prst="rect">
-            <a:avLst/>
-          </a:prstGeom>
-          <a:noFill/>
-        </p:spPr>
-        <p:txBody>
-          <a:bodyPr wrap="square" rtlCol="0">
-            <a:spAutoFit/>
-          </a:bodyPr>
-          <a:lstStyle/>
-          <a:p>
-            <a:r>
-              <a:rPr lang="en-US" sz="1000" dirty="0" err="1"/>
-              <a:t>poolUpdate</a:t>
-            </a:r>
-            <a:r>
-              <a:rPr lang="en-US" sz="1000" dirty="0"/>
-              <a:t>()</a:t>
-            </a:r>
-          </a:p>
-        </p:txBody>
-      </p:sp>
-      <p:sp>
-        <p:nvSpPr>
-          <p:cNvPr id="7" name="Left Brace 6">
-            <a:extLst>
-              <a:ext uri="{FF2B5EF4-FFF2-40B4-BE49-F238E27FC236}">
-                <a16:creationId xmlns:a16="http://schemas.microsoft.com/office/drawing/2014/main" id="{D221C478-887E-7D4A-97C3-68F7D04194EF}"/>
-              </a:ext>
-            </a:extLst>
-          </p:cNvPr>
-          <p:cNvSpPr/>
-          <p:nvPr/>
-        </p:nvSpPr>
-        <p:spPr>
-          <a:xfrm>
-            <a:off x="1355719" y="3641738"/>
-            <a:ext cx="197665" cy="246221"/>
-          </a:xfrm>
-          <a:prstGeom prst="leftBrace">
-            <a:avLst>
-              <a:gd name="adj1" fmla="val 8333"/>
-              <a:gd name="adj2" fmla="val 47457"/>
-            </a:avLst>
-          </a:prstGeom>
-        </p:spPr>
-        <p:style>
-          <a:lnRef idx="1">
-            <a:schemeClr val="accent1"/>
-          </a:lnRef>
-          <a:fillRef idx="0">
-            <a:schemeClr val="accent1"/>
-          </a:fillRef>
-          <a:effectRef idx="0">
-            <a:schemeClr val="accent1"/>
-          </a:effectRef>
-          <a:fontRef idx="minor">
-            <a:schemeClr val="tx1"/>
-          </a:fontRef>
-        </p:style>
-        <p:txBody>
-          <a:bodyPr rtlCol="0" anchor="ctr"/>
-          <a:lstStyle/>
-          <a:p>
-            <a:pPr algn="ctr"/>
-            <a:endParaRPr lang="en-US"/>
-          </a:p>
-        </p:txBody>
-      </p:sp>
-      <p:sp>
-        <p:nvSpPr>
-          <p:cNvPr id="8" name="TextBox 7">
-            <a:extLst>
-              <a:ext uri="{FF2B5EF4-FFF2-40B4-BE49-F238E27FC236}">
-                <a16:creationId xmlns:a16="http://schemas.microsoft.com/office/drawing/2014/main" id="{08ED3E21-8C22-FC4B-9FC4-ECC5B1CEF74D}"/>
-              </a:ext>
-            </a:extLst>
-          </p:cNvPr>
-          <p:cNvSpPr txBox="1"/>
-          <p:nvPr/>
-        </p:nvSpPr>
-        <p:spPr>
-          <a:xfrm>
-            <a:off x="345840" y="3629882"/>
-            <a:ext cx="1108711" cy="246221"/>
-          </a:xfrm>
-          <a:prstGeom prst="rect">
-            <a:avLst/>
-          </a:prstGeom>
-          <a:noFill/>
-        </p:spPr>
-        <p:txBody>
-          <a:bodyPr wrap="square" rtlCol="0">
-            <a:spAutoFit/>
-          </a:bodyPr>
-          <a:lstStyle/>
-          <a:p>
-            <a:r>
-              <a:rPr lang="en-US" sz="1000" dirty="0" err="1"/>
-              <a:t>playerSelection</a:t>
-            </a:r>
-            <a:r>
-              <a:rPr lang="en-US" sz="1000" dirty="0"/>
-              <a:t>()</a:t>
-            </a:r>
+              <a:rPr lang="en-US" dirty="0" err="1"/>
+              <a:t>all_players</a:t>
+            </a:r>
+            <a:r>
+              <a:rPr lang="en-US" dirty="0"/>
+              <a:t>     - also gets data from teamsDB</a:t>
+            </a:r>
+          </a:p>
+          <a:p>
+            <a:r>
+              <a:rPr lang="en-US" dirty="0"/>
+              <a:t>pool-</a:t>
+            </a:r>
+            <a:r>
+              <a:rPr lang="en-US" dirty="0" err="1"/>
+              <a:t>entry.py</a:t>
+            </a:r>
+            <a:r>
+              <a:rPr lang="en-US" dirty="0"/>
+              <a:t> – routines for Pool table registration and player selection</a:t>
+            </a:r>
+          </a:p>
+          <a:p>
+            <a:r>
+              <a:rPr lang="en-US" dirty="0"/>
+              <a:t>teams-</a:t>
+            </a:r>
+            <a:r>
+              <a:rPr lang="en-US" dirty="0" err="1"/>
+              <a:t>update.py</a:t>
+            </a:r>
+            <a:r>
+              <a:rPr lang="en-US" dirty="0"/>
+              <a:t> -  initiates teamsDB and teams table.   Records which team is active, etc.</a:t>
+            </a:r>
+          </a:p>
+          <a:p>
+            <a:endParaRPr lang="en-US" dirty="0"/>
+          </a:p>
+          <a:p>
+            <a:endParaRPr lang="en-US" dirty="0"/>
+          </a:p>
+          <a:p>
+            <a:endParaRPr lang="en-US" dirty="0"/>
+          </a:p>
+          <a:p>
+            <a:endParaRPr lang="en-US" dirty="0"/>
+          </a:p>
+          <a:p>
+            <a:r>
+              <a:rPr lang="en-US" dirty="0"/>
+              <a:t>PoolDB</a:t>
+            </a:r>
+          </a:p>
+          <a:p>
+            <a:endParaRPr lang="en-US" dirty="0"/>
+          </a:p>
+          <a:p>
+            <a:r>
+              <a:rPr lang="en-US" dirty="0"/>
+              <a:t>Pool has table</a:t>
+            </a:r>
+          </a:p>
+          <a:p>
+            <a:r>
+              <a:rPr lang="en-US" dirty="0"/>
+              <a:t>Each </a:t>
+            </a:r>
+            <a:r>
+              <a:rPr lang="en-US" dirty="0" err="1"/>
+              <a:t>poolEntry</a:t>
+            </a:r>
+            <a:r>
+              <a:rPr lang="en-US" dirty="0"/>
+              <a:t> has a table.</a:t>
+            </a:r>
+          </a:p>
+          <a:p>
+            <a:endParaRPr lang="en-US" dirty="0"/>
+          </a:p>
+          <a:p>
+            <a:endParaRPr lang="en-US" dirty="0"/>
           </a:p>
         </p:txBody>
       </p:sp>
     </p:spTree>
     <p:extLst>
       <p:ext uri="{BB962C8B-B14F-4D97-AF65-F5344CB8AC3E}">
-        <p14:creationId xmlns:p14="http://schemas.microsoft.com/office/powerpoint/2010/main" val="515734174"/>
+        <p14:creationId xmlns:p14="http://schemas.microsoft.com/office/powerpoint/2010/main" val="4016732218"/>
       </p:ext>
     </p:extLst>
   </p:cSld>

--- a/JHP_Design.pptx
+++ b/JHP_Design.pptx
@@ -6,8 +6,9 @@
   </p:sldMasterIdLst>
   <p:sldIdLst>
     <p:sldId id="257" r:id="rId2"/>
-    <p:sldId id="259" r:id="rId3"/>
-    <p:sldId id="258" r:id="rId4"/>
+    <p:sldId id="260" r:id="rId3"/>
+    <p:sldId id="259" r:id="rId4"/>
+    <p:sldId id="258" r:id="rId5"/>
   </p:sldIdLst>
   <p:sldSz cx="12192000" cy="6858000"/>
   <p:notesSz cx="6858000" cy="9144000"/>
@@ -261,7 +262,7 @@
           <a:p>
             <a:fld id="{65F3756F-6BA0-BE41-9226-AD7D2B2262FF}" type="datetimeFigureOut">
               <a:rPr lang="en-US" smtClean="0"/>
-              <a:t>7/23/20</a:t>
+              <a:t>7/24/20</a:t>
             </a:fld>
             <a:endParaRPr lang="en-US"/>
           </a:p>
@@ -459,7 +460,7 @@
           <a:p>
             <a:fld id="{65F3756F-6BA0-BE41-9226-AD7D2B2262FF}" type="datetimeFigureOut">
               <a:rPr lang="en-US" smtClean="0"/>
-              <a:t>7/23/20</a:t>
+              <a:t>7/24/20</a:t>
             </a:fld>
             <a:endParaRPr lang="en-US"/>
           </a:p>
@@ -667,7 +668,7 @@
           <a:p>
             <a:fld id="{65F3756F-6BA0-BE41-9226-AD7D2B2262FF}" type="datetimeFigureOut">
               <a:rPr lang="en-US" smtClean="0"/>
-              <a:t>7/23/20</a:t>
+              <a:t>7/24/20</a:t>
             </a:fld>
             <a:endParaRPr lang="en-US"/>
           </a:p>
@@ -865,7 +866,7 @@
           <a:p>
             <a:fld id="{65F3756F-6BA0-BE41-9226-AD7D2B2262FF}" type="datetimeFigureOut">
               <a:rPr lang="en-US" smtClean="0"/>
-              <a:t>7/23/20</a:t>
+              <a:t>7/24/20</a:t>
             </a:fld>
             <a:endParaRPr lang="en-US"/>
           </a:p>
@@ -1140,7 +1141,7 @@
           <a:p>
             <a:fld id="{65F3756F-6BA0-BE41-9226-AD7D2B2262FF}" type="datetimeFigureOut">
               <a:rPr lang="en-US" smtClean="0"/>
-              <a:t>7/23/20</a:t>
+              <a:t>7/24/20</a:t>
             </a:fld>
             <a:endParaRPr lang="en-US"/>
           </a:p>
@@ -1405,7 +1406,7 @@
           <a:p>
             <a:fld id="{65F3756F-6BA0-BE41-9226-AD7D2B2262FF}" type="datetimeFigureOut">
               <a:rPr lang="en-US" smtClean="0"/>
-              <a:t>7/23/20</a:t>
+              <a:t>7/24/20</a:t>
             </a:fld>
             <a:endParaRPr lang="en-US"/>
           </a:p>
@@ -1817,7 +1818,7 @@
           <a:p>
             <a:fld id="{65F3756F-6BA0-BE41-9226-AD7D2B2262FF}" type="datetimeFigureOut">
               <a:rPr lang="en-US" smtClean="0"/>
-              <a:t>7/23/20</a:t>
+              <a:t>7/24/20</a:t>
             </a:fld>
             <a:endParaRPr lang="en-US"/>
           </a:p>
@@ -1958,7 +1959,7 @@
           <a:p>
             <a:fld id="{65F3756F-6BA0-BE41-9226-AD7D2B2262FF}" type="datetimeFigureOut">
               <a:rPr lang="en-US" smtClean="0"/>
-              <a:t>7/23/20</a:t>
+              <a:t>7/24/20</a:t>
             </a:fld>
             <a:endParaRPr lang="en-US"/>
           </a:p>
@@ -2071,7 +2072,7 @@
           <a:p>
             <a:fld id="{65F3756F-6BA0-BE41-9226-AD7D2B2262FF}" type="datetimeFigureOut">
               <a:rPr lang="en-US" smtClean="0"/>
-              <a:t>7/23/20</a:t>
+              <a:t>7/24/20</a:t>
             </a:fld>
             <a:endParaRPr lang="en-US"/>
           </a:p>
@@ -2382,7 +2383,7 @@
           <a:p>
             <a:fld id="{65F3756F-6BA0-BE41-9226-AD7D2B2262FF}" type="datetimeFigureOut">
               <a:rPr lang="en-US" smtClean="0"/>
-              <a:t>7/23/20</a:t>
+              <a:t>7/24/20</a:t>
             </a:fld>
             <a:endParaRPr lang="en-US"/>
           </a:p>
@@ -2670,7 +2671,7 @@
           <a:p>
             <a:fld id="{65F3756F-6BA0-BE41-9226-AD7D2B2262FF}" type="datetimeFigureOut">
               <a:rPr lang="en-US" smtClean="0"/>
-              <a:t>7/23/20</a:t>
+              <a:t>7/24/20</a:t>
             </a:fld>
             <a:endParaRPr lang="en-US"/>
           </a:p>
@@ -2911,7 +2912,7 @@
           <a:p>
             <a:fld id="{65F3756F-6BA0-BE41-9226-AD7D2B2262FF}" type="datetimeFigureOut">
               <a:rPr lang="en-US" smtClean="0"/>
-              <a:t>7/23/20</a:t>
+              <a:t>7/24/20</a:t>
             </a:fld>
             <a:endParaRPr lang="en-US"/>
           </a:p>
@@ -7060,6 +7061,3221 @@
       </p:grpSpPr>
       <p:sp>
         <p:nvSpPr>
+          <p:cNvPr id="82" name="Oval 81">
+            <a:extLst>
+              <a:ext uri="{FF2B5EF4-FFF2-40B4-BE49-F238E27FC236}">
+                <a16:creationId xmlns:a16="http://schemas.microsoft.com/office/drawing/2014/main" id="{559677F5-E2CA-2741-B80D-BCC657ADBC31}"/>
+              </a:ext>
+            </a:extLst>
+          </p:cNvPr>
+          <p:cNvSpPr/>
+          <p:nvPr/>
+        </p:nvSpPr>
+        <p:spPr>
+          <a:xfrm>
+            <a:off x="1968353" y="-58941"/>
+            <a:ext cx="4785873" cy="1079687"/>
+          </a:xfrm>
+          <a:prstGeom prst="ellipse">
+            <a:avLst/>
+          </a:prstGeom>
+          <a:solidFill>
+            <a:schemeClr val="bg1">
+              <a:lumMod val="85000"/>
+            </a:schemeClr>
+          </a:solidFill>
+        </p:spPr>
+        <p:style>
+          <a:lnRef idx="2">
+            <a:schemeClr val="accent1">
+              <a:shade val="50000"/>
+            </a:schemeClr>
+          </a:lnRef>
+          <a:fillRef idx="1">
+            <a:schemeClr val="accent1"/>
+          </a:fillRef>
+          <a:effectRef idx="0">
+            <a:schemeClr val="accent1"/>
+          </a:effectRef>
+          <a:fontRef idx="minor">
+            <a:schemeClr val="lt1"/>
+          </a:fontRef>
+        </p:style>
+        <p:txBody>
+          <a:bodyPr rtlCol="0" anchor="ctr"/>
+          <a:lstStyle/>
+          <a:p>
+            <a:pPr algn="ctr"/>
+            <a:endParaRPr lang="en-US" dirty="0"/>
+          </a:p>
+        </p:txBody>
+      </p:sp>
+      <p:sp>
+        <p:nvSpPr>
+          <p:cNvPr id="83" name="TextBox 82">
+            <a:extLst>
+              <a:ext uri="{FF2B5EF4-FFF2-40B4-BE49-F238E27FC236}">
+                <a16:creationId xmlns:a16="http://schemas.microsoft.com/office/drawing/2014/main" id="{B84AA3E1-9C69-0745-BFB2-4C232B2E2713}"/>
+              </a:ext>
+            </a:extLst>
+          </p:cNvPr>
+          <p:cNvSpPr txBox="1"/>
+          <p:nvPr/>
+        </p:nvSpPr>
+        <p:spPr>
+          <a:xfrm>
+            <a:off x="3844330" y="-85506"/>
+            <a:ext cx="1351924" cy="246221"/>
+          </a:xfrm>
+          <a:prstGeom prst="rect">
+            <a:avLst/>
+          </a:prstGeom>
+          <a:noFill/>
+        </p:spPr>
+        <p:txBody>
+          <a:bodyPr wrap="square" rtlCol="0">
+            <a:spAutoFit/>
+          </a:bodyPr>
+          <a:lstStyle/>
+          <a:p>
+            <a:r>
+              <a:rPr lang="en-US" sz="1000" dirty="0" err="1"/>
+              <a:t>Admin.html</a:t>
+            </a:r>
+            <a:endParaRPr lang="en-US" sz="1000" dirty="0"/>
+          </a:p>
+        </p:txBody>
+      </p:sp>
+      <p:sp>
+        <p:nvSpPr>
+          <p:cNvPr id="78" name="Oval 77">
+            <a:extLst>
+              <a:ext uri="{FF2B5EF4-FFF2-40B4-BE49-F238E27FC236}">
+                <a16:creationId xmlns:a16="http://schemas.microsoft.com/office/drawing/2014/main" id="{D0FCAD9C-4A09-0347-B146-6B5F58C105ED}"/>
+              </a:ext>
+            </a:extLst>
+          </p:cNvPr>
+          <p:cNvSpPr/>
+          <p:nvPr/>
+        </p:nvSpPr>
+        <p:spPr>
+          <a:xfrm>
+            <a:off x="102264" y="1619821"/>
+            <a:ext cx="2516650" cy="2093204"/>
+          </a:xfrm>
+          <a:prstGeom prst="ellipse">
+            <a:avLst/>
+          </a:prstGeom>
+          <a:solidFill>
+            <a:schemeClr val="bg1">
+              <a:lumMod val="85000"/>
+            </a:schemeClr>
+          </a:solidFill>
+        </p:spPr>
+        <p:style>
+          <a:lnRef idx="2">
+            <a:schemeClr val="accent1">
+              <a:shade val="50000"/>
+            </a:schemeClr>
+          </a:lnRef>
+          <a:fillRef idx="1">
+            <a:schemeClr val="accent1"/>
+          </a:fillRef>
+          <a:effectRef idx="0">
+            <a:schemeClr val="accent1"/>
+          </a:effectRef>
+          <a:fontRef idx="minor">
+            <a:schemeClr val="lt1"/>
+          </a:fontRef>
+        </p:style>
+        <p:txBody>
+          <a:bodyPr rtlCol="0" anchor="ctr"/>
+          <a:lstStyle/>
+          <a:p>
+            <a:pPr algn="ctr"/>
+            <a:endParaRPr lang="en-US" dirty="0"/>
+          </a:p>
+        </p:txBody>
+      </p:sp>
+      <p:sp>
+        <p:nvSpPr>
+          <p:cNvPr id="79" name="TextBox 78">
+            <a:extLst>
+              <a:ext uri="{FF2B5EF4-FFF2-40B4-BE49-F238E27FC236}">
+                <a16:creationId xmlns:a16="http://schemas.microsoft.com/office/drawing/2014/main" id="{437A9EDE-F974-6B48-98A8-D723F6274817}"/>
+              </a:ext>
+            </a:extLst>
+          </p:cNvPr>
+          <p:cNvSpPr txBox="1"/>
+          <p:nvPr/>
+        </p:nvSpPr>
+        <p:spPr>
+          <a:xfrm>
+            <a:off x="782405" y="1742972"/>
+            <a:ext cx="1396536" cy="246221"/>
+          </a:xfrm>
+          <a:prstGeom prst="rect">
+            <a:avLst/>
+          </a:prstGeom>
+          <a:noFill/>
+        </p:spPr>
+        <p:txBody>
+          <a:bodyPr wrap="none" rtlCol="0">
+            <a:spAutoFit/>
+          </a:bodyPr>
+          <a:lstStyle/>
+          <a:p>
+            <a:r>
+              <a:rPr lang="en-US" sz="1000" dirty="0" err="1"/>
+              <a:t>PoolTeamRegistry.html</a:t>
+            </a:r>
+            <a:endParaRPr lang="en-US" sz="1000" dirty="0"/>
+          </a:p>
+        </p:txBody>
+      </p:sp>
+      <p:sp>
+        <p:nvSpPr>
+          <p:cNvPr id="26" name="Oval 25">
+            <a:extLst>
+              <a:ext uri="{FF2B5EF4-FFF2-40B4-BE49-F238E27FC236}">
+                <a16:creationId xmlns:a16="http://schemas.microsoft.com/office/drawing/2014/main" id="{5E38BE2B-8ACA-9B4C-B8CB-F86438AE840D}"/>
+              </a:ext>
+            </a:extLst>
+          </p:cNvPr>
+          <p:cNvSpPr/>
+          <p:nvPr/>
+        </p:nvSpPr>
+        <p:spPr>
+          <a:xfrm>
+            <a:off x="7944873" y="62418"/>
+            <a:ext cx="2516650" cy="2093204"/>
+          </a:xfrm>
+          <a:prstGeom prst="ellipse">
+            <a:avLst/>
+          </a:prstGeom>
+          <a:solidFill>
+            <a:schemeClr val="bg1">
+              <a:lumMod val="85000"/>
+            </a:schemeClr>
+          </a:solidFill>
+        </p:spPr>
+        <p:style>
+          <a:lnRef idx="2">
+            <a:schemeClr val="accent1">
+              <a:shade val="50000"/>
+            </a:schemeClr>
+          </a:lnRef>
+          <a:fillRef idx="1">
+            <a:schemeClr val="accent1"/>
+          </a:fillRef>
+          <a:effectRef idx="0">
+            <a:schemeClr val="accent1"/>
+          </a:effectRef>
+          <a:fontRef idx="minor">
+            <a:schemeClr val="lt1"/>
+          </a:fontRef>
+        </p:style>
+        <p:txBody>
+          <a:bodyPr rtlCol="0" anchor="ctr"/>
+          <a:lstStyle/>
+          <a:p>
+            <a:pPr algn="ctr"/>
+            <a:endParaRPr lang="en-US" dirty="0"/>
+          </a:p>
+        </p:txBody>
+      </p:sp>
+      <p:grpSp>
+        <p:nvGrpSpPr>
+          <p:cNvPr id="7" name="Group 6">
+            <a:extLst>
+              <a:ext uri="{FF2B5EF4-FFF2-40B4-BE49-F238E27FC236}">
+                <a16:creationId xmlns:a16="http://schemas.microsoft.com/office/drawing/2014/main" id="{A75BD7D7-6113-EB41-A1E2-2EFE78B659F6}"/>
+              </a:ext>
+            </a:extLst>
+          </p:cNvPr>
+          <p:cNvGrpSpPr/>
+          <p:nvPr/>
+        </p:nvGrpSpPr>
+        <p:grpSpPr>
+          <a:xfrm>
+            <a:off x="6643988" y="1731526"/>
+            <a:ext cx="1108954" cy="1410510"/>
+            <a:chOff x="7091463" y="3258766"/>
+            <a:chExt cx="1108954" cy="1410510"/>
+          </a:xfrm>
+        </p:grpSpPr>
+        <p:sp>
+          <p:nvSpPr>
+            <p:cNvPr id="2" name="Oval 1">
+              <a:extLst>
+                <a:ext uri="{FF2B5EF4-FFF2-40B4-BE49-F238E27FC236}">
+                  <a16:creationId xmlns:a16="http://schemas.microsoft.com/office/drawing/2014/main" id="{A1104814-AB93-0A43-AEC5-24BF9AE4D2FB}"/>
+                </a:ext>
+              </a:extLst>
+            </p:cNvPr>
+            <p:cNvSpPr/>
+            <p:nvPr/>
+          </p:nvSpPr>
+          <p:spPr>
+            <a:xfrm>
+              <a:off x="7091464" y="3258766"/>
+              <a:ext cx="1108953" cy="321013"/>
+            </a:xfrm>
+            <a:prstGeom prst="ellipse">
+              <a:avLst/>
+            </a:prstGeom>
+            <a:solidFill>
+              <a:schemeClr val="accent3">
+                <a:lumMod val="60000"/>
+                <a:lumOff val="40000"/>
+              </a:schemeClr>
+            </a:solidFill>
+          </p:spPr>
+          <p:style>
+            <a:lnRef idx="2">
+              <a:schemeClr val="accent1">
+                <a:shade val="50000"/>
+              </a:schemeClr>
+            </a:lnRef>
+            <a:fillRef idx="1">
+              <a:schemeClr val="accent1"/>
+            </a:fillRef>
+            <a:effectRef idx="0">
+              <a:schemeClr val="accent1"/>
+            </a:effectRef>
+            <a:fontRef idx="minor">
+              <a:schemeClr val="lt1"/>
+            </a:fontRef>
+          </p:style>
+          <p:txBody>
+            <a:bodyPr rtlCol="0" anchor="ctr"/>
+            <a:lstStyle/>
+            <a:p>
+              <a:pPr algn="ctr"/>
+              <a:r>
+                <a:rPr lang="en-US" sz="1100" dirty="0" err="1">
+                  <a:solidFill>
+                    <a:schemeClr val="tx1"/>
+                  </a:solidFill>
+                </a:rPr>
+                <a:t>playersDB</a:t>
+              </a:r>
+              <a:endParaRPr lang="en-US" sz="1100" dirty="0">
+                <a:solidFill>
+                  <a:schemeClr val="tx1"/>
+                </a:solidFill>
+              </a:endParaRPr>
+            </a:p>
+          </p:txBody>
+        </p:sp>
+        <p:cxnSp>
+          <p:nvCxnSpPr>
+            <p:cNvPr id="4" name="Straight Connector 3">
+              <a:extLst>
+                <a:ext uri="{FF2B5EF4-FFF2-40B4-BE49-F238E27FC236}">
+                  <a16:creationId xmlns:a16="http://schemas.microsoft.com/office/drawing/2014/main" id="{0C8283AE-8BDE-1540-96FE-90EADC76CCC8}"/>
+                </a:ext>
+              </a:extLst>
+            </p:cNvPr>
+            <p:cNvCxnSpPr>
+              <a:stCxn id="2" idx="2"/>
+            </p:cNvCxnSpPr>
+            <p:nvPr/>
+          </p:nvCxnSpPr>
+          <p:spPr>
+            <a:xfrm>
+              <a:off x="7091464" y="3419273"/>
+              <a:ext cx="0" cy="1055450"/>
+            </a:xfrm>
+            <a:prstGeom prst="line">
+              <a:avLst/>
+            </a:prstGeom>
+            <a:ln w="12700"/>
+          </p:spPr>
+          <p:style>
+            <a:lnRef idx="1">
+              <a:schemeClr val="accent1"/>
+            </a:lnRef>
+            <a:fillRef idx="0">
+              <a:schemeClr val="accent1"/>
+            </a:fillRef>
+            <a:effectRef idx="0">
+              <a:schemeClr val="accent1"/>
+            </a:effectRef>
+            <a:fontRef idx="minor">
+              <a:schemeClr val="tx1"/>
+            </a:fontRef>
+          </p:style>
+        </p:cxnSp>
+        <p:cxnSp>
+          <p:nvCxnSpPr>
+            <p:cNvPr id="5" name="Straight Connector 4">
+              <a:extLst>
+                <a:ext uri="{FF2B5EF4-FFF2-40B4-BE49-F238E27FC236}">
+                  <a16:creationId xmlns:a16="http://schemas.microsoft.com/office/drawing/2014/main" id="{B0447826-1B50-7749-A989-8FA6838DD30B}"/>
+                </a:ext>
+              </a:extLst>
+            </p:cNvPr>
+            <p:cNvCxnSpPr/>
+            <p:nvPr/>
+          </p:nvCxnSpPr>
+          <p:spPr>
+            <a:xfrm>
+              <a:off x="8200417" y="3429000"/>
+              <a:ext cx="0" cy="1055450"/>
+            </a:xfrm>
+            <a:prstGeom prst="line">
+              <a:avLst/>
+            </a:prstGeom>
+            <a:ln w="12700"/>
+          </p:spPr>
+          <p:style>
+            <a:lnRef idx="1">
+              <a:schemeClr val="accent1"/>
+            </a:lnRef>
+            <a:fillRef idx="0">
+              <a:schemeClr val="accent1"/>
+            </a:fillRef>
+            <a:effectRef idx="0">
+              <a:schemeClr val="accent1"/>
+            </a:effectRef>
+            <a:fontRef idx="minor">
+              <a:schemeClr val="tx1"/>
+            </a:fontRef>
+          </p:style>
+        </p:cxnSp>
+        <p:sp>
+          <p:nvSpPr>
+            <p:cNvPr id="6" name="Oval 5">
+              <a:extLst>
+                <a:ext uri="{FF2B5EF4-FFF2-40B4-BE49-F238E27FC236}">
+                  <a16:creationId xmlns:a16="http://schemas.microsoft.com/office/drawing/2014/main" id="{CC90BA5D-1422-F24C-9BDA-D56CC5C9C1E4}"/>
+                </a:ext>
+              </a:extLst>
+            </p:cNvPr>
+            <p:cNvSpPr/>
+            <p:nvPr/>
+          </p:nvSpPr>
+          <p:spPr>
+            <a:xfrm>
+              <a:off x="7091463" y="4348263"/>
+              <a:ext cx="1108953" cy="321013"/>
+            </a:xfrm>
+            <a:prstGeom prst="ellipse">
+              <a:avLst/>
+            </a:prstGeom>
+            <a:solidFill>
+              <a:schemeClr val="accent3">
+                <a:lumMod val="50000"/>
+              </a:schemeClr>
+            </a:solidFill>
+          </p:spPr>
+          <p:style>
+            <a:lnRef idx="2">
+              <a:schemeClr val="accent1">
+                <a:shade val="50000"/>
+              </a:schemeClr>
+            </a:lnRef>
+            <a:fillRef idx="1">
+              <a:schemeClr val="accent1"/>
+            </a:fillRef>
+            <a:effectRef idx="0">
+              <a:schemeClr val="accent1"/>
+            </a:effectRef>
+            <a:fontRef idx="minor">
+              <a:schemeClr val="lt1"/>
+            </a:fontRef>
+          </p:style>
+          <p:txBody>
+            <a:bodyPr rtlCol="0" anchor="ctr"/>
+            <a:lstStyle/>
+            <a:p>
+              <a:pPr algn="ctr"/>
+              <a:endParaRPr lang="en-US"/>
+            </a:p>
+          </p:txBody>
+        </p:sp>
+      </p:grpSp>
+      <p:sp>
+        <p:nvSpPr>
+          <p:cNvPr id="9" name="Cloud 8">
+            <a:extLst>
+              <a:ext uri="{FF2B5EF4-FFF2-40B4-BE49-F238E27FC236}">
+                <a16:creationId xmlns:a16="http://schemas.microsoft.com/office/drawing/2014/main" id="{4AA6A60E-2681-2244-A903-BC0175200DDB}"/>
+              </a:ext>
+            </a:extLst>
+          </p:cNvPr>
+          <p:cNvSpPr/>
+          <p:nvPr/>
+        </p:nvSpPr>
+        <p:spPr>
+          <a:xfrm>
+            <a:off x="9834667" y="2130357"/>
+            <a:ext cx="2159538" cy="1298643"/>
+          </a:xfrm>
+          <a:prstGeom prst="cloud">
+            <a:avLst/>
+          </a:prstGeom>
+        </p:spPr>
+        <p:style>
+          <a:lnRef idx="2">
+            <a:schemeClr val="accent1">
+              <a:shade val="50000"/>
+            </a:schemeClr>
+          </a:lnRef>
+          <a:fillRef idx="1">
+            <a:schemeClr val="accent1"/>
+          </a:fillRef>
+          <a:effectRef idx="0">
+            <a:schemeClr val="accent1"/>
+          </a:effectRef>
+          <a:fontRef idx="minor">
+            <a:schemeClr val="lt1"/>
+          </a:fontRef>
+        </p:style>
+        <p:txBody>
+          <a:bodyPr rtlCol="0" anchor="ctr"/>
+          <a:lstStyle/>
+          <a:p>
+            <a:pPr algn="ctr"/>
+            <a:r>
+              <a:rPr lang="en-US" dirty="0"/>
+              <a:t>NHL API</a:t>
+            </a:r>
+          </a:p>
+        </p:txBody>
+      </p:sp>
+      <p:sp>
+        <p:nvSpPr>
+          <p:cNvPr id="10" name="TextBox 9">
+            <a:extLst>
+              <a:ext uri="{FF2B5EF4-FFF2-40B4-BE49-F238E27FC236}">
+                <a16:creationId xmlns:a16="http://schemas.microsoft.com/office/drawing/2014/main" id="{30AEBB77-3E9A-FA4E-8657-9206C752232F}"/>
+              </a:ext>
+            </a:extLst>
+          </p:cNvPr>
+          <p:cNvSpPr txBox="1"/>
+          <p:nvPr/>
+        </p:nvSpPr>
+        <p:spPr>
+          <a:xfrm>
+            <a:off x="6636802" y="2171862"/>
+            <a:ext cx="1073499" cy="461665"/>
+          </a:xfrm>
+          <a:prstGeom prst="rect">
+            <a:avLst/>
+          </a:prstGeom>
+          <a:noFill/>
+        </p:spPr>
+        <p:txBody>
+          <a:bodyPr wrap="none" rtlCol="0">
+            <a:spAutoFit/>
+          </a:bodyPr>
+          <a:lstStyle/>
+          <a:p>
+            <a:pPr algn="ctr"/>
+            <a:r>
+              <a:rPr lang="en-US" sz="1200" dirty="0"/>
+              <a:t>active_players</a:t>
+            </a:r>
+          </a:p>
+          <a:p>
+            <a:pPr algn="ctr"/>
+            <a:r>
+              <a:rPr lang="en-US" sz="1200" dirty="0"/>
+              <a:t>table</a:t>
+            </a:r>
+          </a:p>
+        </p:txBody>
+      </p:sp>
+      <p:sp>
+        <p:nvSpPr>
+          <p:cNvPr id="11" name="Arc 10">
+            <a:extLst>
+              <a:ext uri="{FF2B5EF4-FFF2-40B4-BE49-F238E27FC236}">
+                <a16:creationId xmlns:a16="http://schemas.microsoft.com/office/drawing/2014/main" id="{05EA9D22-554B-F247-B1A9-58F4EA1CA9E5}"/>
+              </a:ext>
+            </a:extLst>
+          </p:cNvPr>
+          <p:cNvSpPr/>
+          <p:nvPr/>
+        </p:nvSpPr>
+        <p:spPr>
+          <a:xfrm>
+            <a:off x="9599900" y="1365077"/>
+            <a:ext cx="1235410" cy="1534538"/>
+          </a:xfrm>
+          <a:prstGeom prst="arc">
+            <a:avLst>
+              <a:gd name="adj1" fmla="val 16011110"/>
+              <a:gd name="adj2" fmla="val 0"/>
+            </a:avLst>
+          </a:prstGeom>
+          <a:ln w="19050">
+            <a:headEnd type="triangle" w="med" len="med"/>
+            <a:tailEnd type="none" w="med" len="med"/>
+          </a:ln>
+        </p:spPr>
+        <p:style>
+          <a:lnRef idx="1">
+            <a:schemeClr val="accent1"/>
+          </a:lnRef>
+          <a:fillRef idx="0">
+            <a:schemeClr val="accent1"/>
+          </a:fillRef>
+          <a:effectRef idx="0">
+            <a:schemeClr val="accent1"/>
+          </a:effectRef>
+          <a:fontRef idx="minor">
+            <a:schemeClr val="tx1"/>
+          </a:fontRef>
+        </p:style>
+        <p:txBody>
+          <a:bodyPr rtlCol="0" anchor="ctr"/>
+          <a:lstStyle/>
+          <a:p>
+            <a:pPr algn="ctr"/>
+            <a:endParaRPr lang="en-US"/>
+          </a:p>
+        </p:txBody>
+      </p:sp>
+      <p:sp>
+        <p:nvSpPr>
+          <p:cNvPr id="12" name="Arc 11">
+            <a:extLst>
+              <a:ext uri="{FF2B5EF4-FFF2-40B4-BE49-F238E27FC236}">
+                <a16:creationId xmlns:a16="http://schemas.microsoft.com/office/drawing/2014/main" id="{A80B8323-FD5E-EA44-A1CF-26C035E20A41}"/>
+              </a:ext>
+            </a:extLst>
+          </p:cNvPr>
+          <p:cNvSpPr/>
+          <p:nvPr/>
+        </p:nvSpPr>
+        <p:spPr>
+          <a:xfrm rot="17102652">
+            <a:off x="7391877" y="1525446"/>
+            <a:ext cx="1471207" cy="778035"/>
+          </a:xfrm>
+          <a:prstGeom prst="arc">
+            <a:avLst>
+              <a:gd name="adj1" fmla="val 16200000"/>
+              <a:gd name="adj2" fmla="val 20021132"/>
+            </a:avLst>
+          </a:prstGeom>
+          <a:ln w="12700">
+            <a:headEnd type="triangle" w="med" len="med"/>
+            <a:tailEnd type="none" w="med" len="med"/>
+          </a:ln>
+        </p:spPr>
+        <p:style>
+          <a:lnRef idx="1">
+            <a:schemeClr val="accent1"/>
+          </a:lnRef>
+          <a:fillRef idx="0">
+            <a:schemeClr val="accent1"/>
+          </a:fillRef>
+          <a:effectRef idx="0">
+            <a:schemeClr val="accent1"/>
+          </a:effectRef>
+          <a:fontRef idx="minor">
+            <a:schemeClr val="tx1"/>
+          </a:fontRef>
+        </p:style>
+        <p:txBody>
+          <a:bodyPr rtlCol="0" anchor="ctr"/>
+          <a:lstStyle/>
+          <a:p>
+            <a:pPr algn="ctr"/>
+            <a:endParaRPr lang="en-US"/>
+          </a:p>
+        </p:txBody>
+      </p:sp>
+      <p:grpSp>
+        <p:nvGrpSpPr>
+          <p:cNvPr id="13" name="Group 12">
+            <a:extLst>
+              <a:ext uri="{FF2B5EF4-FFF2-40B4-BE49-F238E27FC236}">
+                <a16:creationId xmlns:a16="http://schemas.microsoft.com/office/drawing/2014/main" id="{306AAD7F-893E-FF4F-A094-69B385B30342}"/>
+              </a:ext>
+            </a:extLst>
+          </p:cNvPr>
+          <p:cNvGrpSpPr/>
+          <p:nvPr/>
+        </p:nvGrpSpPr>
+        <p:grpSpPr>
+          <a:xfrm>
+            <a:off x="3446122" y="1731526"/>
+            <a:ext cx="1108954" cy="1410510"/>
+            <a:chOff x="7091463" y="3258766"/>
+            <a:chExt cx="1108954" cy="1410510"/>
+          </a:xfrm>
+        </p:grpSpPr>
+        <p:sp>
+          <p:nvSpPr>
+            <p:cNvPr id="14" name="Oval 13">
+              <a:extLst>
+                <a:ext uri="{FF2B5EF4-FFF2-40B4-BE49-F238E27FC236}">
+                  <a16:creationId xmlns:a16="http://schemas.microsoft.com/office/drawing/2014/main" id="{F2CFC519-0219-4648-8A7D-9E7691F8AD61}"/>
+                </a:ext>
+              </a:extLst>
+            </p:cNvPr>
+            <p:cNvSpPr/>
+            <p:nvPr/>
+          </p:nvSpPr>
+          <p:spPr>
+            <a:xfrm>
+              <a:off x="7091464" y="3258766"/>
+              <a:ext cx="1108953" cy="321013"/>
+            </a:xfrm>
+            <a:prstGeom prst="ellipse">
+              <a:avLst/>
+            </a:prstGeom>
+            <a:solidFill>
+              <a:schemeClr val="accent1">
+                <a:lumMod val="60000"/>
+                <a:lumOff val="40000"/>
+              </a:schemeClr>
+            </a:solidFill>
+          </p:spPr>
+          <p:style>
+            <a:lnRef idx="2">
+              <a:schemeClr val="accent1">
+                <a:shade val="50000"/>
+              </a:schemeClr>
+            </a:lnRef>
+            <a:fillRef idx="1">
+              <a:schemeClr val="accent1"/>
+            </a:fillRef>
+            <a:effectRef idx="0">
+              <a:schemeClr val="accent1"/>
+            </a:effectRef>
+            <a:fontRef idx="minor">
+              <a:schemeClr val="lt1"/>
+            </a:fontRef>
+          </p:style>
+          <p:txBody>
+            <a:bodyPr rtlCol="0" anchor="ctr"/>
+            <a:lstStyle/>
+            <a:p>
+              <a:pPr algn="ctr"/>
+              <a:r>
+                <a:rPr lang="en-US" sz="1400" dirty="0" err="1">
+                  <a:solidFill>
+                    <a:schemeClr val="tx1"/>
+                  </a:solidFill>
+                </a:rPr>
+                <a:t>poolDB</a:t>
+              </a:r>
+              <a:endParaRPr lang="en-US" sz="1400" dirty="0">
+                <a:solidFill>
+                  <a:schemeClr val="tx1"/>
+                </a:solidFill>
+              </a:endParaRPr>
+            </a:p>
+          </p:txBody>
+        </p:sp>
+        <p:cxnSp>
+          <p:nvCxnSpPr>
+            <p:cNvPr id="15" name="Straight Connector 14">
+              <a:extLst>
+                <a:ext uri="{FF2B5EF4-FFF2-40B4-BE49-F238E27FC236}">
+                  <a16:creationId xmlns:a16="http://schemas.microsoft.com/office/drawing/2014/main" id="{21FC6301-D0E6-AD48-90BC-379487BC5D1F}"/>
+                </a:ext>
+              </a:extLst>
+            </p:cNvPr>
+            <p:cNvCxnSpPr>
+              <a:cxnSpLocks/>
+              <a:stCxn id="14" idx="2"/>
+            </p:cNvCxnSpPr>
+            <p:nvPr/>
+          </p:nvCxnSpPr>
+          <p:spPr>
+            <a:xfrm>
+              <a:off x="7091464" y="3419273"/>
+              <a:ext cx="0" cy="1055450"/>
+            </a:xfrm>
+            <a:prstGeom prst="line">
+              <a:avLst/>
+            </a:prstGeom>
+            <a:ln w="12700"/>
+          </p:spPr>
+          <p:style>
+            <a:lnRef idx="1">
+              <a:schemeClr val="accent1"/>
+            </a:lnRef>
+            <a:fillRef idx="0">
+              <a:schemeClr val="accent1"/>
+            </a:fillRef>
+            <a:effectRef idx="0">
+              <a:schemeClr val="accent1"/>
+            </a:effectRef>
+            <a:fontRef idx="minor">
+              <a:schemeClr val="tx1"/>
+            </a:fontRef>
+          </p:style>
+        </p:cxnSp>
+        <p:cxnSp>
+          <p:nvCxnSpPr>
+            <p:cNvPr id="16" name="Straight Connector 15">
+              <a:extLst>
+                <a:ext uri="{FF2B5EF4-FFF2-40B4-BE49-F238E27FC236}">
+                  <a16:creationId xmlns:a16="http://schemas.microsoft.com/office/drawing/2014/main" id="{7FD89E1C-8005-E543-9D37-2C7673D48752}"/>
+                </a:ext>
+              </a:extLst>
+            </p:cNvPr>
+            <p:cNvCxnSpPr/>
+            <p:nvPr/>
+          </p:nvCxnSpPr>
+          <p:spPr>
+            <a:xfrm>
+              <a:off x="8200417" y="3429000"/>
+              <a:ext cx="0" cy="1055450"/>
+            </a:xfrm>
+            <a:prstGeom prst="line">
+              <a:avLst/>
+            </a:prstGeom>
+            <a:ln w="12700"/>
+          </p:spPr>
+          <p:style>
+            <a:lnRef idx="1">
+              <a:schemeClr val="accent1"/>
+            </a:lnRef>
+            <a:fillRef idx="0">
+              <a:schemeClr val="accent1"/>
+            </a:fillRef>
+            <a:effectRef idx="0">
+              <a:schemeClr val="accent1"/>
+            </a:effectRef>
+            <a:fontRef idx="minor">
+              <a:schemeClr val="tx1"/>
+            </a:fontRef>
+          </p:style>
+        </p:cxnSp>
+        <p:sp>
+          <p:nvSpPr>
+            <p:cNvPr id="17" name="Oval 16">
+              <a:extLst>
+                <a:ext uri="{FF2B5EF4-FFF2-40B4-BE49-F238E27FC236}">
+                  <a16:creationId xmlns:a16="http://schemas.microsoft.com/office/drawing/2014/main" id="{3C4120C2-F450-8E45-970C-E939BE0DC15B}"/>
+                </a:ext>
+              </a:extLst>
+            </p:cNvPr>
+            <p:cNvSpPr/>
+            <p:nvPr/>
+          </p:nvSpPr>
+          <p:spPr>
+            <a:xfrm>
+              <a:off x="7091463" y="4348263"/>
+              <a:ext cx="1108953" cy="321013"/>
+            </a:xfrm>
+            <a:prstGeom prst="ellipse">
+              <a:avLst/>
+            </a:prstGeom>
+          </p:spPr>
+          <p:style>
+            <a:lnRef idx="2">
+              <a:schemeClr val="accent1">
+                <a:shade val="50000"/>
+              </a:schemeClr>
+            </a:lnRef>
+            <a:fillRef idx="1">
+              <a:schemeClr val="accent1"/>
+            </a:fillRef>
+            <a:effectRef idx="0">
+              <a:schemeClr val="accent1"/>
+            </a:effectRef>
+            <a:fontRef idx="minor">
+              <a:schemeClr val="lt1"/>
+            </a:fontRef>
+          </p:style>
+          <p:txBody>
+            <a:bodyPr rtlCol="0" anchor="ctr"/>
+            <a:lstStyle/>
+            <a:p>
+              <a:pPr algn="ctr"/>
+              <a:endParaRPr lang="en-US"/>
+            </a:p>
+          </p:txBody>
+        </p:sp>
+      </p:grpSp>
+      <p:sp>
+        <p:nvSpPr>
+          <p:cNvPr id="18" name="TextBox 17">
+            <a:extLst>
+              <a:ext uri="{FF2B5EF4-FFF2-40B4-BE49-F238E27FC236}">
+                <a16:creationId xmlns:a16="http://schemas.microsoft.com/office/drawing/2014/main" id="{1608FE50-3C34-3E46-9E1E-F3FD7D04CEDC}"/>
+              </a:ext>
+            </a:extLst>
+          </p:cNvPr>
+          <p:cNvSpPr txBox="1"/>
+          <p:nvPr/>
+        </p:nvSpPr>
+        <p:spPr>
+          <a:xfrm>
+            <a:off x="3535316" y="2251983"/>
+            <a:ext cx="884345" cy="461665"/>
+          </a:xfrm>
+          <a:prstGeom prst="rect">
+            <a:avLst/>
+          </a:prstGeom>
+          <a:noFill/>
+        </p:spPr>
+        <p:txBody>
+          <a:bodyPr wrap="none" rtlCol="0">
+            <a:spAutoFit/>
+          </a:bodyPr>
+          <a:lstStyle/>
+          <a:p>
+            <a:pPr algn="ctr"/>
+            <a:r>
+              <a:rPr lang="en-US" sz="1200" dirty="0"/>
+              <a:t>entry_stats</a:t>
+            </a:r>
+          </a:p>
+          <a:p>
+            <a:pPr algn="ctr"/>
+            <a:r>
+              <a:rPr lang="en-US" sz="1200" dirty="0"/>
+              <a:t>table</a:t>
+            </a:r>
+          </a:p>
+        </p:txBody>
+      </p:sp>
+      <p:sp>
+        <p:nvSpPr>
+          <p:cNvPr id="19" name="Oval 18">
+            <a:extLst>
+              <a:ext uri="{FF2B5EF4-FFF2-40B4-BE49-F238E27FC236}">
+                <a16:creationId xmlns:a16="http://schemas.microsoft.com/office/drawing/2014/main" id="{4DC0554B-7023-2A46-85FF-E41794DA72C6}"/>
+              </a:ext>
+            </a:extLst>
+          </p:cNvPr>
+          <p:cNvSpPr/>
+          <p:nvPr/>
+        </p:nvSpPr>
+        <p:spPr>
+          <a:xfrm>
+            <a:off x="7801685" y="1575927"/>
+            <a:ext cx="2408715" cy="541959"/>
+          </a:xfrm>
+          <a:prstGeom prst="ellipse">
+            <a:avLst/>
+          </a:prstGeom>
+          <a:solidFill>
+            <a:schemeClr val="accent4">
+              <a:lumMod val="75000"/>
+            </a:schemeClr>
+          </a:solidFill>
+          <a:ln>
+            <a:solidFill>
+              <a:schemeClr val="accent4">
+                <a:lumMod val="50000"/>
+              </a:schemeClr>
+            </a:solidFill>
+          </a:ln>
+        </p:spPr>
+        <p:style>
+          <a:lnRef idx="2">
+            <a:schemeClr val="accent1">
+              <a:shade val="50000"/>
+            </a:schemeClr>
+          </a:lnRef>
+          <a:fillRef idx="1">
+            <a:schemeClr val="accent1"/>
+          </a:fillRef>
+          <a:effectRef idx="0">
+            <a:schemeClr val="accent1"/>
+          </a:effectRef>
+          <a:fontRef idx="minor">
+            <a:schemeClr val="lt1"/>
+          </a:fontRef>
+        </p:style>
+        <p:txBody>
+          <a:bodyPr rtlCol="0" anchor="ctr"/>
+          <a:lstStyle/>
+          <a:p>
+            <a:pPr algn="ctr"/>
+            <a:endParaRPr lang="en-US" sz="1200" dirty="0"/>
+          </a:p>
+          <a:p>
+            <a:pPr algn="ctr"/>
+            <a:r>
+              <a:rPr lang="en-US" sz="1000" dirty="0">
+                <a:solidFill>
+                  <a:schemeClr val="bg1"/>
+                </a:solidFill>
+              </a:rPr>
+              <a:t>PoolUpdate.py</a:t>
+            </a:r>
+          </a:p>
+          <a:p>
+            <a:pPr marL="171450" indent="-171450" algn="ctr">
+              <a:buFontTx/>
+              <a:buChar char="-"/>
+            </a:pPr>
+            <a:r>
+              <a:rPr lang="en-US" sz="1000" dirty="0">
+                <a:solidFill>
+                  <a:schemeClr val="accent6">
+                    <a:lumMod val="50000"/>
+                  </a:schemeClr>
+                </a:solidFill>
+              </a:rPr>
+              <a:t>Update </a:t>
+            </a:r>
+            <a:r>
+              <a:rPr lang="en-US" sz="1000" dirty="0" err="1">
+                <a:solidFill>
+                  <a:schemeClr val="accent6">
+                    <a:lumMod val="50000"/>
+                  </a:schemeClr>
+                </a:solidFill>
+              </a:rPr>
+              <a:t>entry_stats</a:t>
+            </a:r>
+            <a:r>
+              <a:rPr lang="en-US" sz="1000" dirty="0">
+                <a:solidFill>
+                  <a:schemeClr val="accent6">
+                    <a:lumMod val="50000"/>
+                  </a:schemeClr>
+                </a:solidFill>
+              </a:rPr>
+              <a:t>_ table</a:t>
+            </a:r>
+          </a:p>
+          <a:p>
+            <a:pPr marL="171450" indent="-171450" algn="ctr">
+              <a:buFontTx/>
+              <a:buChar char="-"/>
+            </a:pPr>
+            <a:r>
+              <a:rPr lang="en-US" sz="1000" dirty="0">
+                <a:solidFill>
+                  <a:schemeClr val="accent6">
+                    <a:lumMod val="50000"/>
+                  </a:schemeClr>
+                </a:solidFill>
+              </a:rPr>
+              <a:t>Update pool table</a:t>
+            </a:r>
+          </a:p>
+          <a:p>
+            <a:pPr algn="ctr"/>
+            <a:endParaRPr lang="en-US" dirty="0"/>
+          </a:p>
+        </p:txBody>
+      </p:sp>
+      <p:sp>
+        <p:nvSpPr>
+          <p:cNvPr id="20" name="Arc 19">
+            <a:extLst>
+              <a:ext uri="{FF2B5EF4-FFF2-40B4-BE49-F238E27FC236}">
+                <a16:creationId xmlns:a16="http://schemas.microsoft.com/office/drawing/2014/main" id="{E73A7DBD-0959-C048-B9DD-458111CF5924}"/>
+              </a:ext>
+            </a:extLst>
+          </p:cNvPr>
+          <p:cNvSpPr/>
+          <p:nvPr/>
+        </p:nvSpPr>
+        <p:spPr>
+          <a:xfrm rot="16506388">
+            <a:off x="3988704" y="1271171"/>
+            <a:ext cx="924128" cy="846467"/>
+          </a:xfrm>
+          <a:prstGeom prst="arc">
+            <a:avLst/>
+          </a:prstGeom>
+          <a:ln w="12700">
+            <a:headEnd type="triangle" w="med" len="med"/>
+            <a:tailEnd type="none" w="med" len="med"/>
+          </a:ln>
+        </p:spPr>
+        <p:style>
+          <a:lnRef idx="1">
+            <a:schemeClr val="accent1"/>
+          </a:lnRef>
+          <a:fillRef idx="0">
+            <a:schemeClr val="accent1"/>
+          </a:fillRef>
+          <a:effectRef idx="0">
+            <a:schemeClr val="accent1"/>
+          </a:effectRef>
+          <a:fontRef idx="minor">
+            <a:schemeClr val="tx1"/>
+          </a:fontRef>
+        </p:style>
+        <p:txBody>
+          <a:bodyPr rtlCol="0" anchor="ctr"/>
+          <a:lstStyle/>
+          <a:p>
+            <a:pPr algn="ctr"/>
+            <a:endParaRPr lang="en-US"/>
+          </a:p>
+        </p:txBody>
+      </p:sp>
+      <p:sp>
+        <p:nvSpPr>
+          <p:cNvPr id="21" name="Arc 20">
+            <a:extLst>
+              <a:ext uri="{FF2B5EF4-FFF2-40B4-BE49-F238E27FC236}">
+                <a16:creationId xmlns:a16="http://schemas.microsoft.com/office/drawing/2014/main" id="{120188A5-BCCF-1C41-95AD-D968DF3F4A64}"/>
+              </a:ext>
+            </a:extLst>
+          </p:cNvPr>
+          <p:cNvSpPr/>
+          <p:nvPr/>
+        </p:nvSpPr>
+        <p:spPr>
+          <a:xfrm>
+            <a:off x="6197181" y="1247418"/>
+            <a:ext cx="1116139" cy="805122"/>
+          </a:xfrm>
+          <a:prstGeom prst="arc">
+            <a:avLst>
+              <a:gd name="adj1" fmla="val 16011110"/>
+              <a:gd name="adj2" fmla="val 0"/>
+            </a:avLst>
+          </a:prstGeom>
+          <a:ln w="19050">
+            <a:headEnd type="triangle" w="med" len="med"/>
+            <a:tailEnd type="none" w="med" len="med"/>
+          </a:ln>
+        </p:spPr>
+        <p:style>
+          <a:lnRef idx="1">
+            <a:schemeClr val="accent1"/>
+          </a:lnRef>
+          <a:fillRef idx="0">
+            <a:schemeClr val="accent1"/>
+          </a:fillRef>
+          <a:effectRef idx="0">
+            <a:schemeClr val="accent1"/>
+          </a:effectRef>
+          <a:fontRef idx="minor">
+            <a:schemeClr val="tx1"/>
+          </a:fontRef>
+        </p:style>
+        <p:txBody>
+          <a:bodyPr rtlCol="0" anchor="ctr"/>
+          <a:lstStyle/>
+          <a:p>
+            <a:pPr algn="ctr"/>
+            <a:endParaRPr lang="en-US"/>
+          </a:p>
+        </p:txBody>
+      </p:sp>
+      <p:sp>
+        <p:nvSpPr>
+          <p:cNvPr id="22" name="Oval 21">
+            <a:extLst>
+              <a:ext uri="{FF2B5EF4-FFF2-40B4-BE49-F238E27FC236}">
+                <a16:creationId xmlns:a16="http://schemas.microsoft.com/office/drawing/2014/main" id="{6929D1F3-F8C7-B748-B3DE-50809BB4897C}"/>
+              </a:ext>
+            </a:extLst>
+          </p:cNvPr>
+          <p:cNvSpPr/>
+          <p:nvPr/>
+        </p:nvSpPr>
+        <p:spPr>
+          <a:xfrm>
+            <a:off x="1220278" y="1030977"/>
+            <a:ext cx="2074537" cy="432881"/>
+          </a:xfrm>
+          <a:prstGeom prst="ellipse">
+            <a:avLst/>
+          </a:prstGeom>
+          <a:solidFill>
+            <a:schemeClr val="accent4">
+              <a:lumMod val="75000"/>
+            </a:schemeClr>
+          </a:solidFill>
+          <a:ln>
+            <a:solidFill>
+              <a:schemeClr val="accent4">
+                <a:lumMod val="50000"/>
+              </a:schemeClr>
+            </a:solidFill>
+          </a:ln>
+        </p:spPr>
+        <p:style>
+          <a:lnRef idx="2">
+            <a:schemeClr val="accent1">
+              <a:shade val="50000"/>
+            </a:schemeClr>
+          </a:lnRef>
+          <a:fillRef idx="1">
+            <a:schemeClr val="accent1"/>
+          </a:fillRef>
+          <a:effectRef idx="0">
+            <a:schemeClr val="accent1"/>
+          </a:effectRef>
+          <a:fontRef idx="minor">
+            <a:schemeClr val="lt1"/>
+          </a:fontRef>
+        </p:style>
+        <p:txBody>
+          <a:bodyPr rtlCol="0" anchor="ctr"/>
+          <a:lstStyle/>
+          <a:p>
+            <a:pPr algn="ctr"/>
+            <a:endParaRPr lang="en-US" sz="1200" dirty="0"/>
+          </a:p>
+          <a:p>
+            <a:pPr algn="ctr"/>
+            <a:r>
+              <a:rPr lang="en-US" sz="1400" dirty="0"/>
+              <a:t>RenderPool.py</a:t>
+            </a:r>
+          </a:p>
+          <a:p>
+            <a:pPr algn="ctr"/>
+            <a:endParaRPr lang="en-US" dirty="0"/>
+          </a:p>
+        </p:txBody>
+      </p:sp>
+      <p:sp>
+        <p:nvSpPr>
+          <p:cNvPr id="27" name="Arc 26">
+            <a:extLst>
+              <a:ext uri="{FF2B5EF4-FFF2-40B4-BE49-F238E27FC236}">
+                <a16:creationId xmlns:a16="http://schemas.microsoft.com/office/drawing/2014/main" id="{32A7393A-1012-4E48-AA32-291E207B9247}"/>
+              </a:ext>
+            </a:extLst>
+          </p:cNvPr>
+          <p:cNvSpPr/>
+          <p:nvPr/>
+        </p:nvSpPr>
+        <p:spPr>
+          <a:xfrm>
+            <a:off x="2769605" y="1257302"/>
+            <a:ext cx="1116139" cy="805122"/>
+          </a:xfrm>
+          <a:prstGeom prst="arc">
+            <a:avLst>
+              <a:gd name="adj1" fmla="val 16011110"/>
+              <a:gd name="adj2" fmla="val 0"/>
+            </a:avLst>
+          </a:prstGeom>
+          <a:ln w="19050">
+            <a:headEnd type="triangle" w="med" len="med"/>
+            <a:tailEnd type="none" w="med" len="med"/>
+          </a:ln>
+        </p:spPr>
+        <p:style>
+          <a:lnRef idx="1">
+            <a:schemeClr val="accent1"/>
+          </a:lnRef>
+          <a:fillRef idx="0">
+            <a:schemeClr val="accent1"/>
+          </a:fillRef>
+          <a:effectRef idx="0">
+            <a:schemeClr val="accent1"/>
+          </a:effectRef>
+          <a:fontRef idx="minor">
+            <a:schemeClr val="tx1"/>
+          </a:fontRef>
+        </p:style>
+        <p:txBody>
+          <a:bodyPr rtlCol="0" anchor="ctr"/>
+          <a:lstStyle/>
+          <a:p>
+            <a:pPr algn="ctr"/>
+            <a:endParaRPr lang="en-US"/>
+          </a:p>
+        </p:txBody>
+      </p:sp>
+      <p:sp>
+        <p:nvSpPr>
+          <p:cNvPr id="57" name="Oval 56">
+            <a:extLst>
+              <a:ext uri="{FF2B5EF4-FFF2-40B4-BE49-F238E27FC236}">
+                <a16:creationId xmlns:a16="http://schemas.microsoft.com/office/drawing/2014/main" id="{601AE9CA-21EF-A149-8798-F16BBFDC9B61}"/>
+              </a:ext>
+            </a:extLst>
+          </p:cNvPr>
+          <p:cNvSpPr/>
+          <p:nvPr/>
+        </p:nvSpPr>
+        <p:spPr>
+          <a:xfrm>
+            <a:off x="296914" y="2852065"/>
+            <a:ext cx="2188571" cy="432881"/>
+          </a:xfrm>
+          <a:prstGeom prst="ellipse">
+            <a:avLst/>
+          </a:prstGeom>
+          <a:solidFill>
+            <a:schemeClr val="accent4">
+              <a:lumMod val="75000"/>
+            </a:schemeClr>
+          </a:solidFill>
+          <a:ln>
+            <a:solidFill>
+              <a:schemeClr val="accent4">
+                <a:lumMod val="50000"/>
+              </a:schemeClr>
+            </a:solidFill>
+          </a:ln>
+        </p:spPr>
+        <p:style>
+          <a:lnRef idx="2">
+            <a:schemeClr val="accent1">
+              <a:shade val="50000"/>
+            </a:schemeClr>
+          </a:lnRef>
+          <a:fillRef idx="1">
+            <a:schemeClr val="accent1"/>
+          </a:fillRef>
+          <a:effectRef idx="0">
+            <a:schemeClr val="accent1"/>
+          </a:effectRef>
+          <a:fontRef idx="minor">
+            <a:schemeClr val="lt1"/>
+          </a:fontRef>
+        </p:style>
+        <p:txBody>
+          <a:bodyPr rtlCol="0" anchor="ctr"/>
+          <a:lstStyle/>
+          <a:p>
+            <a:pPr algn="ctr"/>
+            <a:endParaRPr lang="en-US" sz="1200" dirty="0"/>
+          </a:p>
+          <a:p>
+            <a:pPr algn="ctr"/>
+            <a:r>
+              <a:rPr lang="en-US" sz="1400" dirty="0">
+                <a:solidFill>
+                  <a:schemeClr val="bg1"/>
+                </a:solidFill>
+              </a:rPr>
+              <a:t>PlayerSelection.py</a:t>
+            </a:r>
+          </a:p>
+          <a:p>
+            <a:pPr algn="ctr"/>
+            <a:endParaRPr lang="en-US" dirty="0"/>
+          </a:p>
+        </p:txBody>
+      </p:sp>
+      <p:sp>
+        <p:nvSpPr>
+          <p:cNvPr id="60" name="TextBox 59">
+            <a:extLst>
+              <a:ext uri="{FF2B5EF4-FFF2-40B4-BE49-F238E27FC236}">
+                <a16:creationId xmlns:a16="http://schemas.microsoft.com/office/drawing/2014/main" id="{6E2E68D4-6739-E445-A5A7-9C77EB14D0C1}"/>
+              </a:ext>
+            </a:extLst>
+          </p:cNvPr>
+          <p:cNvSpPr txBox="1"/>
+          <p:nvPr/>
+        </p:nvSpPr>
+        <p:spPr>
+          <a:xfrm>
+            <a:off x="7021369" y="3580826"/>
+            <a:ext cx="5213436" cy="2923877"/>
+          </a:xfrm>
+          <a:prstGeom prst="rect">
+            <a:avLst/>
+          </a:prstGeom>
+          <a:noFill/>
+        </p:spPr>
+        <p:txBody>
+          <a:bodyPr wrap="square" rtlCol="0">
+            <a:spAutoFit/>
+          </a:bodyPr>
+          <a:lstStyle/>
+          <a:p>
+            <a:r>
+              <a:rPr lang="en-US" sz="1600" i="1" dirty="0" err="1">
+                <a:solidFill>
+                  <a:schemeClr val="accent6">
+                    <a:lumMod val="50000"/>
+                  </a:schemeClr>
+                </a:solidFill>
+              </a:rPr>
+              <a:t>pool_entry</a:t>
+            </a:r>
+            <a:r>
+              <a:rPr lang="en-US" sz="1600" i="1" dirty="0">
+                <a:solidFill>
+                  <a:schemeClr val="accent6">
+                    <a:lumMod val="50000"/>
+                  </a:schemeClr>
+                </a:solidFill>
+              </a:rPr>
+              <a:t> table;</a:t>
+            </a:r>
+            <a:endParaRPr lang="en-US" sz="1600" dirty="0">
+              <a:solidFill>
+                <a:schemeClr val="accent6">
+                  <a:lumMod val="50000"/>
+                </a:schemeClr>
+              </a:solidFill>
+            </a:endParaRPr>
+          </a:p>
+          <a:p>
+            <a:r>
+              <a:rPr lang="en-US" sz="1400" dirty="0">
+                <a:solidFill>
+                  <a:srgbClr val="FF0000"/>
+                </a:solidFill>
+              </a:rPr>
+              <a:t>PoolTeamName: [QuadSquad]</a:t>
+            </a:r>
+          </a:p>
+          <a:p>
+            <a:r>
+              <a:rPr lang="en-US" sz="1400" dirty="0">
+                <a:solidFill>
+                  <a:srgbClr val="FF0000"/>
+                </a:solidFill>
+              </a:rPr>
+              <a:t>GM: [GM Name]</a:t>
+            </a:r>
+          </a:p>
+          <a:p>
+            <a:r>
+              <a:rPr lang="en-US" sz="1400" dirty="0">
+                <a:solidFill>
+                  <a:srgbClr val="FF0000"/>
+                </a:solidFill>
+              </a:rPr>
+              <a:t>Email:</a:t>
+            </a:r>
+          </a:p>
+          <a:p>
+            <a:r>
+              <a:rPr lang="en-US" sz="1400" dirty="0">
+                <a:solidFill>
+                  <a:srgbClr val="FF0000"/>
+                </a:solidFill>
+              </a:rPr>
+              <a:t>Hometown:</a:t>
+            </a:r>
+          </a:p>
+          <a:p>
+            <a:r>
+              <a:rPr lang="en-US" sz="1400" dirty="0">
+                <a:solidFill>
+                  <a:srgbClr val="FF0000"/>
+                </a:solidFill>
+              </a:rPr>
+              <a:t>Country:</a:t>
+            </a:r>
+          </a:p>
+          <a:p>
+            <a:r>
+              <a:rPr lang="en-US" sz="1400" dirty="0">
+                <a:solidFill>
+                  <a:srgbClr val="FF0000"/>
+                </a:solidFill>
+              </a:rPr>
+              <a:t>Pay Status: [NotPaid, PayPal, Cheque, Cash, Coupon]</a:t>
+            </a:r>
+          </a:p>
+          <a:p>
+            <a:r>
+              <a:rPr lang="en-US" sz="1400" dirty="0">
+                <a:solidFill>
+                  <a:srgbClr val="FF0000"/>
+                </a:solidFill>
+              </a:rPr>
+              <a:t>Pay Amount: </a:t>
+            </a:r>
+          </a:p>
+          <a:p>
+            <a:r>
+              <a:rPr lang="en-US" sz="1400" dirty="0">
+                <a:solidFill>
+                  <a:srgbClr val="FF0000"/>
+                </a:solidFill>
+              </a:rPr>
+              <a:t>Status:  [Incomplete, complete]</a:t>
+            </a:r>
+          </a:p>
+          <a:p>
+            <a:r>
+              <a:rPr lang="en-US" sz="1400" dirty="0">
+                <a:solidFill>
+                  <a:srgbClr val="FF0000"/>
+                </a:solidFill>
+              </a:rPr>
+              <a:t>…  </a:t>
+            </a:r>
+          </a:p>
+          <a:p>
+            <a:endParaRPr lang="en-US" sz="1400" dirty="0">
+              <a:solidFill>
+                <a:srgbClr val="FF0000"/>
+              </a:solidFill>
+            </a:endParaRPr>
+          </a:p>
+          <a:p>
+            <a:r>
+              <a:rPr lang="en-US" sz="1400" dirty="0">
+                <a:solidFill>
+                  <a:srgbClr val="FF0000"/>
+                </a:solidFill>
+              </a:rPr>
+              <a:t>25* </a:t>
+            </a:r>
+          </a:p>
+          <a:p>
+            <a:r>
+              <a:rPr lang="en-US" sz="1400" dirty="0">
+                <a:solidFill>
+                  <a:srgbClr val="FF0000"/>
+                </a:solidFill>
+              </a:rPr>
+              <a:t>ID, Name, Team, G, A, W, SO, Pts, State</a:t>
+            </a:r>
+          </a:p>
+        </p:txBody>
+      </p:sp>
+      <p:sp>
+        <p:nvSpPr>
+          <p:cNvPr id="49" name="Oval 48">
+            <a:extLst>
+              <a:ext uri="{FF2B5EF4-FFF2-40B4-BE49-F238E27FC236}">
+                <a16:creationId xmlns:a16="http://schemas.microsoft.com/office/drawing/2014/main" id="{03A8D5E4-FFA6-4248-8C29-32D7B872CB27}"/>
+              </a:ext>
+            </a:extLst>
+          </p:cNvPr>
+          <p:cNvSpPr/>
+          <p:nvPr/>
+        </p:nvSpPr>
+        <p:spPr>
+          <a:xfrm>
+            <a:off x="4138550" y="174280"/>
+            <a:ext cx="2313566" cy="432881"/>
+          </a:xfrm>
+          <a:prstGeom prst="ellipse">
+            <a:avLst/>
+          </a:prstGeom>
+          <a:solidFill>
+            <a:schemeClr val="accent2">
+              <a:lumMod val="60000"/>
+              <a:lumOff val="40000"/>
+            </a:schemeClr>
+          </a:solidFill>
+          <a:ln>
+            <a:solidFill>
+              <a:schemeClr val="accent4">
+                <a:lumMod val="50000"/>
+              </a:schemeClr>
+            </a:solidFill>
+          </a:ln>
+        </p:spPr>
+        <p:style>
+          <a:lnRef idx="2">
+            <a:schemeClr val="accent1">
+              <a:shade val="50000"/>
+            </a:schemeClr>
+          </a:lnRef>
+          <a:fillRef idx="1">
+            <a:schemeClr val="accent1"/>
+          </a:fillRef>
+          <a:effectRef idx="0">
+            <a:schemeClr val="accent1"/>
+          </a:effectRef>
+          <a:fontRef idx="minor">
+            <a:schemeClr val="lt1"/>
+          </a:fontRef>
+        </p:style>
+        <p:txBody>
+          <a:bodyPr rtlCol="0" anchor="ctr"/>
+          <a:lstStyle/>
+          <a:p>
+            <a:pPr algn="ctr"/>
+            <a:endParaRPr lang="en-US" sz="1200" dirty="0"/>
+          </a:p>
+          <a:p>
+            <a:pPr algn="ctr"/>
+            <a:r>
+              <a:rPr lang="en-US" sz="1100" dirty="0">
+                <a:solidFill>
+                  <a:schemeClr val="bg1"/>
+                </a:solidFill>
+              </a:rPr>
+              <a:t>UpdateGoalieAssist.py</a:t>
+            </a:r>
+          </a:p>
+          <a:p>
+            <a:pPr algn="ctr"/>
+            <a:endParaRPr lang="en-US" dirty="0"/>
+          </a:p>
+        </p:txBody>
+      </p:sp>
+      <p:sp>
+        <p:nvSpPr>
+          <p:cNvPr id="62" name="Arc 61">
+            <a:extLst>
+              <a:ext uri="{FF2B5EF4-FFF2-40B4-BE49-F238E27FC236}">
+                <a16:creationId xmlns:a16="http://schemas.microsoft.com/office/drawing/2014/main" id="{D036EA86-FD2A-8D4C-B708-25AEF451A03F}"/>
+              </a:ext>
+            </a:extLst>
+          </p:cNvPr>
+          <p:cNvSpPr/>
+          <p:nvPr/>
+        </p:nvSpPr>
+        <p:spPr>
+          <a:xfrm>
+            <a:off x="5093204" y="464076"/>
+            <a:ext cx="2454646" cy="2494433"/>
+          </a:xfrm>
+          <a:prstGeom prst="arc">
+            <a:avLst>
+              <a:gd name="adj1" fmla="val 16476661"/>
+              <a:gd name="adj2" fmla="val 21383399"/>
+            </a:avLst>
+          </a:prstGeom>
+          <a:ln w="19050">
+            <a:headEnd type="none" w="med" len="med"/>
+            <a:tailEnd type="triangle" w="med" len="med"/>
+          </a:ln>
+        </p:spPr>
+        <p:style>
+          <a:lnRef idx="1">
+            <a:schemeClr val="accent1"/>
+          </a:lnRef>
+          <a:fillRef idx="0">
+            <a:schemeClr val="accent1"/>
+          </a:fillRef>
+          <a:effectRef idx="0">
+            <a:schemeClr val="accent1"/>
+          </a:effectRef>
+          <a:fontRef idx="minor">
+            <a:schemeClr val="tx1"/>
+          </a:fontRef>
+        </p:style>
+        <p:txBody>
+          <a:bodyPr rtlCol="0" anchor="ctr"/>
+          <a:lstStyle/>
+          <a:p>
+            <a:pPr algn="ctr"/>
+            <a:endParaRPr lang="en-US"/>
+          </a:p>
+        </p:txBody>
+      </p:sp>
+      <p:sp>
+        <p:nvSpPr>
+          <p:cNvPr id="63" name="Oval 62">
+            <a:extLst>
+              <a:ext uri="{FF2B5EF4-FFF2-40B4-BE49-F238E27FC236}">
+                <a16:creationId xmlns:a16="http://schemas.microsoft.com/office/drawing/2014/main" id="{F84548AE-C567-2E46-AFB2-552FEF3EDB1B}"/>
+              </a:ext>
+            </a:extLst>
+          </p:cNvPr>
+          <p:cNvSpPr/>
+          <p:nvPr/>
+        </p:nvSpPr>
+        <p:spPr>
+          <a:xfrm>
+            <a:off x="282506" y="2247923"/>
+            <a:ext cx="2163967" cy="432881"/>
+          </a:xfrm>
+          <a:prstGeom prst="ellipse">
+            <a:avLst/>
+          </a:prstGeom>
+          <a:solidFill>
+            <a:schemeClr val="accent4">
+              <a:lumMod val="75000"/>
+            </a:schemeClr>
+          </a:solidFill>
+          <a:ln>
+            <a:solidFill>
+              <a:schemeClr val="accent4">
+                <a:lumMod val="50000"/>
+              </a:schemeClr>
+            </a:solidFill>
+          </a:ln>
+        </p:spPr>
+        <p:style>
+          <a:lnRef idx="2">
+            <a:schemeClr val="accent1">
+              <a:shade val="50000"/>
+            </a:schemeClr>
+          </a:lnRef>
+          <a:fillRef idx="1">
+            <a:schemeClr val="accent1"/>
+          </a:fillRef>
+          <a:effectRef idx="0">
+            <a:schemeClr val="accent1"/>
+          </a:effectRef>
+          <a:fontRef idx="minor">
+            <a:schemeClr val="lt1"/>
+          </a:fontRef>
+        </p:style>
+        <p:txBody>
+          <a:bodyPr rtlCol="0" anchor="ctr"/>
+          <a:lstStyle/>
+          <a:p>
+            <a:pPr algn="ctr"/>
+            <a:endParaRPr lang="en-US" sz="1200" dirty="0"/>
+          </a:p>
+          <a:p>
+            <a:pPr algn="ctr"/>
+            <a:r>
+              <a:rPr lang="en-US" sz="1400" dirty="0" err="1">
+                <a:solidFill>
+                  <a:schemeClr val="bg1"/>
+                </a:solidFill>
+              </a:rPr>
+              <a:t>entryRegister.py</a:t>
+            </a:r>
+            <a:endParaRPr lang="en-US" sz="1400" dirty="0">
+              <a:solidFill>
+                <a:schemeClr val="bg1"/>
+              </a:solidFill>
+            </a:endParaRPr>
+          </a:p>
+          <a:p>
+            <a:pPr algn="ctr"/>
+            <a:endParaRPr lang="en-US" dirty="0"/>
+          </a:p>
+        </p:txBody>
+      </p:sp>
+      <p:grpSp>
+        <p:nvGrpSpPr>
+          <p:cNvPr id="66" name="Group 65">
+            <a:extLst>
+              <a:ext uri="{FF2B5EF4-FFF2-40B4-BE49-F238E27FC236}">
+                <a16:creationId xmlns:a16="http://schemas.microsoft.com/office/drawing/2014/main" id="{A3B48FC0-1E29-4546-8E64-7990E7388A61}"/>
+              </a:ext>
+            </a:extLst>
+          </p:cNvPr>
+          <p:cNvGrpSpPr/>
+          <p:nvPr/>
+        </p:nvGrpSpPr>
+        <p:grpSpPr>
+          <a:xfrm>
+            <a:off x="5051025" y="2315055"/>
+            <a:ext cx="1108954" cy="1410510"/>
+            <a:chOff x="7091463" y="3258766"/>
+            <a:chExt cx="1108954" cy="1410510"/>
+          </a:xfrm>
+        </p:grpSpPr>
+        <p:sp>
+          <p:nvSpPr>
+            <p:cNvPr id="67" name="Oval 66">
+              <a:extLst>
+                <a:ext uri="{FF2B5EF4-FFF2-40B4-BE49-F238E27FC236}">
+                  <a16:creationId xmlns:a16="http://schemas.microsoft.com/office/drawing/2014/main" id="{874C2BD9-6483-C746-B8EE-809D087F9701}"/>
+                </a:ext>
+              </a:extLst>
+            </p:cNvPr>
+            <p:cNvSpPr/>
+            <p:nvPr/>
+          </p:nvSpPr>
+          <p:spPr>
+            <a:xfrm>
+              <a:off x="7091464" y="3258766"/>
+              <a:ext cx="1108953" cy="321013"/>
+            </a:xfrm>
+            <a:prstGeom prst="ellipse">
+              <a:avLst/>
+            </a:prstGeom>
+            <a:solidFill>
+              <a:schemeClr val="accent2">
+                <a:lumMod val="60000"/>
+                <a:lumOff val="40000"/>
+              </a:schemeClr>
+            </a:solidFill>
+          </p:spPr>
+          <p:style>
+            <a:lnRef idx="2">
+              <a:schemeClr val="accent1">
+                <a:shade val="50000"/>
+              </a:schemeClr>
+            </a:lnRef>
+            <a:fillRef idx="1">
+              <a:schemeClr val="accent1"/>
+            </a:fillRef>
+            <a:effectRef idx="0">
+              <a:schemeClr val="accent1"/>
+            </a:effectRef>
+            <a:fontRef idx="minor">
+              <a:schemeClr val="lt1"/>
+            </a:fontRef>
+          </p:style>
+          <p:txBody>
+            <a:bodyPr rtlCol="0" anchor="ctr"/>
+            <a:lstStyle/>
+            <a:p>
+              <a:pPr algn="ctr"/>
+              <a:r>
+                <a:rPr lang="en-US" sz="1200" dirty="0" err="1">
+                  <a:solidFill>
+                    <a:schemeClr val="tx1"/>
+                  </a:solidFill>
+                </a:rPr>
+                <a:t>teamsDB</a:t>
+              </a:r>
+              <a:endParaRPr lang="en-US" sz="1200" dirty="0">
+                <a:solidFill>
+                  <a:schemeClr val="tx1"/>
+                </a:solidFill>
+              </a:endParaRPr>
+            </a:p>
+          </p:txBody>
+        </p:sp>
+        <p:cxnSp>
+          <p:nvCxnSpPr>
+            <p:cNvPr id="68" name="Straight Connector 67">
+              <a:extLst>
+                <a:ext uri="{FF2B5EF4-FFF2-40B4-BE49-F238E27FC236}">
+                  <a16:creationId xmlns:a16="http://schemas.microsoft.com/office/drawing/2014/main" id="{64659F4F-3497-9340-A703-C602150A7EDF}"/>
+                </a:ext>
+              </a:extLst>
+            </p:cNvPr>
+            <p:cNvCxnSpPr>
+              <a:stCxn id="67" idx="2"/>
+            </p:cNvCxnSpPr>
+            <p:nvPr/>
+          </p:nvCxnSpPr>
+          <p:spPr>
+            <a:xfrm>
+              <a:off x="7091464" y="3419273"/>
+              <a:ext cx="0" cy="1055450"/>
+            </a:xfrm>
+            <a:prstGeom prst="line">
+              <a:avLst/>
+            </a:prstGeom>
+            <a:ln w="12700"/>
+          </p:spPr>
+          <p:style>
+            <a:lnRef idx="1">
+              <a:schemeClr val="accent1"/>
+            </a:lnRef>
+            <a:fillRef idx="0">
+              <a:schemeClr val="accent1"/>
+            </a:fillRef>
+            <a:effectRef idx="0">
+              <a:schemeClr val="accent1"/>
+            </a:effectRef>
+            <a:fontRef idx="minor">
+              <a:schemeClr val="tx1"/>
+            </a:fontRef>
+          </p:style>
+        </p:cxnSp>
+        <p:cxnSp>
+          <p:nvCxnSpPr>
+            <p:cNvPr id="69" name="Straight Connector 68">
+              <a:extLst>
+                <a:ext uri="{FF2B5EF4-FFF2-40B4-BE49-F238E27FC236}">
+                  <a16:creationId xmlns:a16="http://schemas.microsoft.com/office/drawing/2014/main" id="{193B502D-0B3C-374B-ABA7-60970D47675D}"/>
+                </a:ext>
+              </a:extLst>
+            </p:cNvPr>
+            <p:cNvCxnSpPr/>
+            <p:nvPr/>
+          </p:nvCxnSpPr>
+          <p:spPr>
+            <a:xfrm>
+              <a:off x="8200417" y="3429000"/>
+              <a:ext cx="0" cy="1055450"/>
+            </a:xfrm>
+            <a:prstGeom prst="line">
+              <a:avLst/>
+            </a:prstGeom>
+            <a:ln w="12700"/>
+          </p:spPr>
+          <p:style>
+            <a:lnRef idx="1">
+              <a:schemeClr val="accent1"/>
+            </a:lnRef>
+            <a:fillRef idx="0">
+              <a:schemeClr val="accent1"/>
+            </a:fillRef>
+            <a:effectRef idx="0">
+              <a:schemeClr val="accent1"/>
+            </a:effectRef>
+            <a:fontRef idx="minor">
+              <a:schemeClr val="tx1"/>
+            </a:fontRef>
+          </p:style>
+        </p:cxnSp>
+        <p:sp>
+          <p:nvSpPr>
+            <p:cNvPr id="70" name="Oval 69">
+              <a:extLst>
+                <a:ext uri="{FF2B5EF4-FFF2-40B4-BE49-F238E27FC236}">
+                  <a16:creationId xmlns:a16="http://schemas.microsoft.com/office/drawing/2014/main" id="{197095D4-FF58-EF4C-8490-74E6B3A943E3}"/>
+                </a:ext>
+              </a:extLst>
+            </p:cNvPr>
+            <p:cNvSpPr/>
+            <p:nvPr/>
+          </p:nvSpPr>
+          <p:spPr>
+            <a:xfrm>
+              <a:off x="7091463" y="4348263"/>
+              <a:ext cx="1108953" cy="321013"/>
+            </a:xfrm>
+            <a:prstGeom prst="ellipse">
+              <a:avLst/>
+            </a:prstGeom>
+            <a:solidFill>
+              <a:schemeClr val="accent2">
+                <a:lumMod val="75000"/>
+              </a:schemeClr>
+            </a:solidFill>
+          </p:spPr>
+          <p:style>
+            <a:lnRef idx="2">
+              <a:schemeClr val="accent1">
+                <a:shade val="50000"/>
+              </a:schemeClr>
+            </a:lnRef>
+            <a:fillRef idx="1">
+              <a:schemeClr val="accent1"/>
+            </a:fillRef>
+            <a:effectRef idx="0">
+              <a:schemeClr val="accent1"/>
+            </a:effectRef>
+            <a:fontRef idx="minor">
+              <a:schemeClr val="lt1"/>
+            </a:fontRef>
+          </p:style>
+          <p:txBody>
+            <a:bodyPr rtlCol="0" anchor="ctr"/>
+            <a:lstStyle/>
+            <a:p>
+              <a:pPr algn="ctr"/>
+              <a:endParaRPr lang="en-US"/>
+            </a:p>
+          </p:txBody>
+        </p:sp>
+      </p:grpSp>
+      <p:sp>
+        <p:nvSpPr>
+          <p:cNvPr id="72" name="TextBox 71">
+            <a:extLst>
+              <a:ext uri="{FF2B5EF4-FFF2-40B4-BE49-F238E27FC236}">
+                <a16:creationId xmlns:a16="http://schemas.microsoft.com/office/drawing/2014/main" id="{B7362B68-67EA-5947-985C-666955371042}"/>
+              </a:ext>
+            </a:extLst>
+          </p:cNvPr>
+          <p:cNvSpPr txBox="1"/>
+          <p:nvPr/>
+        </p:nvSpPr>
+        <p:spPr>
+          <a:xfrm>
+            <a:off x="1776343" y="3745762"/>
+            <a:ext cx="3663028" cy="2062103"/>
+          </a:xfrm>
+          <a:prstGeom prst="rect">
+            <a:avLst/>
+          </a:prstGeom>
+          <a:noFill/>
+        </p:spPr>
+        <p:txBody>
+          <a:bodyPr wrap="square" rtlCol="0">
+            <a:spAutoFit/>
+          </a:bodyPr>
+          <a:lstStyle/>
+          <a:p>
+            <a:r>
+              <a:rPr lang="en-US" sz="1600" i="1" dirty="0">
+                <a:solidFill>
+                  <a:schemeClr val="accent6">
+                    <a:lumMod val="50000"/>
+                  </a:schemeClr>
+                </a:solidFill>
+              </a:rPr>
+              <a:t>teamsDB</a:t>
+            </a:r>
+            <a:r>
+              <a:rPr lang="en-US" sz="1600" dirty="0">
+                <a:solidFill>
+                  <a:schemeClr val="accent6">
+                    <a:lumMod val="50000"/>
+                  </a:schemeClr>
+                </a:solidFill>
+              </a:rPr>
+              <a:t>:</a:t>
+            </a:r>
+          </a:p>
+          <a:p>
+            <a:r>
+              <a:rPr lang="en-US" sz="1400" dirty="0">
+                <a:solidFill>
+                  <a:srgbClr val="FF0000"/>
+                </a:solidFill>
+              </a:rPr>
+              <a:t>team_id: [taken from NHL </a:t>
+            </a:r>
+            <a:r>
+              <a:rPr lang="en-US" sz="1400" dirty="0" err="1">
+                <a:solidFill>
+                  <a:srgbClr val="FF0000"/>
+                </a:solidFill>
+              </a:rPr>
+              <a:t>api</a:t>
+            </a:r>
+            <a:r>
+              <a:rPr lang="en-US" sz="1400" dirty="0">
+                <a:solidFill>
+                  <a:srgbClr val="FF0000"/>
+                </a:solidFill>
+              </a:rPr>
+              <a:t>]</a:t>
+            </a:r>
+          </a:p>
+          <a:p>
+            <a:r>
+              <a:rPr lang="en-US" sz="1400" dirty="0">
+                <a:solidFill>
+                  <a:srgbClr val="FF0000"/>
+                </a:solidFill>
+              </a:rPr>
+              <a:t>team_name: [NHL team name]</a:t>
+            </a:r>
+          </a:p>
+          <a:p>
+            <a:r>
+              <a:rPr lang="en-US" sz="1400" dirty="0">
+                <a:solidFill>
+                  <a:srgbClr val="FF0000"/>
+                </a:solidFill>
+              </a:rPr>
+              <a:t>status_id:  [0 = not qualified; </a:t>
+            </a:r>
+          </a:p>
+          <a:p>
+            <a:r>
+              <a:rPr lang="en-US" sz="1400" dirty="0">
+                <a:solidFill>
+                  <a:srgbClr val="FF0000"/>
+                </a:solidFill>
+              </a:rPr>
+              <a:t>	   1 = eliminated – 1</a:t>
+            </a:r>
+            <a:r>
+              <a:rPr lang="en-US" sz="1400" baseline="30000" dirty="0">
+                <a:solidFill>
+                  <a:srgbClr val="FF0000"/>
+                </a:solidFill>
+              </a:rPr>
+              <a:t>st</a:t>
+            </a:r>
+            <a:r>
+              <a:rPr lang="en-US" sz="1400" dirty="0">
+                <a:solidFill>
+                  <a:srgbClr val="FF0000"/>
+                </a:solidFill>
+              </a:rPr>
+              <a:t> </a:t>
+            </a:r>
+            <a:r>
+              <a:rPr lang="en-US" sz="1400" dirty="0" err="1">
+                <a:solidFill>
+                  <a:srgbClr val="FF0000"/>
+                </a:solidFill>
+              </a:rPr>
+              <a:t>rd</a:t>
+            </a:r>
+            <a:endParaRPr lang="en-US" sz="1400" dirty="0">
+              <a:solidFill>
+                <a:srgbClr val="FF0000"/>
+              </a:solidFill>
+            </a:endParaRPr>
+          </a:p>
+          <a:p>
+            <a:r>
+              <a:rPr lang="en-US" sz="1400" dirty="0">
+                <a:solidFill>
+                  <a:srgbClr val="FF0000"/>
+                </a:solidFill>
+              </a:rPr>
+              <a:t>	   2 = eliminated – 2</a:t>
+            </a:r>
+            <a:r>
+              <a:rPr lang="en-US" sz="1400" baseline="30000" dirty="0">
+                <a:solidFill>
+                  <a:srgbClr val="FF0000"/>
+                </a:solidFill>
+              </a:rPr>
+              <a:t>nd</a:t>
+            </a:r>
+            <a:r>
+              <a:rPr lang="en-US" sz="1400" dirty="0">
+                <a:solidFill>
+                  <a:srgbClr val="FF0000"/>
+                </a:solidFill>
+              </a:rPr>
+              <a:t> </a:t>
+            </a:r>
+            <a:r>
+              <a:rPr lang="en-US" sz="1400" dirty="0" err="1">
+                <a:solidFill>
+                  <a:srgbClr val="FF0000"/>
+                </a:solidFill>
+              </a:rPr>
+              <a:t>rd</a:t>
+            </a:r>
+            <a:endParaRPr lang="en-US" sz="1400" dirty="0">
+              <a:solidFill>
+                <a:srgbClr val="FF0000"/>
+              </a:solidFill>
+            </a:endParaRPr>
+          </a:p>
+          <a:p>
+            <a:r>
+              <a:rPr lang="en-US" sz="1400" dirty="0">
+                <a:solidFill>
+                  <a:srgbClr val="FF0000"/>
+                </a:solidFill>
+              </a:rPr>
+              <a:t>	   3 = eliminated – 3</a:t>
+            </a:r>
+            <a:r>
+              <a:rPr lang="en-US" sz="1400" baseline="30000" dirty="0">
+                <a:solidFill>
+                  <a:srgbClr val="FF0000"/>
+                </a:solidFill>
+              </a:rPr>
+              <a:t>rd</a:t>
+            </a:r>
+            <a:r>
+              <a:rPr lang="en-US" sz="1400" dirty="0">
+                <a:solidFill>
+                  <a:srgbClr val="FF0000"/>
+                </a:solidFill>
+              </a:rPr>
+              <a:t> </a:t>
+            </a:r>
+            <a:r>
+              <a:rPr lang="en-US" sz="1400" dirty="0" err="1">
+                <a:solidFill>
+                  <a:srgbClr val="FF0000"/>
+                </a:solidFill>
+              </a:rPr>
+              <a:t>rd</a:t>
+            </a:r>
+            <a:endParaRPr lang="en-US" sz="1400" dirty="0">
+              <a:solidFill>
+                <a:srgbClr val="FF0000"/>
+              </a:solidFill>
+            </a:endParaRPr>
+          </a:p>
+          <a:p>
+            <a:r>
+              <a:rPr lang="en-US" sz="1400" dirty="0">
+                <a:solidFill>
+                  <a:srgbClr val="FF0000"/>
+                </a:solidFill>
+              </a:rPr>
+              <a:t>	   4 = eliminated – 4</a:t>
+            </a:r>
+            <a:r>
+              <a:rPr lang="en-US" sz="1400" baseline="30000" dirty="0">
+                <a:solidFill>
+                  <a:srgbClr val="FF0000"/>
+                </a:solidFill>
+              </a:rPr>
+              <a:t>th</a:t>
+            </a:r>
+            <a:r>
+              <a:rPr lang="en-US" sz="1400" dirty="0">
+                <a:solidFill>
+                  <a:srgbClr val="FF0000"/>
+                </a:solidFill>
+              </a:rPr>
+              <a:t> </a:t>
+            </a:r>
+            <a:r>
+              <a:rPr lang="en-US" sz="1400" dirty="0" err="1">
+                <a:solidFill>
+                  <a:srgbClr val="FF0000"/>
+                </a:solidFill>
+              </a:rPr>
+              <a:t>rd</a:t>
+            </a:r>
+            <a:endParaRPr lang="en-US" sz="1400" dirty="0">
+              <a:solidFill>
+                <a:srgbClr val="FF0000"/>
+              </a:solidFill>
+            </a:endParaRPr>
+          </a:p>
+          <a:p>
+            <a:r>
+              <a:rPr lang="en-US" sz="1400" dirty="0">
+                <a:solidFill>
+                  <a:srgbClr val="FF0000"/>
+                </a:solidFill>
+              </a:rPr>
+              <a:t>	   5 = active]</a:t>
+            </a:r>
+          </a:p>
+        </p:txBody>
+      </p:sp>
+      <p:sp>
+        <p:nvSpPr>
+          <p:cNvPr id="3" name="Rectangle 2">
+            <a:extLst>
+              <a:ext uri="{FF2B5EF4-FFF2-40B4-BE49-F238E27FC236}">
+                <a16:creationId xmlns:a16="http://schemas.microsoft.com/office/drawing/2014/main" id="{DF026A85-7C08-B14F-AA1C-33DA507D996B}"/>
+              </a:ext>
+            </a:extLst>
+          </p:cNvPr>
+          <p:cNvSpPr/>
+          <p:nvPr/>
+        </p:nvSpPr>
+        <p:spPr>
+          <a:xfrm>
+            <a:off x="6853859" y="3605673"/>
+            <a:ext cx="4837472" cy="2665404"/>
+          </a:xfrm>
+          <a:prstGeom prst="rect">
+            <a:avLst/>
+          </a:prstGeom>
+          <a:noFill/>
+          <a:ln>
+            <a:solidFill>
+              <a:srgbClr val="C00000"/>
+            </a:solidFill>
+          </a:ln>
+        </p:spPr>
+        <p:style>
+          <a:lnRef idx="2">
+            <a:schemeClr val="accent1">
+              <a:shade val="50000"/>
+            </a:schemeClr>
+          </a:lnRef>
+          <a:fillRef idx="1">
+            <a:schemeClr val="accent1"/>
+          </a:fillRef>
+          <a:effectRef idx="0">
+            <a:schemeClr val="accent1"/>
+          </a:effectRef>
+          <a:fontRef idx="minor">
+            <a:schemeClr val="lt1"/>
+          </a:fontRef>
+        </p:style>
+        <p:txBody>
+          <a:bodyPr rtlCol="0" anchor="ctr"/>
+          <a:lstStyle/>
+          <a:p>
+            <a:pPr algn="ctr"/>
+            <a:endParaRPr lang="en-US"/>
+          </a:p>
+        </p:txBody>
+      </p:sp>
+      <p:sp>
+        <p:nvSpPr>
+          <p:cNvPr id="73" name="Rectangle 72">
+            <a:extLst>
+              <a:ext uri="{FF2B5EF4-FFF2-40B4-BE49-F238E27FC236}">
+                <a16:creationId xmlns:a16="http://schemas.microsoft.com/office/drawing/2014/main" id="{060F79C7-89B4-B34D-8E11-F0AD4B078599}"/>
+              </a:ext>
+            </a:extLst>
+          </p:cNvPr>
+          <p:cNvSpPr/>
+          <p:nvPr/>
+        </p:nvSpPr>
+        <p:spPr>
+          <a:xfrm>
+            <a:off x="1594238" y="3763075"/>
+            <a:ext cx="3449601" cy="2077527"/>
+          </a:xfrm>
+          <a:prstGeom prst="rect">
+            <a:avLst/>
+          </a:prstGeom>
+          <a:noFill/>
+          <a:ln>
+            <a:solidFill>
+              <a:srgbClr val="C00000"/>
+            </a:solidFill>
+          </a:ln>
+        </p:spPr>
+        <p:style>
+          <a:lnRef idx="2">
+            <a:schemeClr val="accent1">
+              <a:shade val="50000"/>
+            </a:schemeClr>
+          </a:lnRef>
+          <a:fillRef idx="1">
+            <a:schemeClr val="accent1"/>
+          </a:fillRef>
+          <a:effectRef idx="0">
+            <a:schemeClr val="accent1"/>
+          </a:effectRef>
+          <a:fontRef idx="minor">
+            <a:schemeClr val="lt1"/>
+          </a:fontRef>
+        </p:style>
+        <p:txBody>
+          <a:bodyPr rtlCol="0" anchor="ctr"/>
+          <a:lstStyle/>
+          <a:p>
+            <a:pPr algn="ctr"/>
+            <a:endParaRPr lang="en-US"/>
+          </a:p>
+        </p:txBody>
+      </p:sp>
+      <p:sp>
+        <p:nvSpPr>
+          <p:cNvPr id="75" name="Oval 74">
+            <a:extLst>
+              <a:ext uri="{FF2B5EF4-FFF2-40B4-BE49-F238E27FC236}">
+                <a16:creationId xmlns:a16="http://schemas.microsoft.com/office/drawing/2014/main" id="{50019371-EF4C-B343-8408-B7CFBE4C05AA}"/>
+              </a:ext>
+            </a:extLst>
+          </p:cNvPr>
+          <p:cNvSpPr/>
+          <p:nvPr/>
+        </p:nvSpPr>
+        <p:spPr>
+          <a:xfrm>
+            <a:off x="1994762" y="191593"/>
+            <a:ext cx="2163967" cy="432881"/>
+          </a:xfrm>
+          <a:prstGeom prst="ellipse">
+            <a:avLst/>
+          </a:prstGeom>
+          <a:solidFill>
+            <a:schemeClr val="accent2">
+              <a:lumMod val="60000"/>
+              <a:lumOff val="40000"/>
+            </a:schemeClr>
+          </a:solidFill>
+          <a:ln>
+            <a:solidFill>
+              <a:schemeClr val="accent4">
+                <a:lumMod val="50000"/>
+              </a:schemeClr>
+            </a:solidFill>
+          </a:ln>
+        </p:spPr>
+        <p:style>
+          <a:lnRef idx="2">
+            <a:schemeClr val="accent1">
+              <a:shade val="50000"/>
+            </a:schemeClr>
+          </a:lnRef>
+          <a:fillRef idx="1">
+            <a:schemeClr val="accent1"/>
+          </a:fillRef>
+          <a:effectRef idx="0">
+            <a:schemeClr val="accent1"/>
+          </a:effectRef>
+          <a:fontRef idx="minor">
+            <a:schemeClr val="lt1"/>
+          </a:fontRef>
+        </p:style>
+        <p:txBody>
+          <a:bodyPr rtlCol="0" anchor="ctr"/>
+          <a:lstStyle/>
+          <a:p>
+            <a:pPr algn="ctr"/>
+            <a:endParaRPr lang="en-US" sz="1200" dirty="0"/>
+          </a:p>
+          <a:p>
+            <a:pPr algn="ctr"/>
+            <a:r>
+              <a:rPr lang="en-US" sz="1100" dirty="0">
+                <a:solidFill>
+                  <a:schemeClr val="bg1"/>
+                </a:solidFill>
+              </a:rPr>
+              <a:t>UpdatePayment</a:t>
+            </a:r>
+          </a:p>
+          <a:p>
+            <a:pPr algn="ctr"/>
+            <a:endParaRPr lang="en-US" dirty="0"/>
+          </a:p>
+        </p:txBody>
+      </p:sp>
+      <p:sp>
+        <p:nvSpPr>
+          <p:cNvPr id="76" name="Oval 75">
+            <a:extLst>
+              <a:ext uri="{FF2B5EF4-FFF2-40B4-BE49-F238E27FC236}">
+                <a16:creationId xmlns:a16="http://schemas.microsoft.com/office/drawing/2014/main" id="{A4E1C507-C436-0B47-BF69-408879A76AFE}"/>
+              </a:ext>
+            </a:extLst>
+          </p:cNvPr>
+          <p:cNvSpPr/>
+          <p:nvPr/>
+        </p:nvSpPr>
+        <p:spPr>
+          <a:xfrm>
+            <a:off x="2838036" y="444295"/>
+            <a:ext cx="2278883" cy="432881"/>
+          </a:xfrm>
+          <a:prstGeom prst="ellipse">
+            <a:avLst/>
+          </a:prstGeom>
+          <a:solidFill>
+            <a:schemeClr val="accent2">
+              <a:lumMod val="60000"/>
+              <a:lumOff val="40000"/>
+            </a:schemeClr>
+          </a:solidFill>
+          <a:ln>
+            <a:solidFill>
+              <a:schemeClr val="accent4">
+                <a:lumMod val="50000"/>
+              </a:schemeClr>
+            </a:solidFill>
+          </a:ln>
+        </p:spPr>
+        <p:style>
+          <a:lnRef idx="2">
+            <a:schemeClr val="accent1">
+              <a:shade val="50000"/>
+            </a:schemeClr>
+          </a:lnRef>
+          <a:fillRef idx="1">
+            <a:schemeClr val="accent1"/>
+          </a:fillRef>
+          <a:effectRef idx="0">
+            <a:schemeClr val="accent1"/>
+          </a:effectRef>
+          <a:fontRef idx="minor">
+            <a:schemeClr val="lt1"/>
+          </a:fontRef>
+        </p:style>
+        <p:txBody>
+          <a:bodyPr rtlCol="0" anchor="ctr"/>
+          <a:lstStyle/>
+          <a:p>
+            <a:pPr algn="ctr"/>
+            <a:endParaRPr lang="en-US" sz="1200" dirty="0"/>
+          </a:p>
+          <a:p>
+            <a:pPr algn="ctr"/>
+            <a:r>
+              <a:rPr lang="en-US" sz="1100" dirty="0">
+                <a:solidFill>
+                  <a:schemeClr val="bg1"/>
+                </a:solidFill>
+              </a:rPr>
+              <a:t>TeamsUpdate.py</a:t>
+            </a:r>
+          </a:p>
+          <a:p>
+            <a:pPr algn="ctr"/>
+            <a:endParaRPr lang="en-US" dirty="0"/>
+          </a:p>
+        </p:txBody>
+      </p:sp>
+      <p:sp>
+        <p:nvSpPr>
+          <p:cNvPr id="77" name="Oval 76">
+            <a:extLst>
+              <a:ext uri="{FF2B5EF4-FFF2-40B4-BE49-F238E27FC236}">
+                <a16:creationId xmlns:a16="http://schemas.microsoft.com/office/drawing/2014/main" id="{38631806-EB7A-ED46-92F2-562EA7E3B36D}"/>
+              </a:ext>
+            </a:extLst>
+          </p:cNvPr>
+          <p:cNvSpPr/>
+          <p:nvPr/>
+        </p:nvSpPr>
+        <p:spPr>
+          <a:xfrm>
+            <a:off x="8135159" y="557618"/>
+            <a:ext cx="2163967" cy="432881"/>
+          </a:xfrm>
+          <a:prstGeom prst="ellipse">
+            <a:avLst/>
+          </a:prstGeom>
+          <a:solidFill>
+            <a:schemeClr val="accent4">
+              <a:lumMod val="75000"/>
+            </a:schemeClr>
+          </a:solidFill>
+          <a:ln>
+            <a:solidFill>
+              <a:schemeClr val="accent4">
+                <a:lumMod val="50000"/>
+              </a:schemeClr>
+            </a:solidFill>
+          </a:ln>
+        </p:spPr>
+        <p:style>
+          <a:lnRef idx="2">
+            <a:schemeClr val="accent1">
+              <a:shade val="50000"/>
+            </a:schemeClr>
+          </a:lnRef>
+          <a:fillRef idx="1">
+            <a:schemeClr val="accent1"/>
+          </a:fillRef>
+          <a:effectRef idx="0">
+            <a:schemeClr val="accent1"/>
+          </a:effectRef>
+          <a:fontRef idx="minor">
+            <a:schemeClr val="lt1"/>
+          </a:fontRef>
+        </p:style>
+        <p:txBody>
+          <a:bodyPr rtlCol="0" anchor="ctr"/>
+          <a:lstStyle/>
+          <a:p>
+            <a:pPr algn="ctr"/>
+            <a:endParaRPr lang="en-US" sz="1200" dirty="0"/>
+          </a:p>
+          <a:p>
+            <a:pPr algn="ctr"/>
+            <a:r>
+              <a:rPr lang="en-US" sz="1050" dirty="0">
+                <a:solidFill>
+                  <a:schemeClr val="bg1"/>
+                </a:solidFill>
+              </a:rPr>
+              <a:t>UpdatePlayerStatus.py</a:t>
+            </a:r>
+          </a:p>
+          <a:p>
+            <a:pPr algn="ctr"/>
+            <a:endParaRPr lang="en-US" dirty="0"/>
+          </a:p>
+        </p:txBody>
+      </p:sp>
+      <p:sp>
+        <p:nvSpPr>
+          <p:cNvPr id="24" name="Freeform 23">
+            <a:extLst>
+              <a:ext uri="{FF2B5EF4-FFF2-40B4-BE49-F238E27FC236}">
+                <a16:creationId xmlns:a16="http://schemas.microsoft.com/office/drawing/2014/main" id="{53DE8149-F815-AD45-9C20-3F38E0D2B1C8}"/>
+              </a:ext>
+            </a:extLst>
+          </p:cNvPr>
+          <p:cNvSpPr/>
+          <p:nvPr/>
+        </p:nvSpPr>
+        <p:spPr>
+          <a:xfrm>
+            <a:off x="5979333" y="1030977"/>
+            <a:ext cx="3154816" cy="2438864"/>
+          </a:xfrm>
+          <a:custGeom>
+            <a:avLst/>
+            <a:gdLst>
+              <a:gd name="connsiteX0" fmla="*/ 3203996 w 3203996"/>
+              <a:gd name="connsiteY0" fmla="*/ 0 h 1316576"/>
+              <a:gd name="connsiteX1" fmla="*/ 1896306 w 3203996"/>
+              <a:gd name="connsiteY1" fmla="*/ 1160206 h 1316576"/>
+              <a:gd name="connsiteX2" fmla="*/ 38009 w 3203996"/>
+              <a:gd name="connsiteY2" fmla="*/ 1238864 h 1316576"/>
+              <a:gd name="connsiteX3" fmla="*/ 824590 w 3203996"/>
+              <a:gd name="connsiteY3" fmla="*/ 540774 h 1316576"/>
+            </a:gdLst>
+            <a:ahLst/>
+            <a:cxnLst>
+              <a:cxn ang="0">
+                <a:pos x="connsiteX0" y="connsiteY0"/>
+              </a:cxn>
+              <a:cxn ang="0">
+                <a:pos x="connsiteX1" y="connsiteY1"/>
+              </a:cxn>
+              <a:cxn ang="0">
+                <a:pos x="connsiteX2" y="connsiteY2"/>
+              </a:cxn>
+              <a:cxn ang="0">
+                <a:pos x="connsiteX3" y="connsiteY3"/>
+              </a:cxn>
+            </a:cxnLst>
+            <a:rect l="l" t="t" r="r" b="b"/>
+            <a:pathLst>
+              <a:path w="3203996" h="1316576">
+                <a:moveTo>
+                  <a:pt x="3203996" y="0"/>
+                </a:moveTo>
+                <a:cubicBezTo>
+                  <a:pt x="2813983" y="476864"/>
+                  <a:pt x="2423970" y="953729"/>
+                  <a:pt x="1896306" y="1160206"/>
+                </a:cubicBezTo>
+                <a:cubicBezTo>
+                  <a:pt x="1368642" y="1366683"/>
+                  <a:pt x="216628" y="1342103"/>
+                  <a:pt x="38009" y="1238864"/>
+                </a:cubicBezTo>
+                <a:cubicBezTo>
+                  <a:pt x="-140610" y="1135625"/>
+                  <a:pt x="341990" y="838199"/>
+                  <a:pt x="824590" y="540774"/>
+                </a:cubicBezTo>
+              </a:path>
+            </a:pathLst>
+          </a:custGeom>
+          <a:noFill/>
+          <a:ln>
+            <a:headEnd type="none" w="med" len="med"/>
+            <a:tailEnd type="triangle" w="med" len="med"/>
+          </a:ln>
+        </p:spPr>
+        <p:style>
+          <a:lnRef idx="2">
+            <a:schemeClr val="accent1">
+              <a:shade val="50000"/>
+            </a:schemeClr>
+          </a:lnRef>
+          <a:fillRef idx="1">
+            <a:schemeClr val="accent1"/>
+          </a:fillRef>
+          <a:effectRef idx="0">
+            <a:schemeClr val="accent1"/>
+          </a:effectRef>
+          <a:fontRef idx="minor">
+            <a:schemeClr val="lt1"/>
+          </a:fontRef>
+        </p:style>
+        <p:txBody>
+          <a:bodyPr rtlCol="0" anchor="ctr"/>
+          <a:lstStyle/>
+          <a:p>
+            <a:pPr algn="ctr"/>
+            <a:endParaRPr lang="en-US"/>
+          </a:p>
+        </p:txBody>
+      </p:sp>
+      <p:sp>
+        <p:nvSpPr>
+          <p:cNvPr id="8" name="Oval 7">
+            <a:extLst>
+              <a:ext uri="{FF2B5EF4-FFF2-40B4-BE49-F238E27FC236}">
+                <a16:creationId xmlns:a16="http://schemas.microsoft.com/office/drawing/2014/main" id="{0CF7FAF7-E620-BE47-B41E-1182D2321F4A}"/>
+              </a:ext>
+            </a:extLst>
+          </p:cNvPr>
+          <p:cNvSpPr/>
+          <p:nvPr/>
+        </p:nvSpPr>
+        <p:spPr>
+          <a:xfrm>
+            <a:off x="8146060" y="1108354"/>
+            <a:ext cx="2074537" cy="432881"/>
+          </a:xfrm>
+          <a:prstGeom prst="ellipse">
+            <a:avLst/>
+          </a:prstGeom>
+          <a:solidFill>
+            <a:schemeClr val="accent4">
+              <a:lumMod val="75000"/>
+            </a:schemeClr>
+          </a:solidFill>
+          <a:ln>
+            <a:solidFill>
+              <a:schemeClr val="accent4">
+                <a:lumMod val="50000"/>
+              </a:schemeClr>
+            </a:solidFill>
+          </a:ln>
+        </p:spPr>
+        <p:style>
+          <a:lnRef idx="2">
+            <a:schemeClr val="accent1">
+              <a:shade val="50000"/>
+            </a:schemeClr>
+          </a:lnRef>
+          <a:fillRef idx="1">
+            <a:schemeClr val="accent1"/>
+          </a:fillRef>
+          <a:effectRef idx="0">
+            <a:schemeClr val="accent1"/>
+          </a:effectRef>
+          <a:fontRef idx="minor">
+            <a:schemeClr val="lt1"/>
+          </a:fontRef>
+        </p:style>
+        <p:txBody>
+          <a:bodyPr rtlCol="0" anchor="ctr"/>
+          <a:lstStyle/>
+          <a:p>
+            <a:pPr algn="ctr"/>
+            <a:endParaRPr lang="en-US" sz="1200" dirty="0"/>
+          </a:p>
+          <a:p>
+            <a:pPr algn="ctr"/>
+            <a:r>
+              <a:rPr lang="en-US" sz="1400" dirty="0">
+                <a:solidFill>
+                  <a:schemeClr val="accent6">
+                    <a:lumMod val="50000"/>
+                  </a:schemeClr>
+                </a:solidFill>
+              </a:rPr>
+              <a:t>PlayersUpdate.py</a:t>
+            </a:r>
+          </a:p>
+          <a:p>
+            <a:pPr algn="ctr"/>
+            <a:endParaRPr lang="en-US" dirty="0"/>
+          </a:p>
+        </p:txBody>
+      </p:sp>
+      <p:sp>
+        <p:nvSpPr>
+          <p:cNvPr id="28" name="TextBox 27">
+            <a:extLst>
+              <a:ext uri="{FF2B5EF4-FFF2-40B4-BE49-F238E27FC236}">
+                <a16:creationId xmlns:a16="http://schemas.microsoft.com/office/drawing/2014/main" id="{415673DB-B932-0B40-BD99-026601981078}"/>
+              </a:ext>
+            </a:extLst>
+          </p:cNvPr>
+          <p:cNvSpPr txBox="1"/>
+          <p:nvPr/>
+        </p:nvSpPr>
+        <p:spPr>
+          <a:xfrm>
+            <a:off x="8625322" y="254768"/>
+            <a:ext cx="1116011" cy="246221"/>
+          </a:xfrm>
+          <a:prstGeom prst="rect">
+            <a:avLst/>
+          </a:prstGeom>
+          <a:noFill/>
+        </p:spPr>
+        <p:txBody>
+          <a:bodyPr wrap="none" rtlCol="0">
+            <a:spAutoFit/>
+          </a:bodyPr>
+          <a:lstStyle/>
+          <a:p>
+            <a:r>
+              <a:rPr lang="en-US" sz="1000" dirty="0"/>
+              <a:t>maintainPlayerDB</a:t>
+            </a:r>
+          </a:p>
+        </p:txBody>
+      </p:sp>
+      <p:sp>
+        <p:nvSpPr>
+          <p:cNvPr id="30" name="Left Brace 29">
+            <a:extLst>
+              <a:ext uri="{FF2B5EF4-FFF2-40B4-BE49-F238E27FC236}">
+                <a16:creationId xmlns:a16="http://schemas.microsoft.com/office/drawing/2014/main" id="{0EF15CB1-AB21-4C4E-B2FE-635329A4F3C6}"/>
+              </a:ext>
+            </a:extLst>
+          </p:cNvPr>
+          <p:cNvSpPr/>
+          <p:nvPr/>
+        </p:nvSpPr>
+        <p:spPr>
+          <a:xfrm>
+            <a:off x="6755250" y="4050890"/>
+            <a:ext cx="304311" cy="1559692"/>
+          </a:xfrm>
+          <a:prstGeom prst="leftBrace">
+            <a:avLst/>
+          </a:prstGeom>
+          <a:ln w="28575"/>
+        </p:spPr>
+        <p:style>
+          <a:lnRef idx="1">
+            <a:schemeClr val="accent1"/>
+          </a:lnRef>
+          <a:fillRef idx="0">
+            <a:schemeClr val="accent1"/>
+          </a:fillRef>
+          <a:effectRef idx="0">
+            <a:schemeClr val="accent1"/>
+          </a:effectRef>
+          <a:fontRef idx="minor">
+            <a:schemeClr val="tx1"/>
+          </a:fontRef>
+        </p:style>
+        <p:txBody>
+          <a:bodyPr rtlCol="0" anchor="ctr"/>
+          <a:lstStyle/>
+          <a:p>
+            <a:pPr algn="ctr"/>
+            <a:endParaRPr lang="en-US"/>
+          </a:p>
+        </p:txBody>
+      </p:sp>
+      <p:sp>
+        <p:nvSpPr>
+          <p:cNvPr id="31" name="TextBox 30">
+            <a:extLst>
+              <a:ext uri="{FF2B5EF4-FFF2-40B4-BE49-F238E27FC236}">
+                <a16:creationId xmlns:a16="http://schemas.microsoft.com/office/drawing/2014/main" id="{02E31234-BFB0-B144-A5BE-33DE8D19A758}"/>
+              </a:ext>
+            </a:extLst>
+          </p:cNvPr>
+          <p:cNvSpPr txBox="1"/>
+          <p:nvPr/>
+        </p:nvSpPr>
+        <p:spPr>
+          <a:xfrm>
+            <a:off x="5988849" y="4731990"/>
+            <a:ext cx="831089" cy="230832"/>
+          </a:xfrm>
+          <a:prstGeom prst="rect">
+            <a:avLst/>
+          </a:prstGeom>
+          <a:noFill/>
+        </p:spPr>
+        <p:txBody>
+          <a:bodyPr wrap="square" rtlCol="0">
+            <a:spAutoFit/>
+          </a:bodyPr>
+          <a:lstStyle/>
+          <a:p>
+            <a:r>
+              <a:rPr lang="en-US" sz="900" dirty="0" err="1"/>
+              <a:t>pool_entry</a:t>
+            </a:r>
+            <a:endParaRPr lang="en-US" sz="900" dirty="0"/>
+          </a:p>
+        </p:txBody>
+      </p:sp>
+      <p:sp>
+        <p:nvSpPr>
+          <p:cNvPr id="80" name="Left Brace 79">
+            <a:extLst>
+              <a:ext uri="{FF2B5EF4-FFF2-40B4-BE49-F238E27FC236}">
+                <a16:creationId xmlns:a16="http://schemas.microsoft.com/office/drawing/2014/main" id="{F75D39F8-E96C-6842-B0E6-2EBD440FBB42}"/>
+              </a:ext>
+            </a:extLst>
+          </p:cNvPr>
+          <p:cNvSpPr/>
+          <p:nvPr/>
+        </p:nvSpPr>
+        <p:spPr>
+          <a:xfrm>
+            <a:off x="6769919" y="5755730"/>
+            <a:ext cx="304311" cy="552094"/>
+          </a:xfrm>
+          <a:prstGeom prst="leftBrace">
+            <a:avLst/>
+          </a:prstGeom>
+          <a:ln w="28575"/>
+        </p:spPr>
+        <p:style>
+          <a:lnRef idx="1">
+            <a:schemeClr val="accent1"/>
+          </a:lnRef>
+          <a:fillRef idx="0">
+            <a:schemeClr val="accent1"/>
+          </a:fillRef>
+          <a:effectRef idx="0">
+            <a:schemeClr val="accent1"/>
+          </a:effectRef>
+          <a:fontRef idx="minor">
+            <a:schemeClr val="tx1"/>
+          </a:fontRef>
+        </p:style>
+        <p:txBody>
+          <a:bodyPr rtlCol="0" anchor="ctr"/>
+          <a:lstStyle/>
+          <a:p>
+            <a:pPr algn="ctr"/>
+            <a:endParaRPr lang="en-US"/>
+          </a:p>
+        </p:txBody>
+      </p:sp>
+      <p:sp>
+        <p:nvSpPr>
+          <p:cNvPr id="81" name="TextBox 80">
+            <a:extLst>
+              <a:ext uri="{FF2B5EF4-FFF2-40B4-BE49-F238E27FC236}">
+                <a16:creationId xmlns:a16="http://schemas.microsoft.com/office/drawing/2014/main" id="{E2FC7433-E22B-AE43-9EA4-F260EDAD1F45}"/>
+              </a:ext>
+            </a:extLst>
+          </p:cNvPr>
+          <p:cNvSpPr txBox="1"/>
+          <p:nvPr/>
+        </p:nvSpPr>
+        <p:spPr>
+          <a:xfrm>
+            <a:off x="6091031" y="5916361"/>
+            <a:ext cx="728907" cy="230832"/>
+          </a:xfrm>
+          <a:prstGeom prst="rect">
+            <a:avLst/>
+          </a:prstGeom>
+          <a:noFill/>
+        </p:spPr>
+        <p:txBody>
+          <a:bodyPr wrap="square" rtlCol="0">
+            <a:spAutoFit/>
+          </a:bodyPr>
+          <a:lstStyle/>
+          <a:p>
+            <a:r>
+              <a:rPr lang="en-US" sz="900" dirty="0" err="1"/>
+              <a:t>pool_team</a:t>
+            </a:r>
+            <a:endParaRPr lang="en-US" sz="900" dirty="0"/>
+          </a:p>
+        </p:txBody>
+      </p:sp>
+      <p:sp>
+        <p:nvSpPr>
+          <p:cNvPr id="23" name="Snip and Round Single Corner Rectangle 22">
+            <a:extLst>
+              <a:ext uri="{FF2B5EF4-FFF2-40B4-BE49-F238E27FC236}">
+                <a16:creationId xmlns:a16="http://schemas.microsoft.com/office/drawing/2014/main" id="{AFFC5995-CA2F-7549-B1C7-191C994CC3E7}"/>
+              </a:ext>
+            </a:extLst>
+          </p:cNvPr>
+          <p:cNvSpPr/>
+          <p:nvPr/>
+        </p:nvSpPr>
+        <p:spPr>
+          <a:xfrm>
+            <a:off x="2712719" y="2247923"/>
+            <a:ext cx="606709" cy="531755"/>
+          </a:xfrm>
+          <a:prstGeom prst="snipRoundRect">
+            <a:avLst/>
+          </a:prstGeom>
+        </p:spPr>
+        <p:style>
+          <a:lnRef idx="2">
+            <a:schemeClr val="accent1">
+              <a:shade val="50000"/>
+            </a:schemeClr>
+          </a:lnRef>
+          <a:fillRef idx="1">
+            <a:schemeClr val="accent1"/>
+          </a:fillRef>
+          <a:effectRef idx="0">
+            <a:schemeClr val="accent1"/>
+          </a:effectRef>
+          <a:fontRef idx="minor">
+            <a:schemeClr val="lt1"/>
+          </a:fontRef>
+        </p:style>
+        <p:txBody>
+          <a:bodyPr rtlCol="0" anchor="ctr"/>
+          <a:lstStyle/>
+          <a:p>
+            <a:pPr algn="ctr"/>
+            <a:r>
+              <a:rPr lang="en-US" sz="800" dirty="0"/>
+              <a:t>Pool_</a:t>
+            </a:r>
+          </a:p>
+          <a:p>
+            <a:pPr algn="ctr"/>
+            <a:r>
+              <a:rPr lang="en-US" sz="800" dirty="0"/>
+              <a:t>entry</a:t>
+            </a:r>
+          </a:p>
+        </p:txBody>
+      </p:sp>
+      <p:sp>
+        <p:nvSpPr>
+          <p:cNvPr id="55" name="Snip and Round Single Corner Rectangle 54">
+            <a:extLst>
+              <a:ext uri="{FF2B5EF4-FFF2-40B4-BE49-F238E27FC236}">
+                <a16:creationId xmlns:a16="http://schemas.microsoft.com/office/drawing/2014/main" id="{4F78ECCA-9F78-5443-B9B8-7E83853A61F4}"/>
+              </a:ext>
+            </a:extLst>
+          </p:cNvPr>
+          <p:cNvSpPr/>
+          <p:nvPr/>
+        </p:nvSpPr>
+        <p:spPr>
+          <a:xfrm>
+            <a:off x="2711359" y="2894477"/>
+            <a:ext cx="583451" cy="531755"/>
+          </a:xfrm>
+          <a:prstGeom prst="snipRoundRect">
+            <a:avLst/>
+          </a:prstGeom>
+        </p:spPr>
+        <p:style>
+          <a:lnRef idx="2">
+            <a:schemeClr val="accent1">
+              <a:shade val="50000"/>
+            </a:schemeClr>
+          </a:lnRef>
+          <a:fillRef idx="1">
+            <a:schemeClr val="accent1"/>
+          </a:fillRef>
+          <a:effectRef idx="0">
+            <a:schemeClr val="accent1"/>
+          </a:effectRef>
+          <a:fontRef idx="minor">
+            <a:schemeClr val="lt1"/>
+          </a:fontRef>
+        </p:style>
+        <p:txBody>
+          <a:bodyPr rtlCol="0" anchor="ctr"/>
+          <a:lstStyle/>
+          <a:p>
+            <a:pPr algn="ctr"/>
+            <a:r>
+              <a:rPr lang="en-US" sz="800" dirty="0"/>
+              <a:t>entry_</a:t>
+            </a:r>
+          </a:p>
+          <a:p>
+            <a:pPr algn="ctr"/>
+            <a:r>
+              <a:rPr lang="en-US" sz="800" dirty="0"/>
+              <a:t>players</a:t>
+            </a:r>
+          </a:p>
+        </p:txBody>
+      </p:sp>
+      <p:cxnSp>
+        <p:nvCxnSpPr>
+          <p:cNvPr id="29" name="Straight Arrow Connector 28">
+            <a:extLst>
+              <a:ext uri="{FF2B5EF4-FFF2-40B4-BE49-F238E27FC236}">
+                <a16:creationId xmlns:a16="http://schemas.microsoft.com/office/drawing/2014/main" id="{E5B9E9D2-47FC-DE45-8542-11AACD72336B}"/>
+              </a:ext>
+            </a:extLst>
+          </p:cNvPr>
+          <p:cNvCxnSpPr>
+            <a:stCxn id="63" idx="6"/>
+            <a:endCxn id="23" idx="2"/>
+          </p:cNvCxnSpPr>
+          <p:nvPr/>
+        </p:nvCxnSpPr>
+        <p:spPr>
+          <a:xfrm>
+            <a:off x="2446473" y="2464364"/>
+            <a:ext cx="266246" cy="49437"/>
+          </a:xfrm>
+          <a:prstGeom prst="straightConnector1">
+            <a:avLst/>
+          </a:prstGeom>
+          <a:ln>
+            <a:tailEnd type="triangle"/>
+          </a:ln>
+        </p:spPr>
+        <p:style>
+          <a:lnRef idx="1">
+            <a:schemeClr val="accent1"/>
+          </a:lnRef>
+          <a:fillRef idx="0">
+            <a:schemeClr val="accent1"/>
+          </a:fillRef>
+          <a:effectRef idx="0">
+            <a:schemeClr val="accent1"/>
+          </a:effectRef>
+          <a:fontRef idx="minor">
+            <a:schemeClr val="tx1"/>
+          </a:fontRef>
+        </p:style>
+      </p:cxnSp>
+      <p:cxnSp>
+        <p:nvCxnSpPr>
+          <p:cNvPr id="58" name="Straight Arrow Connector 57">
+            <a:extLst>
+              <a:ext uri="{FF2B5EF4-FFF2-40B4-BE49-F238E27FC236}">
+                <a16:creationId xmlns:a16="http://schemas.microsoft.com/office/drawing/2014/main" id="{B4EE315F-FF7D-1D4D-8472-CDF085706015}"/>
+              </a:ext>
+            </a:extLst>
+          </p:cNvPr>
+          <p:cNvCxnSpPr/>
+          <p:nvPr/>
+        </p:nvCxnSpPr>
+        <p:spPr>
+          <a:xfrm>
+            <a:off x="2461549" y="3117317"/>
+            <a:ext cx="266246" cy="49437"/>
+          </a:xfrm>
+          <a:prstGeom prst="straightConnector1">
+            <a:avLst/>
+          </a:prstGeom>
+          <a:ln>
+            <a:tailEnd type="triangle"/>
+          </a:ln>
+        </p:spPr>
+        <p:style>
+          <a:lnRef idx="1">
+            <a:schemeClr val="accent1"/>
+          </a:lnRef>
+          <a:fillRef idx="0">
+            <a:schemeClr val="accent1"/>
+          </a:fillRef>
+          <a:effectRef idx="0">
+            <a:schemeClr val="accent1"/>
+          </a:effectRef>
+          <a:fontRef idx="minor">
+            <a:schemeClr val="tx1"/>
+          </a:fontRef>
+        </p:style>
+      </p:cxnSp>
+      <p:sp>
+        <p:nvSpPr>
+          <p:cNvPr id="32" name="TextBox 31">
+            <a:extLst>
+              <a:ext uri="{FF2B5EF4-FFF2-40B4-BE49-F238E27FC236}">
+                <a16:creationId xmlns:a16="http://schemas.microsoft.com/office/drawing/2014/main" id="{D6E2B5DF-6B41-0140-936E-838350CF863F}"/>
+              </a:ext>
+            </a:extLst>
+          </p:cNvPr>
+          <p:cNvSpPr txBox="1"/>
+          <p:nvPr/>
+        </p:nvSpPr>
+        <p:spPr>
+          <a:xfrm>
+            <a:off x="3465996" y="2040314"/>
+            <a:ext cx="1249680" cy="276999"/>
+          </a:xfrm>
+          <a:prstGeom prst="rect">
+            <a:avLst/>
+          </a:prstGeom>
+          <a:noFill/>
+        </p:spPr>
+        <p:txBody>
+          <a:bodyPr wrap="square" rtlCol="0">
+            <a:spAutoFit/>
+          </a:bodyPr>
+          <a:lstStyle/>
+          <a:p>
+            <a:r>
+              <a:rPr lang="en-US" sz="1200" dirty="0">
+                <a:solidFill>
+                  <a:schemeClr val="accent1"/>
+                </a:solidFill>
+              </a:rPr>
+              <a:t>active, updating</a:t>
+            </a:r>
+          </a:p>
+        </p:txBody>
+      </p:sp>
+      <p:sp>
+        <p:nvSpPr>
+          <p:cNvPr id="36" name="Rectangle 35">
+            <a:extLst>
+              <a:ext uri="{FF2B5EF4-FFF2-40B4-BE49-F238E27FC236}">
+                <a16:creationId xmlns:a16="http://schemas.microsoft.com/office/drawing/2014/main" id="{13F77FA5-A8D3-5B4B-8273-58CA5B2F730B}"/>
+              </a:ext>
+            </a:extLst>
+          </p:cNvPr>
+          <p:cNvSpPr/>
+          <p:nvPr/>
+        </p:nvSpPr>
+        <p:spPr>
+          <a:xfrm>
+            <a:off x="5116919" y="2779678"/>
+            <a:ext cx="974112" cy="505268"/>
+          </a:xfrm>
+          <a:prstGeom prst="rect">
+            <a:avLst/>
+          </a:prstGeom>
+          <a:solidFill>
+            <a:schemeClr val="accent2">
+              <a:lumMod val="50000"/>
+            </a:schemeClr>
+          </a:solidFill>
+        </p:spPr>
+        <p:style>
+          <a:lnRef idx="2">
+            <a:schemeClr val="accent1">
+              <a:shade val="50000"/>
+            </a:schemeClr>
+          </a:lnRef>
+          <a:fillRef idx="1">
+            <a:schemeClr val="accent1"/>
+          </a:fillRef>
+          <a:effectRef idx="0">
+            <a:schemeClr val="accent1"/>
+          </a:effectRef>
+          <a:fontRef idx="minor">
+            <a:schemeClr val="lt1"/>
+          </a:fontRef>
+        </p:style>
+        <p:txBody>
+          <a:bodyPr rtlCol="0" anchor="ctr"/>
+          <a:lstStyle/>
+          <a:p>
+            <a:pPr algn="ctr"/>
+            <a:r>
+              <a:rPr lang="en-US" dirty="0"/>
+              <a:t>teams</a:t>
+            </a:r>
+          </a:p>
+        </p:txBody>
+      </p:sp>
+      <p:sp>
+        <p:nvSpPr>
+          <p:cNvPr id="84" name="Arc 83">
+            <a:extLst>
+              <a:ext uri="{FF2B5EF4-FFF2-40B4-BE49-F238E27FC236}">
+                <a16:creationId xmlns:a16="http://schemas.microsoft.com/office/drawing/2014/main" id="{EED2F484-14A4-1C47-9B67-5F25A40EEA99}"/>
+              </a:ext>
+            </a:extLst>
+          </p:cNvPr>
+          <p:cNvSpPr/>
+          <p:nvPr/>
+        </p:nvSpPr>
+        <p:spPr>
+          <a:xfrm>
+            <a:off x="4247128" y="1494422"/>
+            <a:ext cx="3615415" cy="536002"/>
+          </a:xfrm>
+          <a:prstGeom prst="arc">
+            <a:avLst>
+              <a:gd name="adj1" fmla="val 10863840"/>
+              <a:gd name="adj2" fmla="val 0"/>
+            </a:avLst>
+          </a:prstGeom>
+          <a:ln w="19050">
+            <a:headEnd type="triangle" w="med" len="med"/>
+            <a:tailEnd type="none" w="med" len="med"/>
+          </a:ln>
+        </p:spPr>
+        <p:style>
+          <a:lnRef idx="1">
+            <a:schemeClr val="accent1"/>
+          </a:lnRef>
+          <a:fillRef idx="0">
+            <a:schemeClr val="accent1"/>
+          </a:fillRef>
+          <a:effectRef idx="0">
+            <a:schemeClr val="accent1"/>
+          </a:effectRef>
+          <a:fontRef idx="minor">
+            <a:schemeClr val="tx1"/>
+          </a:fontRef>
+        </p:style>
+        <p:txBody>
+          <a:bodyPr rtlCol="0" anchor="ctr"/>
+          <a:lstStyle/>
+          <a:p>
+            <a:pPr algn="ctr"/>
+            <a:endParaRPr lang="en-US"/>
+          </a:p>
+        </p:txBody>
+      </p:sp>
+    </p:spTree>
+    <p:extLst>
+      <p:ext uri="{BB962C8B-B14F-4D97-AF65-F5344CB8AC3E}">
+        <p14:creationId xmlns:p14="http://schemas.microsoft.com/office/powerpoint/2010/main" val="235970579"/>
+      </p:ext>
+    </p:extLst>
+  </p:cSld>
+  <p:clrMapOvr>
+    <a:masterClrMapping/>
+  </p:clrMapOvr>
+</p:sld>
+</file>
+
+<file path=ppt/slides/slide3.xml><?xml version="1.0" encoding="utf-8"?>
+<p:sld xmlns:a="http://schemas.openxmlformats.org/drawingml/2006/main" xmlns:r="http://schemas.openxmlformats.org/officeDocument/2006/relationships" xmlns:p="http://schemas.openxmlformats.org/presentationml/2006/main">
+  <p:cSld>
+    <p:spTree>
+      <p:nvGrpSpPr>
+        <p:cNvPr id="1" name=""/>
+        <p:cNvGrpSpPr/>
+        <p:nvPr/>
+      </p:nvGrpSpPr>
+      <p:grpSpPr>
+        <a:xfrm>
+          <a:off x="0" y="0"/>
+          <a:ext cx="0" cy="0"/>
+          <a:chOff x="0" y="0"/>
+          <a:chExt cx="0" cy="0"/>
+        </a:xfrm>
+      </p:grpSpPr>
+      <p:sp>
+        <p:nvSpPr>
           <p:cNvPr id="2" name="TextBox 1">
             <a:extLst>
               <a:ext uri="{FF2B5EF4-FFF2-40B4-BE49-F238E27FC236}">
@@ -7991,7 +11207,7 @@
 </p:sld>
 </file>
 
-<file path=ppt/slides/slide3.xml><?xml version="1.0" encoding="utf-8"?>
+<file path=ppt/slides/slide4.xml><?xml version="1.0" encoding="utf-8"?>
 <p:sld xmlns:a="http://schemas.openxmlformats.org/drawingml/2006/main" xmlns:r="http://schemas.openxmlformats.org/officeDocument/2006/relationships" xmlns:p="http://schemas.openxmlformats.org/presentationml/2006/main">
   <p:cSld>
     <p:spTree>

--- a/JHP_Design.pptx
+++ b/JHP_Design.pptx
@@ -6,9 +6,9 @@
   </p:sldMasterIdLst>
   <p:sldIdLst>
     <p:sldId id="257" r:id="rId2"/>
-    <p:sldId id="260" r:id="rId3"/>
-    <p:sldId id="259" r:id="rId4"/>
-    <p:sldId id="258" r:id="rId5"/>
+    <p:sldId id="259" r:id="rId3"/>
+    <p:sldId id="258" r:id="rId4"/>
+    <p:sldId id="260" r:id="rId5"/>
   </p:sldIdLst>
   <p:sldSz cx="12192000" cy="6858000"/>
   <p:notesSz cx="6858000" cy="9144000"/>
@@ -262,7 +262,7 @@
           <a:p>
             <a:fld id="{65F3756F-6BA0-BE41-9226-AD7D2B2262FF}" type="datetimeFigureOut">
               <a:rPr lang="en-US" smtClean="0"/>
-              <a:t>7/24/20</a:t>
+              <a:t>8/4/20</a:t>
             </a:fld>
             <a:endParaRPr lang="en-US"/>
           </a:p>
@@ -460,7 +460,7 @@
           <a:p>
             <a:fld id="{65F3756F-6BA0-BE41-9226-AD7D2B2262FF}" type="datetimeFigureOut">
               <a:rPr lang="en-US" smtClean="0"/>
-              <a:t>7/24/20</a:t>
+              <a:t>8/4/20</a:t>
             </a:fld>
             <a:endParaRPr lang="en-US"/>
           </a:p>
@@ -668,7 +668,7 @@
           <a:p>
             <a:fld id="{65F3756F-6BA0-BE41-9226-AD7D2B2262FF}" type="datetimeFigureOut">
               <a:rPr lang="en-US" smtClean="0"/>
-              <a:t>7/24/20</a:t>
+              <a:t>8/4/20</a:t>
             </a:fld>
             <a:endParaRPr lang="en-US"/>
           </a:p>
@@ -866,7 +866,7 @@
           <a:p>
             <a:fld id="{65F3756F-6BA0-BE41-9226-AD7D2B2262FF}" type="datetimeFigureOut">
               <a:rPr lang="en-US" smtClean="0"/>
-              <a:t>7/24/20</a:t>
+              <a:t>8/4/20</a:t>
             </a:fld>
             <a:endParaRPr lang="en-US"/>
           </a:p>
@@ -1141,7 +1141,7 @@
           <a:p>
             <a:fld id="{65F3756F-6BA0-BE41-9226-AD7D2B2262FF}" type="datetimeFigureOut">
               <a:rPr lang="en-US" smtClean="0"/>
-              <a:t>7/24/20</a:t>
+              <a:t>8/4/20</a:t>
             </a:fld>
             <a:endParaRPr lang="en-US"/>
           </a:p>
@@ -1406,7 +1406,7 @@
           <a:p>
             <a:fld id="{65F3756F-6BA0-BE41-9226-AD7D2B2262FF}" type="datetimeFigureOut">
               <a:rPr lang="en-US" smtClean="0"/>
-              <a:t>7/24/20</a:t>
+              <a:t>8/4/20</a:t>
             </a:fld>
             <a:endParaRPr lang="en-US"/>
           </a:p>
@@ -1818,7 +1818,7 @@
           <a:p>
             <a:fld id="{65F3756F-6BA0-BE41-9226-AD7D2B2262FF}" type="datetimeFigureOut">
               <a:rPr lang="en-US" smtClean="0"/>
-              <a:t>7/24/20</a:t>
+              <a:t>8/4/20</a:t>
             </a:fld>
             <a:endParaRPr lang="en-US"/>
           </a:p>
@@ -1959,7 +1959,7 @@
           <a:p>
             <a:fld id="{65F3756F-6BA0-BE41-9226-AD7D2B2262FF}" type="datetimeFigureOut">
               <a:rPr lang="en-US" smtClean="0"/>
-              <a:t>7/24/20</a:t>
+              <a:t>8/4/20</a:t>
             </a:fld>
             <a:endParaRPr lang="en-US"/>
           </a:p>
@@ -2072,7 +2072,7 @@
           <a:p>
             <a:fld id="{65F3756F-6BA0-BE41-9226-AD7D2B2262FF}" type="datetimeFigureOut">
               <a:rPr lang="en-US" smtClean="0"/>
-              <a:t>7/24/20</a:t>
+              <a:t>8/4/20</a:t>
             </a:fld>
             <a:endParaRPr lang="en-US"/>
           </a:p>
@@ -2383,7 +2383,7 @@
           <a:p>
             <a:fld id="{65F3756F-6BA0-BE41-9226-AD7D2B2262FF}" type="datetimeFigureOut">
               <a:rPr lang="en-US" smtClean="0"/>
-              <a:t>7/24/20</a:t>
+              <a:t>8/4/20</a:t>
             </a:fld>
             <a:endParaRPr lang="en-US"/>
           </a:p>
@@ -2671,7 +2671,7 @@
           <a:p>
             <a:fld id="{65F3756F-6BA0-BE41-9226-AD7D2B2262FF}" type="datetimeFigureOut">
               <a:rPr lang="en-US" smtClean="0"/>
-              <a:t>7/24/20</a:t>
+              <a:t>8/4/20</a:t>
             </a:fld>
             <a:endParaRPr lang="en-US"/>
           </a:p>
@@ -2912,7 +2912,7 @@
           <a:p>
             <a:fld id="{65F3756F-6BA0-BE41-9226-AD7D2B2262FF}" type="datetimeFigureOut">
               <a:rPr lang="en-US" smtClean="0"/>
-              <a:t>7/24/20</a:t>
+              <a:t>8/4/20</a:t>
             </a:fld>
             <a:endParaRPr lang="en-US"/>
           </a:p>
@@ -7061,10 +7061,527 @@
       </p:grpSpPr>
       <p:sp>
         <p:nvSpPr>
-          <p:cNvPr id="82" name="Oval 81">
-            <a:extLst>
-              <a:ext uri="{FF2B5EF4-FFF2-40B4-BE49-F238E27FC236}">
-                <a16:creationId xmlns:a16="http://schemas.microsoft.com/office/drawing/2014/main" id="{559677F5-E2CA-2741-B80D-BCC657ADBC31}"/>
+          <p:cNvPr id="2" name="TextBox 1">
+            <a:extLst>
+              <a:ext uri="{FF2B5EF4-FFF2-40B4-BE49-F238E27FC236}">
+                <a16:creationId xmlns:a16="http://schemas.microsoft.com/office/drawing/2014/main" id="{2589C3A5-A5ED-C346-97D9-9ED1C7A54DC8}"/>
+              </a:ext>
+            </a:extLst>
+          </p:cNvPr>
+          <p:cNvSpPr txBox="1"/>
+          <p:nvPr/>
+        </p:nvSpPr>
+        <p:spPr>
+          <a:xfrm>
+            <a:off x="1465375" y="506602"/>
+            <a:ext cx="4239088" cy="4862870"/>
+          </a:xfrm>
+          <a:prstGeom prst="rect">
+            <a:avLst/>
+          </a:prstGeom>
+          <a:noFill/>
+        </p:spPr>
+        <p:txBody>
+          <a:bodyPr wrap="square" rtlCol="0">
+            <a:spAutoFit/>
+          </a:bodyPr>
+          <a:lstStyle/>
+          <a:p>
+            <a:r>
+              <a:rPr lang="en-US" sz="1000" i="1" dirty="0" err="1">
+                <a:solidFill>
+                  <a:srgbClr val="00B050"/>
+                </a:solidFill>
+              </a:rPr>
+              <a:t>pool_entry</a:t>
+            </a:r>
+            <a:r>
+              <a:rPr lang="en-US" sz="1000" i="1" dirty="0">
+                <a:solidFill>
+                  <a:srgbClr val="00B050"/>
+                </a:solidFill>
+              </a:rPr>
+              <a:t> table;</a:t>
+            </a:r>
+            <a:endParaRPr lang="en-US" sz="1000" dirty="0">
+              <a:solidFill>
+                <a:srgbClr val="00B050"/>
+              </a:solidFill>
+            </a:endParaRPr>
+          </a:p>
+          <a:p>
+            <a:r>
+              <a:rPr lang="en-US" sz="1000" dirty="0" err="1">
+                <a:solidFill>
+                  <a:srgbClr val="FF0000"/>
+                </a:solidFill>
+              </a:rPr>
+              <a:t>poolTeamName</a:t>
+            </a:r>
+            <a:r>
+              <a:rPr lang="en-US" sz="1000" dirty="0">
+                <a:solidFill>
+                  <a:srgbClr val="FF0000"/>
+                </a:solidFill>
+              </a:rPr>
+              <a:t>: [QuadSquad]</a:t>
+            </a:r>
+          </a:p>
+          <a:p>
+            <a:r>
+              <a:rPr lang="en-US" sz="1000" dirty="0" err="1">
+                <a:solidFill>
+                  <a:srgbClr val="FF0000"/>
+                </a:solidFill>
+              </a:rPr>
+              <a:t>poolTeamID</a:t>
+            </a:r>
+            <a:r>
+              <a:rPr lang="en-US" sz="1000" dirty="0">
+                <a:solidFill>
+                  <a:srgbClr val="FF0000"/>
+                </a:solidFill>
+              </a:rPr>
+              <a:t>:</a:t>
+            </a:r>
+          </a:p>
+          <a:p>
+            <a:r>
+              <a:rPr lang="en-US" sz="1000" dirty="0">
+                <a:solidFill>
+                  <a:srgbClr val="FF0000"/>
+                </a:solidFill>
+              </a:rPr>
+              <a:t>GM: [GM Name]</a:t>
+            </a:r>
+          </a:p>
+          <a:p>
+            <a:r>
+              <a:rPr lang="en-US" sz="1000" dirty="0">
+                <a:solidFill>
+                  <a:srgbClr val="FF0000"/>
+                </a:solidFill>
+              </a:rPr>
+              <a:t>email:</a:t>
+            </a:r>
+          </a:p>
+          <a:p>
+            <a:r>
+              <a:rPr lang="en-US" sz="1000" dirty="0">
+                <a:solidFill>
+                  <a:srgbClr val="FF0000"/>
+                </a:solidFill>
+              </a:rPr>
+              <a:t>hometown:</a:t>
+            </a:r>
+          </a:p>
+          <a:p>
+            <a:r>
+              <a:rPr lang="en-US" sz="1000" dirty="0">
+                <a:solidFill>
+                  <a:srgbClr val="FF0000"/>
+                </a:solidFill>
+              </a:rPr>
+              <a:t>country:</a:t>
+            </a:r>
+          </a:p>
+          <a:p>
+            <a:r>
+              <a:rPr lang="en-US" sz="1000" dirty="0">
+                <a:solidFill>
+                  <a:srgbClr val="FF0000"/>
+                </a:solidFill>
+              </a:rPr>
+              <a:t>pay Status: [NotPaid, PayPal, Cheque, Cash, Coupon]</a:t>
+            </a:r>
+          </a:p>
+          <a:p>
+            <a:r>
+              <a:rPr lang="en-US" sz="1000" dirty="0">
+                <a:solidFill>
+                  <a:srgbClr val="FF0000"/>
+                </a:solidFill>
+              </a:rPr>
+              <a:t>pay Amount: </a:t>
+            </a:r>
+          </a:p>
+          <a:p>
+            <a:r>
+              <a:rPr lang="en-US" sz="1000" dirty="0">
+                <a:solidFill>
+                  <a:srgbClr val="FF0000"/>
+                </a:solidFill>
+              </a:rPr>
+              <a:t>status:  [Incomplete, complete]</a:t>
+            </a:r>
+          </a:p>
+          <a:p>
+            <a:endParaRPr lang="en-US" sz="1000" dirty="0">
+              <a:solidFill>
+                <a:srgbClr val="FF0000"/>
+              </a:solidFill>
+            </a:endParaRPr>
+          </a:p>
+          <a:p>
+            <a:r>
+              <a:rPr lang="en-US" sz="1000" dirty="0" err="1">
+                <a:solidFill>
+                  <a:srgbClr val="00B050"/>
+                </a:solidFill>
+              </a:rPr>
+              <a:t>entry_stats_blue</a:t>
+            </a:r>
+            <a:r>
+              <a:rPr lang="en-US" sz="1000" dirty="0">
+                <a:solidFill>
+                  <a:srgbClr val="00B050"/>
+                </a:solidFill>
+              </a:rPr>
+              <a:t> table;   </a:t>
+            </a:r>
+            <a:r>
+              <a:rPr lang="en-US" sz="1000" dirty="0" err="1">
+                <a:solidFill>
+                  <a:srgbClr val="00B050"/>
+                </a:solidFill>
+              </a:rPr>
+              <a:t>entry_stats_green</a:t>
+            </a:r>
+            <a:r>
+              <a:rPr lang="en-US" sz="1000" dirty="0">
+                <a:solidFill>
+                  <a:srgbClr val="00B050"/>
+                </a:solidFill>
+              </a:rPr>
+              <a:t> table</a:t>
+            </a:r>
+          </a:p>
+          <a:p>
+            <a:r>
+              <a:rPr lang="en-US" sz="1000" dirty="0" err="1">
+                <a:solidFill>
+                  <a:srgbClr val="FF0000"/>
+                </a:solidFill>
+              </a:rPr>
+              <a:t>poolTeamID</a:t>
+            </a:r>
+            <a:endParaRPr lang="en-US" sz="1000" dirty="0">
+              <a:solidFill>
+                <a:srgbClr val="FF0000"/>
+              </a:solidFill>
+            </a:endParaRPr>
+          </a:p>
+          <a:p>
+            <a:r>
+              <a:rPr lang="en-US" sz="1000" dirty="0" err="1">
+                <a:solidFill>
+                  <a:srgbClr val="FF0000"/>
+                </a:solidFill>
+              </a:rPr>
+              <a:t>poolTeamName</a:t>
+            </a:r>
+            <a:endParaRPr lang="en-US" sz="1000" dirty="0">
+              <a:solidFill>
+                <a:srgbClr val="FF0000"/>
+              </a:solidFill>
+            </a:endParaRPr>
+          </a:p>
+          <a:p>
+            <a:r>
+              <a:rPr lang="en-US" sz="1000" dirty="0" err="1">
+                <a:solidFill>
+                  <a:srgbClr val="FF0000"/>
+                </a:solidFill>
+              </a:rPr>
+              <a:t>currentPoints</a:t>
+            </a:r>
+            <a:endParaRPr lang="en-US" sz="1000" dirty="0">
+              <a:solidFill>
+                <a:srgbClr val="FF0000"/>
+              </a:solidFill>
+            </a:endParaRPr>
+          </a:p>
+          <a:p>
+            <a:r>
+              <a:rPr lang="en-US" sz="1000" dirty="0" err="1">
+                <a:solidFill>
+                  <a:srgbClr val="FF0000"/>
+                </a:solidFill>
+              </a:rPr>
+              <a:t>currentRank</a:t>
+            </a:r>
+            <a:endParaRPr lang="en-US" sz="1000" dirty="0">
+              <a:solidFill>
+                <a:srgbClr val="FF0000"/>
+              </a:solidFill>
+            </a:endParaRPr>
+          </a:p>
+          <a:p>
+            <a:r>
+              <a:rPr lang="en-US" sz="1000" dirty="0" err="1">
+                <a:solidFill>
+                  <a:srgbClr val="FF0000"/>
+                </a:solidFill>
+              </a:rPr>
+              <a:t>morningRank</a:t>
+            </a:r>
+            <a:endParaRPr lang="en-US" sz="1000" dirty="0">
+              <a:solidFill>
+                <a:srgbClr val="FF0000"/>
+              </a:solidFill>
+            </a:endParaRPr>
+          </a:p>
+          <a:p>
+            <a:r>
+              <a:rPr lang="en-US" sz="1000" dirty="0" err="1">
+                <a:solidFill>
+                  <a:srgbClr val="FF0000"/>
+                </a:solidFill>
+              </a:rPr>
+              <a:t>morningPoints</a:t>
+            </a:r>
+            <a:endParaRPr lang="en-US" sz="1000" dirty="0">
+              <a:solidFill>
+                <a:srgbClr val="FF0000"/>
+              </a:solidFill>
+            </a:endParaRPr>
+          </a:p>
+          <a:p>
+            <a:r>
+              <a:rPr lang="en-US" sz="1000" dirty="0">
+                <a:solidFill>
+                  <a:srgbClr val="FF0000"/>
+                </a:solidFill>
+              </a:rPr>
+              <a:t>active</a:t>
+            </a:r>
+          </a:p>
+          <a:p>
+            <a:r>
+              <a:rPr lang="en-US" sz="1000" dirty="0">
+                <a:solidFill>
+                  <a:srgbClr val="FF0000"/>
+                </a:solidFill>
+              </a:rPr>
+              <a:t>duds</a:t>
+            </a:r>
+          </a:p>
+          <a:p>
+            <a:r>
+              <a:rPr lang="en-US" sz="1000" dirty="0">
+                <a:solidFill>
+                  <a:srgbClr val="FF0000"/>
+                </a:solidFill>
+              </a:rPr>
+              <a:t>rookie</a:t>
+            </a:r>
+          </a:p>
+          <a:p>
+            <a:r>
+              <a:rPr lang="en-US" sz="1000" dirty="0">
+                <a:solidFill>
+                  <a:srgbClr val="FF0000"/>
+                </a:solidFill>
+              </a:rPr>
+              <a:t>prize </a:t>
+            </a:r>
+          </a:p>
+          <a:p>
+            <a:endParaRPr lang="en-US" sz="1000" dirty="0">
+              <a:solidFill>
+                <a:srgbClr val="FF0000"/>
+              </a:solidFill>
+            </a:endParaRPr>
+          </a:p>
+          <a:p>
+            <a:r>
+              <a:rPr lang="en-US" sz="1000" dirty="0" err="1">
+                <a:solidFill>
+                  <a:srgbClr val="00B050"/>
+                </a:solidFill>
+              </a:rPr>
+              <a:t>entry_players</a:t>
+            </a:r>
+            <a:r>
+              <a:rPr lang="en-US" sz="1000" dirty="0">
+                <a:solidFill>
+                  <a:srgbClr val="00B050"/>
+                </a:solidFill>
+              </a:rPr>
+              <a:t> table;</a:t>
+            </a:r>
+          </a:p>
+          <a:p>
+            <a:r>
+              <a:rPr lang="en-US" sz="1000" dirty="0">
+                <a:solidFill>
+                  <a:srgbClr val="FF0000"/>
+                </a:solidFill>
+              </a:rPr>
+              <a:t>25* </a:t>
+            </a:r>
+            <a:r>
+              <a:rPr lang="en-US" sz="1000" dirty="0" err="1">
+                <a:solidFill>
+                  <a:srgbClr val="FF0000"/>
+                </a:solidFill>
+              </a:rPr>
+              <a:t>playerID</a:t>
+            </a:r>
+            <a:r>
+              <a:rPr lang="en-US" sz="1000" dirty="0">
+                <a:solidFill>
+                  <a:srgbClr val="FF0000"/>
+                </a:solidFill>
+              </a:rPr>
+              <a:t>.</a:t>
+            </a:r>
+          </a:p>
+          <a:p>
+            <a:r>
+              <a:rPr lang="en-US" sz="1000" dirty="0">
+                <a:solidFill>
+                  <a:srgbClr val="FF0000"/>
+                </a:solidFill>
+              </a:rPr>
+              <a:t>25* </a:t>
+            </a:r>
+            <a:r>
+              <a:rPr lang="en-US" sz="1000" dirty="0" err="1">
+                <a:solidFill>
+                  <a:srgbClr val="FF0000"/>
+                </a:solidFill>
+              </a:rPr>
+              <a:t>playerName</a:t>
+            </a:r>
+            <a:endParaRPr lang="en-US" sz="1000" dirty="0">
+              <a:solidFill>
+                <a:srgbClr val="FF0000"/>
+              </a:solidFill>
+            </a:endParaRPr>
+          </a:p>
+          <a:p>
+            <a:endParaRPr lang="en-US" sz="1000" dirty="0">
+              <a:solidFill>
+                <a:srgbClr val="FF0000"/>
+              </a:solidFill>
+            </a:endParaRPr>
+          </a:p>
+          <a:p>
+            <a:r>
+              <a:rPr lang="en-US" sz="1000" dirty="0" err="1">
+                <a:solidFill>
+                  <a:srgbClr val="00B050"/>
+                </a:solidFill>
+              </a:rPr>
+              <a:t>activePlayers</a:t>
+            </a:r>
+            <a:r>
+              <a:rPr lang="en-US" sz="1000" dirty="0">
+                <a:solidFill>
+                  <a:srgbClr val="00B050"/>
+                </a:solidFill>
+              </a:rPr>
+              <a:t> table;</a:t>
+            </a:r>
+          </a:p>
+          <a:p>
+            <a:r>
+              <a:rPr lang="en-US" sz="1000" dirty="0" err="1">
+                <a:solidFill>
+                  <a:srgbClr val="FF0000"/>
+                </a:solidFill>
+              </a:rPr>
+              <a:t>Player_id</a:t>
+            </a:r>
+            <a:r>
+              <a:rPr lang="en-US" sz="1000" dirty="0">
+                <a:solidFill>
+                  <a:srgbClr val="FF0000"/>
+                </a:solidFill>
+              </a:rPr>
+              <a:t>, </a:t>
+            </a:r>
+            <a:r>
+              <a:rPr lang="en-US" sz="1000" dirty="0" err="1">
+                <a:solidFill>
+                  <a:srgbClr val="FF0000"/>
+                </a:solidFill>
+              </a:rPr>
+              <a:t>player_name</a:t>
+            </a:r>
+            <a:r>
+              <a:rPr lang="en-US" sz="1000" dirty="0">
+                <a:solidFill>
+                  <a:srgbClr val="FF0000"/>
+                </a:solidFill>
+              </a:rPr>
+              <a:t>, team_id, team_name, </a:t>
+            </a:r>
+            <a:r>
+              <a:rPr lang="en-US" sz="1000" dirty="0" err="1">
+                <a:solidFill>
+                  <a:srgbClr val="FF0000"/>
+                </a:solidFill>
+              </a:rPr>
+              <a:t>player_type</a:t>
+            </a:r>
+            <a:r>
+              <a:rPr lang="en-US" sz="1000" dirty="0">
+                <a:solidFill>
+                  <a:srgbClr val="FF0000"/>
+                </a:solidFill>
+              </a:rPr>
+              <a:t>, goals, assists, wins, shutouts, </a:t>
+            </a:r>
+            <a:r>
+              <a:rPr lang="en-US" sz="1000" dirty="0" err="1">
+                <a:solidFill>
+                  <a:srgbClr val="FF0000"/>
+                </a:solidFill>
+              </a:rPr>
+              <a:t>c_points</a:t>
+            </a:r>
+            <a:r>
+              <a:rPr lang="en-US" sz="1000" dirty="0">
+                <a:solidFill>
+                  <a:srgbClr val="FF0000"/>
+                </a:solidFill>
+              </a:rPr>
+              <a:t>, </a:t>
+            </a:r>
+            <a:r>
+              <a:rPr lang="en-US" sz="1000" dirty="0" err="1">
+                <a:solidFill>
+                  <a:srgbClr val="FF0000"/>
+                </a:solidFill>
+              </a:rPr>
+              <a:t>p_points</a:t>
+            </a:r>
+            <a:r>
+              <a:rPr lang="en-US" sz="1000" dirty="0">
+                <a:solidFill>
+                  <a:srgbClr val="FF0000"/>
+                </a:solidFill>
+              </a:rPr>
+              <a:t> (previous), status_id (0-5), selected,</a:t>
+            </a:r>
+          </a:p>
+          <a:p>
+            <a:endParaRPr lang="en-US" sz="1000" dirty="0">
+              <a:solidFill>
+                <a:srgbClr val="FF0000"/>
+              </a:solidFill>
+            </a:endParaRPr>
+          </a:p>
+        </p:txBody>
+      </p:sp>
+      <p:sp>
+        <p:nvSpPr>
+          <p:cNvPr id="3" name="Left Brace 2">
+            <a:extLst>
+              <a:ext uri="{FF2B5EF4-FFF2-40B4-BE49-F238E27FC236}">
+                <a16:creationId xmlns:a16="http://schemas.microsoft.com/office/drawing/2014/main" id="{D6692E7C-7ACB-C949-B6A3-5EA295ACD06D}"/>
               </a:ext>
             </a:extLst>
           </p:cNvPr>
@@ -7073,32 +7590,25 @@
         </p:nvSpPr>
         <p:spPr>
           <a:xfrm>
-            <a:off x="1968353" y="-58941"/>
-            <a:ext cx="4785873" cy="1079687"/>
+            <a:off x="1366543" y="721309"/>
+            <a:ext cx="91269" cy="1399285"/>
           </a:xfrm>
-          <a:prstGeom prst="ellipse">
+          <a:prstGeom prst="leftBrace">
             <a:avLst/>
           </a:prstGeom>
-          <a:solidFill>
-            <a:schemeClr val="bg1">
-              <a:lumMod val="85000"/>
-            </a:schemeClr>
-          </a:solidFill>
         </p:spPr>
         <p:style>
-          <a:lnRef idx="2">
-            <a:schemeClr val="accent1">
-              <a:shade val="50000"/>
-            </a:schemeClr>
+          <a:lnRef idx="1">
+            <a:schemeClr val="accent1"/>
           </a:lnRef>
-          <a:fillRef idx="1">
+          <a:fillRef idx="0">
             <a:schemeClr val="accent1"/>
           </a:fillRef>
           <a:effectRef idx="0">
             <a:schemeClr val="accent1"/>
           </a:effectRef>
           <a:fontRef idx="minor">
-            <a:schemeClr val="lt1"/>
+            <a:schemeClr val="tx1"/>
           </a:fontRef>
         </p:style>
         <p:txBody>
@@ -7106,16 +7616,60 @@
           <a:lstStyle/>
           <a:p>
             <a:pPr algn="ctr"/>
-            <a:endParaRPr lang="en-US" dirty="0"/>
-          </a:p>
-        </p:txBody>
-      </p:sp>
-      <p:sp>
-        <p:nvSpPr>
-          <p:cNvPr id="83" name="TextBox 82">
-            <a:extLst>
-              <a:ext uri="{FF2B5EF4-FFF2-40B4-BE49-F238E27FC236}">
-                <a16:creationId xmlns:a16="http://schemas.microsoft.com/office/drawing/2014/main" id="{B84AA3E1-9C69-0745-BFB2-4C232B2E2713}"/>
+            <a:endParaRPr lang="en-US"/>
+          </a:p>
+        </p:txBody>
+      </p:sp>
+      <p:sp>
+        <p:nvSpPr>
+          <p:cNvPr id="4" name="Left Brace 3">
+            <a:extLst>
+              <a:ext uri="{FF2B5EF4-FFF2-40B4-BE49-F238E27FC236}">
+                <a16:creationId xmlns:a16="http://schemas.microsoft.com/office/drawing/2014/main" id="{80F950EA-92E3-8244-B65B-C7B8AC7E7D2A}"/>
+              </a:ext>
+            </a:extLst>
+          </p:cNvPr>
+          <p:cNvSpPr/>
+          <p:nvPr/>
+        </p:nvSpPr>
+        <p:spPr>
+          <a:xfrm>
+            <a:off x="1366542" y="2218740"/>
+            <a:ext cx="160725" cy="1690320"/>
+          </a:xfrm>
+          <a:prstGeom prst="leftBrace">
+            <a:avLst/>
+          </a:prstGeom>
+        </p:spPr>
+        <p:style>
+          <a:lnRef idx="1">
+            <a:schemeClr val="accent1"/>
+          </a:lnRef>
+          <a:fillRef idx="0">
+            <a:schemeClr val="accent1"/>
+          </a:fillRef>
+          <a:effectRef idx="0">
+            <a:schemeClr val="accent1"/>
+          </a:effectRef>
+          <a:fontRef idx="minor">
+            <a:schemeClr val="tx1"/>
+          </a:fontRef>
+        </p:style>
+        <p:txBody>
+          <a:bodyPr rtlCol="0" anchor="ctr"/>
+          <a:lstStyle/>
+          <a:p>
+            <a:pPr algn="ctr"/>
+            <a:endParaRPr lang="en-US"/>
+          </a:p>
+        </p:txBody>
+      </p:sp>
+      <p:sp>
+        <p:nvSpPr>
+          <p:cNvPr id="5" name="TextBox 4">
+            <a:extLst>
+              <a:ext uri="{FF2B5EF4-FFF2-40B4-BE49-F238E27FC236}">
+                <a16:creationId xmlns:a16="http://schemas.microsoft.com/office/drawing/2014/main" id="{F21926C9-7BE1-4E42-BD9E-6808FBDFE44E}"/>
               </a:ext>
             </a:extLst>
           </p:cNvPr>
@@ -7124,8 +7678,8 @@
         </p:nvSpPr>
         <p:spPr>
           <a:xfrm>
-            <a:off x="3844330" y="-85506"/>
-            <a:ext cx="1351924" cy="246221"/>
+            <a:off x="431820" y="1297840"/>
+            <a:ext cx="976586" cy="246221"/>
           </a:xfrm>
           <a:prstGeom prst="rect">
             <a:avLst/>
@@ -7140,18 +7694,60 @@
           <a:p>
             <a:r>
               <a:rPr lang="en-US" sz="1000" dirty="0" err="1"/>
-              <a:t>Admin.html</a:t>
-            </a:r>
-            <a:endParaRPr lang="en-US" sz="1000" dirty="0"/>
-          </a:p>
-        </p:txBody>
-      </p:sp>
-      <p:sp>
-        <p:nvSpPr>
-          <p:cNvPr id="78" name="Oval 77">
-            <a:extLst>
-              <a:ext uri="{FF2B5EF4-FFF2-40B4-BE49-F238E27FC236}">
-                <a16:creationId xmlns:a16="http://schemas.microsoft.com/office/drawing/2014/main" id="{D0FCAD9C-4A09-0347-B146-6B5F58C105ED}"/>
+              <a:t>entryRegister</a:t>
+            </a:r>
+            <a:r>
+              <a:rPr lang="en-US" sz="1000" dirty="0"/>
+              <a:t>()</a:t>
+            </a:r>
+          </a:p>
+        </p:txBody>
+      </p:sp>
+      <p:sp>
+        <p:nvSpPr>
+          <p:cNvPr id="6" name="TextBox 5">
+            <a:extLst>
+              <a:ext uri="{FF2B5EF4-FFF2-40B4-BE49-F238E27FC236}">
+                <a16:creationId xmlns:a16="http://schemas.microsoft.com/office/drawing/2014/main" id="{1E9FFABC-5C42-2C4C-BCC1-7F4E13F168F3}"/>
+              </a:ext>
+            </a:extLst>
+          </p:cNvPr>
+          <p:cNvSpPr txBox="1"/>
+          <p:nvPr/>
+        </p:nvSpPr>
+        <p:spPr>
+          <a:xfrm>
+            <a:off x="431820" y="2918457"/>
+            <a:ext cx="1033555" cy="246221"/>
+          </a:xfrm>
+          <a:prstGeom prst="rect">
+            <a:avLst/>
+          </a:prstGeom>
+          <a:noFill/>
+        </p:spPr>
+        <p:txBody>
+          <a:bodyPr wrap="square" rtlCol="0">
+            <a:spAutoFit/>
+          </a:bodyPr>
+          <a:lstStyle/>
+          <a:p>
+            <a:r>
+              <a:rPr lang="en-US" sz="1000" dirty="0" err="1"/>
+              <a:t>poolUpdate</a:t>
+            </a:r>
+            <a:r>
+              <a:rPr lang="en-US" sz="1000" dirty="0"/>
+              <a:t>()</a:t>
+            </a:r>
+          </a:p>
+        </p:txBody>
+      </p:sp>
+      <p:sp>
+        <p:nvSpPr>
+          <p:cNvPr id="7" name="Left Brace 6">
+            <a:extLst>
+              <a:ext uri="{FF2B5EF4-FFF2-40B4-BE49-F238E27FC236}">
+                <a16:creationId xmlns:a16="http://schemas.microsoft.com/office/drawing/2014/main" id="{D221C478-887E-7D4A-97C3-68F7D04194EF}"/>
               </a:ext>
             </a:extLst>
           </p:cNvPr>
@@ -7160,32 +7756,28 @@
         </p:nvSpPr>
         <p:spPr>
           <a:xfrm>
-            <a:off x="102264" y="1619821"/>
-            <a:ext cx="2516650" cy="2093204"/>
+            <a:off x="1347631" y="4122396"/>
+            <a:ext cx="197665" cy="375765"/>
           </a:xfrm>
-          <a:prstGeom prst="ellipse">
-            <a:avLst/>
+          <a:prstGeom prst="leftBrace">
+            <a:avLst>
+              <a:gd name="adj1" fmla="val 8333"/>
+              <a:gd name="adj2" fmla="val 47457"/>
+            </a:avLst>
           </a:prstGeom>
-          <a:solidFill>
-            <a:schemeClr val="bg1">
-              <a:lumMod val="85000"/>
-            </a:schemeClr>
-          </a:solidFill>
         </p:spPr>
         <p:style>
-          <a:lnRef idx="2">
-            <a:schemeClr val="accent1">
-              <a:shade val="50000"/>
-            </a:schemeClr>
+          <a:lnRef idx="1">
+            <a:schemeClr val="accent1"/>
           </a:lnRef>
-          <a:fillRef idx="1">
+          <a:fillRef idx="0">
             <a:schemeClr val="accent1"/>
           </a:fillRef>
           <a:effectRef idx="0">
             <a:schemeClr val="accent1"/>
           </a:effectRef>
           <a:fontRef idx="minor">
-            <a:schemeClr val="lt1"/>
+            <a:schemeClr val="tx1"/>
           </a:fontRef>
         </p:style>
         <p:txBody>
@@ -7193,16 +7785,16 @@
           <a:lstStyle/>
           <a:p>
             <a:pPr algn="ctr"/>
-            <a:endParaRPr lang="en-US" dirty="0"/>
-          </a:p>
-        </p:txBody>
-      </p:sp>
-      <p:sp>
-        <p:nvSpPr>
-          <p:cNvPr id="79" name="TextBox 78">
-            <a:extLst>
-              <a:ext uri="{FF2B5EF4-FFF2-40B4-BE49-F238E27FC236}">
-                <a16:creationId xmlns:a16="http://schemas.microsoft.com/office/drawing/2014/main" id="{437A9EDE-F974-6B48-98A8-D723F6274817}"/>
+            <a:endParaRPr lang="en-US"/>
+          </a:p>
+        </p:txBody>
+      </p:sp>
+      <p:sp>
+        <p:nvSpPr>
+          <p:cNvPr id="8" name="TextBox 7">
+            <a:extLst>
+              <a:ext uri="{FF2B5EF4-FFF2-40B4-BE49-F238E27FC236}">
+                <a16:creationId xmlns:a16="http://schemas.microsoft.com/office/drawing/2014/main" id="{08ED3E21-8C22-FC4B-9FC4-ECC5B1CEF74D}"/>
               </a:ext>
             </a:extLst>
           </p:cNvPr>
@@ -7211,8 +7803,8 @@
         </p:nvSpPr>
         <p:spPr>
           <a:xfrm>
-            <a:off x="782405" y="1742972"/>
-            <a:ext cx="1396536" cy="246221"/>
+            <a:off x="330053" y="4112560"/>
+            <a:ext cx="1108711" cy="246221"/>
           </a:xfrm>
           <a:prstGeom prst="rect">
             <a:avLst/>
@@ -7220,25 +7812,28 @@
           <a:noFill/>
         </p:spPr>
         <p:txBody>
-          <a:bodyPr wrap="none" rtlCol="0">
+          <a:bodyPr wrap="square" rtlCol="0">
             <a:spAutoFit/>
           </a:bodyPr>
           <a:lstStyle/>
           <a:p>
             <a:r>
               <a:rPr lang="en-US" sz="1000" dirty="0" err="1"/>
-              <a:t>PoolTeamRegistry.html</a:t>
-            </a:r>
-            <a:endParaRPr lang="en-US" sz="1000" dirty="0"/>
-          </a:p>
-        </p:txBody>
-      </p:sp>
-      <p:sp>
-        <p:nvSpPr>
-          <p:cNvPr id="26" name="Oval 25">
-            <a:extLst>
-              <a:ext uri="{FF2B5EF4-FFF2-40B4-BE49-F238E27FC236}">
-                <a16:creationId xmlns:a16="http://schemas.microsoft.com/office/drawing/2014/main" id="{5E38BE2B-8ACA-9B4C-B8CB-F86438AE840D}"/>
+              <a:t>playerSelection</a:t>
+            </a:r>
+            <a:r>
+              <a:rPr lang="en-US" sz="1000" dirty="0"/>
+              <a:t>()</a:t>
+            </a:r>
+          </a:p>
+        </p:txBody>
+      </p:sp>
+      <p:sp>
+        <p:nvSpPr>
+          <p:cNvPr id="9" name="Oval 8">
+            <a:extLst>
+              <a:ext uri="{FF2B5EF4-FFF2-40B4-BE49-F238E27FC236}">
+                <a16:creationId xmlns:a16="http://schemas.microsoft.com/office/drawing/2014/main" id="{26DD986B-9C1C-A345-AB35-C94D8A1A101C}"/>
               </a:ext>
             </a:extLst>
           </p:cNvPr>
@@ -7247,273 +7842,10 @@
         </p:nvSpPr>
         <p:spPr>
           <a:xfrm>
-            <a:off x="7944873" y="62418"/>
-            <a:ext cx="2516650" cy="2093204"/>
+            <a:off x="6563360" y="1005840"/>
+            <a:ext cx="2692400" cy="1574800"/>
           </a:xfrm>
           <a:prstGeom prst="ellipse">
-            <a:avLst/>
-          </a:prstGeom>
-          <a:solidFill>
-            <a:schemeClr val="bg1">
-              <a:lumMod val="85000"/>
-            </a:schemeClr>
-          </a:solidFill>
-        </p:spPr>
-        <p:style>
-          <a:lnRef idx="2">
-            <a:schemeClr val="accent1">
-              <a:shade val="50000"/>
-            </a:schemeClr>
-          </a:lnRef>
-          <a:fillRef idx="1">
-            <a:schemeClr val="accent1"/>
-          </a:fillRef>
-          <a:effectRef idx="0">
-            <a:schemeClr val="accent1"/>
-          </a:effectRef>
-          <a:fontRef idx="minor">
-            <a:schemeClr val="lt1"/>
-          </a:fontRef>
-        </p:style>
-        <p:txBody>
-          <a:bodyPr rtlCol="0" anchor="ctr"/>
-          <a:lstStyle/>
-          <a:p>
-            <a:pPr algn="ctr"/>
-            <a:endParaRPr lang="en-US" dirty="0"/>
-          </a:p>
-        </p:txBody>
-      </p:sp>
-      <p:grpSp>
-        <p:nvGrpSpPr>
-          <p:cNvPr id="7" name="Group 6">
-            <a:extLst>
-              <a:ext uri="{FF2B5EF4-FFF2-40B4-BE49-F238E27FC236}">
-                <a16:creationId xmlns:a16="http://schemas.microsoft.com/office/drawing/2014/main" id="{A75BD7D7-6113-EB41-A1E2-2EFE78B659F6}"/>
-              </a:ext>
-            </a:extLst>
-          </p:cNvPr>
-          <p:cNvGrpSpPr/>
-          <p:nvPr/>
-        </p:nvGrpSpPr>
-        <p:grpSpPr>
-          <a:xfrm>
-            <a:off x="6643988" y="1731526"/>
-            <a:ext cx="1108954" cy="1410510"/>
-            <a:chOff x="7091463" y="3258766"/>
-            <a:chExt cx="1108954" cy="1410510"/>
-          </a:xfrm>
-        </p:grpSpPr>
-        <p:sp>
-          <p:nvSpPr>
-            <p:cNvPr id="2" name="Oval 1">
-              <a:extLst>
-                <a:ext uri="{FF2B5EF4-FFF2-40B4-BE49-F238E27FC236}">
-                  <a16:creationId xmlns:a16="http://schemas.microsoft.com/office/drawing/2014/main" id="{A1104814-AB93-0A43-AEC5-24BF9AE4D2FB}"/>
-                </a:ext>
-              </a:extLst>
-            </p:cNvPr>
-            <p:cNvSpPr/>
-            <p:nvPr/>
-          </p:nvSpPr>
-          <p:spPr>
-            <a:xfrm>
-              <a:off x="7091464" y="3258766"/>
-              <a:ext cx="1108953" cy="321013"/>
-            </a:xfrm>
-            <a:prstGeom prst="ellipse">
-              <a:avLst/>
-            </a:prstGeom>
-            <a:solidFill>
-              <a:schemeClr val="accent3">
-                <a:lumMod val="60000"/>
-                <a:lumOff val="40000"/>
-              </a:schemeClr>
-            </a:solidFill>
-          </p:spPr>
-          <p:style>
-            <a:lnRef idx="2">
-              <a:schemeClr val="accent1">
-                <a:shade val="50000"/>
-              </a:schemeClr>
-            </a:lnRef>
-            <a:fillRef idx="1">
-              <a:schemeClr val="accent1"/>
-            </a:fillRef>
-            <a:effectRef idx="0">
-              <a:schemeClr val="accent1"/>
-            </a:effectRef>
-            <a:fontRef idx="minor">
-              <a:schemeClr val="lt1"/>
-            </a:fontRef>
-          </p:style>
-          <p:txBody>
-            <a:bodyPr rtlCol="0" anchor="ctr"/>
-            <a:lstStyle/>
-            <a:p>
-              <a:pPr algn="ctr"/>
-              <a:r>
-                <a:rPr lang="en-US" sz="1100" dirty="0" err="1">
-                  <a:solidFill>
-                    <a:schemeClr val="tx1"/>
-                  </a:solidFill>
-                </a:rPr>
-                <a:t>playersDB</a:t>
-              </a:r>
-              <a:endParaRPr lang="en-US" sz="1100" dirty="0">
-                <a:solidFill>
-                  <a:schemeClr val="tx1"/>
-                </a:solidFill>
-              </a:endParaRPr>
-            </a:p>
-          </p:txBody>
-        </p:sp>
-        <p:cxnSp>
-          <p:nvCxnSpPr>
-            <p:cNvPr id="4" name="Straight Connector 3">
-              <a:extLst>
-                <a:ext uri="{FF2B5EF4-FFF2-40B4-BE49-F238E27FC236}">
-                  <a16:creationId xmlns:a16="http://schemas.microsoft.com/office/drawing/2014/main" id="{0C8283AE-8BDE-1540-96FE-90EADC76CCC8}"/>
-                </a:ext>
-              </a:extLst>
-            </p:cNvPr>
-            <p:cNvCxnSpPr>
-              <a:stCxn id="2" idx="2"/>
-            </p:cNvCxnSpPr>
-            <p:nvPr/>
-          </p:nvCxnSpPr>
-          <p:spPr>
-            <a:xfrm>
-              <a:off x="7091464" y="3419273"/>
-              <a:ext cx="0" cy="1055450"/>
-            </a:xfrm>
-            <a:prstGeom prst="line">
-              <a:avLst/>
-            </a:prstGeom>
-            <a:ln w="12700"/>
-          </p:spPr>
-          <p:style>
-            <a:lnRef idx="1">
-              <a:schemeClr val="accent1"/>
-            </a:lnRef>
-            <a:fillRef idx="0">
-              <a:schemeClr val="accent1"/>
-            </a:fillRef>
-            <a:effectRef idx="0">
-              <a:schemeClr val="accent1"/>
-            </a:effectRef>
-            <a:fontRef idx="minor">
-              <a:schemeClr val="tx1"/>
-            </a:fontRef>
-          </p:style>
-        </p:cxnSp>
-        <p:cxnSp>
-          <p:nvCxnSpPr>
-            <p:cNvPr id="5" name="Straight Connector 4">
-              <a:extLst>
-                <a:ext uri="{FF2B5EF4-FFF2-40B4-BE49-F238E27FC236}">
-                  <a16:creationId xmlns:a16="http://schemas.microsoft.com/office/drawing/2014/main" id="{B0447826-1B50-7749-A989-8FA6838DD30B}"/>
-                </a:ext>
-              </a:extLst>
-            </p:cNvPr>
-            <p:cNvCxnSpPr/>
-            <p:nvPr/>
-          </p:nvCxnSpPr>
-          <p:spPr>
-            <a:xfrm>
-              <a:off x="8200417" y="3429000"/>
-              <a:ext cx="0" cy="1055450"/>
-            </a:xfrm>
-            <a:prstGeom prst="line">
-              <a:avLst/>
-            </a:prstGeom>
-            <a:ln w="12700"/>
-          </p:spPr>
-          <p:style>
-            <a:lnRef idx="1">
-              <a:schemeClr val="accent1"/>
-            </a:lnRef>
-            <a:fillRef idx="0">
-              <a:schemeClr val="accent1"/>
-            </a:fillRef>
-            <a:effectRef idx="0">
-              <a:schemeClr val="accent1"/>
-            </a:effectRef>
-            <a:fontRef idx="minor">
-              <a:schemeClr val="tx1"/>
-            </a:fontRef>
-          </p:style>
-        </p:cxnSp>
-        <p:sp>
-          <p:nvSpPr>
-            <p:cNvPr id="6" name="Oval 5">
-              <a:extLst>
-                <a:ext uri="{FF2B5EF4-FFF2-40B4-BE49-F238E27FC236}">
-                  <a16:creationId xmlns:a16="http://schemas.microsoft.com/office/drawing/2014/main" id="{CC90BA5D-1422-F24C-9BDA-D56CC5C9C1E4}"/>
-                </a:ext>
-              </a:extLst>
-            </p:cNvPr>
-            <p:cNvSpPr/>
-            <p:nvPr/>
-          </p:nvSpPr>
-          <p:spPr>
-            <a:xfrm>
-              <a:off x="7091463" y="4348263"/>
-              <a:ext cx="1108953" cy="321013"/>
-            </a:xfrm>
-            <a:prstGeom prst="ellipse">
-              <a:avLst/>
-            </a:prstGeom>
-            <a:solidFill>
-              <a:schemeClr val="accent3">
-                <a:lumMod val="50000"/>
-              </a:schemeClr>
-            </a:solidFill>
-          </p:spPr>
-          <p:style>
-            <a:lnRef idx="2">
-              <a:schemeClr val="accent1">
-                <a:shade val="50000"/>
-              </a:schemeClr>
-            </a:lnRef>
-            <a:fillRef idx="1">
-              <a:schemeClr val="accent1"/>
-            </a:fillRef>
-            <a:effectRef idx="0">
-              <a:schemeClr val="accent1"/>
-            </a:effectRef>
-            <a:fontRef idx="minor">
-              <a:schemeClr val="lt1"/>
-            </a:fontRef>
-          </p:style>
-          <p:txBody>
-            <a:bodyPr rtlCol="0" anchor="ctr"/>
-            <a:lstStyle/>
-            <a:p>
-              <a:pPr algn="ctr"/>
-              <a:endParaRPr lang="en-US"/>
-            </a:p>
-          </p:txBody>
-        </p:sp>
-      </p:grpSp>
-      <p:sp>
-        <p:nvSpPr>
-          <p:cNvPr id="9" name="Cloud 8">
-            <a:extLst>
-              <a:ext uri="{FF2B5EF4-FFF2-40B4-BE49-F238E27FC236}">
-                <a16:creationId xmlns:a16="http://schemas.microsoft.com/office/drawing/2014/main" id="{4AA6A60E-2681-2244-A903-BC0175200DDB}"/>
-              </a:ext>
-            </a:extLst>
-          </p:cNvPr>
-          <p:cNvSpPr/>
-          <p:nvPr/>
-        </p:nvSpPr>
-        <p:spPr>
-          <a:xfrm>
-            <a:off x="9834667" y="2130357"/>
-            <a:ext cx="2159538" cy="1298643"/>
-          </a:xfrm>
-          <a:prstGeom prst="cloud">
             <a:avLst/>
           </a:prstGeom>
         </p:spPr>
@@ -7538,19 +7870,16 @@
           <a:lstStyle/>
           <a:p>
             <a:pPr algn="ctr"/>
-            <a:r>
-              <a:rPr lang="en-US" dirty="0"/>
-              <a:t>NHL API</a:t>
-            </a:r>
-          </a:p>
-        </p:txBody>
-      </p:sp>
-      <p:sp>
-        <p:nvSpPr>
-          <p:cNvPr id="10" name="TextBox 9">
-            <a:extLst>
-              <a:ext uri="{FF2B5EF4-FFF2-40B4-BE49-F238E27FC236}">
-                <a16:creationId xmlns:a16="http://schemas.microsoft.com/office/drawing/2014/main" id="{30AEBB77-3E9A-FA4E-8657-9206C752232F}"/>
+            <a:endParaRPr lang="en-US"/>
+          </a:p>
+        </p:txBody>
+      </p:sp>
+      <p:sp>
+        <p:nvSpPr>
+          <p:cNvPr id="11" name="TextBox 10">
+            <a:extLst>
+              <a:ext uri="{FF2B5EF4-FFF2-40B4-BE49-F238E27FC236}">
+                <a16:creationId xmlns:a16="http://schemas.microsoft.com/office/drawing/2014/main" id="{1CEE7FF1-B5B9-E442-AA02-41A53B56C5AB}"/>
               </a:ext>
             </a:extLst>
           </p:cNvPr>
@@ -7559,8 +7888,8 @@
         </p:nvSpPr>
         <p:spPr>
           <a:xfrm>
-            <a:off x="6636802" y="2171862"/>
-            <a:ext cx="1073499" cy="461665"/>
+            <a:off x="2824500" y="1051619"/>
+            <a:ext cx="1033555" cy="246221"/>
           </a:xfrm>
           <a:prstGeom prst="rect">
             <a:avLst/>
@@ -7568,352 +7897,34 @@
           <a:noFill/>
         </p:spPr>
         <p:txBody>
-          <a:bodyPr wrap="none" rtlCol="0">
+          <a:bodyPr wrap="square" rtlCol="0">
             <a:spAutoFit/>
           </a:bodyPr>
           <a:lstStyle/>
           <a:p>
-            <a:pPr algn="ctr"/>
-            <a:r>
-              <a:rPr lang="en-US" sz="1200" dirty="0"/>
-              <a:t>active_players</a:t>
-            </a:r>
-          </a:p>
-          <a:p>
-            <a:pPr algn="ctr"/>
-            <a:r>
-              <a:rPr lang="en-US" sz="1200" dirty="0"/>
-              <a:t>table</a:t>
-            </a:r>
-          </a:p>
-        </p:txBody>
-      </p:sp>
-      <p:sp>
-        <p:nvSpPr>
-          <p:cNvPr id="11" name="Arc 10">
-            <a:extLst>
-              <a:ext uri="{FF2B5EF4-FFF2-40B4-BE49-F238E27FC236}">
-                <a16:creationId xmlns:a16="http://schemas.microsoft.com/office/drawing/2014/main" id="{05EA9D22-554B-F247-B1A9-58F4EA1CA9E5}"/>
-              </a:ext>
-            </a:extLst>
-          </p:cNvPr>
-          <p:cNvSpPr/>
+            <a:r>
+              <a:rPr lang="en-US" sz="1000" dirty="0"/>
+              <a:t>200*9</a:t>
+            </a:r>
+          </a:p>
+        </p:txBody>
+      </p:sp>
+      <p:sp>
+        <p:nvSpPr>
+          <p:cNvPr id="13" name="TextBox 12">
+            <a:extLst>
+              <a:ext uri="{FF2B5EF4-FFF2-40B4-BE49-F238E27FC236}">
+                <a16:creationId xmlns:a16="http://schemas.microsoft.com/office/drawing/2014/main" id="{4EC7E3E0-8E0B-F04D-AFFF-EC765549243D}"/>
+              </a:ext>
+            </a:extLst>
+          </p:cNvPr>
+          <p:cNvSpPr txBox="1"/>
           <p:nvPr/>
         </p:nvSpPr>
         <p:spPr>
           <a:xfrm>
-            <a:off x="9599900" y="1365077"/>
-            <a:ext cx="1235410" cy="1534538"/>
-          </a:xfrm>
-          <a:prstGeom prst="arc">
-            <a:avLst>
-              <a:gd name="adj1" fmla="val 16011110"/>
-              <a:gd name="adj2" fmla="val 0"/>
-            </a:avLst>
-          </a:prstGeom>
-          <a:ln w="19050">
-            <a:headEnd type="triangle" w="med" len="med"/>
-            <a:tailEnd type="none" w="med" len="med"/>
-          </a:ln>
-        </p:spPr>
-        <p:style>
-          <a:lnRef idx="1">
-            <a:schemeClr val="accent1"/>
-          </a:lnRef>
-          <a:fillRef idx="0">
-            <a:schemeClr val="accent1"/>
-          </a:fillRef>
-          <a:effectRef idx="0">
-            <a:schemeClr val="accent1"/>
-          </a:effectRef>
-          <a:fontRef idx="minor">
-            <a:schemeClr val="tx1"/>
-          </a:fontRef>
-        </p:style>
-        <p:txBody>
-          <a:bodyPr rtlCol="0" anchor="ctr"/>
-          <a:lstStyle/>
-          <a:p>
-            <a:pPr algn="ctr"/>
-            <a:endParaRPr lang="en-US"/>
-          </a:p>
-        </p:txBody>
-      </p:sp>
-      <p:sp>
-        <p:nvSpPr>
-          <p:cNvPr id="12" name="Arc 11">
-            <a:extLst>
-              <a:ext uri="{FF2B5EF4-FFF2-40B4-BE49-F238E27FC236}">
-                <a16:creationId xmlns:a16="http://schemas.microsoft.com/office/drawing/2014/main" id="{A80B8323-FD5E-EA44-A1CF-26C035E20A41}"/>
-              </a:ext>
-            </a:extLst>
-          </p:cNvPr>
-          <p:cNvSpPr/>
-          <p:nvPr/>
-        </p:nvSpPr>
-        <p:spPr>
-          <a:xfrm rot="17102652">
-            <a:off x="7391877" y="1525446"/>
-            <a:ext cx="1471207" cy="778035"/>
-          </a:xfrm>
-          <a:prstGeom prst="arc">
-            <a:avLst>
-              <a:gd name="adj1" fmla="val 16200000"/>
-              <a:gd name="adj2" fmla="val 20021132"/>
-            </a:avLst>
-          </a:prstGeom>
-          <a:ln w="12700">
-            <a:headEnd type="triangle" w="med" len="med"/>
-            <a:tailEnd type="none" w="med" len="med"/>
-          </a:ln>
-        </p:spPr>
-        <p:style>
-          <a:lnRef idx="1">
-            <a:schemeClr val="accent1"/>
-          </a:lnRef>
-          <a:fillRef idx="0">
-            <a:schemeClr val="accent1"/>
-          </a:fillRef>
-          <a:effectRef idx="0">
-            <a:schemeClr val="accent1"/>
-          </a:effectRef>
-          <a:fontRef idx="minor">
-            <a:schemeClr val="tx1"/>
-          </a:fontRef>
-        </p:style>
-        <p:txBody>
-          <a:bodyPr rtlCol="0" anchor="ctr"/>
-          <a:lstStyle/>
-          <a:p>
-            <a:pPr algn="ctr"/>
-            <a:endParaRPr lang="en-US"/>
-          </a:p>
-        </p:txBody>
-      </p:sp>
-      <p:grpSp>
-        <p:nvGrpSpPr>
-          <p:cNvPr id="13" name="Group 12">
-            <a:extLst>
-              <a:ext uri="{FF2B5EF4-FFF2-40B4-BE49-F238E27FC236}">
-                <a16:creationId xmlns:a16="http://schemas.microsoft.com/office/drawing/2014/main" id="{306AAD7F-893E-FF4F-A094-69B385B30342}"/>
-              </a:ext>
-            </a:extLst>
-          </p:cNvPr>
-          <p:cNvGrpSpPr/>
-          <p:nvPr/>
-        </p:nvGrpSpPr>
-        <p:grpSpPr>
-          <a:xfrm>
-            <a:off x="3446122" y="1731526"/>
-            <a:ext cx="1108954" cy="1410510"/>
-            <a:chOff x="7091463" y="3258766"/>
-            <a:chExt cx="1108954" cy="1410510"/>
-          </a:xfrm>
-        </p:grpSpPr>
-        <p:sp>
-          <p:nvSpPr>
-            <p:cNvPr id="14" name="Oval 13">
-              <a:extLst>
-                <a:ext uri="{FF2B5EF4-FFF2-40B4-BE49-F238E27FC236}">
-                  <a16:creationId xmlns:a16="http://schemas.microsoft.com/office/drawing/2014/main" id="{F2CFC519-0219-4648-8A7D-9E7691F8AD61}"/>
-                </a:ext>
-              </a:extLst>
-            </p:cNvPr>
-            <p:cNvSpPr/>
-            <p:nvPr/>
-          </p:nvSpPr>
-          <p:spPr>
-            <a:xfrm>
-              <a:off x="7091464" y="3258766"/>
-              <a:ext cx="1108953" cy="321013"/>
-            </a:xfrm>
-            <a:prstGeom prst="ellipse">
-              <a:avLst/>
-            </a:prstGeom>
-            <a:solidFill>
-              <a:schemeClr val="accent1">
-                <a:lumMod val="60000"/>
-                <a:lumOff val="40000"/>
-              </a:schemeClr>
-            </a:solidFill>
-          </p:spPr>
-          <p:style>
-            <a:lnRef idx="2">
-              <a:schemeClr val="accent1">
-                <a:shade val="50000"/>
-              </a:schemeClr>
-            </a:lnRef>
-            <a:fillRef idx="1">
-              <a:schemeClr val="accent1"/>
-            </a:fillRef>
-            <a:effectRef idx="0">
-              <a:schemeClr val="accent1"/>
-            </a:effectRef>
-            <a:fontRef idx="minor">
-              <a:schemeClr val="lt1"/>
-            </a:fontRef>
-          </p:style>
-          <p:txBody>
-            <a:bodyPr rtlCol="0" anchor="ctr"/>
-            <a:lstStyle/>
-            <a:p>
-              <a:pPr algn="ctr"/>
-              <a:r>
-                <a:rPr lang="en-US" sz="1400" dirty="0" err="1">
-                  <a:solidFill>
-                    <a:schemeClr val="tx1"/>
-                  </a:solidFill>
-                </a:rPr>
-                <a:t>poolDB</a:t>
-              </a:r>
-              <a:endParaRPr lang="en-US" sz="1400" dirty="0">
-                <a:solidFill>
-                  <a:schemeClr val="tx1"/>
-                </a:solidFill>
-              </a:endParaRPr>
-            </a:p>
-          </p:txBody>
-        </p:sp>
-        <p:cxnSp>
-          <p:nvCxnSpPr>
-            <p:cNvPr id="15" name="Straight Connector 14">
-              <a:extLst>
-                <a:ext uri="{FF2B5EF4-FFF2-40B4-BE49-F238E27FC236}">
-                  <a16:creationId xmlns:a16="http://schemas.microsoft.com/office/drawing/2014/main" id="{21FC6301-D0E6-AD48-90BC-379487BC5D1F}"/>
-                </a:ext>
-              </a:extLst>
-            </p:cNvPr>
-            <p:cNvCxnSpPr>
-              <a:cxnSpLocks/>
-              <a:stCxn id="14" idx="2"/>
-            </p:cNvCxnSpPr>
-            <p:nvPr/>
-          </p:nvCxnSpPr>
-          <p:spPr>
-            <a:xfrm>
-              <a:off x="7091464" y="3419273"/>
-              <a:ext cx="0" cy="1055450"/>
-            </a:xfrm>
-            <a:prstGeom prst="line">
-              <a:avLst/>
-            </a:prstGeom>
-            <a:ln w="12700"/>
-          </p:spPr>
-          <p:style>
-            <a:lnRef idx="1">
-              <a:schemeClr val="accent1"/>
-            </a:lnRef>
-            <a:fillRef idx="0">
-              <a:schemeClr val="accent1"/>
-            </a:fillRef>
-            <a:effectRef idx="0">
-              <a:schemeClr val="accent1"/>
-            </a:effectRef>
-            <a:fontRef idx="minor">
-              <a:schemeClr val="tx1"/>
-            </a:fontRef>
-          </p:style>
-        </p:cxnSp>
-        <p:cxnSp>
-          <p:nvCxnSpPr>
-            <p:cNvPr id="16" name="Straight Connector 15">
-              <a:extLst>
-                <a:ext uri="{FF2B5EF4-FFF2-40B4-BE49-F238E27FC236}">
-                  <a16:creationId xmlns:a16="http://schemas.microsoft.com/office/drawing/2014/main" id="{7FD89E1C-8005-E543-9D37-2C7673D48752}"/>
-                </a:ext>
-              </a:extLst>
-            </p:cNvPr>
-            <p:cNvCxnSpPr/>
-            <p:nvPr/>
-          </p:nvCxnSpPr>
-          <p:spPr>
-            <a:xfrm>
-              <a:off x="8200417" y="3429000"/>
-              <a:ext cx="0" cy="1055450"/>
-            </a:xfrm>
-            <a:prstGeom prst="line">
-              <a:avLst/>
-            </a:prstGeom>
-            <a:ln w="12700"/>
-          </p:spPr>
-          <p:style>
-            <a:lnRef idx="1">
-              <a:schemeClr val="accent1"/>
-            </a:lnRef>
-            <a:fillRef idx="0">
-              <a:schemeClr val="accent1"/>
-            </a:fillRef>
-            <a:effectRef idx="0">
-              <a:schemeClr val="accent1"/>
-            </a:effectRef>
-            <a:fontRef idx="minor">
-              <a:schemeClr val="tx1"/>
-            </a:fontRef>
-          </p:style>
-        </p:cxnSp>
-        <p:sp>
-          <p:nvSpPr>
-            <p:cNvPr id="17" name="Oval 16">
-              <a:extLst>
-                <a:ext uri="{FF2B5EF4-FFF2-40B4-BE49-F238E27FC236}">
-                  <a16:creationId xmlns:a16="http://schemas.microsoft.com/office/drawing/2014/main" id="{3C4120C2-F450-8E45-970C-E939BE0DC15B}"/>
-                </a:ext>
-              </a:extLst>
-            </p:cNvPr>
-            <p:cNvSpPr/>
-            <p:nvPr/>
-          </p:nvSpPr>
-          <p:spPr>
-            <a:xfrm>
-              <a:off x="7091463" y="4348263"/>
-              <a:ext cx="1108953" cy="321013"/>
-            </a:xfrm>
-            <a:prstGeom prst="ellipse">
-              <a:avLst/>
-            </a:prstGeom>
-          </p:spPr>
-          <p:style>
-            <a:lnRef idx="2">
-              <a:schemeClr val="accent1">
-                <a:shade val="50000"/>
-              </a:schemeClr>
-            </a:lnRef>
-            <a:fillRef idx="1">
-              <a:schemeClr val="accent1"/>
-            </a:fillRef>
-            <a:effectRef idx="0">
-              <a:schemeClr val="accent1"/>
-            </a:effectRef>
-            <a:fontRef idx="minor">
-              <a:schemeClr val="lt1"/>
-            </a:fontRef>
-          </p:style>
-          <p:txBody>
-            <a:bodyPr rtlCol="0" anchor="ctr"/>
-            <a:lstStyle/>
-            <a:p>
-              <a:pPr algn="ctr"/>
-              <a:endParaRPr lang="en-US"/>
-            </a:p>
-          </p:txBody>
-        </p:sp>
-      </p:grpSp>
-      <p:sp>
-        <p:nvSpPr>
-          <p:cNvPr id="18" name="TextBox 17">
-            <a:extLst>
-              <a:ext uri="{FF2B5EF4-FFF2-40B4-BE49-F238E27FC236}">
-                <a16:creationId xmlns:a16="http://schemas.microsoft.com/office/drawing/2014/main" id="{1608FE50-3C34-3E46-9E1E-F3FD7D04CEDC}"/>
-              </a:ext>
-            </a:extLst>
-          </p:cNvPr>
-          <p:cNvSpPr txBox="1"/>
-          <p:nvPr/>
-        </p:nvSpPr>
-        <p:spPr>
-          <a:xfrm>
-            <a:off x="3535316" y="2251983"/>
-            <a:ext cx="884345" cy="461665"/>
+            <a:off x="2641620" y="4251940"/>
+            <a:ext cx="1099800" cy="246221"/>
           </a:xfrm>
           <a:prstGeom prst="rect">
             <a:avLst/>
@@ -7921,459 +7932,34 @@
           <a:noFill/>
         </p:spPr>
         <p:txBody>
-          <a:bodyPr wrap="none" rtlCol="0">
+          <a:bodyPr wrap="square" rtlCol="0">
             <a:spAutoFit/>
           </a:bodyPr>
           <a:lstStyle/>
           <a:p>
-            <a:pPr algn="ctr"/>
-            <a:r>
-              <a:rPr lang="en-US" sz="1200" dirty="0"/>
-              <a:t>entry_stats</a:t>
-            </a:r>
-          </a:p>
-          <a:p>
-            <a:pPr algn="ctr"/>
-            <a:r>
-              <a:rPr lang="en-US" sz="1200" dirty="0"/>
-              <a:t>table</a:t>
-            </a:r>
-          </a:p>
-        </p:txBody>
-      </p:sp>
-      <p:sp>
-        <p:nvSpPr>
-          <p:cNvPr id="19" name="Oval 18">
-            <a:extLst>
-              <a:ext uri="{FF2B5EF4-FFF2-40B4-BE49-F238E27FC236}">
-                <a16:creationId xmlns:a16="http://schemas.microsoft.com/office/drawing/2014/main" id="{4DC0554B-7023-2A46-85FF-E41794DA72C6}"/>
-              </a:ext>
-            </a:extLst>
-          </p:cNvPr>
-          <p:cNvSpPr/>
+            <a:r>
+              <a:rPr lang="en-US" sz="1000" dirty="0"/>
+              <a:t>25 * 2 (columns)</a:t>
+            </a:r>
+          </a:p>
+        </p:txBody>
+      </p:sp>
+      <p:sp>
+        <p:nvSpPr>
+          <p:cNvPr id="14" name="TextBox 13">
+            <a:extLst>
+              <a:ext uri="{FF2B5EF4-FFF2-40B4-BE49-F238E27FC236}">
+                <a16:creationId xmlns:a16="http://schemas.microsoft.com/office/drawing/2014/main" id="{3DA993EC-E531-BF44-B8E3-82FCEE20306C}"/>
+              </a:ext>
+            </a:extLst>
+          </p:cNvPr>
+          <p:cNvSpPr txBox="1"/>
           <p:nvPr/>
         </p:nvSpPr>
         <p:spPr>
           <a:xfrm>
-            <a:off x="7801685" y="1575927"/>
-            <a:ext cx="2408715" cy="541959"/>
-          </a:xfrm>
-          <a:prstGeom prst="ellipse">
-            <a:avLst/>
-          </a:prstGeom>
-          <a:solidFill>
-            <a:schemeClr val="accent4">
-              <a:lumMod val="75000"/>
-            </a:schemeClr>
-          </a:solidFill>
-          <a:ln>
-            <a:solidFill>
-              <a:schemeClr val="accent4">
-                <a:lumMod val="50000"/>
-              </a:schemeClr>
-            </a:solidFill>
-          </a:ln>
-        </p:spPr>
-        <p:style>
-          <a:lnRef idx="2">
-            <a:schemeClr val="accent1">
-              <a:shade val="50000"/>
-            </a:schemeClr>
-          </a:lnRef>
-          <a:fillRef idx="1">
-            <a:schemeClr val="accent1"/>
-          </a:fillRef>
-          <a:effectRef idx="0">
-            <a:schemeClr val="accent1"/>
-          </a:effectRef>
-          <a:fontRef idx="minor">
-            <a:schemeClr val="lt1"/>
-          </a:fontRef>
-        </p:style>
-        <p:txBody>
-          <a:bodyPr rtlCol="0" anchor="ctr"/>
-          <a:lstStyle/>
-          <a:p>
-            <a:pPr algn="ctr"/>
-            <a:endParaRPr lang="en-US" sz="1200" dirty="0"/>
-          </a:p>
-          <a:p>
-            <a:pPr algn="ctr"/>
-            <a:r>
-              <a:rPr lang="en-US" sz="1000" dirty="0">
-                <a:solidFill>
-                  <a:schemeClr val="bg1"/>
-                </a:solidFill>
-              </a:rPr>
-              <a:t>PoolUpdate.py</a:t>
-            </a:r>
-          </a:p>
-          <a:p>
-            <a:pPr marL="171450" indent="-171450" algn="ctr">
-              <a:buFontTx/>
-              <a:buChar char="-"/>
-            </a:pPr>
-            <a:r>
-              <a:rPr lang="en-US" sz="1000" dirty="0">
-                <a:solidFill>
-                  <a:schemeClr val="accent6">
-                    <a:lumMod val="50000"/>
-                  </a:schemeClr>
-                </a:solidFill>
-              </a:rPr>
-              <a:t>Update </a:t>
-            </a:r>
-            <a:r>
-              <a:rPr lang="en-US" sz="1000" dirty="0" err="1">
-                <a:solidFill>
-                  <a:schemeClr val="accent6">
-                    <a:lumMod val="50000"/>
-                  </a:schemeClr>
-                </a:solidFill>
-              </a:rPr>
-              <a:t>entry_stats</a:t>
-            </a:r>
-            <a:r>
-              <a:rPr lang="en-US" sz="1000" dirty="0">
-                <a:solidFill>
-                  <a:schemeClr val="accent6">
-                    <a:lumMod val="50000"/>
-                  </a:schemeClr>
-                </a:solidFill>
-              </a:rPr>
-              <a:t>_ table</a:t>
-            </a:r>
-          </a:p>
-          <a:p>
-            <a:pPr marL="171450" indent="-171450" algn="ctr">
-              <a:buFontTx/>
-              <a:buChar char="-"/>
-            </a:pPr>
-            <a:r>
-              <a:rPr lang="en-US" sz="1000" dirty="0">
-                <a:solidFill>
-                  <a:schemeClr val="accent6">
-                    <a:lumMod val="50000"/>
-                  </a:schemeClr>
-                </a:solidFill>
-              </a:rPr>
-              <a:t>Update pool table</a:t>
-            </a:r>
-          </a:p>
-          <a:p>
-            <a:pPr algn="ctr"/>
-            <a:endParaRPr lang="en-US" dirty="0"/>
-          </a:p>
-        </p:txBody>
-      </p:sp>
-      <p:sp>
-        <p:nvSpPr>
-          <p:cNvPr id="20" name="Arc 19">
-            <a:extLst>
-              <a:ext uri="{FF2B5EF4-FFF2-40B4-BE49-F238E27FC236}">
-                <a16:creationId xmlns:a16="http://schemas.microsoft.com/office/drawing/2014/main" id="{E73A7DBD-0959-C048-B9DD-458111CF5924}"/>
-              </a:ext>
-            </a:extLst>
-          </p:cNvPr>
-          <p:cNvSpPr/>
-          <p:nvPr/>
-        </p:nvSpPr>
-        <p:spPr>
-          <a:xfrm rot="16506388">
-            <a:off x="3988704" y="1271171"/>
-            <a:ext cx="924128" cy="846467"/>
-          </a:xfrm>
-          <a:prstGeom prst="arc">
-            <a:avLst/>
-          </a:prstGeom>
-          <a:ln w="12700">
-            <a:headEnd type="triangle" w="med" len="med"/>
-            <a:tailEnd type="none" w="med" len="med"/>
-          </a:ln>
-        </p:spPr>
-        <p:style>
-          <a:lnRef idx="1">
-            <a:schemeClr val="accent1"/>
-          </a:lnRef>
-          <a:fillRef idx="0">
-            <a:schemeClr val="accent1"/>
-          </a:fillRef>
-          <a:effectRef idx="0">
-            <a:schemeClr val="accent1"/>
-          </a:effectRef>
-          <a:fontRef idx="minor">
-            <a:schemeClr val="tx1"/>
-          </a:fontRef>
-        </p:style>
-        <p:txBody>
-          <a:bodyPr rtlCol="0" anchor="ctr"/>
-          <a:lstStyle/>
-          <a:p>
-            <a:pPr algn="ctr"/>
-            <a:endParaRPr lang="en-US"/>
-          </a:p>
-        </p:txBody>
-      </p:sp>
-      <p:sp>
-        <p:nvSpPr>
-          <p:cNvPr id="21" name="Arc 20">
-            <a:extLst>
-              <a:ext uri="{FF2B5EF4-FFF2-40B4-BE49-F238E27FC236}">
-                <a16:creationId xmlns:a16="http://schemas.microsoft.com/office/drawing/2014/main" id="{120188A5-BCCF-1C41-95AD-D968DF3F4A64}"/>
-              </a:ext>
-            </a:extLst>
-          </p:cNvPr>
-          <p:cNvSpPr/>
-          <p:nvPr/>
-        </p:nvSpPr>
-        <p:spPr>
-          <a:xfrm>
-            <a:off x="6197181" y="1247418"/>
-            <a:ext cx="1116139" cy="805122"/>
-          </a:xfrm>
-          <a:prstGeom prst="arc">
-            <a:avLst>
-              <a:gd name="adj1" fmla="val 16011110"/>
-              <a:gd name="adj2" fmla="val 0"/>
-            </a:avLst>
-          </a:prstGeom>
-          <a:ln w="19050">
-            <a:headEnd type="triangle" w="med" len="med"/>
-            <a:tailEnd type="none" w="med" len="med"/>
-          </a:ln>
-        </p:spPr>
-        <p:style>
-          <a:lnRef idx="1">
-            <a:schemeClr val="accent1"/>
-          </a:lnRef>
-          <a:fillRef idx="0">
-            <a:schemeClr val="accent1"/>
-          </a:fillRef>
-          <a:effectRef idx="0">
-            <a:schemeClr val="accent1"/>
-          </a:effectRef>
-          <a:fontRef idx="minor">
-            <a:schemeClr val="tx1"/>
-          </a:fontRef>
-        </p:style>
-        <p:txBody>
-          <a:bodyPr rtlCol="0" anchor="ctr"/>
-          <a:lstStyle/>
-          <a:p>
-            <a:pPr algn="ctr"/>
-            <a:endParaRPr lang="en-US"/>
-          </a:p>
-        </p:txBody>
-      </p:sp>
-      <p:sp>
-        <p:nvSpPr>
-          <p:cNvPr id="22" name="Oval 21">
-            <a:extLst>
-              <a:ext uri="{FF2B5EF4-FFF2-40B4-BE49-F238E27FC236}">
-                <a16:creationId xmlns:a16="http://schemas.microsoft.com/office/drawing/2014/main" id="{6929D1F3-F8C7-B748-B3DE-50809BB4897C}"/>
-              </a:ext>
-            </a:extLst>
-          </p:cNvPr>
-          <p:cNvSpPr/>
-          <p:nvPr/>
-        </p:nvSpPr>
-        <p:spPr>
-          <a:xfrm>
-            <a:off x="1220278" y="1030977"/>
-            <a:ext cx="2074537" cy="432881"/>
-          </a:xfrm>
-          <a:prstGeom prst="ellipse">
-            <a:avLst/>
-          </a:prstGeom>
-          <a:solidFill>
-            <a:schemeClr val="accent4">
-              <a:lumMod val="75000"/>
-            </a:schemeClr>
-          </a:solidFill>
-          <a:ln>
-            <a:solidFill>
-              <a:schemeClr val="accent4">
-                <a:lumMod val="50000"/>
-              </a:schemeClr>
-            </a:solidFill>
-          </a:ln>
-        </p:spPr>
-        <p:style>
-          <a:lnRef idx="2">
-            <a:schemeClr val="accent1">
-              <a:shade val="50000"/>
-            </a:schemeClr>
-          </a:lnRef>
-          <a:fillRef idx="1">
-            <a:schemeClr val="accent1"/>
-          </a:fillRef>
-          <a:effectRef idx="0">
-            <a:schemeClr val="accent1"/>
-          </a:effectRef>
-          <a:fontRef idx="minor">
-            <a:schemeClr val="lt1"/>
-          </a:fontRef>
-        </p:style>
-        <p:txBody>
-          <a:bodyPr rtlCol="0" anchor="ctr"/>
-          <a:lstStyle/>
-          <a:p>
-            <a:pPr algn="ctr"/>
-            <a:endParaRPr lang="en-US" sz="1200" dirty="0"/>
-          </a:p>
-          <a:p>
-            <a:pPr algn="ctr"/>
-            <a:r>
-              <a:rPr lang="en-US" sz="1400" dirty="0"/>
-              <a:t>RenderPool.py</a:t>
-            </a:r>
-          </a:p>
-          <a:p>
-            <a:pPr algn="ctr"/>
-            <a:endParaRPr lang="en-US" dirty="0"/>
-          </a:p>
-        </p:txBody>
-      </p:sp>
-      <p:sp>
-        <p:nvSpPr>
-          <p:cNvPr id="27" name="Arc 26">
-            <a:extLst>
-              <a:ext uri="{FF2B5EF4-FFF2-40B4-BE49-F238E27FC236}">
-                <a16:creationId xmlns:a16="http://schemas.microsoft.com/office/drawing/2014/main" id="{32A7393A-1012-4E48-AA32-291E207B9247}"/>
-              </a:ext>
-            </a:extLst>
-          </p:cNvPr>
-          <p:cNvSpPr/>
-          <p:nvPr/>
-        </p:nvSpPr>
-        <p:spPr>
-          <a:xfrm>
-            <a:off x="2769605" y="1257302"/>
-            <a:ext cx="1116139" cy="805122"/>
-          </a:xfrm>
-          <a:prstGeom prst="arc">
-            <a:avLst>
-              <a:gd name="adj1" fmla="val 16011110"/>
-              <a:gd name="adj2" fmla="val 0"/>
-            </a:avLst>
-          </a:prstGeom>
-          <a:ln w="19050">
-            <a:headEnd type="triangle" w="med" len="med"/>
-            <a:tailEnd type="none" w="med" len="med"/>
-          </a:ln>
-        </p:spPr>
-        <p:style>
-          <a:lnRef idx="1">
-            <a:schemeClr val="accent1"/>
-          </a:lnRef>
-          <a:fillRef idx="0">
-            <a:schemeClr val="accent1"/>
-          </a:fillRef>
-          <a:effectRef idx="0">
-            <a:schemeClr val="accent1"/>
-          </a:effectRef>
-          <a:fontRef idx="minor">
-            <a:schemeClr val="tx1"/>
-          </a:fontRef>
-        </p:style>
-        <p:txBody>
-          <a:bodyPr rtlCol="0" anchor="ctr"/>
-          <a:lstStyle/>
-          <a:p>
-            <a:pPr algn="ctr"/>
-            <a:endParaRPr lang="en-US"/>
-          </a:p>
-        </p:txBody>
-      </p:sp>
-      <p:sp>
-        <p:nvSpPr>
-          <p:cNvPr id="57" name="Oval 56">
-            <a:extLst>
-              <a:ext uri="{FF2B5EF4-FFF2-40B4-BE49-F238E27FC236}">
-                <a16:creationId xmlns:a16="http://schemas.microsoft.com/office/drawing/2014/main" id="{601AE9CA-21EF-A149-8798-F16BBFDC9B61}"/>
-              </a:ext>
-            </a:extLst>
-          </p:cNvPr>
-          <p:cNvSpPr/>
-          <p:nvPr/>
-        </p:nvSpPr>
-        <p:spPr>
-          <a:xfrm>
-            <a:off x="296914" y="2852065"/>
-            <a:ext cx="2188571" cy="432881"/>
-          </a:xfrm>
-          <a:prstGeom prst="ellipse">
-            <a:avLst/>
-          </a:prstGeom>
-          <a:solidFill>
-            <a:schemeClr val="accent4">
-              <a:lumMod val="75000"/>
-            </a:schemeClr>
-          </a:solidFill>
-          <a:ln>
-            <a:solidFill>
-              <a:schemeClr val="accent4">
-                <a:lumMod val="50000"/>
-              </a:schemeClr>
-            </a:solidFill>
-          </a:ln>
-        </p:spPr>
-        <p:style>
-          <a:lnRef idx="2">
-            <a:schemeClr val="accent1">
-              <a:shade val="50000"/>
-            </a:schemeClr>
-          </a:lnRef>
-          <a:fillRef idx="1">
-            <a:schemeClr val="accent1"/>
-          </a:fillRef>
-          <a:effectRef idx="0">
-            <a:schemeClr val="accent1"/>
-          </a:effectRef>
-          <a:fontRef idx="minor">
-            <a:schemeClr val="lt1"/>
-          </a:fontRef>
-        </p:style>
-        <p:txBody>
-          <a:bodyPr rtlCol="0" anchor="ctr"/>
-          <a:lstStyle/>
-          <a:p>
-            <a:pPr algn="ctr"/>
-            <a:endParaRPr lang="en-US" sz="1200" dirty="0"/>
-          </a:p>
-          <a:p>
-            <a:pPr algn="ctr"/>
-            <a:r>
-              <a:rPr lang="en-US" sz="1400" dirty="0">
-                <a:solidFill>
-                  <a:schemeClr val="bg1"/>
-                </a:solidFill>
-              </a:rPr>
-              <a:t>PlayerSelection.py</a:t>
-            </a:r>
-          </a:p>
-          <a:p>
-            <a:pPr algn="ctr"/>
-            <a:endParaRPr lang="en-US" dirty="0"/>
-          </a:p>
-        </p:txBody>
-      </p:sp>
-      <p:sp>
-        <p:nvSpPr>
-          <p:cNvPr id="60" name="TextBox 59">
-            <a:extLst>
-              <a:ext uri="{FF2B5EF4-FFF2-40B4-BE49-F238E27FC236}">
-                <a16:creationId xmlns:a16="http://schemas.microsoft.com/office/drawing/2014/main" id="{6E2E68D4-6739-E445-A5A7-9C77EB14D0C1}"/>
-              </a:ext>
-            </a:extLst>
-          </p:cNvPr>
-          <p:cNvSpPr txBox="1"/>
-          <p:nvPr/>
-        </p:nvSpPr>
-        <p:spPr>
-          <a:xfrm>
-            <a:off x="7021369" y="3580826"/>
-            <a:ext cx="5213436" cy="2923877"/>
+            <a:off x="2923560" y="2947746"/>
+            <a:ext cx="1033555" cy="246221"/>
           </a:xfrm>
           <a:prstGeom prst="rect">
             <a:avLst/>
@@ -8387,1867 +7973,16 @@
           <a:lstStyle/>
           <a:p>
             <a:r>
-              <a:rPr lang="en-US" sz="1600" i="1" dirty="0" err="1">
-                <a:solidFill>
-                  <a:schemeClr val="accent6">
-                    <a:lumMod val="50000"/>
-                  </a:schemeClr>
-                </a:solidFill>
-              </a:rPr>
-              <a:t>pool_entry</a:t>
-            </a:r>
-            <a:r>
-              <a:rPr lang="en-US" sz="1600" i="1" dirty="0">
-                <a:solidFill>
-                  <a:schemeClr val="accent6">
-                    <a:lumMod val="50000"/>
-                  </a:schemeClr>
-                </a:solidFill>
-              </a:rPr>
-              <a:t> table;</a:t>
-            </a:r>
-            <a:endParaRPr lang="en-US" sz="1600" dirty="0">
-              <a:solidFill>
-                <a:schemeClr val="accent6">
-                  <a:lumMod val="50000"/>
-                </a:schemeClr>
-              </a:solidFill>
-            </a:endParaRPr>
-          </a:p>
-          <a:p>
-            <a:r>
-              <a:rPr lang="en-US" sz="1400" dirty="0">
-                <a:solidFill>
-                  <a:srgbClr val="FF0000"/>
-                </a:solidFill>
-              </a:rPr>
-              <a:t>PoolTeamName: [QuadSquad]</a:t>
-            </a:r>
-          </a:p>
-          <a:p>
-            <a:r>
-              <a:rPr lang="en-US" sz="1400" dirty="0">
-                <a:solidFill>
-                  <a:srgbClr val="FF0000"/>
-                </a:solidFill>
-              </a:rPr>
-              <a:t>GM: [GM Name]</a:t>
-            </a:r>
-          </a:p>
-          <a:p>
-            <a:r>
-              <a:rPr lang="en-US" sz="1400" dirty="0">
-                <a:solidFill>
-                  <a:srgbClr val="FF0000"/>
-                </a:solidFill>
-              </a:rPr>
-              <a:t>Email:</a:t>
-            </a:r>
-          </a:p>
-          <a:p>
-            <a:r>
-              <a:rPr lang="en-US" sz="1400" dirty="0">
-                <a:solidFill>
-                  <a:srgbClr val="FF0000"/>
-                </a:solidFill>
-              </a:rPr>
-              <a:t>Hometown:</a:t>
-            </a:r>
-          </a:p>
-          <a:p>
-            <a:r>
-              <a:rPr lang="en-US" sz="1400" dirty="0">
-                <a:solidFill>
-                  <a:srgbClr val="FF0000"/>
-                </a:solidFill>
-              </a:rPr>
-              <a:t>Country:</a:t>
-            </a:r>
-          </a:p>
-          <a:p>
-            <a:r>
-              <a:rPr lang="en-US" sz="1400" dirty="0">
-                <a:solidFill>
-                  <a:srgbClr val="FF0000"/>
-                </a:solidFill>
-              </a:rPr>
-              <a:t>Pay Status: [NotPaid, PayPal, Cheque, Cash, Coupon]</a:t>
-            </a:r>
-          </a:p>
-          <a:p>
-            <a:r>
-              <a:rPr lang="en-US" sz="1400" dirty="0">
-                <a:solidFill>
-                  <a:srgbClr val="FF0000"/>
-                </a:solidFill>
-              </a:rPr>
-              <a:t>Pay Amount: </a:t>
-            </a:r>
-          </a:p>
-          <a:p>
-            <a:r>
-              <a:rPr lang="en-US" sz="1400" dirty="0">
-                <a:solidFill>
-                  <a:srgbClr val="FF0000"/>
-                </a:solidFill>
-              </a:rPr>
-              <a:t>Status:  [Incomplete, complete]</a:t>
-            </a:r>
-          </a:p>
-          <a:p>
-            <a:r>
-              <a:rPr lang="en-US" sz="1400" dirty="0">
-                <a:solidFill>
-                  <a:srgbClr val="FF0000"/>
-                </a:solidFill>
-              </a:rPr>
-              <a:t>…  </a:t>
-            </a:r>
-          </a:p>
-          <a:p>
-            <a:endParaRPr lang="en-US" sz="1400" dirty="0">
-              <a:solidFill>
-                <a:srgbClr val="FF0000"/>
-              </a:solidFill>
-            </a:endParaRPr>
-          </a:p>
-          <a:p>
-            <a:r>
-              <a:rPr lang="en-US" sz="1400" dirty="0">
-                <a:solidFill>
-                  <a:srgbClr val="FF0000"/>
-                </a:solidFill>
-              </a:rPr>
-              <a:t>25* </a:t>
-            </a:r>
-          </a:p>
-          <a:p>
-            <a:r>
-              <a:rPr lang="en-US" sz="1400" dirty="0">
-                <a:solidFill>
-                  <a:srgbClr val="FF0000"/>
-                </a:solidFill>
-              </a:rPr>
-              <a:t>ID, Name, Team, G, A, W, SO, Pts, State</a:t>
-            </a:r>
-          </a:p>
-        </p:txBody>
-      </p:sp>
-      <p:sp>
-        <p:nvSpPr>
-          <p:cNvPr id="49" name="Oval 48">
-            <a:extLst>
-              <a:ext uri="{FF2B5EF4-FFF2-40B4-BE49-F238E27FC236}">
-                <a16:creationId xmlns:a16="http://schemas.microsoft.com/office/drawing/2014/main" id="{03A8D5E4-FFA6-4248-8C29-32D7B872CB27}"/>
-              </a:ext>
-            </a:extLst>
-          </p:cNvPr>
-          <p:cNvSpPr/>
-          <p:nvPr/>
-        </p:nvSpPr>
-        <p:spPr>
-          <a:xfrm>
-            <a:off x="4138550" y="174280"/>
-            <a:ext cx="2313566" cy="432881"/>
-          </a:xfrm>
-          <a:prstGeom prst="ellipse">
-            <a:avLst/>
-          </a:prstGeom>
-          <a:solidFill>
-            <a:schemeClr val="accent2">
-              <a:lumMod val="60000"/>
-              <a:lumOff val="40000"/>
-            </a:schemeClr>
-          </a:solidFill>
-          <a:ln>
-            <a:solidFill>
-              <a:schemeClr val="accent4">
-                <a:lumMod val="50000"/>
-              </a:schemeClr>
-            </a:solidFill>
-          </a:ln>
-        </p:spPr>
-        <p:style>
-          <a:lnRef idx="2">
-            <a:schemeClr val="accent1">
-              <a:shade val="50000"/>
-            </a:schemeClr>
-          </a:lnRef>
-          <a:fillRef idx="1">
-            <a:schemeClr val="accent1"/>
-          </a:fillRef>
-          <a:effectRef idx="0">
-            <a:schemeClr val="accent1"/>
-          </a:effectRef>
-          <a:fontRef idx="minor">
-            <a:schemeClr val="lt1"/>
-          </a:fontRef>
-        </p:style>
-        <p:txBody>
-          <a:bodyPr rtlCol="0" anchor="ctr"/>
-          <a:lstStyle/>
-          <a:p>
-            <a:pPr algn="ctr"/>
-            <a:endParaRPr lang="en-US" sz="1200" dirty="0"/>
-          </a:p>
-          <a:p>
-            <a:pPr algn="ctr"/>
-            <a:r>
-              <a:rPr lang="en-US" sz="1100" dirty="0">
-                <a:solidFill>
-                  <a:schemeClr val="bg1"/>
-                </a:solidFill>
-              </a:rPr>
-              <a:t>UpdateGoalieAssist.py</a:t>
-            </a:r>
-          </a:p>
-          <a:p>
-            <a:pPr algn="ctr"/>
-            <a:endParaRPr lang="en-US" dirty="0"/>
-          </a:p>
-        </p:txBody>
-      </p:sp>
-      <p:sp>
-        <p:nvSpPr>
-          <p:cNvPr id="62" name="Arc 61">
-            <a:extLst>
-              <a:ext uri="{FF2B5EF4-FFF2-40B4-BE49-F238E27FC236}">
-                <a16:creationId xmlns:a16="http://schemas.microsoft.com/office/drawing/2014/main" id="{D036EA86-FD2A-8D4C-B708-25AEF451A03F}"/>
-              </a:ext>
-            </a:extLst>
-          </p:cNvPr>
-          <p:cNvSpPr/>
-          <p:nvPr/>
-        </p:nvSpPr>
-        <p:spPr>
-          <a:xfrm>
-            <a:off x="5093204" y="464076"/>
-            <a:ext cx="2454646" cy="2494433"/>
-          </a:xfrm>
-          <a:prstGeom prst="arc">
-            <a:avLst>
-              <a:gd name="adj1" fmla="val 16476661"/>
-              <a:gd name="adj2" fmla="val 21383399"/>
-            </a:avLst>
-          </a:prstGeom>
-          <a:ln w="19050">
-            <a:headEnd type="none" w="med" len="med"/>
-            <a:tailEnd type="triangle" w="med" len="med"/>
-          </a:ln>
-        </p:spPr>
-        <p:style>
-          <a:lnRef idx="1">
-            <a:schemeClr val="accent1"/>
-          </a:lnRef>
-          <a:fillRef idx="0">
-            <a:schemeClr val="accent1"/>
-          </a:fillRef>
-          <a:effectRef idx="0">
-            <a:schemeClr val="accent1"/>
-          </a:effectRef>
-          <a:fontRef idx="minor">
-            <a:schemeClr val="tx1"/>
-          </a:fontRef>
-        </p:style>
-        <p:txBody>
-          <a:bodyPr rtlCol="0" anchor="ctr"/>
-          <a:lstStyle/>
-          <a:p>
-            <a:pPr algn="ctr"/>
-            <a:endParaRPr lang="en-US"/>
-          </a:p>
-        </p:txBody>
-      </p:sp>
-      <p:sp>
-        <p:nvSpPr>
-          <p:cNvPr id="63" name="Oval 62">
-            <a:extLst>
-              <a:ext uri="{FF2B5EF4-FFF2-40B4-BE49-F238E27FC236}">
-                <a16:creationId xmlns:a16="http://schemas.microsoft.com/office/drawing/2014/main" id="{F84548AE-C567-2E46-AFB2-552FEF3EDB1B}"/>
-              </a:ext>
-            </a:extLst>
-          </p:cNvPr>
-          <p:cNvSpPr/>
-          <p:nvPr/>
-        </p:nvSpPr>
-        <p:spPr>
-          <a:xfrm>
-            <a:off x="282506" y="2247923"/>
-            <a:ext cx="2163967" cy="432881"/>
-          </a:xfrm>
-          <a:prstGeom prst="ellipse">
-            <a:avLst/>
-          </a:prstGeom>
-          <a:solidFill>
-            <a:schemeClr val="accent4">
-              <a:lumMod val="75000"/>
-            </a:schemeClr>
-          </a:solidFill>
-          <a:ln>
-            <a:solidFill>
-              <a:schemeClr val="accent4">
-                <a:lumMod val="50000"/>
-              </a:schemeClr>
-            </a:solidFill>
-          </a:ln>
-        </p:spPr>
-        <p:style>
-          <a:lnRef idx="2">
-            <a:schemeClr val="accent1">
-              <a:shade val="50000"/>
-            </a:schemeClr>
-          </a:lnRef>
-          <a:fillRef idx="1">
-            <a:schemeClr val="accent1"/>
-          </a:fillRef>
-          <a:effectRef idx="0">
-            <a:schemeClr val="accent1"/>
-          </a:effectRef>
-          <a:fontRef idx="minor">
-            <a:schemeClr val="lt1"/>
-          </a:fontRef>
-        </p:style>
-        <p:txBody>
-          <a:bodyPr rtlCol="0" anchor="ctr"/>
-          <a:lstStyle/>
-          <a:p>
-            <a:pPr algn="ctr"/>
-            <a:endParaRPr lang="en-US" sz="1200" dirty="0"/>
-          </a:p>
-          <a:p>
-            <a:pPr algn="ctr"/>
-            <a:r>
-              <a:rPr lang="en-US" sz="1400" dirty="0" err="1">
-                <a:solidFill>
-                  <a:schemeClr val="bg1"/>
-                </a:solidFill>
-              </a:rPr>
-              <a:t>entryRegister.py</a:t>
-            </a:r>
-            <a:endParaRPr lang="en-US" sz="1400" dirty="0">
-              <a:solidFill>
-                <a:schemeClr val="bg1"/>
-              </a:solidFill>
-            </a:endParaRPr>
-          </a:p>
-          <a:p>
-            <a:pPr algn="ctr"/>
-            <a:endParaRPr lang="en-US" dirty="0"/>
-          </a:p>
-        </p:txBody>
-      </p:sp>
-      <p:grpSp>
-        <p:nvGrpSpPr>
-          <p:cNvPr id="66" name="Group 65">
-            <a:extLst>
-              <a:ext uri="{FF2B5EF4-FFF2-40B4-BE49-F238E27FC236}">
-                <a16:creationId xmlns:a16="http://schemas.microsoft.com/office/drawing/2014/main" id="{A3B48FC0-1E29-4546-8E64-7990E7388A61}"/>
-              </a:ext>
-            </a:extLst>
-          </p:cNvPr>
-          <p:cNvGrpSpPr/>
-          <p:nvPr/>
-        </p:nvGrpSpPr>
-        <p:grpSpPr>
-          <a:xfrm>
-            <a:off x="5051025" y="2315055"/>
-            <a:ext cx="1108954" cy="1410510"/>
-            <a:chOff x="7091463" y="3258766"/>
-            <a:chExt cx="1108954" cy="1410510"/>
-          </a:xfrm>
-        </p:grpSpPr>
-        <p:sp>
-          <p:nvSpPr>
-            <p:cNvPr id="67" name="Oval 66">
-              <a:extLst>
-                <a:ext uri="{FF2B5EF4-FFF2-40B4-BE49-F238E27FC236}">
-                  <a16:creationId xmlns:a16="http://schemas.microsoft.com/office/drawing/2014/main" id="{874C2BD9-6483-C746-B8EE-809D087F9701}"/>
-                </a:ext>
-              </a:extLst>
-            </p:cNvPr>
-            <p:cNvSpPr/>
-            <p:nvPr/>
-          </p:nvSpPr>
-          <p:spPr>
-            <a:xfrm>
-              <a:off x="7091464" y="3258766"/>
-              <a:ext cx="1108953" cy="321013"/>
-            </a:xfrm>
-            <a:prstGeom prst="ellipse">
-              <a:avLst/>
-            </a:prstGeom>
-            <a:solidFill>
-              <a:schemeClr val="accent2">
-                <a:lumMod val="60000"/>
-                <a:lumOff val="40000"/>
-              </a:schemeClr>
-            </a:solidFill>
-          </p:spPr>
-          <p:style>
-            <a:lnRef idx="2">
-              <a:schemeClr val="accent1">
-                <a:shade val="50000"/>
-              </a:schemeClr>
-            </a:lnRef>
-            <a:fillRef idx="1">
-              <a:schemeClr val="accent1"/>
-            </a:fillRef>
-            <a:effectRef idx="0">
-              <a:schemeClr val="accent1"/>
-            </a:effectRef>
-            <a:fontRef idx="minor">
-              <a:schemeClr val="lt1"/>
-            </a:fontRef>
-          </p:style>
-          <p:txBody>
-            <a:bodyPr rtlCol="0" anchor="ctr"/>
-            <a:lstStyle/>
-            <a:p>
-              <a:pPr algn="ctr"/>
-              <a:r>
-                <a:rPr lang="en-US" sz="1200" dirty="0" err="1">
-                  <a:solidFill>
-                    <a:schemeClr val="tx1"/>
-                  </a:solidFill>
-                </a:rPr>
-                <a:t>teamsDB</a:t>
-              </a:r>
-              <a:endParaRPr lang="en-US" sz="1200" dirty="0">
-                <a:solidFill>
-                  <a:schemeClr val="tx1"/>
-                </a:solidFill>
-              </a:endParaRPr>
-            </a:p>
-          </p:txBody>
-        </p:sp>
-        <p:cxnSp>
-          <p:nvCxnSpPr>
-            <p:cNvPr id="68" name="Straight Connector 67">
-              <a:extLst>
-                <a:ext uri="{FF2B5EF4-FFF2-40B4-BE49-F238E27FC236}">
-                  <a16:creationId xmlns:a16="http://schemas.microsoft.com/office/drawing/2014/main" id="{64659F4F-3497-9340-A703-C602150A7EDF}"/>
-                </a:ext>
-              </a:extLst>
-            </p:cNvPr>
-            <p:cNvCxnSpPr>
-              <a:stCxn id="67" idx="2"/>
-            </p:cNvCxnSpPr>
-            <p:nvPr/>
-          </p:nvCxnSpPr>
-          <p:spPr>
-            <a:xfrm>
-              <a:off x="7091464" y="3419273"/>
-              <a:ext cx="0" cy="1055450"/>
-            </a:xfrm>
-            <a:prstGeom prst="line">
-              <a:avLst/>
-            </a:prstGeom>
-            <a:ln w="12700"/>
-          </p:spPr>
-          <p:style>
-            <a:lnRef idx="1">
-              <a:schemeClr val="accent1"/>
-            </a:lnRef>
-            <a:fillRef idx="0">
-              <a:schemeClr val="accent1"/>
-            </a:fillRef>
-            <a:effectRef idx="0">
-              <a:schemeClr val="accent1"/>
-            </a:effectRef>
-            <a:fontRef idx="minor">
-              <a:schemeClr val="tx1"/>
-            </a:fontRef>
-          </p:style>
-        </p:cxnSp>
-        <p:cxnSp>
-          <p:nvCxnSpPr>
-            <p:cNvPr id="69" name="Straight Connector 68">
-              <a:extLst>
-                <a:ext uri="{FF2B5EF4-FFF2-40B4-BE49-F238E27FC236}">
-                  <a16:creationId xmlns:a16="http://schemas.microsoft.com/office/drawing/2014/main" id="{193B502D-0B3C-374B-ABA7-60970D47675D}"/>
-                </a:ext>
-              </a:extLst>
-            </p:cNvPr>
-            <p:cNvCxnSpPr/>
-            <p:nvPr/>
-          </p:nvCxnSpPr>
-          <p:spPr>
-            <a:xfrm>
-              <a:off x="8200417" y="3429000"/>
-              <a:ext cx="0" cy="1055450"/>
-            </a:xfrm>
-            <a:prstGeom prst="line">
-              <a:avLst/>
-            </a:prstGeom>
-            <a:ln w="12700"/>
-          </p:spPr>
-          <p:style>
-            <a:lnRef idx="1">
-              <a:schemeClr val="accent1"/>
-            </a:lnRef>
-            <a:fillRef idx="0">
-              <a:schemeClr val="accent1"/>
-            </a:fillRef>
-            <a:effectRef idx="0">
-              <a:schemeClr val="accent1"/>
-            </a:effectRef>
-            <a:fontRef idx="minor">
-              <a:schemeClr val="tx1"/>
-            </a:fontRef>
-          </p:style>
-        </p:cxnSp>
-        <p:sp>
-          <p:nvSpPr>
-            <p:cNvPr id="70" name="Oval 69">
-              <a:extLst>
-                <a:ext uri="{FF2B5EF4-FFF2-40B4-BE49-F238E27FC236}">
-                  <a16:creationId xmlns:a16="http://schemas.microsoft.com/office/drawing/2014/main" id="{197095D4-FF58-EF4C-8490-74E6B3A943E3}"/>
-                </a:ext>
-              </a:extLst>
-            </p:cNvPr>
-            <p:cNvSpPr/>
-            <p:nvPr/>
-          </p:nvSpPr>
-          <p:spPr>
-            <a:xfrm>
-              <a:off x="7091463" y="4348263"/>
-              <a:ext cx="1108953" cy="321013"/>
-            </a:xfrm>
-            <a:prstGeom prst="ellipse">
-              <a:avLst/>
-            </a:prstGeom>
-            <a:solidFill>
-              <a:schemeClr val="accent2">
-                <a:lumMod val="75000"/>
-              </a:schemeClr>
-            </a:solidFill>
-          </p:spPr>
-          <p:style>
-            <a:lnRef idx="2">
-              <a:schemeClr val="accent1">
-                <a:shade val="50000"/>
-              </a:schemeClr>
-            </a:lnRef>
-            <a:fillRef idx="1">
-              <a:schemeClr val="accent1"/>
-            </a:fillRef>
-            <a:effectRef idx="0">
-              <a:schemeClr val="accent1"/>
-            </a:effectRef>
-            <a:fontRef idx="minor">
-              <a:schemeClr val="lt1"/>
-            </a:fontRef>
-          </p:style>
-          <p:txBody>
-            <a:bodyPr rtlCol="0" anchor="ctr"/>
-            <a:lstStyle/>
-            <a:p>
-              <a:pPr algn="ctr"/>
-              <a:endParaRPr lang="en-US"/>
-            </a:p>
-          </p:txBody>
-        </p:sp>
-      </p:grpSp>
-      <p:sp>
-        <p:nvSpPr>
-          <p:cNvPr id="72" name="TextBox 71">
-            <a:extLst>
-              <a:ext uri="{FF2B5EF4-FFF2-40B4-BE49-F238E27FC236}">
-                <a16:creationId xmlns:a16="http://schemas.microsoft.com/office/drawing/2014/main" id="{B7362B68-67EA-5947-985C-666955371042}"/>
-              </a:ext>
-            </a:extLst>
-          </p:cNvPr>
-          <p:cNvSpPr txBox="1"/>
-          <p:nvPr/>
-        </p:nvSpPr>
-        <p:spPr>
-          <a:xfrm>
-            <a:off x="1776343" y="3745762"/>
-            <a:ext cx="3663028" cy="2062103"/>
-          </a:xfrm>
-          <a:prstGeom prst="rect">
-            <a:avLst/>
-          </a:prstGeom>
-          <a:noFill/>
-        </p:spPr>
-        <p:txBody>
-          <a:bodyPr wrap="square" rtlCol="0">
-            <a:spAutoFit/>
-          </a:bodyPr>
-          <a:lstStyle/>
-          <a:p>
-            <a:r>
-              <a:rPr lang="en-US" sz="1600" i="1" dirty="0">
-                <a:solidFill>
-                  <a:schemeClr val="accent6">
-                    <a:lumMod val="50000"/>
-                  </a:schemeClr>
-                </a:solidFill>
-              </a:rPr>
-              <a:t>teamsDB</a:t>
-            </a:r>
-            <a:r>
-              <a:rPr lang="en-US" sz="1600" dirty="0">
-                <a:solidFill>
-                  <a:schemeClr val="accent6">
-                    <a:lumMod val="50000"/>
-                  </a:schemeClr>
-                </a:solidFill>
-              </a:rPr>
-              <a:t>:</a:t>
-            </a:r>
-          </a:p>
-          <a:p>
-            <a:r>
-              <a:rPr lang="en-US" sz="1400" dirty="0">
-                <a:solidFill>
-                  <a:srgbClr val="FF0000"/>
-                </a:solidFill>
-              </a:rPr>
-              <a:t>team_id: [taken from NHL </a:t>
-            </a:r>
-            <a:r>
-              <a:rPr lang="en-US" sz="1400" dirty="0" err="1">
-                <a:solidFill>
-                  <a:srgbClr val="FF0000"/>
-                </a:solidFill>
-              </a:rPr>
-              <a:t>api</a:t>
-            </a:r>
-            <a:r>
-              <a:rPr lang="en-US" sz="1400" dirty="0">
-                <a:solidFill>
-                  <a:srgbClr val="FF0000"/>
-                </a:solidFill>
-              </a:rPr>
-              <a:t>]</a:t>
-            </a:r>
-          </a:p>
-          <a:p>
-            <a:r>
-              <a:rPr lang="en-US" sz="1400" dirty="0">
-                <a:solidFill>
-                  <a:srgbClr val="FF0000"/>
-                </a:solidFill>
-              </a:rPr>
-              <a:t>team_name: [NHL team name]</a:t>
-            </a:r>
-          </a:p>
-          <a:p>
-            <a:r>
-              <a:rPr lang="en-US" sz="1400" dirty="0">
-                <a:solidFill>
-                  <a:srgbClr val="FF0000"/>
-                </a:solidFill>
-              </a:rPr>
-              <a:t>status_id:  [0 = not qualified; </a:t>
-            </a:r>
-          </a:p>
-          <a:p>
-            <a:r>
-              <a:rPr lang="en-US" sz="1400" dirty="0">
-                <a:solidFill>
-                  <a:srgbClr val="FF0000"/>
-                </a:solidFill>
-              </a:rPr>
-              <a:t>	   1 = eliminated – 1</a:t>
-            </a:r>
-            <a:r>
-              <a:rPr lang="en-US" sz="1400" baseline="30000" dirty="0">
-                <a:solidFill>
-                  <a:srgbClr val="FF0000"/>
-                </a:solidFill>
-              </a:rPr>
-              <a:t>st</a:t>
-            </a:r>
-            <a:r>
-              <a:rPr lang="en-US" sz="1400" dirty="0">
-                <a:solidFill>
-                  <a:srgbClr val="FF0000"/>
-                </a:solidFill>
-              </a:rPr>
-              <a:t> </a:t>
-            </a:r>
-            <a:r>
-              <a:rPr lang="en-US" sz="1400" dirty="0" err="1">
-                <a:solidFill>
-                  <a:srgbClr val="FF0000"/>
-                </a:solidFill>
-              </a:rPr>
-              <a:t>rd</a:t>
-            </a:r>
-            <a:endParaRPr lang="en-US" sz="1400" dirty="0">
-              <a:solidFill>
-                <a:srgbClr val="FF0000"/>
-              </a:solidFill>
-            </a:endParaRPr>
-          </a:p>
-          <a:p>
-            <a:r>
-              <a:rPr lang="en-US" sz="1400" dirty="0">
-                <a:solidFill>
-                  <a:srgbClr val="FF0000"/>
-                </a:solidFill>
-              </a:rPr>
-              <a:t>	   2 = eliminated – 2</a:t>
-            </a:r>
-            <a:r>
-              <a:rPr lang="en-US" sz="1400" baseline="30000" dirty="0">
-                <a:solidFill>
-                  <a:srgbClr val="FF0000"/>
-                </a:solidFill>
-              </a:rPr>
-              <a:t>nd</a:t>
-            </a:r>
-            <a:r>
-              <a:rPr lang="en-US" sz="1400" dirty="0">
-                <a:solidFill>
-                  <a:srgbClr val="FF0000"/>
-                </a:solidFill>
-              </a:rPr>
-              <a:t> </a:t>
-            </a:r>
-            <a:r>
-              <a:rPr lang="en-US" sz="1400" dirty="0" err="1">
-                <a:solidFill>
-                  <a:srgbClr val="FF0000"/>
-                </a:solidFill>
-              </a:rPr>
-              <a:t>rd</a:t>
-            </a:r>
-            <a:endParaRPr lang="en-US" sz="1400" dirty="0">
-              <a:solidFill>
-                <a:srgbClr val="FF0000"/>
-              </a:solidFill>
-            </a:endParaRPr>
-          </a:p>
-          <a:p>
-            <a:r>
-              <a:rPr lang="en-US" sz="1400" dirty="0">
-                <a:solidFill>
-                  <a:srgbClr val="FF0000"/>
-                </a:solidFill>
-              </a:rPr>
-              <a:t>	   3 = eliminated – 3</a:t>
-            </a:r>
-            <a:r>
-              <a:rPr lang="en-US" sz="1400" baseline="30000" dirty="0">
-                <a:solidFill>
-                  <a:srgbClr val="FF0000"/>
-                </a:solidFill>
-              </a:rPr>
-              <a:t>rd</a:t>
-            </a:r>
-            <a:r>
-              <a:rPr lang="en-US" sz="1400" dirty="0">
-                <a:solidFill>
-                  <a:srgbClr val="FF0000"/>
-                </a:solidFill>
-              </a:rPr>
-              <a:t> </a:t>
-            </a:r>
-            <a:r>
-              <a:rPr lang="en-US" sz="1400" dirty="0" err="1">
-                <a:solidFill>
-                  <a:srgbClr val="FF0000"/>
-                </a:solidFill>
-              </a:rPr>
-              <a:t>rd</a:t>
-            </a:r>
-            <a:endParaRPr lang="en-US" sz="1400" dirty="0">
-              <a:solidFill>
-                <a:srgbClr val="FF0000"/>
-              </a:solidFill>
-            </a:endParaRPr>
-          </a:p>
-          <a:p>
-            <a:r>
-              <a:rPr lang="en-US" sz="1400" dirty="0">
-                <a:solidFill>
-                  <a:srgbClr val="FF0000"/>
-                </a:solidFill>
-              </a:rPr>
-              <a:t>	   4 = eliminated – 4</a:t>
-            </a:r>
-            <a:r>
-              <a:rPr lang="en-US" sz="1400" baseline="30000" dirty="0">
-                <a:solidFill>
-                  <a:srgbClr val="FF0000"/>
-                </a:solidFill>
-              </a:rPr>
-              <a:t>th</a:t>
-            </a:r>
-            <a:r>
-              <a:rPr lang="en-US" sz="1400" dirty="0">
-                <a:solidFill>
-                  <a:srgbClr val="FF0000"/>
-                </a:solidFill>
-              </a:rPr>
-              <a:t> </a:t>
-            </a:r>
-            <a:r>
-              <a:rPr lang="en-US" sz="1400" dirty="0" err="1">
-                <a:solidFill>
-                  <a:srgbClr val="FF0000"/>
-                </a:solidFill>
-              </a:rPr>
-              <a:t>rd</a:t>
-            </a:r>
-            <a:endParaRPr lang="en-US" sz="1400" dirty="0">
-              <a:solidFill>
-                <a:srgbClr val="FF0000"/>
-              </a:solidFill>
-            </a:endParaRPr>
-          </a:p>
-          <a:p>
-            <a:r>
-              <a:rPr lang="en-US" sz="1400" dirty="0">
-                <a:solidFill>
-                  <a:srgbClr val="FF0000"/>
-                </a:solidFill>
-              </a:rPr>
-              <a:t>	   5 = active]</a:t>
-            </a:r>
-          </a:p>
-        </p:txBody>
-      </p:sp>
-      <p:sp>
-        <p:nvSpPr>
-          <p:cNvPr id="3" name="Rectangle 2">
-            <a:extLst>
-              <a:ext uri="{FF2B5EF4-FFF2-40B4-BE49-F238E27FC236}">
-                <a16:creationId xmlns:a16="http://schemas.microsoft.com/office/drawing/2014/main" id="{DF026A85-7C08-B14F-AA1C-33DA507D996B}"/>
-              </a:ext>
-            </a:extLst>
-          </p:cNvPr>
-          <p:cNvSpPr/>
-          <p:nvPr/>
-        </p:nvSpPr>
-        <p:spPr>
-          <a:xfrm>
-            <a:off x="6853859" y="3605673"/>
-            <a:ext cx="4837472" cy="2665404"/>
-          </a:xfrm>
-          <a:prstGeom prst="rect">
-            <a:avLst/>
-          </a:prstGeom>
-          <a:noFill/>
-          <a:ln>
-            <a:solidFill>
-              <a:srgbClr val="C00000"/>
-            </a:solidFill>
-          </a:ln>
-        </p:spPr>
-        <p:style>
-          <a:lnRef idx="2">
-            <a:schemeClr val="accent1">
-              <a:shade val="50000"/>
-            </a:schemeClr>
-          </a:lnRef>
-          <a:fillRef idx="1">
-            <a:schemeClr val="accent1"/>
-          </a:fillRef>
-          <a:effectRef idx="0">
-            <a:schemeClr val="accent1"/>
-          </a:effectRef>
-          <a:fontRef idx="minor">
-            <a:schemeClr val="lt1"/>
-          </a:fontRef>
-        </p:style>
-        <p:txBody>
-          <a:bodyPr rtlCol="0" anchor="ctr"/>
-          <a:lstStyle/>
-          <a:p>
-            <a:pPr algn="ctr"/>
-            <a:endParaRPr lang="en-US"/>
-          </a:p>
-        </p:txBody>
-      </p:sp>
-      <p:sp>
-        <p:nvSpPr>
-          <p:cNvPr id="73" name="Rectangle 72">
-            <a:extLst>
-              <a:ext uri="{FF2B5EF4-FFF2-40B4-BE49-F238E27FC236}">
-                <a16:creationId xmlns:a16="http://schemas.microsoft.com/office/drawing/2014/main" id="{060F79C7-89B4-B34D-8E11-F0AD4B078599}"/>
-              </a:ext>
-            </a:extLst>
-          </p:cNvPr>
-          <p:cNvSpPr/>
-          <p:nvPr/>
-        </p:nvSpPr>
-        <p:spPr>
-          <a:xfrm>
-            <a:off x="1594238" y="3763075"/>
-            <a:ext cx="3449601" cy="2077527"/>
-          </a:xfrm>
-          <a:prstGeom prst="rect">
-            <a:avLst/>
-          </a:prstGeom>
-          <a:noFill/>
-          <a:ln>
-            <a:solidFill>
-              <a:srgbClr val="C00000"/>
-            </a:solidFill>
-          </a:ln>
-        </p:spPr>
-        <p:style>
-          <a:lnRef idx="2">
-            <a:schemeClr val="accent1">
-              <a:shade val="50000"/>
-            </a:schemeClr>
-          </a:lnRef>
-          <a:fillRef idx="1">
-            <a:schemeClr val="accent1"/>
-          </a:fillRef>
-          <a:effectRef idx="0">
-            <a:schemeClr val="accent1"/>
-          </a:effectRef>
-          <a:fontRef idx="minor">
-            <a:schemeClr val="lt1"/>
-          </a:fontRef>
-        </p:style>
-        <p:txBody>
-          <a:bodyPr rtlCol="0" anchor="ctr"/>
-          <a:lstStyle/>
-          <a:p>
-            <a:pPr algn="ctr"/>
-            <a:endParaRPr lang="en-US"/>
-          </a:p>
-        </p:txBody>
-      </p:sp>
-      <p:sp>
-        <p:nvSpPr>
-          <p:cNvPr id="75" name="Oval 74">
-            <a:extLst>
-              <a:ext uri="{FF2B5EF4-FFF2-40B4-BE49-F238E27FC236}">
-                <a16:creationId xmlns:a16="http://schemas.microsoft.com/office/drawing/2014/main" id="{50019371-EF4C-B343-8408-B7CFBE4C05AA}"/>
-              </a:ext>
-            </a:extLst>
-          </p:cNvPr>
-          <p:cNvSpPr/>
-          <p:nvPr/>
-        </p:nvSpPr>
-        <p:spPr>
-          <a:xfrm>
-            <a:off x="1994762" y="191593"/>
-            <a:ext cx="2163967" cy="432881"/>
-          </a:xfrm>
-          <a:prstGeom prst="ellipse">
-            <a:avLst/>
-          </a:prstGeom>
-          <a:solidFill>
-            <a:schemeClr val="accent2">
-              <a:lumMod val="60000"/>
-              <a:lumOff val="40000"/>
-            </a:schemeClr>
-          </a:solidFill>
-          <a:ln>
-            <a:solidFill>
-              <a:schemeClr val="accent4">
-                <a:lumMod val="50000"/>
-              </a:schemeClr>
-            </a:solidFill>
-          </a:ln>
-        </p:spPr>
-        <p:style>
-          <a:lnRef idx="2">
-            <a:schemeClr val="accent1">
-              <a:shade val="50000"/>
-            </a:schemeClr>
-          </a:lnRef>
-          <a:fillRef idx="1">
-            <a:schemeClr val="accent1"/>
-          </a:fillRef>
-          <a:effectRef idx="0">
-            <a:schemeClr val="accent1"/>
-          </a:effectRef>
-          <a:fontRef idx="minor">
-            <a:schemeClr val="lt1"/>
-          </a:fontRef>
-        </p:style>
-        <p:txBody>
-          <a:bodyPr rtlCol="0" anchor="ctr"/>
-          <a:lstStyle/>
-          <a:p>
-            <a:pPr algn="ctr"/>
-            <a:endParaRPr lang="en-US" sz="1200" dirty="0"/>
-          </a:p>
-          <a:p>
-            <a:pPr algn="ctr"/>
-            <a:r>
-              <a:rPr lang="en-US" sz="1100" dirty="0">
-                <a:solidFill>
-                  <a:schemeClr val="bg1"/>
-                </a:solidFill>
-              </a:rPr>
-              <a:t>UpdatePayment</a:t>
-            </a:r>
-          </a:p>
-          <a:p>
-            <a:pPr algn="ctr"/>
-            <a:endParaRPr lang="en-US" dirty="0"/>
-          </a:p>
-        </p:txBody>
-      </p:sp>
-      <p:sp>
-        <p:nvSpPr>
-          <p:cNvPr id="76" name="Oval 75">
-            <a:extLst>
-              <a:ext uri="{FF2B5EF4-FFF2-40B4-BE49-F238E27FC236}">
-                <a16:creationId xmlns:a16="http://schemas.microsoft.com/office/drawing/2014/main" id="{A4E1C507-C436-0B47-BF69-408879A76AFE}"/>
-              </a:ext>
-            </a:extLst>
-          </p:cNvPr>
-          <p:cNvSpPr/>
-          <p:nvPr/>
-        </p:nvSpPr>
-        <p:spPr>
-          <a:xfrm>
-            <a:off x="2838036" y="444295"/>
-            <a:ext cx="2278883" cy="432881"/>
-          </a:xfrm>
-          <a:prstGeom prst="ellipse">
-            <a:avLst/>
-          </a:prstGeom>
-          <a:solidFill>
-            <a:schemeClr val="accent2">
-              <a:lumMod val="60000"/>
-              <a:lumOff val="40000"/>
-            </a:schemeClr>
-          </a:solidFill>
-          <a:ln>
-            <a:solidFill>
-              <a:schemeClr val="accent4">
-                <a:lumMod val="50000"/>
-              </a:schemeClr>
-            </a:solidFill>
-          </a:ln>
-        </p:spPr>
-        <p:style>
-          <a:lnRef idx="2">
-            <a:schemeClr val="accent1">
-              <a:shade val="50000"/>
-            </a:schemeClr>
-          </a:lnRef>
-          <a:fillRef idx="1">
-            <a:schemeClr val="accent1"/>
-          </a:fillRef>
-          <a:effectRef idx="0">
-            <a:schemeClr val="accent1"/>
-          </a:effectRef>
-          <a:fontRef idx="minor">
-            <a:schemeClr val="lt1"/>
-          </a:fontRef>
-        </p:style>
-        <p:txBody>
-          <a:bodyPr rtlCol="0" anchor="ctr"/>
-          <a:lstStyle/>
-          <a:p>
-            <a:pPr algn="ctr"/>
-            <a:endParaRPr lang="en-US" sz="1200" dirty="0"/>
-          </a:p>
-          <a:p>
-            <a:pPr algn="ctr"/>
-            <a:r>
-              <a:rPr lang="en-US" sz="1100" dirty="0">
-                <a:solidFill>
-                  <a:schemeClr val="bg1"/>
-                </a:solidFill>
-              </a:rPr>
-              <a:t>TeamsUpdate.py</a:t>
-            </a:r>
-          </a:p>
-          <a:p>
-            <a:pPr algn="ctr"/>
-            <a:endParaRPr lang="en-US" dirty="0"/>
-          </a:p>
-        </p:txBody>
-      </p:sp>
-      <p:sp>
-        <p:nvSpPr>
-          <p:cNvPr id="77" name="Oval 76">
-            <a:extLst>
-              <a:ext uri="{FF2B5EF4-FFF2-40B4-BE49-F238E27FC236}">
-                <a16:creationId xmlns:a16="http://schemas.microsoft.com/office/drawing/2014/main" id="{38631806-EB7A-ED46-92F2-562EA7E3B36D}"/>
-              </a:ext>
-            </a:extLst>
-          </p:cNvPr>
-          <p:cNvSpPr/>
-          <p:nvPr/>
-        </p:nvSpPr>
-        <p:spPr>
-          <a:xfrm>
-            <a:off x="8135159" y="557618"/>
-            <a:ext cx="2163967" cy="432881"/>
-          </a:xfrm>
-          <a:prstGeom prst="ellipse">
-            <a:avLst/>
-          </a:prstGeom>
-          <a:solidFill>
-            <a:schemeClr val="accent4">
-              <a:lumMod val="75000"/>
-            </a:schemeClr>
-          </a:solidFill>
-          <a:ln>
-            <a:solidFill>
-              <a:schemeClr val="accent4">
-                <a:lumMod val="50000"/>
-              </a:schemeClr>
-            </a:solidFill>
-          </a:ln>
-        </p:spPr>
-        <p:style>
-          <a:lnRef idx="2">
-            <a:schemeClr val="accent1">
-              <a:shade val="50000"/>
-            </a:schemeClr>
-          </a:lnRef>
-          <a:fillRef idx="1">
-            <a:schemeClr val="accent1"/>
-          </a:fillRef>
-          <a:effectRef idx="0">
-            <a:schemeClr val="accent1"/>
-          </a:effectRef>
-          <a:fontRef idx="minor">
-            <a:schemeClr val="lt1"/>
-          </a:fontRef>
-        </p:style>
-        <p:txBody>
-          <a:bodyPr rtlCol="0" anchor="ctr"/>
-          <a:lstStyle/>
-          <a:p>
-            <a:pPr algn="ctr"/>
-            <a:endParaRPr lang="en-US" sz="1200" dirty="0"/>
-          </a:p>
-          <a:p>
-            <a:pPr algn="ctr"/>
-            <a:r>
-              <a:rPr lang="en-US" sz="1050" dirty="0">
-                <a:solidFill>
-                  <a:schemeClr val="bg1"/>
-                </a:solidFill>
-              </a:rPr>
-              <a:t>UpdatePlayerStatus.py</a:t>
-            </a:r>
-          </a:p>
-          <a:p>
-            <a:pPr algn="ctr"/>
-            <a:endParaRPr lang="en-US" dirty="0"/>
-          </a:p>
-        </p:txBody>
-      </p:sp>
-      <p:sp>
-        <p:nvSpPr>
-          <p:cNvPr id="24" name="Freeform 23">
-            <a:extLst>
-              <a:ext uri="{FF2B5EF4-FFF2-40B4-BE49-F238E27FC236}">
-                <a16:creationId xmlns:a16="http://schemas.microsoft.com/office/drawing/2014/main" id="{53DE8149-F815-AD45-9C20-3F38E0D2B1C8}"/>
-              </a:ext>
-            </a:extLst>
-          </p:cNvPr>
-          <p:cNvSpPr/>
-          <p:nvPr/>
-        </p:nvSpPr>
-        <p:spPr>
-          <a:xfrm>
-            <a:off x="5979333" y="1030977"/>
-            <a:ext cx="3154816" cy="2438864"/>
-          </a:xfrm>
-          <a:custGeom>
-            <a:avLst/>
-            <a:gdLst>
-              <a:gd name="connsiteX0" fmla="*/ 3203996 w 3203996"/>
-              <a:gd name="connsiteY0" fmla="*/ 0 h 1316576"/>
-              <a:gd name="connsiteX1" fmla="*/ 1896306 w 3203996"/>
-              <a:gd name="connsiteY1" fmla="*/ 1160206 h 1316576"/>
-              <a:gd name="connsiteX2" fmla="*/ 38009 w 3203996"/>
-              <a:gd name="connsiteY2" fmla="*/ 1238864 h 1316576"/>
-              <a:gd name="connsiteX3" fmla="*/ 824590 w 3203996"/>
-              <a:gd name="connsiteY3" fmla="*/ 540774 h 1316576"/>
-            </a:gdLst>
-            <a:ahLst/>
-            <a:cxnLst>
-              <a:cxn ang="0">
-                <a:pos x="connsiteX0" y="connsiteY0"/>
-              </a:cxn>
-              <a:cxn ang="0">
-                <a:pos x="connsiteX1" y="connsiteY1"/>
-              </a:cxn>
-              <a:cxn ang="0">
-                <a:pos x="connsiteX2" y="connsiteY2"/>
-              </a:cxn>
-              <a:cxn ang="0">
-                <a:pos x="connsiteX3" y="connsiteY3"/>
-              </a:cxn>
-            </a:cxnLst>
-            <a:rect l="l" t="t" r="r" b="b"/>
-            <a:pathLst>
-              <a:path w="3203996" h="1316576">
-                <a:moveTo>
-                  <a:pt x="3203996" y="0"/>
-                </a:moveTo>
-                <a:cubicBezTo>
-                  <a:pt x="2813983" y="476864"/>
-                  <a:pt x="2423970" y="953729"/>
-                  <a:pt x="1896306" y="1160206"/>
-                </a:cubicBezTo>
-                <a:cubicBezTo>
-                  <a:pt x="1368642" y="1366683"/>
-                  <a:pt x="216628" y="1342103"/>
-                  <a:pt x="38009" y="1238864"/>
-                </a:cubicBezTo>
-                <a:cubicBezTo>
-                  <a:pt x="-140610" y="1135625"/>
-                  <a:pt x="341990" y="838199"/>
-                  <a:pt x="824590" y="540774"/>
-                </a:cubicBezTo>
-              </a:path>
-            </a:pathLst>
-          </a:custGeom>
-          <a:noFill/>
-          <a:ln>
-            <a:headEnd type="none" w="med" len="med"/>
-            <a:tailEnd type="triangle" w="med" len="med"/>
-          </a:ln>
-        </p:spPr>
-        <p:style>
-          <a:lnRef idx="2">
-            <a:schemeClr val="accent1">
-              <a:shade val="50000"/>
-            </a:schemeClr>
-          </a:lnRef>
-          <a:fillRef idx="1">
-            <a:schemeClr val="accent1"/>
-          </a:fillRef>
-          <a:effectRef idx="0">
-            <a:schemeClr val="accent1"/>
-          </a:effectRef>
-          <a:fontRef idx="minor">
-            <a:schemeClr val="lt1"/>
-          </a:fontRef>
-        </p:style>
-        <p:txBody>
-          <a:bodyPr rtlCol="0" anchor="ctr"/>
-          <a:lstStyle/>
-          <a:p>
-            <a:pPr algn="ctr"/>
-            <a:endParaRPr lang="en-US"/>
-          </a:p>
-        </p:txBody>
-      </p:sp>
-      <p:sp>
-        <p:nvSpPr>
-          <p:cNvPr id="8" name="Oval 7">
-            <a:extLst>
-              <a:ext uri="{FF2B5EF4-FFF2-40B4-BE49-F238E27FC236}">
-                <a16:creationId xmlns:a16="http://schemas.microsoft.com/office/drawing/2014/main" id="{0CF7FAF7-E620-BE47-B41E-1182D2321F4A}"/>
-              </a:ext>
-            </a:extLst>
-          </p:cNvPr>
-          <p:cNvSpPr/>
-          <p:nvPr/>
-        </p:nvSpPr>
-        <p:spPr>
-          <a:xfrm>
-            <a:off x="8146060" y="1108354"/>
-            <a:ext cx="2074537" cy="432881"/>
-          </a:xfrm>
-          <a:prstGeom prst="ellipse">
-            <a:avLst/>
-          </a:prstGeom>
-          <a:solidFill>
-            <a:schemeClr val="accent4">
-              <a:lumMod val="75000"/>
-            </a:schemeClr>
-          </a:solidFill>
-          <a:ln>
-            <a:solidFill>
-              <a:schemeClr val="accent4">
-                <a:lumMod val="50000"/>
-              </a:schemeClr>
-            </a:solidFill>
-          </a:ln>
-        </p:spPr>
-        <p:style>
-          <a:lnRef idx="2">
-            <a:schemeClr val="accent1">
-              <a:shade val="50000"/>
-            </a:schemeClr>
-          </a:lnRef>
-          <a:fillRef idx="1">
-            <a:schemeClr val="accent1"/>
-          </a:fillRef>
-          <a:effectRef idx="0">
-            <a:schemeClr val="accent1"/>
-          </a:effectRef>
-          <a:fontRef idx="minor">
-            <a:schemeClr val="lt1"/>
-          </a:fontRef>
-        </p:style>
-        <p:txBody>
-          <a:bodyPr rtlCol="0" anchor="ctr"/>
-          <a:lstStyle/>
-          <a:p>
-            <a:pPr algn="ctr"/>
-            <a:endParaRPr lang="en-US" sz="1200" dirty="0"/>
-          </a:p>
-          <a:p>
-            <a:pPr algn="ctr"/>
-            <a:r>
-              <a:rPr lang="en-US" sz="1400" dirty="0">
-                <a:solidFill>
-                  <a:schemeClr val="accent6">
-                    <a:lumMod val="50000"/>
-                  </a:schemeClr>
-                </a:solidFill>
-              </a:rPr>
-              <a:t>PlayersUpdate.py</a:t>
-            </a:r>
-          </a:p>
-          <a:p>
-            <a:pPr algn="ctr"/>
-            <a:endParaRPr lang="en-US" dirty="0"/>
-          </a:p>
-        </p:txBody>
-      </p:sp>
-      <p:sp>
-        <p:nvSpPr>
-          <p:cNvPr id="28" name="TextBox 27">
-            <a:extLst>
-              <a:ext uri="{FF2B5EF4-FFF2-40B4-BE49-F238E27FC236}">
-                <a16:creationId xmlns:a16="http://schemas.microsoft.com/office/drawing/2014/main" id="{415673DB-B932-0B40-BD99-026601981078}"/>
-              </a:ext>
-            </a:extLst>
-          </p:cNvPr>
-          <p:cNvSpPr txBox="1"/>
-          <p:nvPr/>
-        </p:nvSpPr>
-        <p:spPr>
-          <a:xfrm>
-            <a:off x="8625322" y="254768"/>
-            <a:ext cx="1116011" cy="246221"/>
-          </a:xfrm>
-          <a:prstGeom prst="rect">
-            <a:avLst/>
-          </a:prstGeom>
-          <a:noFill/>
-        </p:spPr>
-        <p:txBody>
-          <a:bodyPr wrap="none" rtlCol="0">
-            <a:spAutoFit/>
-          </a:bodyPr>
-          <a:lstStyle/>
-          <a:p>
-            <a:r>
               <a:rPr lang="en-US" sz="1000" dirty="0"/>
-              <a:t>maintainPlayerDB</a:t>
-            </a:r>
-          </a:p>
-        </p:txBody>
-      </p:sp>
-      <p:sp>
-        <p:nvSpPr>
-          <p:cNvPr id="30" name="Left Brace 29">
-            <a:extLst>
-              <a:ext uri="{FF2B5EF4-FFF2-40B4-BE49-F238E27FC236}">
-                <a16:creationId xmlns:a16="http://schemas.microsoft.com/office/drawing/2014/main" id="{0EF15CB1-AB21-4C4E-B2FE-635329A4F3C6}"/>
-              </a:ext>
-            </a:extLst>
-          </p:cNvPr>
-          <p:cNvSpPr/>
-          <p:nvPr/>
-        </p:nvSpPr>
-        <p:spPr>
-          <a:xfrm>
-            <a:off x="6755250" y="4050890"/>
-            <a:ext cx="304311" cy="1559692"/>
-          </a:xfrm>
-          <a:prstGeom prst="leftBrace">
-            <a:avLst/>
-          </a:prstGeom>
-          <a:ln w="28575"/>
-        </p:spPr>
-        <p:style>
-          <a:lnRef idx="1">
-            <a:schemeClr val="accent1"/>
-          </a:lnRef>
-          <a:fillRef idx="0">
-            <a:schemeClr val="accent1"/>
-          </a:fillRef>
-          <a:effectRef idx="0">
-            <a:schemeClr val="accent1"/>
-          </a:effectRef>
-          <a:fontRef idx="minor">
-            <a:schemeClr val="tx1"/>
-          </a:fontRef>
-        </p:style>
-        <p:txBody>
-          <a:bodyPr rtlCol="0" anchor="ctr"/>
-          <a:lstStyle/>
-          <a:p>
-            <a:pPr algn="ctr"/>
-            <a:endParaRPr lang="en-US"/>
-          </a:p>
-        </p:txBody>
-      </p:sp>
-      <p:sp>
-        <p:nvSpPr>
-          <p:cNvPr id="31" name="TextBox 30">
-            <a:extLst>
-              <a:ext uri="{FF2B5EF4-FFF2-40B4-BE49-F238E27FC236}">
-                <a16:creationId xmlns:a16="http://schemas.microsoft.com/office/drawing/2014/main" id="{02E31234-BFB0-B144-A5BE-33DE8D19A758}"/>
-              </a:ext>
-            </a:extLst>
-          </p:cNvPr>
-          <p:cNvSpPr txBox="1"/>
-          <p:nvPr/>
-        </p:nvSpPr>
-        <p:spPr>
-          <a:xfrm>
-            <a:off x="5988849" y="4731990"/>
-            <a:ext cx="831089" cy="230832"/>
-          </a:xfrm>
-          <a:prstGeom prst="rect">
-            <a:avLst/>
-          </a:prstGeom>
-          <a:noFill/>
-        </p:spPr>
-        <p:txBody>
-          <a:bodyPr wrap="square" rtlCol="0">
-            <a:spAutoFit/>
-          </a:bodyPr>
-          <a:lstStyle/>
-          <a:p>
-            <a:r>
-              <a:rPr lang="en-US" sz="900" dirty="0" err="1"/>
-              <a:t>pool_entry</a:t>
-            </a:r>
-            <a:endParaRPr lang="en-US" sz="900" dirty="0"/>
-          </a:p>
-        </p:txBody>
-      </p:sp>
-      <p:sp>
-        <p:nvSpPr>
-          <p:cNvPr id="80" name="Left Brace 79">
-            <a:extLst>
-              <a:ext uri="{FF2B5EF4-FFF2-40B4-BE49-F238E27FC236}">
-                <a16:creationId xmlns:a16="http://schemas.microsoft.com/office/drawing/2014/main" id="{F75D39F8-E96C-6842-B0E6-2EBD440FBB42}"/>
-              </a:ext>
-            </a:extLst>
-          </p:cNvPr>
-          <p:cNvSpPr/>
-          <p:nvPr/>
-        </p:nvSpPr>
-        <p:spPr>
-          <a:xfrm>
-            <a:off x="6769919" y="5755730"/>
-            <a:ext cx="304311" cy="552094"/>
-          </a:xfrm>
-          <a:prstGeom prst="leftBrace">
-            <a:avLst/>
-          </a:prstGeom>
-          <a:ln w="28575"/>
-        </p:spPr>
-        <p:style>
-          <a:lnRef idx="1">
-            <a:schemeClr val="accent1"/>
-          </a:lnRef>
-          <a:fillRef idx="0">
-            <a:schemeClr val="accent1"/>
-          </a:fillRef>
-          <a:effectRef idx="0">
-            <a:schemeClr val="accent1"/>
-          </a:effectRef>
-          <a:fontRef idx="minor">
-            <a:schemeClr val="tx1"/>
-          </a:fontRef>
-        </p:style>
-        <p:txBody>
-          <a:bodyPr rtlCol="0" anchor="ctr"/>
-          <a:lstStyle/>
-          <a:p>
-            <a:pPr algn="ctr"/>
-            <a:endParaRPr lang="en-US"/>
-          </a:p>
-        </p:txBody>
-      </p:sp>
-      <p:sp>
-        <p:nvSpPr>
-          <p:cNvPr id="81" name="TextBox 80">
-            <a:extLst>
-              <a:ext uri="{FF2B5EF4-FFF2-40B4-BE49-F238E27FC236}">
-                <a16:creationId xmlns:a16="http://schemas.microsoft.com/office/drawing/2014/main" id="{E2FC7433-E22B-AE43-9EA4-F260EDAD1F45}"/>
-              </a:ext>
-            </a:extLst>
-          </p:cNvPr>
-          <p:cNvSpPr txBox="1"/>
-          <p:nvPr/>
-        </p:nvSpPr>
-        <p:spPr>
-          <a:xfrm>
-            <a:off x="6091031" y="5916361"/>
-            <a:ext cx="728907" cy="230832"/>
-          </a:xfrm>
-          <a:prstGeom prst="rect">
-            <a:avLst/>
-          </a:prstGeom>
-          <a:noFill/>
-        </p:spPr>
-        <p:txBody>
-          <a:bodyPr wrap="square" rtlCol="0">
-            <a:spAutoFit/>
-          </a:bodyPr>
-          <a:lstStyle/>
-          <a:p>
-            <a:r>
-              <a:rPr lang="en-US" sz="900" dirty="0" err="1"/>
-              <a:t>pool_team</a:t>
-            </a:r>
-            <a:endParaRPr lang="en-US" sz="900" dirty="0"/>
-          </a:p>
-        </p:txBody>
-      </p:sp>
-      <p:sp>
-        <p:nvSpPr>
-          <p:cNvPr id="23" name="Snip and Round Single Corner Rectangle 22">
-            <a:extLst>
-              <a:ext uri="{FF2B5EF4-FFF2-40B4-BE49-F238E27FC236}">
-                <a16:creationId xmlns:a16="http://schemas.microsoft.com/office/drawing/2014/main" id="{AFFC5995-CA2F-7549-B1C7-191C994CC3E7}"/>
-              </a:ext>
-            </a:extLst>
-          </p:cNvPr>
-          <p:cNvSpPr/>
-          <p:nvPr/>
-        </p:nvSpPr>
-        <p:spPr>
-          <a:xfrm>
-            <a:off x="2712719" y="2247923"/>
-            <a:ext cx="606709" cy="531755"/>
-          </a:xfrm>
-          <a:prstGeom prst="snipRoundRect">
-            <a:avLst/>
-          </a:prstGeom>
-        </p:spPr>
-        <p:style>
-          <a:lnRef idx="2">
-            <a:schemeClr val="accent1">
-              <a:shade val="50000"/>
-            </a:schemeClr>
-          </a:lnRef>
-          <a:fillRef idx="1">
-            <a:schemeClr val="accent1"/>
-          </a:fillRef>
-          <a:effectRef idx="0">
-            <a:schemeClr val="accent1"/>
-          </a:effectRef>
-          <a:fontRef idx="minor">
-            <a:schemeClr val="lt1"/>
-          </a:fontRef>
-        </p:style>
-        <p:txBody>
-          <a:bodyPr rtlCol="0" anchor="ctr"/>
-          <a:lstStyle/>
-          <a:p>
-            <a:pPr algn="ctr"/>
-            <a:r>
-              <a:rPr lang="en-US" sz="800" dirty="0"/>
-              <a:t>Pool_</a:t>
-            </a:r>
-          </a:p>
-          <a:p>
-            <a:pPr algn="ctr"/>
-            <a:r>
-              <a:rPr lang="en-US" sz="800" dirty="0"/>
-              <a:t>entry</a:t>
-            </a:r>
-          </a:p>
-        </p:txBody>
-      </p:sp>
-      <p:sp>
-        <p:nvSpPr>
-          <p:cNvPr id="55" name="Snip and Round Single Corner Rectangle 54">
-            <a:extLst>
-              <a:ext uri="{FF2B5EF4-FFF2-40B4-BE49-F238E27FC236}">
-                <a16:creationId xmlns:a16="http://schemas.microsoft.com/office/drawing/2014/main" id="{4F78ECCA-9F78-5443-B9B8-7E83853A61F4}"/>
-              </a:ext>
-            </a:extLst>
-          </p:cNvPr>
-          <p:cNvSpPr/>
-          <p:nvPr/>
-        </p:nvSpPr>
-        <p:spPr>
-          <a:xfrm>
-            <a:off x="2711359" y="2894477"/>
-            <a:ext cx="583451" cy="531755"/>
-          </a:xfrm>
-          <a:prstGeom prst="snipRoundRect">
-            <a:avLst/>
-          </a:prstGeom>
-        </p:spPr>
-        <p:style>
-          <a:lnRef idx="2">
-            <a:schemeClr val="accent1">
-              <a:shade val="50000"/>
-            </a:schemeClr>
-          </a:lnRef>
-          <a:fillRef idx="1">
-            <a:schemeClr val="accent1"/>
-          </a:fillRef>
-          <a:effectRef idx="0">
-            <a:schemeClr val="accent1"/>
-          </a:effectRef>
-          <a:fontRef idx="minor">
-            <a:schemeClr val="lt1"/>
-          </a:fontRef>
-        </p:style>
-        <p:txBody>
-          <a:bodyPr rtlCol="0" anchor="ctr"/>
-          <a:lstStyle/>
-          <a:p>
-            <a:pPr algn="ctr"/>
-            <a:r>
-              <a:rPr lang="en-US" sz="800" dirty="0"/>
-              <a:t>entry_</a:t>
-            </a:r>
-          </a:p>
-          <a:p>
-            <a:pPr algn="ctr"/>
-            <a:r>
-              <a:rPr lang="en-US" sz="800" dirty="0"/>
-              <a:t>players</a:t>
-            </a:r>
-          </a:p>
-        </p:txBody>
-      </p:sp>
-      <p:cxnSp>
-        <p:nvCxnSpPr>
-          <p:cNvPr id="29" name="Straight Arrow Connector 28">
-            <a:extLst>
-              <a:ext uri="{FF2B5EF4-FFF2-40B4-BE49-F238E27FC236}">
-                <a16:creationId xmlns:a16="http://schemas.microsoft.com/office/drawing/2014/main" id="{E5B9E9D2-47FC-DE45-8542-11AACD72336B}"/>
-              </a:ext>
-            </a:extLst>
-          </p:cNvPr>
-          <p:cNvCxnSpPr>
-            <a:stCxn id="63" idx="6"/>
-            <a:endCxn id="23" idx="2"/>
-          </p:cNvCxnSpPr>
-          <p:nvPr/>
-        </p:nvCxnSpPr>
-        <p:spPr>
-          <a:xfrm>
-            <a:off x="2446473" y="2464364"/>
-            <a:ext cx="266246" cy="49437"/>
-          </a:xfrm>
-          <a:prstGeom prst="straightConnector1">
-            <a:avLst/>
-          </a:prstGeom>
-          <a:ln>
-            <a:tailEnd type="triangle"/>
-          </a:ln>
-        </p:spPr>
-        <p:style>
-          <a:lnRef idx="1">
-            <a:schemeClr val="accent1"/>
-          </a:lnRef>
-          <a:fillRef idx="0">
-            <a:schemeClr val="accent1"/>
-          </a:fillRef>
-          <a:effectRef idx="0">
-            <a:schemeClr val="accent1"/>
-          </a:effectRef>
-          <a:fontRef idx="minor">
-            <a:schemeClr val="tx1"/>
-          </a:fontRef>
-        </p:style>
-      </p:cxnSp>
-      <p:cxnSp>
-        <p:nvCxnSpPr>
-          <p:cNvPr id="58" name="Straight Arrow Connector 57">
-            <a:extLst>
-              <a:ext uri="{FF2B5EF4-FFF2-40B4-BE49-F238E27FC236}">
-                <a16:creationId xmlns:a16="http://schemas.microsoft.com/office/drawing/2014/main" id="{B4EE315F-FF7D-1D4D-8472-CDF085706015}"/>
-              </a:ext>
-            </a:extLst>
-          </p:cNvPr>
-          <p:cNvCxnSpPr/>
-          <p:nvPr/>
-        </p:nvCxnSpPr>
-        <p:spPr>
-          <a:xfrm>
-            <a:off x="2461549" y="3117317"/>
-            <a:ext cx="266246" cy="49437"/>
-          </a:xfrm>
-          <a:prstGeom prst="straightConnector1">
-            <a:avLst/>
-          </a:prstGeom>
-          <a:ln>
-            <a:tailEnd type="triangle"/>
-          </a:ln>
-        </p:spPr>
-        <p:style>
-          <a:lnRef idx="1">
-            <a:schemeClr val="accent1"/>
-          </a:lnRef>
-          <a:fillRef idx="0">
-            <a:schemeClr val="accent1"/>
-          </a:fillRef>
-          <a:effectRef idx="0">
-            <a:schemeClr val="accent1"/>
-          </a:effectRef>
-          <a:fontRef idx="minor">
-            <a:schemeClr val="tx1"/>
-          </a:fontRef>
-        </p:style>
-      </p:cxnSp>
-      <p:sp>
-        <p:nvSpPr>
-          <p:cNvPr id="32" name="TextBox 31">
-            <a:extLst>
-              <a:ext uri="{FF2B5EF4-FFF2-40B4-BE49-F238E27FC236}">
-                <a16:creationId xmlns:a16="http://schemas.microsoft.com/office/drawing/2014/main" id="{D6E2B5DF-6B41-0140-936E-838350CF863F}"/>
-              </a:ext>
-            </a:extLst>
-          </p:cNvPr>
-          <p:cNvSpPr txBox="1"/>
-          <p:nvPr/>
-        </p:nvSpPr>
-        <p:spPr>
-          <a:xfrm>
-            <a:off x="3465996" y="2040314"/>
-            <a:ext cx="1249680" cy="276999"/>
-          </a:xfrm>
-          <a:prstGeom prst="rect">
-            <a:avLst/>
-          </a:prstGeom>
-          <a:noFill/>
-        </p:spPr>
-        <p:txBody>
-          <a:bodyPr wrap="square" rtlCol="0">
-            <a:spAutoFit/>
-          </a:bodyPr>
-          <a:lstStyle/>
-          <a:p>
-            <a:r>
-              <a:rPr lang="en-US" sz="1200" dirty="0">
-                <a:solidFill>
-                  <a:schemeClr val="accent1"/>
-                </a:solidFill>
-              </a:rPr>
-              <a:t>active, updating</a:t>
-            </a:r>
-          </a:p>
-        </p:txBody>
-      </p:sp>
-      <p:sp>
-        <p:nvSpPr>
-          <p:cNvPr id="36" name="Rectangle 35">
-            <a:extLst>
-              <a:ext uri="{FF2B5EF4-FFF2-40B4-BE49-F238E27FC236}">
-                <a16:creationId xmlns:a16="http://schemas.microsoft.com/office/drawing/2014/main" id="{13F77FA5-A8D3-5B4B-8273-58CA5B2F730B}"/>
-              </a:ext>
-            </a:extLst>
-          </p:cNvPr>
-          <p:cNvSpPr/>
-          <p:nvPr/>
-        </p:nvSpPr>
-        <p:spPr>
-          <a:xfrm>
-            <a:off x="5116919" y="2779678"/>
-            <a:ext cx="974112" cy="505268"/>
-          </a:xfrm>
-          <a:prstGeom prst="rect">
-            <a:avLst/>
-          </a:prstGeom>
-          <a:solidFill>
-            <a:schemeClr val="accent2">
-              <a:lumMod val="50000"/>
-            </a:schemeClr>
-          </a:solidFill>
-        </p:spPr>
-        <p:style>
-          <a:lnRef idx="2">
-            <a:schemeClr val="accent1">
-              <a:shade val="50000"/>
-            </a:schemeClr>
-          </a:lnRef>
-          <a:fillRef idx="1">
-            <a:schemeClr val="accent1"/>
-          </a:fillRef>
-          <a:effectRef idx="0">
-            <a:schemeClr val="accent1"/>
-          </a:effectRef>
-          <a:fontRef idx="minor">
-            <a:schemeClr val="lt1"/>
-          </a:fontRef>
-        </p:style>
-        <p:txBody>
-          <a:bodyPr rtlCol="0" anchor="ctr"/>
-          <a:lstStyle/>
-          <a:p>
-            <a:pPr algn="ctr"/>
-            <a:r>
-              <a:rPr lang="en-US" dirty="0"/>
-              <a:t>teams</a:t>
-            </a:r>
-          </a:p>
-        </p:txBody>
-      </p:sp>
-      <p:sp>
-        <p:nvSpPr>
-          <p:cNvPr id="84" name="Arc 83">
-            <a:extLst>
-              <a:ext uri="{FF2B5EF4-FFF2-40B4-BE49-F238E27FC236}">
-                <a16:creationId xmlns:a16="http://schemas.microsoft.com/office/drawing/2014/main" id="{EED2F484-14A4-1C47-9B67-5F25A40EEA99}"/>
-              </a:ext>
-            </a:extLst>
-          </p:cNvPr>
-          <p:cNvSpPr/>
-          <p:nvPr/>
-        </p:nvSpPr>
-        <p:spPr>
-          <a:xfrm>
-            <a:off x="4247128" y="1494422"/>
-            <a:ext cx="3615415" cy="536002"/>
-          </a:xfrm>
-          <a:prstGeom prst="arc">
-            <a:avLst>
-              <a:gd name="adj1" fmla="val 10863840"/>
-              <a:gd name="adj2" fmla="val 0"/>
-            </a:avLst>
-          </a:prstGeom>
-          <a:ln w="19050">
-            <a:headEnd type="triangle" w="med" len="med"/>
-            <a:tailEnd type="none" w="med" len="med"/>
-          </a:ln>
-        </p:spPr>
-        <p:style>
-          <a:lnRef idx="1">
-            <a:schemeClr val="accent1"/>
-          </a:lnRef>
-          <a:fillRef idx="0">
-            <a:schemeClr val="accent1"/>
-          </a:fillRef>
-          <a:effectRef idx="0">
-            <a:schemeClr val="accent1"/>
-          </a:effectRef>
-          <a:fontRef idx="minor">
-            <a:schemeClr val="tx1"/>
-          </a:fontRef>
-        </p:style>
-        <p:txBody>
-          <a:bodyPr rtlCol="0" anchor="ctr"/>
-          <a:lstStyle/>
-          <a:p>
-            <a:pPr algn="ctr"/>
-            <a:endParaRPr lang="en-US"/>
+              <a:t>200*10</a:t>
+            </a:r>
           </a:p>
         </p:txBody>
       </p:sp>
     </p:spTree>
     <p:extLst>
       <p:ext uri="{BB962C8B-B14F-4D97-AF65-F5344CB8AC3E}">
-        <p14:creationId xmlns:p14="http://schemas.microsoft.com/office/powerpoint/2010/main" val="235970579"/>
+        <p14:creationId xmlns:p14="http://schemas.microsoft.com/office/powerpoint/2010/main" val="515734174"/>
       </p:ext>
     </p:extLst>
   </p:cSld>
@@ -10279,7 +8014,7 @@
           <p:cNvPr id="2" name="TextBox 1">
             <a:extLst>
               <a:ext uri="{FF2B5EF4-FFF2-40B4-BE49-F238E27FC236}">
-                <a16:creationId xmlns:a16="http://schemas.microsoft.com/office/drawing/2014/main" id="{2589C3A5-A5ED-C346-97D9-9ED1C7A54DC8}"/>
+                <a16:creationId xmlns:a16="http://schemas.microsoft.com/office/drawing/2014/main" id="{766198B4-E8EC-4B4E-AB00-FCB1580E4824}"/>
               </a:ext>
             </a:extLst>
           </p:cNvPr>
@@ -10288,8 +8023,8 @@
         </p:nvSpPr>
         <p:spPr>
           <a:xfrm>
-            <a:off x="1465375" y="506602"/>
-            <a:ext cx="4239088" cy="4862870"/>
+            <a:off x="136187" y="289679"/>
+            <a:ext cx="11919626" cy="6278642"/>
           </a:xfrm>
           <a:prstGeom prst="rect">
             <a:avLst/>
@@ -10303,901 +8038,514 @@
           <a:lstStyle/>
           <a:p>
             <a:r>
-              <a:rPr lang="en-US" sz="1000" i="1" dirty="0" err="1">
-                <a:solidFill>
-                  <a:srgbClr val="00B050"/>
-                </a:solidFill>
-              </a:rPr>
-              <a:t>pool_entry</a:t>
-            </a:r>
-            <a:r>
-              <a:rPr lang="en-US" sz="1000" i="1" dirty="0">
-                <a:solidFill>
-                  <a:srgbClr val="00B050"/>
-                </a:solidFill>
-              </a:rPr>
-              <a:t> table;</a:t>
-            </a:r>
-            <a:endParaRPr lang="en-US" sz="1000" dirty="0">
-              <a:solidFill>
-                <a:srgbClr val="00B050"/>
-              </a:solidFill>
-            </a:endParaRPr>
-          </a:p>
-          <a:p>
-            <a:r>
-              <a:rPr lang="en-US" sz="1000" dirty="0" err="1">
-                <a:solidFill>
-                  <a:srgbClr val="FF0000"/>
-                </a:solidFill>
-              </a:rPr>
-              <a:t>poolTeamName</a:t>
-            </a:r>
-            <a:r>
-              <a:rPr lang="en-US" sz="1000" dirty="0">
-                <a:solidFill>
-                  <a:srgbClr val="FF0000"/>
-                </a:solidFill>
-              </a:rPr>
-              <a:t>: [QuadSquad]</a:t>
-            </a:r>
-          </a:p>
-          <a:p>
-            <a:r>
-              <a:rPr lang="en-US" sz="1000" dirty="0" err="1">
-                <a:solidFill>
-                  <a:srgbClr val="FF0000"/>
-                </a:solidFill>
-              </a:rPr>
-              <a:t>poolTeamID</a:t>
-            </a:r>
-            <a:r>
-              <a:rPr lang="en-US" sz="1000" dirty="0">
-                <a:solidFill>
-                  <a:srgbClr val="FF0000"/>
-                </a:solidFill>
-              </a:rPr>
-              <a:t>:</a:t>
-            </a:r>
-          </a:p>
-          <a:p>
-            <a:r>
-              <a:rPr lang="en-US" sz="1000" dirty="0">
-                <a:solidFill>
-                  <a:srgbClr val="FF0000"/>
-                </a:solidFill>
-              </a:rPr>
-              <a:t>GM: [GM Name]</a:t>
-            </a:r>
-          </a:p>
-          <a:p>
-            <a:r>
-              <a:rPr lang="en-US" sz="1000" dirty="0">
-                <a:solidFill>
-                  <a:srgbClr val="FF0000"/>
-                </a:solidFill>
-              </a:rPr>
-              <a:t>email:</a:t>
-            </a:r>
-          </a:p>
-          <a:p>
-            <a:r>
-              <a:rPr lang="en-US" sz="1000" dirty="0">
-                <a:solidFill>
-                  <a:srgbClr val="FF0000"/>
-                </a:solidFill>
-              </a:rPr>
-              <a:t>hometown:</a:t>
-            </a:r>
-          </a:p>
-          <a:p>
-            <a:r>
-              <a:rPr lang="en-US" sz="1000" dirty="0">
-                <a:solidFill>
-                  <a:srgbClr val="FF0000"/>
-                </a:solidFill>
-              </a:rPr>
-              <a:t>country:</a:t>
-            </a:r>
-          </a:p>
-          <a:p>
-            <a:r>
-              <a:rPr lang="en-US" sz="1000" dirty="0">
-                <a:solidFill>
-                  <a:srgbClr val="FF0000"/>
-                </a:solidFill>
-              </a:rPr>
-              <a:t>pay Status: [NotPaid, PayPal, Cheque, Cash, Coupon]</a:t>
-            </a:r>
-          </a:p>
-          <a:p>
-            <a:r>
-              <a:rPr lang="en-US" sz="1000" dirty="0">
-                <a:solidFill>
-                  <a:srgbClr val="FF0000"/>
-                </a:solidFill>
-              </a:rPr>
-              <a:t>pay Amount: </a:t>
-            </a:r>
-          </a:p>
-          <a:p>
-            <a:r>
-              <a:rPr lang="en-US" sz="1000" dirty="0">
-                <a:solidFill>
-                  <a:srgbClr val="FF0000"/>
-                </a:solidFill>
-              </a:rPr>
-              <a:t>status:  [Incomplete, complete]</a:t>
-            </a:r>
-          </a:p>
-          <a:p>
-            <a:endParaRPr lang="en-US" sz="1000" dirty="0">
-              <a:solidFill>
-                <a:srgbClr val="FF0000"/>
-              </a:solidFill>
-            </a:endParaRPr>
-          </a:p>
-          <a:p>
-            <a:r>
-              <a:rPr lang="en-US" sz="1000" dirty="0" err="1">
-                <a:solidFill>
-                  <a:srgbClr val="00B050"/>
-                </a:solidFill>
-              </a:rPr>
-              <a:t>entry_stats_blue</a:t>
-            </a:r>
-            <a:r>
-              <a:rPr lang="en-US" sz="1000" dirty="0">
-                <a:solidFill>
-                  <a:srgbClr val="00B050"/>
-                </a:solidFill>
-              </a:rPr>
-              <a:t> table;   </a:t>
-            </a:r>
-            <a:r>
-              <a:rPr lang="en-US" sz="1000" dirty="0" err="1">
-                <a:solidFill>
-                  <a:srgbClr val="00B050"/>
-                </a:solidFill>
-              </a:rPr>
-              <a:t>entry_stats_green</a:t>
-            </a:r>
-            <a:r>
-              <a:rPr lang="en-US" sz="1000" dirty="0">
-                <a:solidFill>
-                  <a:srgbClr val="00B050"/>
-                </a:solidFill>
-              </a:rPr>
-              <a:t> table</a:t>
-            </a:r>
-          </a:p>
-          <a:p>
-            <a:r>
-              <a:rPr lang="en-US" sz="1000" dirty="0" err="1">
-                <a:solidFill>
-                  <a:srgbClr val="FF0000"/>
-                </a:solidFill>
-              </a:rPr>
-              <a:t>poolTeamID</a:t>
-            </a:r>
-            <a:endParaRPr lang="en-US" sz="1000" dirty="0">
-              <a:solidFill>
-                <a:srgbClr val="FF0000"/>
-              </a:solidFill>
-            </a:endParaRPr>
-          </a:p>
-          <a:p>
-            <a:r>
-              <a:rPr lang="en-US" sz="1000" dirty="0" err="1">
-                <a:solidFill>
-                  <a:srgbClr val="FF0000"/>
-                </a:solidFill>
-              </a:rPr>
-              <a:t>poolTeamName</a:t>
-            </a:r>
-            <a:endParaRPr lang="en-US" sz="1000" dirty="0">
-              <a:solidFill>
-                <a:srgbClr val="FF0000"/>
-              </a:solidFill>
-            </a:endParaRPr>
-          </a:p>
-          <a:p>
-            <a:r>
-              <a:rPr lang="en-US" sz="1000" dirty="0" err="1">
-                <a:solidFill>
-                  <a:srgbClr val="FF0000"/>
-                </a:solidFill>
-              </a:rPr>
-              <a:t>currentPoints</a:t>
-            </a:r>
-            <a:endParaRPr lang="en-US" sz="1000" dirty="0">
-              <a:solidFill>
-                <a:srgbClr val="FF0000"/>
-              </a:solidFill>
-            </a:endParaRPr>
-          </a:p>
-          <a:p>
-            <a:r>
-              <a:rPr lang="en-US" sz="1000" dirty="0" err="1">
-                <a:solidFill>
-                  <a:srgbClr val="FF0000"/>
-                </a:solidFill>
-              </a:rPr>
-              <a:t>currentRank</a:t>
-            </a:r>
-            <a:endParaRPr lang="en-US" sz="1000" dirty="0">
-              <a:solidFill>
-                <a:srgbClr val="FF0000"/>
-              </a:solidFill>
-            </a:endParaRPr>
-          </a:p>
-          <a:p>
-            <a:r>
-              <a:rPr lang="en-US" sz="1000" dirty="0" err="1">
-                <a:solidFill>
-                  <a:srgbClr val="FF0000"/>
-                </a:solidFill>
-              </a:rPr>
-              <a:t>morningRank</a:t>
-            </a:r>
-            <a:endParaRPr lang="en-US" sz="1000" dirty="0">
-              <a:solidFill>
-                <a:srgbClr val="FF0000"/>
-              </a:solidFill>
-            </a:endParaRPr>
-          </a:p>
-          <a:p>
-            <a:r>
-              <a:rPr lang="en-US" sz="1000" dirty="0" err="1">
-                <a:solidFill>
-                  <a:srgbClr val="FF0000"/>
-                </a:solidFill>
-              </a:rPr>
-              <a:t>morningPoints</a:t>
-            </a:r>
-            <a:endParaRPr lang="en-US" sz="1000" dirty="0">
-              <a:solidFill>
-                <a:srgbClr val="FF0000"/>
-              </a:solidFill>
-            </a:endParaRPr>
-          </a:p>
-          <a:p>
-            <a:r>
-              <a:rPr lang="en-US" sz="1000" dirty="0">
-                <a:solidFill>
-                  <a:srgbClr val="FF0000"/>
-                </a:solidFill>
-              </a:rPr>
-              <a:t>active</a:t>
-            </a:r>
-          </a:p>
-          <a:p>
-            <a:r>
-              <a:rPr lang="en-US" sz="1000" dirty="0">
-                <a:solidFill>
-                  <a:srgbClr val="FF0000"/>
-                </a:solidFill>
-              </a:rPr>
-              <a:t>duds</a:t>
-            </a:r>
-          </a:p>
-          <a:p>
-            <a:r>
-              <a:rPr lang="en-US" sz="1000" dirty="0">
-                <a:solidFill>
-                  <a:srgbClr val="FF0000"/>
-                </a:solidFill>
-              </a:rPr>
-              <a:t>rookie</a:t>
-            </a:r>
-          </a:p>
-          <a:p>
-            <a:r>
-              <a:rPr lang="en-US" sz="1000" dirty="0">
-                <a:solidFill>
-                  <a:srgbClr val="FF0000"/>
-                </a:solidFill>
-              </a:rPr>
-              <a:t>prize </a:t>
-            </a:r>
-          </a:p>
-          <a:p>
-            <a:endParaRPr lang="en-US" sz="1000" dirty="0">
-              <a:solidFill>
-                <a:srgbClr val="FF0000"/>
-              </a:solidFill>
-            </a:endParaRPr>
-          </a:p>
-          <a:p>
-            <a:r>
-              <a:rPr lang="en-US" sz="1000" dirty="0" err="1">
-                <a:solidFill>
-                  <a:srgbClr val="00B050"/>
-                </a:solidFill>
-              </a:rPr>
-              <a:t>entry_players</a:t>
-            </a:r>
-            <a:r>
-              <a:rPr lang="en-US" sz="1000" dirty="0">
-                <a:solidFill>
-                  <a:srgbClr val="00B050"/>
-                </a:solidFill>
-              </a:rPr>
-              <a:t> table;</a:t>
-            </a:r>
-          </a:p>
-          <a:p>
-            <a:r>
-              <a:rPr lang="en-US" sz="1000" dirty="0">
-                <a:solidFill>
-                  <a:srgbClr val="FF0000"/>
-                </a:solidFill>
-              </a:rPr>
-              <a:t>25* </a:t>
-            </a:r>
-            <a:r>
-              <a:rPr lang="en-US" sz="1000" dirty="0" err="1">
-                <a:solidFill>
-                  <a:srgbClr val="FF0000"/>
-                </a:solidFill>
-              </a:rPr>
-              <a:t>playerID</a:t>
-            </a:r>
-            <a:r>
-              <a:rPr lang="en-US" sz="1000" dirty="0">
-                <a:solidFill>
-                  <a:srgbClr val="FF0000"/>
-                </a:solidFill>
-              </a:rPr>
-              <a:t>.</a:t>
-            </a:r>
-          </a:p>
-          <a:p>
-            <a:r>
-              <a:rPr lang="en-US" sz="1000" dirty="0">
-                <a:solidFill>
-                  <a:srgbClr val="FF0000"/>
-                </a:solidFill>
-              </a:rPr>
-              <a:t>25* </a:t>
-            </a:r>
-            <a:r>
-              <a:rPr lang="en-US" sz="1000" dirty="0" err="1">
-                <a:solidFill>
-                  <a:srgbClr val="FF0000"/>
-                </a:solidFill>
-              </a:rPr>
-              <a:t>playerName</a:t>
-            </a:r>
-            <a:endParaRPr lang="en-US" sz="1000" dirty="0">
-              <a:solidFill>
-                <a:srgbClr val="FF0000"/>
-              </a:solidFill>
-            </a:endParaRPr>
-          </a:p>
-          <a:p>
-            <a:endParaRPr lang="en-US" sz="1000" dirty="0">
-              <a:solidFill>
-                <a:srgbClr val="FF0000"/>
-              </a:solidFill>
-            </a:endParaRPr>
-          </a:p>
-          <a:p>
-            <a:r>
-              <a:rPr lang="en-US" sz="1000" dirty="0" err="1">
-                <a:solidFill>
-                  <a:srgbClr val="00B050"/>
-                </a:solidFill>
-              </a:rPr>
-              <a:t>activePlayers</a:t>
-            </a:r>
-            <a:r>
-              <a:rPr lang="en-US" sz="1000" dirty="0">
-                <a:solidFill>
-                  <a:srgbClr val="00B050"/>
-                </a:solidFill>
-              </a:rPr>
-              <a:t> table;</a:t>
-            </a:r>
-          </a:p>
-          <a:p>
-            <a:r>
-              <a:rPr lang="en-US" sz="1000" dirty="0" err="1">
-                <a:solidFill>
-                  <a:srgbClr val="FF0000"/>
-                </a:solidFill>
-              </a:rPr>
-              <a:t>Player_id</a:t>
-            </a:r>
-            <a:r>
-              <a:rPr lang="en-US" sz="1000" dirty="0">
-                <a:solidFill>
-                  <a:srgbClr val="FF0000"/>
-                </a:solidFill>
-              </a:rPr>
+              <a:rPr lang="en-US" dirty="0">
+                <a:solidFill>
+                  <a:schemeClr val="accent6">
+                    <a:lumMod val="75000"/>
+                  </a:schemeClr>
+                </a:solidFill>
+              </a:rPr>
+              <a:t>Files from July 2020:</a:t>
+            </a:r>
+          </a:p>
+          <a:p>
+            <a:r>
+              <a:rPr lang="en-US" dirty="0" err="1"/>
+              <a:t>HP_Design.pptx</a:t>
+            </a:r>
+            <a:r>
+              <a:rPr lang="en-US" dirty="0"/>
+              <a:t> -   Design doc</a:t>
+            </a:r>
+          </a:p>
+          <a:p>
+            <a:r>
+              <a:rPr lang="en-US" dirty="0" err="1"/>
+              <a:t>jhp.py</a:t>
+            </a:r>
+            <a:r>
+              <a:rPr lang="en-US" dirty="0"/>
+              <a:t> – Database modification functions</a:t>
+            </a:r>
+          </a:p>
+          <a:p>
+            <a:r>
+              <a:rPr lang="en-US" dirty="0"/>
+              <a:t>players-</a:t>
+            </a:r>
+            <a:r>
+              <a:rPr lang="en-US" dirty="0" err="1"/>
+              <a:t>update.py</a:t>
+            </a:r>
+            <a:r>
+              <a:rPr lang="en-US" dirty="0"/>
+              <a:t> -  modifies playersDB (two tables: </a:t>
+            </a:r>
+            <a:r>
+              <a:rPr lang="en-US" dirty="0" err="1"/>
+              <a:t>active_players</a:t>
+            </a:r>
+            <a:r>
+              <a:rPr lang="en-US" dirty="0"/>
               <a:t>, </a:t>
             </a:r>
             <a:r>
-              <a:rPr lang="en-US" sz="1000" dirty="0" err="1">
-                <a:solidFill>
-                  <a:srgbClr val="FF0000"/>
-                </a:solidFill>
-              </a:rPr>
-              <a:t>player_name</a:t>
-            </a:r>
-            <a:r>
-              <a:rPr lang="en-US" sz="1000" dirty="0">
-                <a:solidFill>
-                  <a:srgbClr val="FF0000"/>
-                </a:solidFill>
-              </a:rPr>
-              <a:t>, team_id, team_name, </a:t>
-            </a:r>
-            <a:r>
-              <a:rPr lang="en-US" sz="1000" dirty="0" err="1">
-                <a:solidFill>
-                  <a:srgbClr val="FF0000"/>
-                </a:solidFill>
-              </a:rPr>
-              <a:t>player_type</a:t>
-            </a:r>
-            <a:r>
-              <a:rPr lang="en-US" sz="1000" dirty="0">
-                <a:solidFill>
-                  <a:srgbClr val="FF0000"/>
-                </a:solidFill>
-              </a:rPr>
-              <a:t>, goals, assists, wins, shutouts, </a:t>
-            </a:r>
-            <a:r>
-              <a:rPr lang="en-US" sz="1000" dirty="0" err="1">
-                <a:solidFill>
-                  <a:srgbClr val="FF0000"/>
-                </a:solidFill>
-              </a:rPr>
-              <a:t>c_points</a:t>
-            </a:r>
-            <a:r>
-              <a:rPr lang="en-US" sz="1000" dirty="0">
-                <a:solidFill>
-                  <a:srgbClr val="FF0000"/>
-                </a:solidFill>
-              </a:rPr>
+              <a:rPr lang="en-US" dirty="0" err="1"/>
+              <a:t>all_players</a:t>
+            </a:r>
+            <a:r>
+              <a:rPr lang="en-US" dirty="0"/>
+              <a:t>     - also gets data from teamsDB</a:t>
+            </a:r>
+          </a:p>
+          <a:p>
+            <a:r>
+              <a:rPr lang="en-US" dirty="0"/>
+              <a:t>pool-</a:t>
+            </a:r>
+            <a:r>
+              <a:rPr lang="en-US" dirty="0" err="1"/>
+              <a:t>entry.py</a:t>
+            </a:r>
+            <a:r>
+              <a:rPr lang="en-US" dirty="0"/>
+              <a:t> – routines for Pool table registration and player selection</a:t>
+            </a:r>
+          </a:p>
+          <a:p>
+            <a:r>
+              <a:rPr lang="en-US" dirty="0"/>
+              <a:t>teams-</a:t>
+            </a:r>
+            <a:r>
+              <a:rPr lang="en-US" dirty="0" err="1"/>
+              <a:t>update.py</a:t>
+            </a:r>
+            <a:r>
+              <a:rPr lang="en-US" dirty="0"/>
+              <a:t> -  initiates teamsDB and teams table.   Records which team is active, etc.</a:t>
+            </a:r>
+          </a:p>
+          <a:p>
+            <a:endParaRPr lang="en-US" dirty="0"/>
+          </a:p>
+          <a:p>
+            <a:r>
+              <a:rPr lang="en-US" dirty="0" err="1"/>
+              <a:t>PoolDB</a:t>
+            </a:r>
+            <a:endParaRPr lang="en-US" dirty="0"/>
+          </a:p>
+          <a:p>
+            <a:r>
+              <a:rPr lang="en-US" dirty="0"/>
+              <a:t>Pool has table</a:t>
+            </a:r>
+          </a:p>
+          <a:p>
+            <a:r>
+              <a:rPr lang="en-US" dirty="0"/>
+              <a:t>Each </a:t>
+            </a:r>
+            <a:r>
+              <a:rPr lang="en-US" dirty="0" err="1"/>
+              <a:t>poolEntry</a:t>
+            </a:r>
+            <a:r>
+              <a:rPr lang="en-US" dirty="0"/>
+              <a:t> has a table.</a:t>
+            </a:r>
+          </a:p>
+          <a:p>
+            <a:r>
+              <a:rPr lang="en-US" dirty="0"/>
+              <a:t>-------------------------------------------------------------------</a:t>
+            </a:r>
+          </a:p>
+          <a:p>
+            <a:r>
+              <a:rPr lang="en-US" dirty="0">
+                <a:solidFill>
+                  <a:schemeClr val="accent6">
+                    <a:lumMod val="75000"/>
+                  </a:schemeClr>
+                </a:solidFill>
+              </a:rPr>
+              <a:t>Files as of August 4, 2020.</a:t>
+            </a:r>
+          </a:p>
+          <a:p>
+            <a:r>
+              <a:rPr lang="en-US" dirty="0">
+                <a:solidFill>
+                  <a:schemeClr val="accent1"/>
+                </a:solidFill>
+              </a:rPr>
+              <a:t>main.py </a:t>
+            </a:r>
+            <a:r>
+              <a:rPr lang="en-US" dirty="0"/>
+              <a:t>– calls </a:t>
+            </a:r>
+            <a:r>
+              <a:rPr lang="en-US" dirty="0" err="1"/>
+              <a:t>optimized_update</a:t>
+            </a:r>
+            <a:r>
+              <a:rPr lang="en-US" dirty="0"/>
+              <a:t>().     </a:t>
+            </a:r>
+            <a:r>
+              <a:rPr lang="en-US" sz="1200" dirty="0"/>
+              <a:t>(also calls </a:t>
+            </a:r>
+            <a:r>
+              <a:rPr lang="en-US" sz="1200" dirty="0" err="1"/>
+              <a:t>create_active_players_table</a:t>
+            </a:r>
+            <a:r>
+              <a:rPr lang="en-US" sz="1200" dirty="0"/>
+              <a:t>(), </a:t>
+            </a:r>
+            <a:r>
+              <a:rPr lang="en-US" sz="1200" dirty="0" err="1"/>
+              <a:t>update_all_players</a:t>
+            </a:r>
+            <a:r>
+              <a:rPr lang="en-US" sz="1200" dirty="0"/>
+              <a:t>(), </a:t>
+            </a:r>
+            <a:r>
+              <a:rPr lang="en-US" sz="1200" dirty="0" err="1"/>
+              <a:t>update_active_players</a:t>
+            </a:r>
+            <a:r>
+              <a:rPr lang="en-US" sz="1200" dirty="0"/>
+              <a:t>()</a:t>
+            </a:r>
+          </a:p>
+          <a:p>
+            <a:r>
+              <a:rPr lang="en-US" dirty="0">
+                <a:solidFill>
+                  <a:schemeClr val="accent1"/>
+                </a:solidFill>
+              </a:rPr>
+              <a:t>jhp.py </a:t>
+            </a:r>
+            <a:r>
+              <a:rPr lang="en-US" dirty="0"/>
+              <a:t>–  </a:t>
+            </a:r>
+            <a:r>
+              <a:rPr lang="en-US" dirty="0" err="1"/>
+              <a:t>db</a:t>
+            </a:r>
+            <a:r>
+              <a:rPr lang="en-US" dirty="0"/>
+              <a:t>/table modification functions:   </a:t>
+            </a:r>
+            <a:r>
+              <a:rPr lang="en-US" sz="1200" dirty="0" err="1"/>
+              <a:t>db_create</a:t>
+            </a:r>
+            <a:r>
+              <a:rPr lang="en-US" sz="1200" dirty="0"/>
+              <a:t>(), </a:t>
+            </a:r>
+            <a:r>
+              <a:rPr lang="en-US" sz="1200" dirty="0" err="1"/>
+              <a:t>db_connect</a:t>
+            </a:r>
+            <a:r>
+              <a:rPr lang="en-US" sz="1200" dirty="0"/>
+              <a:t>(), </a:t>
+            </a:r>
+            <a:r>
+              <a:rPr lang="en-US" sz="1200" dirty="0" err="1"/>
+              <a:t>db_create_table</a:t>
+            </a:r>
+            <a:r>
+              <a:rPr lang="en-US" sz="1200" dirty="0"/>
+              <a:t>(), </a:t>
+            </a:r>
+            <a:r>
+              <a:rPr lang="en-US" sz="1200" dirty="0" err="1"/>
+              <a:t>db_drop_table</a:t>
+            </a:r>
+            <a:r>
+              <a:rPr lang="en-US" sz="1200" dirty="0"/>
+              <a:t>(), </a:t>
+            </a:r>
+            <a:r>
+              <a:rPr lang="en-US" sz="1200" dirty="0" err="1"/>
+              <a:t>table_exists</a:t>
+            </a:r>
+            <a:r>
+              <a:rPr lang="en-US" sz="1200" dirty="0"/>
+              <a:t>(), </a:t>
+            </a:r>
+            <a:r>
+              <a:rPr lang="en-US" sz="1200" dirty="0" err="1"/>
+              <a:t>table_empty</a:t>
+            </a:r>
+            <a:r>
+              <a:rPr lang="en-US" sz="1200" dirty="0"/>
+              <a:t>()</a:t>
+            </a:r>
+          </a:p>
+          <a:p>
+            <a:r>
+              <a:rPr lang="en-US" dirty="0">
+                <a:solidFill>
+                  <a:schemeClr val="accent1"/>
+                </a:solidFill>
+              </a:rPr>
+              <a:t>players.py </a:t>
+            </a:r>
+            <a:r>
+              <a:rPr lang="en-US" sz="1200" dirty="0"/>
+              <a:t>-  modifies players tables (</a:t>
+            </a:r>
+            <a:r>
+              <a:rPr lang="en-US" sz="1200" dirty="0" err="1"/>
+              <a:t>active_players</a:t>
+            </a:r>
+            <a:r>
+              <a:rPr lang="en-US" sz="1200" dirty="0"/>
               <a:t>, </a:t>
             </a:r>
             <a:r>
-              <a:rPr lang="en-US" sz="1000" dirty="0" err="1">
-                <a:solidFill>
-                  <a:srgbClr val="FF0000"/>
-                </a:solidFill>
-              </a:rPr>
-              <a:t>p_points</a:t>
-            </a:r>
-            <a:r>
-              <a:rPr lang="en-US" sz="1000" dirty="0">
-                <a:solidFill>
-                  <a:srgbClr val="FF0000"/>
-                </a:solidFill>
-              </a:rPr>
-              <a:t> (previous), status_id (0-5), selected,</a:t>
-            </a:r>
-          </a:p>
-          <a:p>
-            <a:endParaRPr lang="en-US" sz="1000" dirty="0">
-              <a:solidFill>
-                <a:srgbClr val="FF0000"/>
-              </a:solidFill>
-            </a:endParaRPr>
-          </a:p>
-        </p:txBody>
-      </p:sp>
-      <p:sp>
-        <p:nvSpPr>
-          <p:cNvPr id="3" name="Left Brace 2">
-            <a:extLst>
-              <a:ext uri="{FF2B5EF4-FFF2-40B4-BE49-F238E27FC236}">
-                <a16:creationId xmlns:a16="http://schemas.microsoft.com/office/drawing/2014/main" id="{D6692E7C-7ACB-C949-B6A3-5EA295ACD06D}"/>
-              </a:ext>
-            </a:extLst>
-          </p:cNvPr>
-          <p:cNvSpPr/>
-          <p:nvPr/>
-        </p:nvSpPr>
-        <p:spPr>
-          <a:xfrm>
-            <a:off x="1366543" y="721309"/>
-            <a:ext cx="91269" cy="1399285"/>
-          </a:xfrm>
-          <a:prstGeom prst="leftBrace">
-            <a:avLst/>
-          </a:prstGeom>
-        </p:spPr>
-        <p:style>
-          <a:lnRef idx="1">
-            <a:schemeClr val="accent1"/>
-          </a:lnRef>
-          <a:fillRef idx="0">
-            <a:schemeClr val="accent1"/>
-          </a:fillRef>
-          <a:effectRef idx="0">
-            <a:schemeClr val="accent1"/>
-          </a:effectRef>
-          <a:fontRef idx="minor">
-            <a:schemeClr val="tx1"/>
-          </a:fontRef>
-        </p:style>
-        <p:txBody>
-          <a:bodyPr rtlCol="0" anchor="ctr"/>
-          <a:lstStyle/>
-          <a:p>
-            <a:pPr algn="ctr"/>
-            <a:endParaRPr lang="en-US"/>
-          </a:p>
-        </p:txBody>
-      </p:sp>
-      <p:sp>
-        <p:nvSpPr>
-          <p:cNvPr id="4" name="Left Brace 3">
-            <a:extLst>
-              <a:ext uri="{FF2B5EF4-FFF2-40B4-BE49-F238E27FC236}">
-                <a16:creationId xmlns:a16="http://schemas.microsoft.com/office/drawing/2014/main" id="{80F950EA-92E3-8244-B65B-C7B8AC7E7D2A}"/>
-              </a:ext>
-            </a:extLst>
-          </p:cNvPr>
-          <p:cNvSpPr/>
-          <p:nvPr/>
-        </p:nvSpPr>
-        <p:spPr>
-          <a:xfrm>
-            <a:off x="1366542" y="2218740"/>
-            <a:ext cx="160725" cy="1690320"/>
-          </a:xfrm>
-          <a:prstGeom prst="leftBrace">
-            <a:avLst/>
-          </a:prstGeom>
-        </p:spPr>
-        <p:style>
-          <a:lnRef idx="1">
-            <a:schemeClr val="accent1"/>
-          </a:lnRef>
-          <a:fillRef idx="0">
-            <a:schemeClr val="accent1"/>
-          </a:fillRef>
-          <a:effectRef idx="0">
-            <a:schemeClr val="accent1"/>
-          </a:effectRef>
-          <a:fontRef idx="minor">
-            <a:schemeClr val="tx1"/>
-          </a:fontRef>
-        </p:style>
-        <p:txBody>
-          <a:bodyPr rtlCol="0" anchor="ctr"/>
-          <a:lstStyle/>
-          <a:p>
-            <a:pPr algn="ctr"/>
-            <a:endParaRPr lang="en-US"/>
-          </a:p>
-        </p:txBody>
-      </p:sp>
-      <p:sp>
-        <p:nvSpPr>
-          <p:cNvPr id="5" name="TextBox 4">
-            <a:extLst>
-              <a:ext uri="{FF2B5EF4-FFF2-40B4-BE49-F238E27FC236}">
-                <a16:creationId xmlns:a16="http://schemas.microsoft.com/office/drawing/2014/main" id="{F21926C9-7BE1-4E42-BD9E-6808FBDFE44E}"/>
-              </a:ext>
-            </a:extLst>
-          </p:cNvPr>
-          <p:cNvSpPr txBox="1"/>
-          <p:nvPr/>
-        </p:nvSpPr>
-        <p:spPr>
-          <a:xfrm>
-            <a:off x="431820" y="1297840"/>
-            <a:ext cx="976586" cy="246221"/>
-          </a:xfrm>
-          <a:prstGeom prst="rect">
-            <a:avLst/>
-          </a:prstGeom>
-          <a:noFill/>
-        </p:spPr>
-        <p:txBody>
-          <a:bodyPr wrap="square" rtlCol="0">
-            <a:spAutoFit/>
-          </a:bodyPr>
-          <a:lstStyle/>
-          <a:p>
-            <a:r>
-              <a:rPr lang="en-US" sz="1000" dirty="0" err="1"/>
-              <a:t>entryRegister</a:t>
-            </a:r>
-            <a:r>
-              <a:rPr lang="en-US" sz="1000" dirty="0"/>
+              <a:rPr lang="en-US" sz="1200" dirty="0" err="1"/>
+              <a:t>all_players</a:t>
+            </a:r>
+            <a:r>
+              <a:rPr lang="en-US" sz="1200" dirty="0"/>
+              <a:t>), also gets data from </a:t>
+            </a:r>
+            <a:r>
+              <a:rPr lang="en-US" sz="1200" dirty="0" err="1"/>
+              <a:t>teamDB</a:t>
+            </a:r>
+            <a:endParaRPr lang="en-US" sz="1200" dirty="0"/>
+          </a:p>
+          <a:p>
+            <a:r>
+              <a:rPr lang="en-US" sz="1200" dirty="0"/>
+              <a:t>	- </a:t>
+            </a:r>
+            <a:r>
+              <a:rPr lang="en-US" sz="1200" dirty="0" err="1"/>
+              <a:t>create_all_players_table</a:t>
+            </a:r>
+            <a:r>
+              <a:rPr lang="en-US" sz="1200" dirty="0"/>
+              <a:t>(), </a:t>
+            </a:r>
+            <a:r>
+              <a:rPr lang="en-US" sz="1200" dirty="0" err="1"/>
+              <a:t>create_active_players_table</a:t>
+            </a:r>
+            <a:r>
+              <a:rPr lang="en-US" sz="1200" dirty="0"/>
+              <a:t>(), </a:t>
+            </a:r>
+            <a:r>
+              <a:rPr lang="en-US" sz="1200" dirty="0" err="1"/>
+              <a:t>update_all_players</a:t>
+            </a:r>
+            <a:r>
+              <a:rPr lang="en-US" sz="1200" dirty="0"/>
+              <a:t>(),  </a:t>
+            </a:r>
+            <a:r>
+              <a:rPr lang="en-US" sz="1200" dirty="0" err="1"/>
+              <a:t>update_active_players</a:t>
+            </a:r>
+            <a:r>
+              <a:rPr lang="en-US" sz="1200" dirty="0"/>
+              <a:t>(),  </a:t>
+            </a:r>
+            <a:r>
+              <a:rPr lang="en-US" sz="1200" dirty="0" err="1"/>
+              <a:t>optimized_update</a:t>
+            </a:r>
+            <a:r>
+              <a:rPr lang="en-US" sz="1200" dirty="0"/>
+              <a:t>(), </a:t>
+            </a:r>
+            <a:r>
+              <a:rPr lang="en-US" sz="1200" dirty="0" err="1"/>
+              <a:t>get_player_stats</a:t>
+            </a:r>
+            <a:r>
+              <a:rPr lang="en-US" sz="1200" dirty="0"/>
+              <a:t>(),   </a:t>
+            </a:r>
+            <a:r>
+              <a:rPr lang="en-US" sz="1200" dirty="0" err="1"/>
+              <a:t>update_goalie_stats</a:t>
+            </a:r>
+            <a:r>
+              <a:rPr lang="en-US" sz="1200" dirty="0"/>
               <a:t>()</a:t>
             </a:r>
           </a:p>
-        </p:txBody>
-      </p:sp>
-      <p:sp>
-        <p:nvSpPr>
-          <p:cNvPr id="6" name="TextBox 5">
-            <a:extLst>
-              <a:ext uri="{FF2B5EF4-FFF2-40B4-BE49-F238E27FC236}">
-                <a16:creationId xmlns:a16="http://schemas.microsoft.com/office/drawing/2014/main" id="{1E9FFABC-5C42-2C4C-BCC1-7F4E13F168F3}"/>
-              </a:ext>
-            </a:extLst>
-          </p:cNvPr>
-          <p:cNvSpPr txBox="1"/>
-          <p:nvPr/>
-        </p:nvSpPr>
-        <p:spPr>
-          <a:xfrm>
-            <a:off x="431820" y="2918457"/>
-            <a:ext cx="1033555" cy="246221"/>
-          </a:xfrm>
-          <a:prstGeom prst="rect">
-            <a:avLst/>
-          </a:prstGeom>
-          <a:noFill/>
-        </p:spPr>
-        <p:txBody>
-          <a:bodyPr wrap="square" rtlCol="0">
-            <a:spAutoFit/>
-          </a:bodyPr>
-          <a:lstStyle/>
-          <a:p>
-            <a:r>
-              <a:rPr lang="en-US" sz="1000" dirty="0" err="1"/>
-              <a:t>poolUpdate</a:t>
-            </a:r>
-            <a:r>
-              <a:rPr lang="en-US" sz="1000" dirty="0"/>
+          <a:p>
+            <a:endParaRPr lang="en-US" dirty="0"/>
+          </a:p>
+          <a:p>
+            <a:r>
+              <a:rPr lang="en-US" dirty="0">
+                <a:solidFill>
+                  <a:schemeClr val="accent1"/>
+                </a:solidFill>
+              </a:rPr>
+              <a:t>pool.py </a:t>
+            </a:r>
+            <a:r>
+              <a:rPr lang="en-US" dirty="0"/>
+              <a:t>– </a:t>
+            </a:r>
+            <a:r>
+              <a:rPr lang="en-US" sz="1200" dirty="0"/>
+              <a:t>creates/inserts pool teams into pool database.  - </a:t>
+            </a:r>
+            <a:r>
+              <a:rPr lang="en-US" sz="1200" dirty="0" err="1"/>
+              <a:t>create_entry_table</a:t>
+            </a:r>
+            <a:r>
+              <a:rPr lang="en-US" sz="1200" dirty="0"/>
+              <a:t>(),  </a:t>
+            </a:r>
+            <a:r>
+              <a:rPr lang="en-US" sz="1200" dirty="0" err="1"/>
+              <a:t>create_stats_table</a:t>
+            </a:r>
+            <a:r>
+              <a:rPr lang="en-US" sz="1200" dirty="0"/>
+              <a:t>(), </a:t>
+            </a:r>
+            <a:r>
+              <a:rPr lang="en-US" sz="1200" dirty="0" err="1"/>
+              <a:t>create_roster_table</a:t>
+            </a:r>
+            <a:r>
+              <a:rPr lang="en-US" sz="1200" dirty="0"/>
+              <a:t>(), </a:t>
+            </a:r>
+            <a:r>
+              <a:rPr lang="en-US" sz="1200" dirty="0" err="1"/>
+              <a:t>create_pool_entry</a:t>
+            </a:r>
+            <a:r>
+              <a:rPr lang="en-US" sz="1200" dirty="0"/>
+              <a:t>(),  </a:t>
+            </a:r>
+            <a:r>
+              <a:rPr lang="en-US" sz="1200" dirty="0" err="1"/>
+              <a:t>add_player</a:t>
+            </a:r>
+            <a:r>
+              <a:rPr lang="en-US" sz="1200" dirty="0"/>
+              <a:t>(), </a:t>
+            </a:r>
+            <a:r>
+              <a:rPr lang="en-US" sz="1200" dirty="0" err="1"/>
+              <a:t>update_pool_entry</a:t>
+            </a:r>
+            <a:r>
+              <a:rPr lang="en-US" sz="1200" dirty="0"/>
+              <a:t>(),  </a:t>
+            </a:r>
+            <a:r>
+              <a:rPr lang="en-US" sz="1200" dirty="0" err="1"/>
+              <a:t>update_team_stats</a:t>
+            </a:r>
+            <a:r>
+              <a:rPr lang="en-US" sz="1200" dirty="0"/>
+              <a:t>(),  </a:t>
+            </a:r>
+            <a:r>
+              <a:rPr lang="en-US" sz="1200" dirty="0" err="1"/>
+              <a:t>update_all_team_stats</a:t>
+            </a:r>
+            <a:r>
+              <a:rPr lang="en-US" sz="1200" dirty="0"/>
               <a:t>()</a:t>
             </a:r>
           </a:p>
-        </p:txBody>
-      </p:sp>
-      <p:sp>
-        <p:nvSpPr>
-          <p:cNvPr id="7" name="Left Brace 6">
-            <a:extLst>
-              <a:ext uri="{FF2B5EF4-FFF2-40B4-BE49-F238E27FC236}">
-                <a16:creationId xmlns:a16="http://schemas.microsoft.com/office/drawing/2014/main" id="{D221C478-887E-7D4A-97C3-68F7D04194EF}"/>
-              </a:ext>
-            </a:extLst>
-          </p:cNvPr>
-          <p:cNvSpPr/>
-          <p:nvPr/>
-        </p:nvSpPr>
-        <p:spPr>
-          <a:xfrm>
-            <a:off x="1347631" y="4122396"/>
-            <a:ext cx="197665" cy="375765"/>
-          </a:xfrm>
-          <a:prstGeom prst="leftBrace">
-            <a:avLst>
-              <a:gd name="adj1" fmla="val 8333"/>
-              <a:gd name="adj2" fmla="val 47457"/>
-            </a:avLst>
-          </a:prstGeom>
-        </p:spPr>
-        <p:style>
-          <a:lnRef idx="1">
-            <a:schemeClr val="accent1"/>
-          </a:lnRef>
-          <a:fillRef idx="0">
-            <a:schemeClr val="accent1"/>
-          </a:fillRef>
-          <a:effectRef idx="0">
-            <a:schemeClr val="accent1"/>
-          </a:effectRef>
-          <a:fontRef idx="minor">
-            <a:schemeClr val="tx1"/>
-          </a:fontRef>
-        </p:style>
-        <p:txBody>
-          <a:bodyPr rtlCol="0" anchor="ctr"/>
-          <a:lstStyle/>
-          <a:p>
-            <a:pPr algn="ctr"/>
-            <a:endParaRPr lang="en-US"/>
-          </a:p>
-        </p:txBody>
-      </p:sp>
-      <p:sp>
-        <p:nvSpPr>
-          <p:cNvPr id="8" name="TextBox 7">
-            <a:extLst>
-              <a:ext uri="{FF2B5EF4-FFF2-40B4-BE49-F238E27FC236}">
-                <a16:creationId xmlns:a16="http://schemas.microsoft.com/office/drawing/2014/main" id="{08ED3E21-8C22-FC4B-9FC4-ECC5B1CEF74D}"/>
-              </a:ext>
-            </a:extLst>
-          </p:cNvPr>
-          <p:cNvSpPr txBox="1"/>
-          <p:nvPr/>
-        </p:nvSpPr>
-        <p:spPr>
-          <a:xfrm>
-            <a:off x="330053" y="4112560"/>
-            <a:ext cx="1108711" cy="246221"/>
-          </a:xfrm>
-          <a:prstGeom prst="rect">
-            <a:avLst/>
-          </a:prstGeom>
-          <a:noFill/>
-        </p:spPr>
-        <p:txBody>
-          <a:bodyPr wrap="square" rtlCol="0">
-            <a:spAutoFit/>
-          </a:bodyPr>
-          <a:lstStyle/>
-          <a:p>
-            <a:r>
-              <a:rPr lang="en-US" sz="1000" dirty="0" err="1"/>
-              <a:t>playerSelection</a:t>
-            </a:r>
-            <a:r>
-              <a:rPr lang="en-US" sz="1000" dirty="0"/>
+          <a:p>
+            <a:r>
+              <a:rPr lang="en-US" dirty="0">
+                <a:solidFill>
+                  <a:schemeClr val="accent1"/>
+                </a:solidFill>
+              </a:rPr>
+              <a:t>teams.py </a:t>
+            </a:r>
+            <a:r>
+              <a:rPr lang="en-US" dirty="0"/>
+              <a:t>– </a:t>
+            </a:r>
+            <a:r>
+              <a:rPr lang="en-US" sz="1200" dirty="0"/>
+              <a:t>Keeps track of active hockey teams and stores status in teams database.  </a:t>
+            </a:r>
+            <a:r>
+              <a:rPr lang="en-US" sz="1200" dirty="0" err="1"/>
+              <a:t>Update_team_status</a:t>
+            </a:r>
+            <a:r>
+              <a:rPr lang="en-US" sz="1200" dirty="0"/>
+              <a:t>(),  </a:t>
+            </a:r>
+            <a:r>
+              <a:rPr lang="en-US" sz="1200" dirty="0" err="1"/>
+              <a:t>instert_teams</a:t>
+            </a:r>
+            <a:r>
+              <a:rPr lang="en-US" sz="1200" dirty="0"/>
               <a:t>()</a:t>
             </a:r>
-          </a:p>
-        </p:txBody>
-      </p:sp>
-      <p:sp>
-        <p:nvSpPr>
-          <p:cNvPr id="9" name="Oval 8">
-            <a:extLst>
-              <a:ext uri="{FF2B5EF4-FFF2-40B4-BE49-F238E27FC236}">
-                <a16:creationId xmlns:a16="http://schemas.microsoft.com/office/drawing/2014/main" id="{26DD986B-9C1C-A345-AB35-C94D8A1A101C}"/>
-              </a:ext>
-            </a:extLst>
-          </p:cNvPr>
-          <p:cNvSpPr/>
-          <p:nvPr/>
-        </p:nvSpPr>
-        <p:spPr>
-          <a:xfrm>
-            <a:off x="6563360" y="1005840"/>
-            <a:ext cx="2692400" cy="1574800"/>
-          </a:xfrm>
-          <a:prstGeom prst="ellipse">
-            <a:avLst/>
-          </a:prstGeom>
-        </p:spPr>
-        <p:style>
-          <a:lnRef idx="2">
-            <a:schemeClr val="accent1">
-              <a:shade val="50000"/>
-            </a:schemeClr>
-          </a:lnRef>
-          <a:fillRef idx="1">
-            <a:schemeClr val="accent1"/>
-          </a:fillRef>
-          <a:effectRef idx="0">
-            <a:schemeClr val="accent1"/>
-          </a:effectRef>
-          <a:fontRef idx="minor">
-            <a:schemeClr val="lt1"/>
-          </a:fontRef>
-        </p:style>
-        <p:txBody>
-          <a:bodyPr rtlCol="0" anchor="ctr"/>
-          <a:lstStyle/>
-          <a:p>
-            <a:pPr algn="ctr"/>
-            <a:endParaRPr lang="en-US"/>
-          </a:p>
-        </p:txBody>
-      </p:sp>
-      <p:sp>
-        <p:nvSpPr>
-          <p:cNvPr id="11" name="TextBox 10">
-            <a:extLst>
-              <a:ext uri="{FF2B5EF4-FFF2-40B4-BE49-F238E27FC236}">
-                <a16:creationId xmlns:a16="http://schemas.microsoft.com/office/drawing/2014/main" id="{1CEE7FF1-B5B9-E442-AA02-41A53B56C5AB}"/>
-              </a:ext>
-            </a:extLst>
-          </p:cNvPr>
-          <p:cNvSpPr txBox="1"/>
-          <p:nvPr/>
-        </p:nvSpPr>
-        <p:spPr>
-          <a:xfrm>
-            <a:off x="2824500" y="1051619"/>
-            <a:ext cx="1033555" cy="246221"/>
-          </a:xfrm>
-          <a:prstGeom prst="rect">
-            <a:avLst/>
-          </a:prstGeom>
-          <a:noFill/>
-        </p:spPr>
-        <p:txBody>
-          <a:bodyPr wrap="square" rtlCol="0">
-            <a:spAutoFit/>
-          </a:bodyPr>
-          <a:lstStyle/>
-          <a:p>
-            <a:r>
-              <a:rPr lang="en-US" sz="1000" dirty="0"/>
-              <a:t>200*9</a:t>
-            </a:r>
-          </a:p>
-        </p:txBody>
-      </p:sp>
-      <p:sp>
-        <p:nvSpPr>
-          <p:cNvPr id="13" name="TextBox 12">
-            <a:extLst>
-              <a:ext uri="{FF2B5EF4-FFF2-40B4-BE49-F238E27FC236}">
-                <a16:creationId xmlns:a16="http://schemas.microsoft.com/office/drawing/2014/main" id="{4EC7E3E0-8E0B-F04D-AFFF-EC765549243D}"/>
-              </a:ext>
-            </a:extLst>
-          </p:cNvPr>
-          <p:cNvSpPr txBox="1"/>
-          <p:nvPr/>
-        </p:nvSpPr>
-        <p:spPr>
-          <a:xfrm>
-            <a:off x="2641620" y="4251940"/>
-            <a:ext cx="1099800" cy="246221"/>
-          </a:xfrm>
-          <a:prstGeom prst="rect">
-            <a:avLst/>
-          </a:prstGeom>
-          <a:noFill/>
-        </p:spPr>
-        <p:txBody>
-          <a:bodyPr wrap="square" rtlCol="0">
-            <a:spAutoFit/>
-          </a:bodyPr>
-          <a:lstStyle/>
-          <a:p>
-            <a:r>
-              <a:rPr lang="en-US" sz="1000" dirty="0"/>
-              <a:t>25 * 2 (columns)</a:t>
-            </a:r>
-          </a:p>
-        </p:txBody>
-      </p:sp>
-      <p:sp>
-        <p:nvSpPr>
-          <p:cNvPr id="14" name="TextBox 13">
-            <a:extLst>
-              <a:ext uri="{FF2B5EF4-FFF2-40B4-BE49-F238E27FC236}">
-                <a16:creationId xmlns:a16="http://schemas.microsoft.com/office/drawing/2014/main" id="{3DA993EC-E531-BF44-B8E3-82FCEE20306C}"/>
-              </a:ext>
-            </a:extLst>
-          </p:cNvPr>
-          <p:cNvSpPr txBox="1"/>
-          <p:nvPr/>
-        </p:nvSpPr>
-        <p:spPr>
-          <a:xfrm>
-            <a:off x="2923560" y="2947746"/>
-            <a:ext cx="1033555" cy="246221"/>
-          </a:xfrm>
-          <a:prstGeom prst="rect">
-            <a:avLst/>
-          </a:prstGeom>
-          <a:noFill/>
-        </p:spPr>
-        <p:txBody>
-          <a:bodyPr wrap="square" rtlCol="0">
-            <a:spAutoFit/>
-          </a:bodyPr>
-          <a:lstStyle/>
-          <a:p>
-            <a:r>
-              <a:rPr lang="en-US" sz="1000" dirty="0"/>
-              <a:t>200*10</a:t>
-            </a:r>
+            <a:endParaRPr lang="en-US" dirty="0"/>
+          </a:p>
+          <a:p>
+            <a:r>
+              <a:rPr lang="en-US" dirty="0">
+                <a:solidFill>
+                  <a:schemeClr val="accent1"/>
+                </a:solidFill>
+              </a:rPr>
+              <a:t>test.py </a:t>
+            </a:r>
+            <a:r>
+              <a:rPr lang="en-US" dirty="0"/>
+              <a:t>-  </a:t>
+            </a:r>
+            <a:r>
+              <a:rPr lang="en-US" sz="1200" dirty="0" err="1"/>
+              <a:t>testicreating</a:t>
+            </a:r>
+            <a:r>
+              <a:rPr lang="en-US" sz="1200" dirty="0"/>
+              <a:t> pool entry.</a:t>
+            </a:r>
+            <a:endParaRPr lang="en-US" dirty="0"/>
+          </a:p>
+          <a:p>
+            <a:endParaRPr lang="en-US" dirty="0"/>
+          </a:p>
+          <a:p>
+            <a:endParaRPr lang="en-US" dirty="0"/>
           </a:p>
         </p:txBody>
       </p:sp>
     </p:spTree>
     <p:extLst>
       <p:ext uri="{BB962C8B-B14F-4D97-AF65-F5344CB8AC3E}">
-        <p14:creationId xmlns:p14="http://schemas.microsoft.com/office/powerpoint/2010/main" val="515734174"/>
+        <p14:creationId xmlns:p14="http://schemas.microsoft.com/office/powerpoint/2010/main" val="4016732218"/>
       </p:ext>
     </p:extLst>
   </p:cSld>
@@ -11238,8 +8586,8 @@
         </p:nvSpPr>
         <p:spPr>
           <a:xfrm>
-            <a:off x="1071716" y="983226"/>
-            <a:ext cx="10815484" cy="4247317"/>
+            <a:off x="136187" y="289679"/>
+            <a:ext cx="11919626" cy="5632311"/>
           </a:xfrm>
           <a:prstGeom prst="rect">
             <a:avLst/>
@@ -11253,124 +8601,262 @@
           <a:lstStyle/>
           <a:p>
             <a:r>
-              <a:rPr lang="en-US" dirty="0" err="1"/>
-              <a:t>JHP_Design.pptx</a:t>
-            </a:r>
-            <a:r>
-              <a:rPr lang="en-US" dirty="0"/>
-              <a:t> -   Design doc</a:t>
-            </a:r>
-          </a:p>
-          <a:p>
-            <a:r>
-              <a:rPr lang="en-US" dirty="0" err="1"/>
-              <a:t>jhp.py</a:t>
-            </a:r>
-            <a:r>
-              <a:rPr lang="en-US" dirty="0"/>
-              <a:t> – Database modification functions</a:t>
-            </a:r>
-          </a:p>
-          <a:p>
-            <a:r>
-              <a:rPr lang="en-US" dirty="0"/>
-              <a:t>players-</a:t>
-            </a:r>
-            <a:r>
-              <a:rPr lang="en-US" dirty="0" err="1"/>
-              <a:t>update.py</a:t>
-            </a:r>
-            <a:r>
-              <a:rPr lang="en-US" dirty="0"/>
-              <a:t> -  modifies playersDB (two tables: </a:t>
-            </a:r>
-            <a:r>
-              <a:rPr lang="en-US" dirty="0" err="1"/>
-              <a:t>active_players</a:t>
-            </a:r>
-            <a:r>
-              <a:rPr lang="en-US" dirty="0"/>
-              <a:t>, </a:t>
-            </a:r>
-            <a:r>
-              <a:rPr lang="en-US" dirty="0" err="1"/>
-              <a:t>all_players</a:t>
-            </a:r>
-            <a:r>
-              <a:rPr lang="en-US" dirty="0"/>
-              <a:t>     - also gets data from teamsDB</a:t>
-            </a:r>
-          </a:p>
-          <a:p>
-            <a:r>
-              <a:rPr lang="en-US" dirty="0"/>
-              <a:t>pool-</a:t>
-            </a:r>
-            <a:r>
-              <a:rPr lang="en-US" dirty="0" err="1"/>
-              <a:t>entry.py</a:t>
-            </a:r>
-            <a:r>
-              <a:rPr lang="en-US" dirty="0"/>
-              <a:t> – routines for Pool table registration and player selection</a:t>
-            </a:r>
-          </a:p>
-          <a:p>
-            <a:r>
-              <a:rPr lang="en-US" dirty="0"/>
-              <a:t>teams-</a:t>
-            </a:r>
-            <a:r>
-              <a:rPr lang="en-US" dirty="0" err="1"/>
-              <a:t>update.py</a:t>
-            </a:r>
-            <a:r>
-              <a:rPr lang="en-US" dirty="0"/>
-              <a:t> -  initiates teamsDB and teams table.   Records which team is active, etc.</a:t>
-            </a:r>
-          </a:p>
-          <a:p>
-            <a:endParaRPr lang="en-US" dirty="0"/>
-          </a:p>
-          <a:p>
-            <a:endParaRPr lang="en-US" dirty="0"/>
-          </a:p>
-          <a:p>
-            <a:endParaRPr lang="en-US" dirty="0"/>
-          </a:p>
-          <a:p>
-            <a:endParaRPr lang="en-US" dirty="0"/>
-          </a:p>
-          <a:p>
-            <a:r>
-              <a:rPr lang="en-US" dirty="0"/>
-              <a:t>PoolDB</a:t>
-            </a:r>
-          </a:p>
-          <a:p>
-            <a:endParaRPr lang="en-US" dirty="0"/>
-          </a:p>
-          <a:p>
-            <a:r>
-              <a:rPr lang="en-US" dirty="0"/>
-              <a:t>Pool has table</a:t>
-            </a:r>
-          </a:p>
-          <a:p>
-            <a:r>
-              <a:rPr lang="en-US" dirty="0"/>
-              <a:t>Each </a:t>
-            </a:r>
-            <a:r>
-              <a:rPr lang="en-US" dirty="0" err="1"/>
-              <a:t>poolEntry</a:t>
-            </a:r>
-            <a:r>
-              <a:rPr lang="en-US" dirty="0"/>
-              <a:t> has a table.</a:t>
-            </a:r>
-          </a:p>
-          <a:p>
+              <a:rPr lang="en-US" dirty="0">
+                <a:solidFill>
+                  <a:schemeClr val="accent6">
+                    <a:lumMod val="75000"/>
+                  </a:schemeClr>
+                </a:solidFill>
+              </a:rPr>
+              <a:t>Notes:</a:t>
+            </a:r>
+          </a:p>
+          <a:p>
+            <a:endParaRPr lang="en-US" dirty="0">
+              <a:solidFill>
+                <a:schemeClr val="accent6">
+                  <a:lumMod val="75000"/>
+                </a:schemeClr>
+              </a:solidFill>
+            </a:endParaRPr>
+          </a:p>
+          <a:p>
+            <a:r>
+              <a:rPr lang="en-US" dirty="0">
+                <a:solidFill>
+                  <a:schemeClr val="accent6">
+                    <a:lumMod val="75000"/>
+                  </a:schemeClr>
+                </a:solidFill>
+              </a:rPr>
+              <a:t>- The stats only get updated a few hours after the game, supposedly when the data is final.    Therefore, the initial version of our DB will not present live data since we are pulling from the </a:t>
+            </a:r>
+            <a:r>
+              <a:rPr lang="en-US" dirty="0" err="1">
+                <a:solidFill>
+                  <a:schemeClr val="accent6">
+                    <a:lumMod val="75000"/>
+                  </a:schemeClr>
+                </a:solidFill>
+              </a:rPr>
+              <a:t>api</a:t>
+            </a:r>
+            <a:r>
+              <a:rPr lang="en-US" dirty="0">
+                <a:solidFill>
+                  <a:schemeClr val="accent6">
+                    <a:lumMod val="75000"/>
+                  </a:schemeClr>
+                </a:solidFill>
+              </a:rPr>
+              <a:t>-stats and not the live feed.  </a:t>
+            </a:r>
+          </a:p>
+          <a:p>
+            <a:endParaRPr lang="en-US" dirty="0">
+              <a:solidFill>
+                <a:schemeClr val="accent6">
+                  <a:lumMod val="75000"/>
+                </a:schemeClr>
+              </a:solidFill>
+            </a:endParaRPr>
+          </a:p>
+          <a:p>
+            <a:pPr marL="285750" indent="-285750">
+              <a:buFontTx/>
+              <a:buChar char="-"/>
+            </a:pPr>
+            <a:r>
+              <a:rPr lang="en-US" dirty="0">
+                <a:solidFill>
+                  <a:schemeClr val="accent6">
+                    <a:lumMod val="75000"/>
+                  </a:schemeClr>
+                </a:solidFill>
+              </a:rPr>
+              <a:t>Later on we can parse the live feed and put the stats into a temporary </a:t>
+            </a:r>
+            <a:r>
+              <a:rPr lang="en-US" dirty="0" err="1">
+                <a:solidFill>
+                  <a:schemeClr val="accent6">
+                    <a:lumMod val="75000"/>
+                  </a:schemeClr>
+                </a:solidFill>
+              </a:rPr>
+              <a:t>playersDB</a:t>
+            </a:r>
+            <a:r>
+              <a:rPr lang="en-US" dirty="0">
+                <a:solidFill>
+                  <a:schemeClr val="accent6">
+                    <a:lumMod val="75000"/>
+                  </a:schemeClr>
+                </a:solidFill>
+              </a:rPr>
+              <a:t> and allow the pool to draw from this.  </a:t>
+            </a:r>
+          </a:p>
+          <a:p>
+            <a:pPr marL="285750" indent="-285750">
+              <a:buFontTx/>
+              <a:buChar char="-"/>
+            </a:pPr>
+            <a:endParaRPr lang="en-US" dirty="0">
+              <a:solidFill>
+                <a:schemeClr val="accent6">
+                  <a:lumMod val="75000"/>
+                </a:schemeClr>
+              </a:solidFill>
+            </a:endParaRPr>
+          </a:p>
+          <a:p>
+            <a:pPr marL="285750" indent="-285750">
+              <a:buFontTx/>
+              <a:buChar char="-"/>
+            </a:pPr>
+            <a:r>
+              <a:rPr lang="en-US" dirty="0">
+                <a:solidFill>
+                  <a:schemeClr val="accent6">
+                    <a:lumMod val="75000"/>
+                  </a:schemeClr>
+                </a:solidFill>
+              </a:rPr>
+              <a:t>Brainstorming ideas for live feed:</a:t>
+            </a:r>
+          </a:p>
+          <a:p>
+            <a:pPr marL="742950" lvl="1" indent="-285750">
+              <a:buFontTx/>
+              <a:buChar char="-"/>
+            </a:pPr>
+            <a:r>
+              <a:rPr lang="en-US" dirty="0">
+                <a:solidFill>
+                  <a:schemeClr val="accent6">
+                    <a:lumMod val="75000"/>
+                  </a:schemeClr>
+                </a:solidFill>
+              </a:rPr>
+              <a:t>Generally, it would be better if we write JHP such that it encourages users to look at the pool while games are active.  This will be we encouraged if the following characteristics are programmed:</a:t>
+            </a:r>
+          </a:p>
+          <a:p>
+            <a:pPr marL="1200150" lvl="2" indent="-285750">
+              <a:buFontTx/>
+              <a:buChar char="-"/>
+            </a:pPr>
+            <a:r>
+              <a:rPr lang="en-US" dirty="0">
+                <a:solidFill>
+                  <a:schemeClr val="accent6">
+                    <a:lumMod val="75000"/>
+                  </a:schemeClr>
+                </a:solidFill>
+              </a:rPr>
+              <a:t>All data is live.   (we need to parse the live feed)</a:t>
+            </a:r>
+          </a:p>
+          <a:p>
+            <a:pPr marL="1200150" lvl="2" indent="-285750">
+              <a:buFontTx/>
+              <a:buChar char="-"/>
+            </a:pPr>
+            <a:r>
+              <a:rPr lang="en-US" dirty="0">
+                <a:solidFill>
+                  <a:schemeClr val="accent6">
+                    <a:lumMod val="75000"/>
+                  </a:schemeClr>
+                </a:solidFill>
+              </a:rPr>
+              <a:t>We need to understand what games will be played today and what games are active.</a:t>
+            </a:r>
+          </a:p>
+          <a:p>
+            <a:pPr marL="1200150" lvl="2" indent="-285750">
+              <a:buFontTx/>
+              <a:buChar char="-"/>
+            </a:pPr>
+            <a:r>
+              <a:rPr lang="en-US" dirty="0">
+                <a:solidFill>
+                  <a:schemeClr val="accent6">
+                    <a:lumMod val="75000"/>
+                  </a:schemeClr>
+                </a:solidFill>
+              </a:rPr>
+              <a:t>The client could have a personal view (Jakes-Flakes) (or not) and part of the screen (or a second screen) can show what players are actively playing games or playing games later today.</a:t>
+            </a:r>
+          </a:p>
+          <a:p>
+            <a:pPr marL="1200150" lvl="2" indent="-285750">
+              <a:buFontTx/>
+              <a:buChar char="-"/>
+            </a:pPr>
+            <a:r>
+              <a:rPr lang="en-US" dirty="0">
+                <a:solidFill>
+                  <a:schemeClr val="accent6">
+                    <a:lumMod val="75000"/>
+                  </a:schemeClr>
+                </a:solidFill>
+              </a:rPr>
+              <a:t>Also it would be nice if JHP could tell individual GMs (</a:t>
+            </a:r>
+            <a:r>
+              <a:rPr lang="en-US" dirty="0" err="1">
+                <a:solidFill>
+                  <a:schemeClr val="accent6">
+                    <a:lumMod val="75000"/>
+                  </a:schemeClr>
+                </a:solidFill>
+              </a:rPr>
+              <a:t>Jakes_flakes</a:t>
+            </a:r>
+            <a:r>
+              <a:rPr lang="en-US" dirty="0">
+                <a:solidFill>
+                  <a:schemeClr val="accent6">
+                    <a:lumMod val="75000"/>
+                  </a:schemeClr>
+                </a:solidFill>
+              </a:rPr>
+              <a:t>), how your team would benefit if certain players scored.</a:t>
+            </a:r>
+          </a:p>
+          <a:p>
+            <a:pPr marL="1200150" lvl="2" indent="-285750">
+              <a:buFontTx/>
+              <a:buChar char="-"/>
+            </a:pPr>
+            <a:r>
+              <a:rPr lang="en-US" dirty="0">
+                <a:solidFill>
+                  <a:schemeClr val="accent6">
+                    <a:lumMod val="75000"/>
+                  </a:schemeClr>
+                </a:solidFill>
+              </a:rPr>
+              <a:t>It would be nice if the pool could produce a personal crib sheet.  “today, it would benefit Jakes Flakes is Crosby scored and Thornton didn’t.” </a:t>
+            </a:r>
+          </a:p>
+          <a:p>
+            <a:pPr marL="1200150" lvl="2" indent="-285750">
+              <a:buFontTx/>
+              <a:buChar char="-"/>
+            </a:pPr>
+            <a:r>
+              <a:rPr lang="en-US" dirty="0">
+                <a:solidFill>
+                  <a:schemeClr val="accent6">
+                    <a:lumMod val="75000"/>
+                  </a:schemeClr>
+                </a:solidFill>
+              </a:rPr>
+              <a:t>  </a:t>
+            </a:r>
             <a:endParaRPr lang="en-US" dirty="0"/>
           </a:p>
           <a:p>
@@ -11381,7 +8867,7 @@
     </p:spTree>
     <p:extLst>
       <p:ext uri="{BB962C8B-B14F-4D97-AF65-F5344CB8AC3E}">
-        <p14:creationId xmlns:p14="http://schemas.microsoft.com/office/powerpoint/2010/main" val="4016732218"/>
+        <p14:creationId xmlns:p14="http://schemas.microsoft.com/office/powerpoint/2010/main" val="3337081387"/>
       </p:ext>
     </p:extLst>
   </p:cSld>

--- a/JHP_Design.pptx
+++ b/JHP_Design.pptx
@@ -9,6 +9,7 @@
     <p:sldId id="259" r:id="rId3"/>
     <p:sldId id="258" r:id="rId4"/>
     <p:sldId id="260" r:id="rId5"/>
+    <p:sldId id="261" r:id="rId6"/>
   </p:sldIdLst>
   <p:sldSz cx="12192000" cy="6858000"/>
   <p:notesSz cx="6858000" cy="9144000"/>
@@ -262,7 +263,7 @@
           <a:p>
             <a:fld id="{65F3756F-6BA0-BE41-9226-AD7D2B2262FF}" type="datetimeFigureOut">
               <a:rPr lang="en-US" smtClean="0"/>
-              <a:t>8/4/20</a:t>
+              <a:t>8/9/20</a:t>
             </a:fld>
             <a:endParaRPr lang="en-US"/>
           </a:p>
@@ -460,7 +461,7 @@
           <a:p>
             <a:fld id="{65F3756F-6BA0-BE41-9226-AD7D2B2262FF}" type="datetimeFigureOut">
               <a:rPr lang="en-US" smtClean="0"/>
-              <a:t>8/4/20</a:t>
+              <a:t>8/9/20</a:t>
             </a:fld>
             <a:endParaRPr lang="en-US"/>
           </a:p>
@@ -668,7 +669,7 @@
           <a:p>
             <a:fld id="{65F3756F-6BA0-BE41-9226-AD7D2B2262FF}" type="datetimeFigureOut">
               <a:rPr lang="en-US" smtClean="0"/>
-              <a:t>8/4/20</a:t>
+              <a:t>8/9/20</a:t>
             </a:fld>
             <a:endParaRPr lang="en-US"/>
           </a:p>
@@ -866,7 +867,7 @@
           <a:p>
             <a:fld id="{65F3756F-6BA0-BE41-9226-AD7D2B2262FF}" type="datetimeFigureOut">
               <a:rPr lang="en-US" smtClean="0"/>
-              <a:t>8/4/20</a:t>
+              <a:t>8/9/20</a:t>
             </a:fld>
             <a:endParaRPr lang="en-US"/>
           </a:p>
@@ -1141,7 +1142,7 @@
           <a:p>
             <a:fld id="{65F3756F-6BA0-BE41-9226-AD7D2B2262FF}" type="datetimeFigureOut">
               <a:rPr lang="en-US" smtClean="0"/>
-              <a:t>8/4/20</a:t>
+              <a:t>8/9/20</a:t>
             </a:fld>
             <a:endParaRPr lang="en-US"/>
           </a:p>
@@ -1406,7 +1407,7 @@
           <a:p>
             <a:fld id="{65F3756F-6BA0-BE41-9226-AD7D2B2262FF}" type="datetimeFigureOut">
               <a:rPr lang="en-US" smtClean="0"/>
-              <a:t>8/4/20</a:t>
+              <a:t>8/9/20</a:t>
             </a:fld>
             <a:endParaRPr lang="en-US"/>
           </a:p>
@@ -1818,7 +1819,7 @@
           <a:p>
             <a:fld id="{65F3756F-6BA0-BE41-9226-AD7D2B2262FF}" type="datetimeFigureOut">
               <a:rPr lang="en-US" smtClean="0"/>
-              <a:t>8/4/20</a:t>
+              <a:t>8/9/20</a:t>
             </a:fld>
             <a:endParaRPr lang="en-US"/>
           </a:p>
@@ -1959,7 +1960,7 @@
           <a:p>
             <a:fld id="{65F3756F-6BA0-BE41-9226-AD7D2B2262FF}" type="datetimeFigureOut">
               <a:rPr lang="en-US" smtClean="0"/>
-              <a:t>8/4/20</a:t>
+              <a:t>8/9/20</a:t>
             </a:fld>
             <a:endParaRPr lang="en-US"/>
           </a:p>
@@ -2072,7 +2073,7 @@
           <a:p>
             <a:fld id="{65F3756F-6BA0-BE41-9226-AD7D2B2262FF}" type="datetimeFigureOut">
               <a:rPr lang="en-US" smtClean="0"/>
-              <a:t>8/4/20</a:t>
+              <a:t>8/9/20</a:t>
             </a:fld>
             <a:endParaRPr lang="en-US"/>
           </a:p>
@@ -2383,7 +2384,7 @@
           <a:p>
             <a:fld id="{65F3756F-6BA0-BE41-9226-AD7D2B2262FF}" type="datetimeFigureOut">
               <a:rPr lang="en-US" smtClean="0"/>
-              <a:t>8/4/20</a:t>
+              <a:t>8/9/20</a:t>
             </a:fld>
             <a:endParaRPr lang="en-US"/>
           </a:p>
@@ -2671,7 +2672,7 @@
           <a:p>
             <a:fld id="{65F3756F-6BA0-BE41-9226-AD7D2B2262FF}" type="datetimeFigureOut">
               <a:rPr lang="en-US" smtClean="0"/>
-              <a:t>8/4/20</a:t>
+              <a:t>8/9/20</a:t>
             </a:fld>
             <a:endParaRPr lang="en-US"/>
           </a:p>
@@ -2912,7 +2913,7 @@
           <a:p>
             <a:fld id="{65F3756F-6BA0-BE41-9226-AD7D2B2262FF}" type="datetimeFigureOut">
               <a:rPr lang="en-US" smtClean="0"/>
-              <a:t>8/4/20</a:t>
+              <a:t>8/9/20</a:t>
             </a:fld>
             <a:endParaRPr lang="en-US"/>
           </a:p>
@@ -4613,7 +4614,7 @@
         <p:spPr>
           <a:xfrm>
             <a:off x="7021369" y="3580826"/>
-            <a:ext cx="5213436" cy="2923877"/>
+            <a:ext cx="5213436" cy="3139321"/>
           </a:xfrm>
           <a:prstGeom prst="rect">
             <a:avLst/>
@@ -4682,6 +4683,16 @@
                 </a:solidFill>
               </a:rPr>
               <a:t>Email:</a:t>
+            </a:r>
+          </a:p>
+          <a:p>
+            <a:r>
+              <a:rPr lang="en-US" sz="1400" dirty="0">
+                <a:solidFill>
+                  <a:schemeClr val="accent6"/>
+                </a:solidFill>
+              </a:rPr>
+              <a:t>Phone:</a:t>
             </a:r>
           </a:p>
           <a:p>
@@ -8877,6 +8888,327 @@
 </p:sld>
 </file>
 
+<file path=ppt/slides/slide5.xml><?xml version="1.0" encoding="utf-8"?>
+<p:sld xmlns:a="http://schemas.openxmlformats.org/drawingml/2006/main" xmlns:r="http://schemas.openxmlformats.org/officeDocument/2006/relationships" xmlns:p="http://schemas.openxmlformats.org/presentationml/2006/main">
+  <p:cSld>
+    <p:spTree>
+      <p:nvGrpSpPr>
+        <p:cNvPr id="1" name=""/>
+        <p:cNvGrpSpPr/>
+        <p:nvPr/>
+      </p:nvGrpSpPr>
+      <p:grpSpPr>
+        <a:xfrm>
+          <a:off x="0" y="0"/>
+          <a:ext cx="0" cy="0"/>
+          <a:chOff x="0" y="0"/>
+          <a:chExt cx="0" cy="0"/>
+        </a:xfrm>
+      </p:grpSpPr>
+      <p:sp>
+        <p:nvSpPr>
+          <p:cNvPr id="2" name="TextBox 1">
+            <a:extLst>
+              <a:ext uri="{FF2B5EF4-FFF2-40B4-BE49-F238E27FC236}">
+                <a16:creationId xmlns:a16="http://schemas.microsoft.com/office/drawing/2014/main" id="{99045F7A-86CA-9A48-A548-F5B4881DBA7B}"/>
+              </a:ext>
+            </a:extLst>
+          </p:cNvPr>
+          <p:cNvSpPr txBox="1"/>
+          <p:nvPr/>
+        </p:nvSpPr>
+        <p:spPr>
+          <a:xfrm>
+            <a:off x="471948" y="599768"/>
+            <a:ext cx="9989575" cy="5078313"/>
+          </a:xfrm>
+          <a:prstGeom prst="rect">
+            <a:avLst/>
+          </a:prstGeom>
+          <a:noFill/>
+        </p:spPr>
+        <p:txBody>
+          <a:bodyPr wrap="square" rtlCol="0">
+            <a:spAutoFit/>
+          </a:bodyPr>
+          <a:lstStyle/>
+          <a:p>
+            <a:r>
+              <a:rPr lang="en-US" dirty="0"/>
+              <a:t>Time/Rank considerations:</a:t>
+            </a:r>
+          </a:p>
+          <a:p>
+            <a:endParaRPr lang="en-US" dirty="0"/>
+          </a:p>
+          <a:p>
+            <a:pPr marL="342900" indent="-342900">
+              <a:buAutoNum type="arabicPeriod"/>
+            </a:pPr>
+            <a:r>
+              <a:rPr lang="en-US" dirty="0"/>
+              <a:t>We need a routine to determine the time of the start of the new hockey day.</a:t>
+            </a:r>
+          </a:p>
+          <a:p>
+            <a:pPr marL="800100" lvl="1" indent="-342900">
+              <a:buAutoNum type="arabicPeriod"/>
+            </a:pPr>
+            <a:r>
+              <a:rPr lang="en-US" dirty="0" err="1"/>
+              <a:t>startOfDay</a:t>
+            </a:r>
+            <a:r>
+              <a:rPr lang="en-US" dirty="0"/>
+              <a:t> = 16:30   (but on some days 19:30 PST) </a:t>
+            </a:r>
+          </a:p>
+          <a:p>
+            <a:pPr marL="800100" lvl="1" indent="-342900">
+              <a:buAutoNum type="arabicPeriod"/>
+            </a:pPr>
+            <a:r>
+              <a:rPr lang="en-US" dirty="0" err="1"/>
+              <a:t>gameToday</a:t>
+            </a:r>
+            <a:r>
+              <a:rPr lang="en-US" dirty="0"/>
+              <a:t> (Boolean) </a:t>
+            </a:r>
+          </a:p>
+          <a:p>
+            <a:pPr marL="342900" indent="-342900">
+              <a:buAutoNum type="arabicPeriod"/>
+            </a:pPr>
+            <a:r>
+              <a:rPr lang="en-US" dirty="0"/>
+              <a:t>Rank kicks off (</a:t>
+            </a:r>
+            <a:r>
+              <a:rPr lang="en-US" dirty="0" err="1"/>
+              <a:t>ie</a:t>
+            </a:r>
+            <a:r>
+              <a:rPr lang="en-US" dirty="0"/>
+              <a:t>. Setting </a:t>
+            </a:r>
+            <a:r>
+              <a:rPr lang="en-US" dirty="0" err="1"/>
+              <a:t>previousRank</a:t>
+            </a:r>
+            <a:r>
+              <a:rPr lang="en-US" dirty="0"/>
+              <a:t> = </a:t>
+            </a:r>
+            <a:r>
+              <a:rPr lang="en-US" dirty="0" err="1"/>
+              <a:t>currentRank</a:t>
+            </a:r>
+            <a:r>
+              <a:rPr lang="en-US" dirty="0"/>
+              <a:t>) at </a:t>
+            </a:r>
+            <a:r>
+              <a:rPr lang="en-US" dirty="0" err="1"/>
+              <a:t>startOfDay</a:t>
+            </a:r>
+            <a:endParaRPr lang="en-US" dirty="0"/>
+          </a:p>
+          <a:p>
+            <a:pPr marL="342900" indent="-342900">
+              <a:buAutoNum type="arabicPeriod"/>
+            </a:pPr>
+            <a:r>
+              <a:rPr lang="en-US" dirty="0"/>
+              <a:t>All comparisons (</a:t>
+            </a:r>
+            <a:r>
+              <a:rPr lang="en-US" dirty="0" err="1"/>
+              <a:t>eg.</a:t>
+            </a:r>
+            <a:r>
+              <a:rPr lang="en-US" dirty="0"/>
+              <a:t> </a:t>
+            </a:r>
+            <a:r>
+              <a:rPr lang="en-US" dirty="0" err="1"/>
+              <a:t>pTeams</a:t>
+            </a:r>
+            <a:r>
+              <a:rPr lang="en-US" dirty="0"/>
+              <a:t> moving up/down in rank) of Rank are done </a:t>
+            </a:r>
+            <a:r>
+              <a:rPr lang="en-US" dirty="0" err="1"/>
+              <a:t>comparying</a:t>
+            </a:r>
+            <a:r>
+              <a:rPr lang="en-US" dirty="0"/>
+              <a:t> </a:t>
+            </a:r>
+            <a:r>
+              <a:rPr lang="en-US" dirty="0" err="1"/>
+              <a:t>currentRank</a:t>
+            </a:r>
+            <a:r>
+              <a:rPr lang="en-US" dirty="0"/>
+              <a:t> to </a:t>
+            </a:r>
+            <a:r>
+              <a:rPr lang="en-US" dirty="0" err="1"/>
+              <a:t>previousRank</a:t>
+            </a:r>
+            <a:r>
+              <a:rPr lang="en-US" dirty="0"/>
+              <a:t>.  </a:t>
+            </a:r>
+          </a:p>
+          <a:p>
+            <a:pPr marL="342900" indent="-342900">
+              <a:buAutoNum type="arabicPeriod"/>
+            </a:pPr>
+            <a:r>
+              <a:rPr lang="en-US" dirty="0"/>
+              <a:t>We need to ensure the implementation doesn’t have a race condition when setting </a:t>
+            </a:r>
+            <a:r>
+              <a:rPr lang="en-US" dirty="0" err="1"/>
+              <a:t>previousRank</a:t>
+            </a:r>
+            <a:r>
+              <a:rPr lang="en-US" dirty="0"/>
+              <a:t> to </a:t>
+            </a:r>
+            <a:r>
+              <a:rPr lang="en-US" dirty="0" err="1"/>
+              <a:t>currentRank</a:t>
+            </a:r>
+            <a:r>
+              <a:rPr lang="en-US" dirty="0"/>
+              <a:t>.  </a:t>
+            </a:r>
+          </a:p>
+          <a:p>
+            <a:pPr marL="342900" indent="-342900">
+              <a:buAutoNum type="arabicPeriod"/>
+            </a:pPr>
+            <a:r>
+              <a:rPr lang="en-US" dirty="0"/>
+              <a:t>If there are no games today, then </a:t>
+            </a:r>
+            <a:r>
+              <a:rPr lang="en-US" dirty="0" err="1"/>
+              <a:t>startOfDay</a:t>
+            </a:r>
+            <a:r>
+              <a:rPr lang="en-US" dirty="0"/>
+              <a:t> … doesn’t happen.   Programmatically, we’ll have to figure out how to implement this … but the net effect of this is that </a:t>
+            </a:r>
+            <a:r>
+              <a:rPr lang="en-US" dirty="0" err="1"/>
+              <a:t>yesterdayRank</a:t>
+            </a:r>
+            <a:r>
+              <a:rPr lang="en-US" dirty="0"/>
+              <a:t> remains as the day </a:t>
+            </a:r>
+            <a:r>
+              <a:rPr lang="en-US" dirty="0" err="1"/>
+              <a:t>before’s</a:t>
+            </a:r>
+            <a:r>
+              <a:rPr lang="en-US" dirty="0"/>
+              <a:t> rank and is not set to </a:t>
+            </a:r>
+            <a:r>
+              <a:rPr lang="en-US" dirty="0" err="1"/>
+              <a:t>currentRank</a:t>
+            </a:r>
+            <a:r>
+              <a:rPr lang="en-US" dirty="0"/>
+              <a:t>.   </a:t>
+            </a:r>
+            <a:r>
+              <a:rPr lang="en-US" dirty="0" err="1"/>
+              <a:t>previousRank</a:t>
+            </a:r>
+            <a:r>
+              <a:rPr lang="en-US" dirty="0"/>
+              <a:t> only gets set to </a:t>
+            </a:r>
+            <a:r>
+              <a:rPr lang="en-US" dirty="0" err="1"/>
+              <a:t>currentRank</a:t>
+            </a:r>
+            <a:r>
+              <a:rPr lang="en-US" dirty="0"/>
+              <a:t> immediately before (say 5 minutes before) the first game.</a:t>
+            </a:r>
+          </a:p>
+          <a:p>
+            <a:pPr marL="342900" indent="-342900">
+              <a:buAutoNum type="arabicPeriod"/>
+            </a:pPr>
+            <a:endParaRPr lang="en-US" dirty="0"/>
+          </a:p>
+          <a:p>
+            <a:pPr marL="342900" indent="-342900">
+              <a:buAutoNum type="arabicPeriod"/>
+            </a:pPr>
+            <a:r>
+              <a:rPr lang="en-US" dirty="0"/>
+              <a:t>Routines that need to be written:</a:t>
+            </a:r>
+          </a:p>
+          <a:p>
+            <a:pPr marL="800100" lvl="1" indent="-342900">
+              <a:buAutoNum type="arabicPeriod"/>
+            </a:pPr>
+            <a:r>
+              <a:rPr lang="en-US" dirty="0" err="1"/>
+              <a:t>isThereGameToday</a:t>
+            </a:r>
+            <a:r>
+              <a:rPr lang="en-US" dirty="0"/>
+              <a:t>()   returns Boolean</a:t>
+            </a:r>
+          </a:p>
+          <a:p>
+            <a:pPr marL="800100" lvl="1" indent="-342900">
+              <a:buAutoNum type="arabicPeriod"/>
+            </a:pPr>
+            <a:r>
+              <a:rPr lang="en-US" dirty="0" err="1"/>
+              <a:t>startOfDay</a:t>
+            </a:r>
+            <a:r>
+              <a:rPr lang="en-US" dirty="0"/>
+              <a:t>()  returns Time of first game;  if no game returns NULL.   (calls </a:t>
+            </a:r>
+            <a:r>
+              <a:rPr lang="en-US" dirty="0" err="1"/>
+              <a:t>isThereGameToday</a:t>
+            </a:r>
+            <a:r>
+              <a:rPr lang="en-US" dirty="0"/>
+              <a:t>())</a:t>
+            </a:r>
+          </a:p>
+        </p:txBody>
+      </p:sp>
+    </p:spTree>
+    <p:extLst>
+      <p:ext uri="{BB962C8B-B14F-4D97-AF65-F5344CB8AC3E}">
+        <p14:creationId xmlns:p14="http://schemas.microsoft.com/office/powerpoint/2010/main" val="1386680560"/>
+      </p:ext>
+    </p:extLst>
+  </p:cSld>
+  <p:clrMapOvr>
+    <a:masterClrMapping/>
+  </p:clrMapOvr>
+</p:sld>
+</file>
+
 <file path=ppt/theme/theme1.xml><?xml version="1.0" encoding="utf-8"?>
 <a:theme xmlns:a="http://schemas.openxmlformats.org/drawingml/2006/main" name="Office Theme">
   <a:themeElements>
